--- a/MLPy2021_slides.pptx
+++ b/MLPy2021_slides.pptx
@@ -6296,7 +6296,7 @@
           <a:p>
             <a:fld id="{89239DE2-7BD6-4DB3-8E72-E0075091CE8D}" type="datetimeFigureOut">
               <a:rPr lang="de-DE" smtClean="0"/>
-              <a:t>14.04.2021</a:t>
+              <a:t>22.04.2021</a:t>
             </a:fld>
             <a:endParaRPr lang="de-DE"/>
           </a:p>
@@ -6461,7 +6461,7 @@
           <a:p>
             <a:fld id="{31627992-0BBF-4E46-9509-BDA39CE6BFA3}" type="datetimeFigureOut">
               <a:rPr lang="de-DE" smtClean="0"/>
-              <a:t>14.04.2021</a:t>
+              <a:t>22.04.2021</a:t>
             </a:fld>
             <a:endParaRPr lang="de-DE"/>
           </a:p>
@@ -13797,7 +13797,7 @@
             <p:ph idx="1"/>
             <p:extLst>
               <p:ext uri="{D42A27DB-BD31-4B8C-83A1-F6EECF244321}">
-                <p14:modId xmlns:p14="http://schemas.microsoft.com/office/powerpoint/2010/main" val="2641283902"/>
+                <p14:modId xmlns:p14="http://schemas.microsoft.com/office/powerpoint/2010/main" val="4244853199"/>
               </p:ext>
             </p:extLst>
           </p:nvPr>

--- a/MLPy2021_slides.pptx
+++ b/MLPy2021_slides.pptx
@@ -6296,7 +6296,7 @@
           <a:p>
             <a:fld id="{89239DE2-7BD6-4DB3-8E72-E0075091CE8D}" type="datetimeFigureOut">
               <a:rPr lang="de-DE" smtClean="0"/>
-              <a:t>22.04.2021</a:t>
+              <a:t>29.04.2021</a:t>
             </a:fld>
             <a:endParaRPr lang="de-DE"/>
           </a:p>
@@ -6461,7 +6461,7 @@
           <a:p>
             <a:fld id="{31627992-0BBF-4E46-9509-BDA39CE6BFA3}" type="datetimeFigureOut">
               <a:rPr lang="de-DE" smtClean="0"/>
-              <a:t>22.04.2021</a:t>
+              <a:t>29.04.2021</a:t>
             </a:fld>
             <a:endParaRPr lang="de-DE"/>
           </a:p>
@@ -13797,7 +13797,7 @@
             <p:ph idx="1"/>
             <p:extLst>
               <p:ext uri="{D42A27DB-BD31-4B8C-83A1-F6EECF244321}">
-                <p14:modId xmlns:p14="http://schemas.microsoft.com/office/powerpoint/2010/main" val="4244853199"/>
+                <p14:modId xmlns:p14="http://schemas.microsoft.com/office/powerpoint/2010/main" val="2625354219"/>
               </p:ext>
             </p:extLst>
           </p:nvPr>

--- a/MLPy2021_slides.pptx
+++ b/MLPy2021_slides.pptx
@@ -6296,7 +6296,7 @@
           <a:p>
             <a:fld id="{89239DE2-7BD6-4DB3-8E72-E0075091CE8D}" type="datetimeFigureOut">
               <a:rPr lang="de-DE" smtClean="0"/>
-              <a:t>29.04.2021</a:t>
+              <a:t>06.05.2021</a:t>
             </a:fld>
             <a:endParaRPr lang="de-DE"/>
           </a:p>
@@ -6461,7 +6461,7 @@
           <a:p>
             <a:fld id="{31627992-0BBF-4E46-9509-BDA39CE6BFA3}" type="datetimeFigureOut">
               <a:rPr lang="de-DE" smtClean="0"/>
-              <a:t>29.04.2021</a:t>
+              <a:t>06.05.2021</a:t>
             </a:fld>
             <a:endParaRPr lang="de-DE"/>
           </a:p>
@@ -13797,7 +13797,7 @@
             <p:ph idx="1"/>
             <p:extLst>
               <p:ext uri="{D42A27DB-BD31-4B8C-83A1-F6EECF244321}">
-                <p14:modId xmlns:p14="http://schemas.microsoft.com/office/powerpoint/2010/main" val="2625354219"/>
+                <p14:modId xmlns:p14="http://schemas.microsoft.com/office/powerpoint/2010/main" val="4272608622"/>
               </p:ext>
             </p:extLst>
           </p:nvPr>

--- a/MLPy2021_slides.pptx
+++ b/MLPy2021_slides.pptx
@@ -5,27 +5,25 @@
     <p:sldMasterId id="2147483648" r:id="rId1"/>
   </p:sldMasterIdLst>
   <p:notesMasterIdLst>
-    <p:notesMasterId r:id="rId17"/>
+    <p:notesMasterId r:id="rId15"/>
   </p:notesMasterIdLst>
   <p:handoutMasterIdLst>
-    <p:handoutMasterId r:id="rId18"/>
+    <p:handoutMasterId r:id="rId16"/>
   </p:handoutMasterIdLst>
   <p:sldIdLst>
     <p:sldId id="256" r:id="rId2"/>
     <p:sldId id="472" r:id="rId3"/>
     <p:sldId id="469" r:id="rId4"/>
     <p:sldId id="470" r:id="rId5"/>
-    <p:sldId id="468" r:id="rId6"/>
-    <p:sldId id="466" r:id="rId7"/>
-    <p:sldId id="476" r:id="rId8"/>
-    <p:sldId id="475" r:id="rId9"/>
-    <p:sldId id="478" r:id="rId10"/>
-    <p:sldId id="481" r:id="rId11"/>
-    <p:sldId id="484" r:id="rId12"/>
-    <p:sldId id="483" r:id="rId13"/>
-    <p:sldId id="482" r:id="rId14"/>
-    <p:sldId id="467" r:id="rId15"/>
-    <p:sldId id="465" r:id="rId16"/>
+    <p:sldId id="476" r:id="rId6"/>
+    <p:sldId id="475" r:id="rId7"/>
+    <p:sldId id="478" r:id="rId8"/>
+    <p:sldId id="481" r:id="rId9"/>
+    <p:sldId id="484" r:id="rId10"/>
+    <p:sldId id="483" r:id="rId11"/>
+    <p:sldId id="482" r:id="rId12"/>
+    <p:sldId id="467" r:id="rId13"/>
+    <p:sldId id="465" r:id="rId14"/>
   </p:sldIdLst>
   <p:sldSz cx="12192000" cy="6858000"/>
   <p:notesSz cx="7099300" cy="10234613"/>
@@ -157,6063 +155,6 @@
 </p:presentation>
 </file>
 
-<file path=ppt/diagrams/colors1.xml><?xml version="1.0" encoding="utf-8"?>
-<dgm:colorsDef xmlns:dgm="http://schemas.openxmlformats.org/drawingml/2006/diagram" xmlns:a="http://schemas.openxmlformats.org/drawingml/2006/main" uniqueId="urn:microsoft.com/office/officeart/2005/8/colors/accent1_2">
-  <dgm:title val=""/>
-  <dgm:desc val=""/>
-  <dgm:catLst>
-    <dgm:cat type="accent1" pri="11200"/>
-  </dgm:catLst>
-  <dgm:styleLbl name="node0">
-    <dgm:fillClrLst meth="repeat">
-      <a:schemeClr val="accent1"/>
-    </dgm:fillClrLst>
-    <dgm:linClrLst meth="repeat">
-      <a:schemeClr val="lt1"/>
-    </dgm:linClrLst>
-    <dgm:effectClrLst/>
-    <dgm:txLinClrLst/>
-    <dgm:txFillClrLst/>
-    <dgm:txEffectClrLst/>
-  </dgm:styleLbl>
-  <dgm:styleLbl name="alignNode1">
-    <dgm:fillClrLst meth="repeat">
-      <a:schemeClr val="accent1"/>
-    </dgm:fillClrLst>
-    <dgm:linClrLst meth="repeat">
-      <a:schemeClr val="accent1"/>
-    </dgm:linClrLst>
-    <dgm:effectClrLst/>
-    <dgm:txLinClrLst/>
-    <dgm:txFillClrLst/>
-    <dgm:txEffectClrLst/>
-  </dgm:styleLbl>
-  <dgm:styleLbl name="node1">
-    <dgm:fillClrLst meth="repeat">
-      <a:schemeClr val="accent1"/>
-    </dgm:fillClrLst>
-    <dgm:linClrLst meth="repeat">
-      <a:schemeClr val="lt1"/>
-    </dgm:linClrLst>
-    <dgm:effectClrLst/>
-    <dgm:txLinClrLst/>
-    <dgm:txFillClrLst/>
-    <dgm:txEffectClrLst/>
-  </dgm:styleLbl>
-  <dgm:styleLbl name="lnNode1">
-    <dgm:fillClrLst meth="repeat">
-      <a:schemeClr val="accent1"/>
-    </dgm:fillClrLst>
-    <dgm:linClrLst meth="repeat">
-      <a:schemeClr val="lt1"/>
-    </dgm:linClrLst>
-    <dgm:effectClrLst/>
-    <dgm:txLinClrLst/>
-    <dgm:txFillClrLst/>
-    <dgm:txEffectClrLst/>
-  </dgm:styleLbl>
-  <dgm:styleLbl name="vennNode1">
-    <dgm:fillClrLst meth="repeat">
-      <a:schemeClr val="accent1">
-        <a:alpha val="50000"/>
-      </a:schemeClr>
-    </dgm:fillClrLst>
-    <dgm:linClrLst meth="repeat">
-      <a:schemeClr val="lt1"/>
-    </dgm:linClrLst>
-    <dgm:effectClrLst/>
-    <dgm:txLinClrLst/>
-    <dgm:txFillClrLst/>
-    <dgm:txEffectClrLst/>
-  </dgm:styleLbl>
-  <dgm:styleLbl name="node2">
-    <dgm:fillClrLst meth="repeat">
-      <a:schemeClr val="accent1"/>
-    </dgm:fillClrLst>
-    <dgm:linClrLst meth="repeat">
-      <a:schemeClr val="lt1"/>
-    </dgm:linClrLst>
-    <dgm:effectClrLst/>
-    <dgm:txLinClrLst/>
-    <dgm:txFillClrLst/>
-    <dgm:txEffectClrLst/>
-  </dgm:styleLbl>
-  <dgm:styleLbl name="node3">
-    <dgm:fillClrLst meth="repeat">
-      <a:schemeClr val="accent1"/>
-    </dgm:fillClrLst>
-    <dgm:linClrLst meth="repeat">
-      <a:schemeClr val="lt1"/>
-    </dgm:linClrLst>
-    <dgm:effectClrLst/>
-    <dgm:txLinClrLst/>
-    <dgm:txFillClrLst/>
-    <dgm:txEffectClrLst/>
-  </dgm:styleLbl>
-  <dgm:styleLbl name="node4">
-    <dgm:fillClrLst meth="repeat">
-      <a:schemeClr val="accent1"/>
-    </dgm:fillClrLst>
-    <dgm:linClrLst meth="repeat">
-      <a:schemeClr val="lt1"/>
-    </dgm:linClrLst>
-    <dgm:effectClrLst/>
-    <dgm:txLinClrLst/>
-    <dgm:txFillClrLst/>
-    <dgm:txEffectClrLst/>
-  </dgm:styleLbl>
-  <dgm:styleLbl name="fgImgPlace1">
-    <dgm:fillClrLst meth="repeat">
-      <a:schemeClr val="accent1">
-        <a:tint val="50000"/>
-      </a:schemeClr>
-    </dgm:fillClrLst>
-    <dgm:linClrLst meth="repeat">
-      <a:schemeClr val="lt1"/>
-    </dgm:linClrLst>
-    <dgm:effectClrLst/>
-    <dgm:txLinClrLst/>
-    <dgm:txFillClrLst meth="repeat">
-      <a:schemeClr val="lt1"/>
-    </dgm:txFillClrLst>
-    <dgm:txEffectClrLst/>
-  </dgm:styleLbl>
-  <dgm:styleLbl name="alignImgPlace1">
-    <dgm:fillClrLst meth="repeat">
-      <a:schemeClr val="accent1">
-        <a:tint val="50000"/>
-      </a:schemeClr>
-    </dgm:fillClrLst>
-    <dgm:linClrLst meth="repeat">
-      <a:schemeClr val="lt1"/>
-    </dgm:linClrLst>
-    <dgm:effectClrLst/>
-    <dgm:txLinClrLst/>
-    <dgm:txFillClrLst meth="repeat">
-      <a:schemeClr val="lt1"/>
-    </dgm:txFillClrLst>
-    <dgm:txEffectClrLst/>
-  </dgm:styleLbl>
-  <dgm:styleLbl name="bgImgPlace1">
-    <dgm:fillClrLst meth="repeat">
-      <a:schemeClr val="accent1">
-        <a:tint val="50000"/>
-      </a:schemeClr>
-    </dgm:fillClrLst>
-    <dgm:linClrLst meth="repeat">
-      <a:schemeClr val="lt1"/>
-    </dgm:linClrLst>
-    <dgm:effectClrLst/>
-    <dgm:txLinClrLst/>
-    <dgm:txFillClrLst meth="repeat">
-      <a:schemeClr val="lt1"/>
-    </dgm:txFillClrLst>
-    <dgm:txEffectClrLst/>
-  </dgm:styleLbl>
-  <dgm:styleLbl name="sibTrans2D1">
-    <dgm:fillClrLst meth="repeat">
-      <a:schemeClr val="accent1">
-        <a:tint val="60000"/>
-      </a:schemeClr>
-    </dgm:fillClrLst>
-    <dgm:linClrLst meth="repeat">
-      <a:schemeClr val="accent1">
-        <a:tint val="60000"/>
-      </a:schemeClr>
-    </dgm:linClrLst>
-    <dgm:effectClrLst/>
-    <dgm:txLinClrLst/>
-    <dgm:txFillClrLst/>
-    <dgm:txEffectClrLst/>
-  </dgm:styleLbl>
-  <dgm:styleLbl name="fgSibTrans2D1">
-    <dgm:fillClrLst meth="repeat">
-      <a:schemeClr val="accent1">
-        <a:tint val="60000"/>
-      </a:schemeClr>
-    </dgm:fillClrLst>
-    <dgm:linClrLst meth="repeat">
-      <a:schemeClr val="accent1">
-        <a:tint val="60000"/>
-      </a:schemeClr>
-    </dgm:linClrLst>
-    <dgm:effectClrLst/>
-    <dgm:txLinClrLst/>
-    <dgm:txFillClrLst/>
-    <dgm:txEffectClrLst/>
-  </dgm:styleLbl>
-  <dgm:styleLbl name="bgSibTrans2D1">
-    <dgm:fillClrLst meth="repeat">
-      <a:schemeClr val="accent1">
-        <a:tint val="60000"/>
-      </a:schemeClr>
-    </dgm:fillClrLst>
-    <dgm:linClrLst meth="repeat">
-      <a:schemeClr val="accent1">
-        <a:tint val="60000"/>
-      </a:schemeClr>
-    </dgm:linClrLst>
-    <dgm:effectClrLst/>
-    <dgm:txLinClrLst/>
-    <dgm:txFillClrLst/>
-    <dgm:txEffectClrLst/>
-  </dgm:styleLbl>
-  <dgm:styleLbl name="sibTrans1D1">
-    <dgm:fillClrLst meth="repeat">
-      <a:schemeClr val="accent1"/>
-    </dgm:fillClrLst>
-    <dgm:linClrLst meth="repeat">
-      <a:schemeClr val="accent1"/>
-    </dgm:linClrLst>
-    <dgm:effectClrLst/>
-    <dgm:txLinClrLst/>
-    <dgm:txFillClrLst meth="repeat">
-      <a:schemeClr val="tx1"/>
-    </dgm:txFillClrLst>
-    <dgm:txEffectClrLst/>
-  </dgm:styleLbl>
-  <dgm:styleLbl name="callout">
-    <dgm:fillClrLst meth="repeat">
-      <a:schemeClr val="accent1"/>
-    </dgm:fillClrLst>
-    <dgm:linClrLst meth="repeat">
-      <a:schemeClr val="accent1">
-        <a:tint val="50000"/>
-      </a:schemeClr>
-    </dgm:linClrLst>
-    <dgm:effectClrLst/>
-    <dgm:txLinClrLst/>
-    <dgm:txFillClrLst meth="repeat">
-      <a:schemeClr val="tx1"/>
-    </dgm:txFillClrLst>
-    <dgm:txEffectClrLst/>
-  </dgm:styleLbl>
-  <dgm:styleLbl name="asst0">
-    <dgm:fillClrLst meth="repeat">
-      <a:schemeClr val="accent1"/>
-    </dgm:fillClrLst>
-    <dgm:linClrLst meth="repeat">
-      <a:schemeClr val="lt1"/>
-    </dgm:linClrLst>
-    <dgm:effectClrLst/>
-    <dgm:txLinClrLst/>
-    <dgm:txFillClrLst/>
-    <dgm:txEffectClrLst/>
-  </dgm:styleLbl>
-  <dgm:styleLbl name="asst1">
-    <dgm:fillClrLst meth="repeat">
-      <a:schemeClr val="accent1"/>
-    </dgm:fillClrLst>
-    <dgm:linClrLst meth="repeat">
-      <a:schemeClr val="lt1"/>
-    </dgm:linClrLst>
-    <dgm:effectClrLst/>
-    <dgm:txLinClrLst/>
-    <dgm:txFillClrLst/>
-    <dgm:txEffectClrLst/>
-  </dgm:styleLbl>
-  <dgm:styleLbl name="asst2">
-    <dgm:fillClrLst meth="repeat">
-      <a:schemeClr val="accent1"/>
-    </dgm:fillClrLst>
-    <dgm:linClrLst meth="repeat">
-      <a:schemeClr val="lt1"/>
-    </dgm:linClrLst>
-    <dgm:effectClrLst/>
-    <dgm:txLinClrLst/>
-    <dgm:txFillClrLst/>
-    <dgm:txEffectClrLst/>
-  </dgm:styleLbl>
-  <dgm:styleLbl name="asst3">
-    <dgm:fillClrLst meth="repeat">
-      <a:schemeClr val="accent1"/>
-    </dgm:fillClrLst>
-    <dgm:linClrLst meth="repeat">
-      <a:schemeClr val="lt1"/>
-    </dgm:linClrLst>
-    <dgm:effectClrLst/>
-    <dgm:txLinClrLst/>
-    <dgm:txFillClrLst/>
-    <dgm:txEffectClrLst/>
-  </dgm:styleLbl>
-  <dgm:styleLbl name="asst4">
-    <dgm:fillClrLst meth="repeat">
-      <a:schemeClr val="accent1"/>
-    </dgm:fillClrLst>
-    <dgm:linClrLst meth="repeat">
-      <a:schemeClr val="lt1"/>
-    </dgm:linClrLst>
-    <dgm:effectClrLst/>
-    <dgm:txLinClrLst/>
-    <dgm:txFillClrLst/>
-    <dgm:txEffectClrLst/>
-  </dgm:styleLbl>
-  <dgm:styleLbl name="parChTrans2D1">
-    <dgm:fillClrLst meth="repeat">
-      <a:schemeClr val="accent1">
-        <a:tint val="60000"/>
-      </a:schemeClr>
-    </dgm:fillClrLst>
-    <dgm:linClrLst meth="repeat">
-      <a:schemeClr val="accent1">
-        <a:tint val="60000"/>
-      </a:schemeClr>
-    </dgm:linClrLst>
-    <dgm:effectClrLst/>
-    <dgm:txLinClrLst/>
-    <dgm:txFillClrLst meth="repeat">
-      <a:schemeClr val="lt1"/>
-    </dgm:txFillClrLst>
-    <dgm:txEffectClrLst/>
-  </dgm:styleLbl>
-  <dgm:styleLbl name="parChTrans2D2">
-    <dgm:fillClrLst meth="repeat">
-      <a:schemeClr val="accent1"/>
-    </dgm:fillClrLst>
-    <dgm:linClrLst meth="repeat">
-      <a:schemeClr val="accent1"/>
-    </dgm:linClrLst>
-    <dgm:effectClrLst/>
-    <dgm:txLinClrLst/>
-    <dgm:txFillClrLst meth="repeat">
-      <a:schemeClr val="lt1"/>
-    </dgm:txFillClrLst>
-    <dgm:txEffectClrLst/>
-  </dgm:styleLbl>
-  <dgm:styleLbl name="parChTrans2D3">
-    <dgm:fillClrLst meth="repeat">
-      <a:schemeClr val="accent1"/>
-    </dgm:fillClrLst>
-    <dgm:linClrLst meth="repeat">
-      <a:schemeClr val="accent1"/>
-    </dgm:linClrLst>
-    <dgm:effectClrLst/>
-    <dgm:txLinClrLst/>
-    <dgm:txFillClrLst meth="repeat">
-      <a:schemeClr val="lt1"/>
-    </dgm:txFillClrLst>
-    <dgm:txEffectClrLst/>
-  </dgm:styleLbl>
-  <dgm:styleLbl name="parChTrans2D4">
-    <dgm:fillClrLst meth="repeat">
-      <a:schemeClr val="accent1"/>
-    </dgm:fillClrLst>
-    <dgm:linClrLst meth="repeat">
-      <a:schemeClr val="accent1"/>
-    </dgm:linClrLst>
-    <dgm:effectClrLst/>
-    <dgm:txLinClrLst/>
-    <dgm:txFillClrLst meth="repeat">
-      <a:schemeClr val="lt1"/>
-    </dgm:txFillClrLst>
-    <dgm:txEffectClrLst/>
-  </dgm:styleLbl>
-  <dgm:styleLbl name="parChTrans1D1">
-    <dgm:fillClrLst meth="repeat">
-      <a:schemeClr val="accent1"/>
-    </dgm:fillClrLst>
-    <dgm:linClrLst meth="repeat">
-      <a:schemeClr val="accent1">
-        <a:shade val="60000"/>
-      </a:schemeClr>
-    </dgm:linClrLst>
-    <dgm:effectClrLst/>
-    <dgm:txLinClrLst/>
-    <dgm:txFillClrLst meth="repeat">
-      <a:schemeClr val="tx1"/>
-    </dgm:txFillClrLst>
-    <dgm:txEffectClrLst/>
-  </dgm:styleLbl>
-  <dgm:styleLbl name="parChTrans1D2">
-    <dgm:fillClrLst meth="repeat">
-      <a:schemeClr val="accent1"/>
-    </dgm:fillClrLst>
-    <dgm:linClrLst meth="repeat">
-      <a:schemeClr val="accent1">
-        <a:shade val="60000"/>
-      </a:schemeClr>
-    </dgm:linClrLst>
-    <dgm:effectClrLst/>
-    <dgm:txLinClrLst/>
-    <dgm:txFillClrLst meth="repeat">
-      <a:schemeClr val="tx1"/>
-    </dgm:txFillClrLst>
-    <dgm:txEffectClrLst/>
-  </dgm:styleLbl>
-  <dgm:styleLbl name="parChTrans1D3">
-    <dgm:fillClrLst meth="repeat">
-      <a:schemeClr val="accent1"/>
-    </dgm:fillClrLst>
-    <dgm:linClrLst meth="repeat">
-      <a:schemeClr val="accent1">
-        <a:shade val="80000"/>
-      </a:schemeClr>
-    </dgm:linClrLst>
-    <dgm:effectClrLst/>
-    <dgm:txLinClrLst/>
-    <dgm:txFillClrLst meth="repeat">
-      <a:schemeClr val="tx1"/>
-    </dgm:txFillClrLst>
-    <dgm:txEffectClrLst/>
-  </dgm:styleLbl>
-  <dgm:styleLbl name="parChTrans1D4">
-    <dgm:fillClrLst meth="repeat">
-      <a:schemeClr val="accent1"/>
-    </dgm:fillClrLst>
-    <dgm:linClrLst meth="repeat">
-      <a:schemeClr val="accent1">
-        <a:shade val="80000"/>
-      </a:schemeClr>
-    </dgm:linClrLst>
-    <dgm:effectClrLst/>
-    <dgm:txLinClrLst/>
-    <dgm:txFillClrLst meth="repeat">
-      <a:schemeClr val="tx1"/>
-    </dgm:txFillClrLst>
-    <dgm:txEffectClrLst/>
-  </dgm:styleLbl>
-  <dgm:styleLbl name="fgAcc1">
-    <dgm:fillClrLst meth="repeat">
-      <a:schemeClr val="lt1">
-        <a:alpha val="90000"/>
-      </a:schemeClr>
-    </dgm:fillClrLst>
-    <dgm:linClrLst meth="repeat">
-      <a:schemeClr val="accent1"/>
-    </dgm:linClrLst>
-    <dgm:effectClrLst/>
-    <dgm:txLinClrLst/>
-    <dgm:txFillClrLst meth="repeat">
-      <a:schemeClr val="dk1"/>
-    </dgm:txFillClrLst>
-    <dgm:txEffectClrLst/>
-  </dgm:styleLbl>
-  <dgm:styleLbl name="conFgAcc1">
-    <dgm:fillClrLst meth="repeat">
-      <a:schemeClr val="lt1">
-        <a:alpha val="90000"/>
-      </a:schemeClr>
-    </dgm:fillClrLst>
-    <dgm:linClrLst meth="repeat">
-      <a:schemeClr val="accent1"/>
-    </dgm:linClrLst>
-    <dgm:effectClrLst/>
-    <dgm:txLinClrLst/>
-    <dgm:txFillClrLst meth="repeat">
-      <a:schemeClr val="dk1"/>
-    </dgm:txFillClrLst>
-    <dgm:txEffectClrLst/>
-  </dgm:styleLbl>
-  <dgm:styleLbl name="alignAcc1">
-    <dgm:fillClrLst meth="repeat">
-      <a:schemeClr val="lt1">
-        <a:alpha val="90000"/>
-      </a:schemeClr>
-    </dgm:fillClrLst>
-    <dgm:linClrLst meth="repeat">
-      <a:schemeClr val="accent1"/>
-    </dgm:linClrLst>
-    <dgm:effectClrLst/>
-    <dgm:txLinClrLst/>
-    <dgm:txFillClrLst meth="repeat">
-      <a:schemeClr val="dk1"/>
-    </dgm:txFillClrLst>
-    <dgm:txEffectClrLst/>
-  </dgm:styleLbl>
-  <dgm:styleLbl name="trAlignAcc1">
-    <dgm:fillClrLst meth="repeat">
-      <a:schemeClr val="lt1">
-        <a:alpha val="40000"/>
-      </a:schemeClr>
-    </dgm:fillClrLst>
-    <dgm:linClrLst meth="repeat">
-      <a:schemeClr val="accent1"/>
-    </dgm:linClrLst>
-    <dgm:effectClrLst/>
-    <dgm:txLinClrLst/>
-    <dgm:txFillClrLst meth="repeat">
-      <a:schemeClr val="dk1"/>
-    </dgm:txFillClrLst>
-    <dgm:txEffectClrLst/>
-  </dgm:styleLbl>
-  <dgm:styleLbl name="bgAcc1">
-    <dgm:fillClrLst meth="repeat">
-      <a:schemeClr val="lt1">
-        <a:alpha val="90000"/>
-      </a:schemeClr>
-    </dgm:fillClrLst>
-    <dgm:linClrLst meth="repeat">
-      <a:schemeClr val="accent1"/>
-    </dgm:linClrLst>
-    <dgm:effectClrLst/>
-    <dgm:txLinClrLst/>
-    <dgm:txFillClrLst meth="repeat">
-      <a:schemeClr val="dk1"/>
-    </dgm:txFillClrLst>
-    <dgm:txEffectClrLst/>
-  </dgm:styleLbl>
-  <dgm:styleLbl name="solidFgAcc1">
-    <dgm:fillClrLst meth="repeat">
-      <a:schemeClr val="lt1"/>
-    </dgm:fillClrLst>
-    <dgm:linClrLst meth="repeat">
-      <a:schemeClr val="accent1"/>
-    </dgm:linClrLst>
-    <dgm:effectClrLst/>
-    <dgm:txLinClrLst/>
-    <dgm:txFillClrLst meth="repeat">
-      <a:schemeClr val="dk1"/>
-    </dgm:txFillClrLst>
-    <dgm:txEffectClrLst/>
-  </dgm:styleLbl>
-  <dgm:styleLbl name="solidAlignAcc1">
-    <dgm:fillClrLst meth="repeat">
-      <a:schemeClr val="lt1"/>
-    </dgm:fillClrLst>
-    <dgm:linClrLst meth="repeat">
-      <a:schemeClr val="accent1"/>
-    </dgm:linClrLst>
-    <dgm:effectClrLst/>
-    <dgm:txLinClrLst/>
-    <dgm:txFillClrLst meth="repeat">
-      <a:schemeClr val="dk1"/>
-    </dgm:txFillClrLst>
-    <dgm:txEffectClrLst/>
-  </dgm:styleLbl>
-  <dgm:styleLbl name="solidBgAcc1">
-    <dgm:fillClrLst meth="repeat">
-      <a:schemeClr val="lt1"/>
-    </dgm:fillClrLst>
-    <dgm:linClrLst meth="repeat">
-      <a:schemeClr val="accent1"/>
-    </dgm:linClrLst>
-    <dgm:effectClrLst/>
-    <dgm:txLinClrLst/>
-    <dgm:txFillClrLst meth="repeat">
-      <a:schemeClr val="dk1"/>
-    </dgm:txFillClrLst>
-    <dgm:txEffectClrLst/>
-  </dgm:styleLbl>
-  <dgm:styleLbl name="fgAccFollowNode1">
-    <dgm:fillClrLst meth="repeat">
-      <a:schemeClr val="accent1">
-        <a:alpha val="90000"/>
-        <a:tint val="40000"/>
-      </a:schemeClr>
-    </dgm:fillClrLst>
-    <dgm:linClrLst meth="repeat">
-      <a:schemeClr val="accent1">
-        <a:alpha val="90000"/>
-        <a:tint val="40000"/>
-      </a:schemeClr>
-    </dgm:linClrLst>
-    <dgm:effectClrLst/>
-    <dgm:txLinClrLst/>
-    <dgm:txFillClrLst meth="repeat">
-      <a:schemeClr val="dk1"/>
-    </dgm:txFillClrLst>
-    <dgm:txEffectClrLst/>
-  </dgm:styleLbl>
-  <dgm:styleLbl name="alignAccFollowNode1">
-    <dgm:fillClrLst meth="repeat">
-      <a:schemeClr val="accent1">
-        <a:alpha val="90000"/>
-        <a:tint val="40000"/>
-      </a:schemeClr>
-    </dgm:fillClrLst>
-    <dgm:linClrLst meth="repeat">
-      <a:schemeClr val="accent1">
-        <a:alpha val="90000"/>
-        <a:tint val="40000"/>
-      </a:schemeClr>
-    </dgm:linClrLst>
-    <dgm:effectClrLst/>
-    <dgm:txLinClrLst/>
-    <dgm:txFillClrLst meth="repeat">
-      <a:schemeClr val="dk1"/>
-    </dgm:txFillClrLst>
-    <dgm:txEffectClrLst/>
-  </dgm:styleLbl>
-  <dgm:styleLbl name="bgAccFollowNode1">
-    <dgm:fillClrLst meth="repeat">
-      <a:schemeClr val="accent1">
-        <a:alpha val="90000"/>
-        <a:tint val="40000"/>
-      </a:schemeClr>
-    </dgm:fillClrLst>
-    <dgm:linClrLst meth="repeat">
-      <a:schemeClr val="accent1">
-        <a:alpha val="90000"/>
-        <a:tint val="40000"/>
-      </a:schemeClr>
-    </dgm:linClrLst>
-    <dgm:effectClrLst/>
-    <dgm:txLinClrLst/>
-    <dgm:txFillClrLst meth="repeat">
-      <a:schemeClr val="dk1"/>
-    </dgm:txFillClrLst>
-    <dgm:txEffectClrLst/>
-  </dgm:styleLbl>
-  <dgm:styleLbl name="fgAcc0">
-    <dgm:fillClrLst meth="repeat">
-      <a:schemeClr val="lt1">
-        <a:alpha val="90000"/>
-      </a:schemeClr>
-    </dgm:fillClrLst>
-    <dgm:linClrLst meth="repeat">
-      <a:schemeClr val="accent1"/>
-    </dgm:linClrLst>
-    <dgm:effectClrLst/>
-    <dgm:txLinClrLst/>
-    <dgm:txFillClrLst meth="repeat">
-      <a:schemeClr val="dk1"/>
-    </dgm:txFillClrLst>
-    <dgm:txEffectClrLst/>
-  </dgm:styleLbl>
-  <dgm:styleLbl name="fgAcc2">
-    <dgm:fillClrLst meth="repeat">
-      <a:schemeClr val="lt1">
-        <a:alpha val="90000"/>
-      </a:schemeClr>
-    </dgm:fillClrLst>
-    <dgm:linClrLst meth="repeat">
-      <a:schemeClr val="accent1"/>
-    </dgm:linClrLst>
-    <dgm:effectClrLst/>
-    <dgm:txLinClrLst/>
-    <dgm:txFillClrLst meth="repeat">
-      <a:schemeClr val="dk1"/>
-    </dgm:txFillClrLst>
-    <dgm:txEffectClrLst/>
-  </dgm:styleLbl>
-  <dgm:styleLbl name="fgAcc3">
-    <dgm:fillClrLst meth="repeat">
-      <a:schemeClr val="lt1">
-        <a:alpha val="90000"/>
-      </a:schemeClr>
-    </dgm:fillClrLst>
-    <dgm:linClrLst meth="repeat">
-      <a:schemeClr val="accent1"/>
-    </dgm:linClrLst>
-    <dgm:effectClrLst/>
-    <dgm:txLinClrLst/>
-    <dgm:txFillClrLst meth="repeat">
-      <a:schemeClr val="dk1"/>
-    </dgm:txFillClrLst>
-    <dgm:txEffectClrLst/>
-  </dgm:styleLbl>
-  <dgm:styleLbl name="fgAcc4">
-    <dgm:fillClrLst meth="repeat">
-      <a:schemeClr val="lt1">
-        <a:alpha val="90000"/>
-      </a:schemeClr>
-    </dgm:fillClrLst>
-    <dgm:linClrLst meth="repeat">
-      <a:schemeClr val="accent1"/>
-    </dgm:linClrLst>
-    <dgm:effectClrLst/>
-    <dgm:txLinClrLst/>
-    <dgm:txFillClrLst meth="repeat">
-      <a:schemeClr val="dk1"/>
-    </dgm:txFillClrLst>
-    <dgm:txEffectClrLst/>
-  </dgm:styleLbl>
-  <dgm:styleLbl name="bgShp">
-    <dgm:fillClrLst meth="repeat">
-      <a:schemeClr val="accent1">
-        <a:tint val="40000"/>
-      </a:schemeClr>
-    </dgm:fillClrLst>
-    <dgm:linClrLst meth="repeat">
-      <a:schemeClr val="accent1"/>
-    </dgm:linClrLst>
-    <dgm:effectClrLst/>
-    <dgm:txLinClrLst/>
-    <dgm:txFillClrLst meth="repeat">
-      <a:schemeClr val="dk1"/>
-    </dgm:txFillClrLst>
-    <dgm:txEffectClrLst/>
-  </dgm:styleLbl>
-  <dgm:styleLbl name="dkBgShp">
-    <dgm:fillClrLst meth="repeat">
-      <a:schemeClr val="accent1">
-        <a:shade val="80000"/>
-      </a:schemeClr>
-    </dgm:fillClrLst>
-    <dgm:linClrLst meth="repeat">
-      <a:schemeClr val="accent1"/>
-    </dgm:linClrLst>
-    <dgm:effectClrLst/>
-    <dgm:txLinClrLst/>
-    <dgm:txFillClrLst meth="repeat">
-      <a:schemeClr val="lt1"/>
-    </dgm:txFillClrLst>
-    <dgm:txEffectClrLst/>
-  </dgm:styleLbl>
-  <dgm:styleLbl name="trBgShp">
-    <dgm:fillClrLst meth="repeat">
-      <a:schemeClr val="accent1">
-        <a:tint val="50000"/>
-        <a:alpha val="40000"/>
-      </a:schemeClr>
-    </dgm:fillClrLst>
-    <dgm:linClrLst meth="repeat">
-      <a:schemeClr val="accent1"/>
-    </dgm:linClrLst>
-    <dgm:effectClrLst/>
-    <dgm:txLinClrLst/>
-    <dgm:txFillClrLst meth="repeat">
-      <a:schemeClr val="lt1"/>
-    </dgm:txFillClrLst>
-    <dgm:txEffectClrLst/>
-  </dgm:styleLbl>
-  <dgm:styleLbl name="fgShp">
-    <dgm:fillClrLst meth="repeat">
-      <a:schemeClr val="accent1">
-        <a:tint val="60000"/>
-      </a:schemeClr>
-    </dgm:fillClrLst>
-    <dgm:linClrLst meth="repeat">
-      <a:schemeClr val="lt1"/>
-    </dgm:linClrLst>
-    <dgm:effectClrLst/>
-    <dgm:txLinClrLst/>
-    <dgm:txFillClrLst meth="repeat">
-      <a:schemeClr val="dk1"/>
-    </dgm:txFillClrLst>
-    <dgm:txEffectClrLst/>
-  </dgm:styleLbl>
-  <dgm:styleLbl name="revTx">
-    <dgm:fillClrLst meth="repeat">
-      <a:schemeClr val="lt1">
-        <a:alpha val="0"/>
-      </a:schemeClr>
-    </dgm:fillClrLst>
-    <dgm:linClrLst meth="repeat">
-      <a:schemeClr val="dk1">
-        <a:alpha val="0"/>
-      </a:schemeClr>
-    </dgm:linClrLst>
-    <dgm:effectClrLst/>
-    <dgm:txLinClrLst/>
-    <dgm:txFillClrLst meth="repeat">
-      <a:schemeClr val="tx1"/>
-    </dgm:txFillClrLst>
-    <dgm:txEffectClrLst/>
-  </dgm:styleLbl>
-</dgm:colorsDef>
-</file>
-
-<file path=ppt/diagrams/data1.xml><?xml version="1.0" encoding="utf-8"?>
-<dgm:dataModel xmlns:dgm="http://schemas.openxmlformats.org/drawingml/2006/diagram" xmlns:a="http://schemas.openxmlformats.org/drawingml/2006/main">
-  <dgm:ptLst>
-    <dgm:pt modelId="{5B1398D1-F9D7-456E-8A69-BB62B77A6038}" type="doc">
-      <dgm:prSet loTypeId="urn:microsoft.com/office/officeart/2005/8/layout/hierarchy5" loCatId="hierarchy" qsTypeId="urn:microsoft.com/office/officeart/2005/8/quickstyle/simple1" qsCatId="simple" csTypeId="urn:microsoft.com/office/officeart/2005/8/colors/accent1_2" csCatId="accent1" phldr="1"/>
-      <dgm:spPr/>
-      <dgm:t>
-        <a:bodyPr/>
-        <a:lstStyle/>
-        <a:p>
-          <a:endParaRPr lang="de-DE"/>
-        </a:p>
-      </dgm:t>
-    </dgm:pt>
-    <dgm:pt modelId="{83F39DF7-8A42-4324-9FC2-791373223FCF}">
-      <dgm:prSet phldrT="[Text]"/>
-      <dgm:spPr>
-        <a:solidFill>
-          <a:srgbClr val="00B0F0"/>
-        </a:solidFill>
-      </dgm:spPr>
-      <dgm:t>
-        <a:bodyPr/>
-        <a:lstStyle/>
-        <a:p>
-          <a:r>
-            <a:rPr lang="de-DE" dirty="0"/>
-            <a:t>Machine learning</a:t>
-          </a:r>
-        </a:p>
-      </dgm:t>
-    </dgm:pt>
-    <dgm:pt modelId="{FF13FD60-0DE0-440B-BA9C-2D55E207FDDF}" type="parTrans" cxnId="{D2887DA6-272D-4287-A5C2-6510D5AB72C0}">
-      <dgm:prSet/>
-      <dgm:spPr/>
-      <dgm:t>
-        <a:bodyPr/>
-        <a:lstStyle/>
-        <a:p>
-          <a:endParaRPr lang="de-DE"/>
-        </a:p>
-      </dgm:t>
-    </dgm:pt>
-    <dgm:pt modelId="{9E029C43-8D7A-4EC5-901E-AE4EAB60199F}" type="sibTrans" cxnId="{D2887DA6-272D-4287-A5C2-6510D5AB72C0}">
-      <dgm:prSet/>
-      <dgm:spPr/>
-      <dgm:t>
-        <a:bodyPr/>
-        <a:lstStyle/>
-        <a:p>
-          <a:endParaRPr lang="de-DE"/>
-        </a:p>
-      </dgm:t>
-    </dgm:pt>
-    <dgm:pt modelId="{6477D134-4842-47F1-80F3-BB13E33C4CD2}">
-      <dgm:prSet phldrT="[Text]" custT="1"/>
-      <dgm:spPr>
-        <a:solidFill>
-          <a:srgbClr val="00B0F0"/>
-        </a:solidFill>
-        <a:ln w="25400" cap="flat" cmpd="sng" algn="ctr">
-          <a:solidFill>
-            <a:prstClr val="white">
-              <a:hueOff val="0"/>
-              <a:satOff val="0"/>
-              <a:lumOff val="0"/>
-              <a:alphaOff val="0"/>
-            </a:prstClr>
-          </a:solidFill>
-          <a:prstDash val="solid"/>
-        </a:ln>
-        <a:effectLst/>
-      </dgm:spPr>
-      <dgm:t>
-        <a:bodyPr spcFirstLastPara="0" vert="horz" wrap="square" lIns="10160" tIns="10160" rIns="10160" bIns="10160" numCol="1" spcCol="1270" anchor="ctr" anchorCtr="0"/>
-        <a:lstStyle/>
-        <a:p>
-          <a:pPr marL="0" lvl="0" indent="0" algn="ctr" defTabSz="711200">
-            <a:lnSpc>
-              <a:spcPct val="90000"/>
-            </a:lnSpc>
-            <a:spcBef>
-              <a:spcPct val="0"/>
-            </a:spcBef>
-            <a:spcAft>
-              <a:spcPct val="35000"/>
-            </a:spcAft>
-            <a:buNone/>
-          </a:pPr>
-          <a:r>
-            <a:rPr lang="de-DE" sz="1600" kern="1200" dirty="0">
-              <a:solidFill>
-                <a:prstClr val="white"/>
-              </a:solidFill>
-              <a:latin typeface="Calibri"/>
-              <a:ea typeface="+mn-ea"/>
-              <a:cs typeface="+mn-cs"/>
-            </a:rPr>
-            <a:t>Supervised learning</a:t>
-          </a:r>
-        </a:p>
-      </dgm:t>
-    </dgm:pt>
-    <dgm:pt modelId="{7167C49E-0229-4311-82EE-D34519290136}" type="parTrans" cxnId="{5F59F307-2272-4A00-ADDF-B5D8120C1366}">
-      <dgm:prSet/>
-      <dgm:spPr/>
-      <dgm:t>
-        <a:bodyPr/>
-        <a:lstStyle/>
-        <a:p>
-          <a:endParaRPr lang="de-DE" dirty="0"/>
-        </a:p>
-      </dgm:t>
-    </dgm:pt>
-    <dgm:pt modelId="{FFCEA98E-65EC-45BD-B5DF-224160641D4B}" type="sibTrans" cxnId="{5F59F307-2272-4A00-ADDF-B5D8120C1366}">
-      <dgm:prSet/>
-      <dgm:spPr/>
-      <dgm:t>
-        <a:bodyPr/>
-        <a:lstStyle/>
-        <a:p>
-          <a:endParaRPr lang="de-DE"/>
-        </a:p>
-      </dgm:t>
-    </dgm:pt>
-    <dgm:pt modelId="{DB1C4F2D-4FC2-4841-A491-D3381913A963}">
-      <dgm:prSet phldrT="[Text]"/>
-      <dgm:spPr>
-        <a:solidFill>
-          <a:srgbClr val="00B0F0"/>
-        </a:solidFill>
-      </dgm:spPr>
-      <dgm:t>
-        <a:bodyPr/>
-        <a:lstStyle/>
-        <a:p>
-          <a:r>
-            <a:rPr lang="de-DE" dirty="0"/>
-            <a:t>Regression</a:t>
-          </a:r>
-        </a:p>
-      </dgm:t>
-    </dgm:pt>
-    <dgm:pt modelId="{115E780F-165F-4FC9-AC07-256B3B370291}" type="parTrans" cxnId="{6A0C9507-440C-428B-A835-D730551A7CA0}">
-      <dgm:prSet/>
-      <dgm:spPr/>
-      <dgm:t>
-        <a:bodyPr/>
-        <a:lstStyle/>
-        <a:p>
-          <a:endParaRPr lang="de-DE" dirty="0"/>
-        </a:p>
-      </dgm:t>
-    </dgm:pt>
-    <dgm:pt modelId="{D94D1ABF-F52B-473B-B5B2-3DD969BB320B}" type="sibTrans" cxnId="{6A0C9507-440C-428B-A835-D730551A7CA0}">
-      <dgm:prSet/>
-      <dgm:spPr/>
-      <dgm:t>
-        <a:bodyPr/>
-        <a:lstStyle/>
-        <a:p>
-          <a:endParaRPr lang="de-DE"/>
-        </a:p>
-      </dgm:t>
-    </dgm:pt>
-    <dgm:pt modelId="{48BEAE64-8C5F-4802-8FC2-35D136E9A4C3}">
-      <dgm:prSet phldrT="[Text]"/>
-      <dgm:spPr>
-        <a:solidFill>
-          <a:srgbClr val="00B0F0"/>
-        </a:solidFill>
-      </dgm:spPr>
-      <dgm:t>
-        <a:bodyPr/>
-        <a:lstStyle/>
-        <a:p>
-          <a:r>
-            <a:rPr lang="de-DE" dirty="0"/>
-            <a:t>Classification</a:t>
-          </a:r>
-        </a:p>
-      </dgm:t>
-    </dgm:pt>
-    <dgm:pt modelId="{882ADA10-DAB1-4F39-8E17-DD243AE79D37}" type="parTrans" cxnId="{22A605D6-AED7-4C50-9F74-4F96A3E1A76F}">
-      <dgm:prSet/>
-      <dgm:spPr/>
-      <dgm:t>
-        <a:bodyPr/>
-        <a:lstStyle/>
-        <a:p>
-          <a:endParaRPr lang="de-DE" dirty="0"/>
-        </a:p>
-      </dgm:t>
-    </dgm:pt>
-    <dgm:pt modelId="{94A1EDF0-41A6-45EF-BDF8-A62465107A32}" type="sibTrans" cxnId="{22A605D6-AED7-4C50-9F74-4F96A3E1A76F}">
-      <dgm:prSet/>
-      <dgm:spPr/>
-      <dgm:t>
-        <a:bodyPr/>
-        <a:lstStyle/>
-        <a:p>
-          <a:endParaRPr lang="de-DE"/>
-        </a:p>
-      </dgm:t>
-    </dgm:pt>
-    <dgm:pt modelId="{1B60B270-3BA1-44B3-852D-205B521747A3}">
-      <dgm:prSet phldrT="[Text]"/>
-      <dgm:spPr>
-        <a:solidFill>
-          <a:srgbClr val="00B0F0"/>
-        </a:solidFill>
-      </dgm:spPr>
-      <dgm:t>
-        <a:bodyPr/>
-        <a:lstStyle/>
-        <a:p>
-          <a:r>
-            <a:rPr lang="de-DE" dirty="0"/>
-            <a:t>Unsupervised learning</a:t>
-          </a:r>
-        </a:p>
-      </dgm:t>
-    </dgm:pt>
-    <dgm:pt modelId="{95E94F2C-621C-44A6-AE26-C58CC35E4187}" type="parTrans" cxnId="{535B785D-AC6F-4998-A815-C93EEBA36F22}">
-      <dgm:prSet/>
-      <dgm:spPr/>
-      <dgm:t>
-        <a:bodyPr/>
-        <a:lstStyle/>
-        <a:p>
-          <a:endParaRPr lang="de-DE" dirty="0"/>
-        </a:p>
-      </dgm:t>
-    </dgm:pt>
-    <dgm:pt modelId="{345BA073-ACAE-4687-ADC6-BF4A2F6BF835}" type="sibTrans" cxnId="{535B785D-AC6F-4998-A815-C93EEBA36F22}">
-      <dgm:prSet/>
-      <dgm:spPr/>
-      <dgm:t>
-        <a:bodyPr/>
-        <a:lstStyle/>
-        <a:p>
-          <a:endParaRPr lang="de-DE"/>
-        </a:p>
-      </dgm:t>
-    </dgm:pt>
-    <dgm:pt modelId="{4D982B7E-A3DB-4202-B5AD-6120A9ACEAD3}">
-      <dgm:prSet phldrT="[Text]"/>
-      <dgm:spPr>
-        <a:solidFill>
-          <a:srgbClr val="00B0F0"/>
-        </a:solidFill>
-      </dgm:spPr>
-      <dgm:t>
-        <a:bodyPr/>
-        <a:lstStyle/>
-        <a:p>
-          <a:r>
-            <a:rPr lang="de-DE" dirty="0"/>
-            <a:t>Clustering</a:t>
-          </a:r>
-        </a:p>
-      </dgm:t>
-    </dgm:pt>
-    <dgm:pt modelId="{95331837-7274-4D16-892B-E3B046E13FF8}" type="parTrans" cxnId="{F5C9B3C4-2905-4372-8F95-4057431807E6}">
-      <dgm:prSet/>
-      <dgm:spPr/>
-      <dgm:t>
-        <a:bodyPr/>
-        <a:lstStyle/>
-        <a:p>
-          <a:endParaRPr lang="de-DE" dirty="0"/>
-        </a:p>
-      </dgm:t>
-    </dgm:pt>
-    <dgm:pt modelId="{7B2058A5-6F82-43D2-8D59-F2778E1ECC09}" type="sibTrans" cxnId="{F5C9B3C4-2905-4372-8F95-4057431807E6}">
-      <dgm:prSet/>
-      <dgm:spPr/>
-      <dgm:t>
-        <a:bodyPr/>
-        <a:lstStyle/>
-        <a:p>
-          <a:endParaRPr lang="de-DE"/>
-        </a:p>
-      </dgm:t>
-    </dgm:pt>
-    <dgm:pt modelId="{E89F0BDA-09D8-4B84-B782-90138067912E}">
-      <dgm:prSet phldrT="[Text]"/>
-      <dgm:spPr>
-        <a:solidFill>
-          <a:schemeClr val="accent6">
-            <a:lumMod val="20000"/>
-            <a:lumOff val="80000"/>
-          </a:schemeClr>
-        </a:solidFill>
-      </dgm:spPr>
-      <dgm:t>
-        <a:bodyPr/>
-        <a:lstStyle/>
-        <a:p>
-          <a:endParaRPr lang="de-DE" dirty="0"/>
-        </a:p>
-      </dgm:t>
-    </dgm:pt>
-    <dgm:pt modelId="{5EE75350-B075-4AD3-8803-B77BED719D29}" type="parTrans" cxnId="{C0E361ED-3470-401F-A33C-F80823D60169}">
-      <dgm:prSet/>
-      <dgm:spPr/>
-      <dgm:t>
-        <a:bodyPr/>
-        <a:lstStyle/>
-        <a:p>
-          <a:endParaRPr lang="de-DE"/>
-        </a:p>
-      </dgm:t>
-    </dgm:pt>
-    <dgm:pt modelId="{296D4F33-C665-4431-9AF3-06365D896F97}" type="sibTrans" cxnId="{C0E361ED-3470-401F-A33C-F80823D60169}">
-      <dgm:prSet/>
-      <dgm:spPr/>
-      <dgm:t>
-        <a:bodyPr/>
-        <a:lstStyle/>
-        <a:p>
-          <a:endParaRPr lang="de-DE"/>
-        </a:p>
-      </dgm:t>
-    </dgm:pt>
-    <dgm:pt modelId="{369530F5-8BC0-4A61-B09F-8561680A74A2}">
-      <dgm:prSet phldrT="[Text]"/>
-      <dgm:spPr>
-        <a:solidFill>
-          <a:srgbClr val="00B0F0"/>
-        </a:solidFill>
-      </dgm:spPr>
-      <dgm:t>
-        <a:bodyPr/>
-        <a:lstStyle/>
-        <a:p>
-          <a:r>
-            <a:rPr lang="de-DE" dirty="0"/>
-            <a:t>Reinforcement learning</a:t>
-          </a:r>
-        </a:p>
-      </dgm:t>
-    </dgm:pt>
-    <dgm:pt modelId="{CBBDD5C8-C8B3-4578-9496-290FCC88C43E}" type="parTrans" cxnId="{3EE7CB4B-9BE7-495A-9D23-5DD6C1FB0CDC}">
-      <dgm:prSet/>
-      <dgm:spPr/>
-      <dgm:t>
-        <a:bodyPr/>
-        <a:lstStyle/>
-        <a:p>
-          <a:endParaRPr lang="de-DE" dirty="0"/>
-        </a:p>
-      </dgm:t>
-    </dgm:pt>
-    <dgm:pt modelId="{CD24ACF0-E5A9-4BD2-9612-C5FE7285EF1B}" type="sibTrans" cxnId="{3EE7CB4B-9BE7-495A-9D23-5DD6C1FB0CDC}">
-      <dgm:prSet/>
-      <dgm:spPr/>
-      <dgm:t>
-        <a:bodyPr/>
-        <a:lstStyle/>
-        <a:p>
-          <a:endParaRPr lang="de-DE"/>
-        </a:p>
-      </dgm:t>
-    </dgm:pt>
-    <dgm:pt modelId="{D7C32EE2-E7D5-41A5-B04E-CF2DCF30194B}">
-      <dgm:prSet phldrT="[Text]"/>
-      <dgm:spPr>
-        <a:solidFill>
-          <a:schemeClr val="accent6">
-            <a:lumMod val="20000"/>
-            <a:lumOff val="80000"/>
-          </a:schemeClr>
-        </a:solidFill>
-      </dgm:spPr>
-      <dgm:t>
-        <a:bodyPr/>
-        <a:lstStyle/>
-        <a:p>
-          <a:r>
-            <a:rPr lang="de-DE" dirty="0"/>
-            <a:t>Example applications</a:t>
-          </a:r>
-        </a:p>
-      </dgm:t>
-    </dgm:pt>
-    <dgm:pt modelId="{2DC43780-419A-4CD9-92E7-864490846BF1}" type="sibTrans" cxnId="{41ADCDC7-95BC-4350-8D41-793FBF62B50C}">
-      <dgm:prSet/>
-      <dgm:spPr/>
-      <dgm:t>
-        <a:bodyPr/>
-        <a:lstStyle/>
-        <a:p>
-          <a:endParaRPr lang="de-DE"/>
-        </a:p>
-      </dgm:t>
-    </dgm:pt>
-    <dgm:pt modelId="{6ECA16ED-F0A4-495C-BC72-6B0128796137}" type="parTrans" cxnId="{41ADCDC7-95BC-4350-8D41-793FBF62B50C}">
-      <dgm:prSet/>
-      <dgm:spPr/>
-      <dgm:t>
-        <a:bodyPr/>
-        <a:lstStyle/>
-        <a:p>
-          <a:endParaRPr lang="de-DE"/>
-        </a:p>
-      </dgm:t>
-    </dgm:pt>
-    <dgm:pt modelId="{F5D38118-7204-4D67-8318-7B330FF0B864}">
-      <dgm:prSet phldrT="[Text]"/>
-      <dgm:spPr>
-        <a:solidFill>
-          <a:srgbClr val="00B0F0"/>
-        </a:solidFill>
-      </dgm:spPr>
-      <dgm:t>
-        <a:bodyPr/>
-        <a:lstStyle/>
-        <a:p>
-          <a:r>
-            <a:rPr lang="de-DE" dirty="0"/>
-            <a:t>Market forecasting</a:t>
-          </a:r>
-        </a:p>
-      </dgm:t>
-    </dgm:pt>
-    <dgm:pt modelId="{53D60FB5-2449-48C4-B034-9BB4C80912D3}" type="parTrans" cxnId="{3F1B5DBE-5825-47BC-B5D6-F3A1883DDFD3}">
-      <dgm:prSet/>
-      <dgm:spPr/>
-      <dgm:t>
-        <a:bodyPr/>
-        <a:lstStyle/>
-        <a:p>
-          <a:endParaRPr lang="de-DE" dirty="0"/>
-        </a:p>
-      </dgm:t>
-    </dgm:pt>
-    <dgm:pt modelId="{6B9605E5-5A7C-4059-873F-574538336A99}" type="sibTrans" cxnId="{3F1B5DBE-5825-47BC-B5D6-F3A1883DDFD3}">
-      <dgm:prSet/>
-      <dgm:spPr/>
-      <dgm:t>
-        <a:bodyPr/>
-        <a:lstStyle/>
-        <a:p>
-          <a:endParaRPr lang="de-DE"/>
-        </a:p>
-      </dgm:t>
-    </dgm:pt>
-    <dgm:pt modelId="{4D512081-058F-4D46-8ABA-CED69D7F05C9}">
-      <dgm:prSet phldrT="[Text]"/>
-      <dgm:spPr>
-        <a:solidFill>
-          <a:srgbClr val="00B0F0"/>
-        </a:solidFill>
-      </dgm:spPr>
-      <dgm:t>
-        <a:bodyPr/>
-        <a:lstStyle/>
-        <a:p>
-          <a:r>
-            <a:rPr lang="de-DE" dirty="0"/>
-            <a:t>Robot navigation</a:t>
-          </a:r>
-        </a:p>
-      </dgm:t>
-    </dgm:pt>
-    <dgm:pt modelId="{0AD05306-B5BB-4478-80CD-135DA0B237D9}" type="parTrans" cxnId="{D16912D2-1267-4B98-A15F-67295CBF6DA6}">
-      <dgm:prSet/>
-      <dgm:spPr/>
-      <dgm:t>
-        <a:bodyPr/>
-        <a:lstStyle/>
-        <a:p>
-          <a:endParaRPr lang="de-DE" dirty="0"/>
-        </a:p>
-      </dgm:t>
-    </dgm:pt>
-    <dgm:pt modelId="{D1BCB0AF-93BF-4629-96BE-380818073D01}" type="sibTrans" cxnId="{D16912D2-1267-4B98-A15F-67295CBF6DA6}">
-      <dgm:prSet/>
-      <dgm:spPr/>
-      <dgm:t>
-        <a:bodyPr/>
-        <a:lstStyle/>
-        <a:p>
-          <a:endParaRPr lang="de-DE"/>
-        </a:p>
-      </dgm:t>
-    </dgm:pt>
-    <dgm:pt modelId="{D759208D-FC1E-43DE-8A28-67C82E34E14F}">
-      <dgm:prSet phldrT="[Text]"/>
-      <dgm:spPr>
-        <a:solidFill>
-          <a:srgbClr val="00B0F0"/>
-        </a:solidFill>
-      </dgm:spPr>
-      <dgm:t>
-        <a:bodyPr/>
-        <a:lstStyle/>
-        <a:p>
-          <a:r>
-            <a:rPr lang="de-DE" dirty="0"/>
-            <a:t>Explore &amp; Learn</a:t>
-          </a:r>
-        </a:p>
-      </dgm:t>
-    </dgm:pt>
-    <dgm:pt modelId="{AC3BBF62-BD4E-4B6C-911A-A5E7E8577987}" type="parTrans" cxnId="{558E3564-152C-4F73-94C4-55A0E0D25B6F}">
-      <dgm:prSet/>
-      <dgm:spPr/>
-      <dgm:t>
-        <a:bodyPr/>
-        <a:lstStyle/>
-        <a:p>
-          <a:endParaRPr lang="de-DE" dirty="0"/>
-        </a:p>
-      </dgm:t>
-    </dgm:pt>
-    <dgm:pt modelId="{7FBAD0E5-54E1-433E-BD85-909827120388}" type="sibTrans" cxnId="{558E3564-152C-4F73-94C4-55A0E0D25B6F}">
-      <dgm:prSet/>
-      <dgm:spPr/>
-      <dgm:t>
-        <a:bodyPr/>
-        <a:lstStyle/>
-        <a:p>
-          <a:endParaRPr lang="de-DE"/>
-        </a:p>
-      </dgm:t>
-    </dgm:pt>
-    <dgm:pt modelId="{1017F3F1-2791-4CEF-A98D-5B1CDF81753F}">
-      <dgm:prSet phldrT="[Text]"/>
-      <dgm:spPr>
-        <a:solidFill>
-          <a:srgbClr val="00B0F0"/>
-        </a:solidFill>
-      </dgm:spPr>
-      <dgm:t>
-        <a:bodyPr/>
-        <a:lstStyle/>
-        <a:p>
-          <a:r>
-            <a:rPr lang="de-DE" dirty="0"/>
-            <a:t>Dimensionality reduction</a:t>
-          </a:r>
-        </a:p>
-      </dgm:t>
-    </dgm:pt>
-    <dgm:pt modelId="{87A9F54D-F2A5-42DF-80DB-9827DA4236BE}" type="parTrans" cxnId="{40A0BBC1-E568-468A-A33B-A6B40AAECAC0}">
-      <dgm:prSet/>
-      <dgm:spPr/>
-      <dgm:t>
-        <a:bodyPr/>
-        <a:lstStyle/>
-        <a:p>
-          <a:endParaRPr lang="de-DE" dirty="0"/>
-        </a:p>
-      </dgm:t>
-    </dgm:pt>
-    <dgm:pt modelId="{C9D9BD7C-0561-429D-9424-BFDD2A64F63F}" type="sibTrans" cxnId="{40A0BBC1-E568-468A-A33B-A6B40AAECAC0}">
-      <dgm:prSet/>
-      <dgm:spPr/>
-      <dgm:t>
-        <a:bodyPr/>
-        <a:lstStyle/>
-        <a:p>
-          <a:endParaRPr lang="de-DE"/>
-        </a:p>
-      </dgm:t>
-    </dgm:pt>
-    <dgm:pt modelId="{FF39D4BD-4D82-45C4-9EE6-C9D27BF99D79}">
-      <dgm:prSet phldrT="[Text]"/>
-      <dgm:spPr>
-        <a:solidFill>
-          <a:srgbClr val="00B0F0"/>
-        </a:solidFill>
-      </dgm:spPr>
-      <dgm:t>
-        <a:bodyPr/>
-        <a:lstStyle/>
-        <a:p>
-          <a:r>
-            <a:rPr lang="de-DE" dirty="0"/>
-            <a:t>Image classification</a:t>
-          </a:r>
-        </a:p>
-      </dgm:t>
-    </dgm:pt>
-    <dgm:pt modelId="{BBDF53C1-15C6-4343-902D-2AE94A796602}" type="parTrans" cxnId="{9F8FC9AB-EA5A-4A95-8F28-88F4B0C7A68A}">
-      <dgm:prSet/>
-      <dgm:spPr/>
-      <dgm:t>
-        <a:bodyPr/>
-        <a:lstStyle/>
-        <a:p>
-          <a:endParaRPr lang="de-DE" dirty="0"/>
-        </a:p>
-      </dgm:t>
-    </dgm:pt>
-    <dgm:pt modelId="{B7D6FFC1-BD87-4F41-A011-A8FF9B78D4AB}" type="sibTrans" cxnId="{9F8FC9AB-EA5A-4A95-8F28-88F4B0C7A68A}">
-      <dgm:prSet/>
-      <dgm:spPr/>
-      <dgm:t>
-        <a:bodyPr/>
-        <a:lstStyle/>
-        <a:p>
-          <a:endParaRPr lang="de-DE"/>
-        </a:p>
-      </dgm:t>
-    </dgm:pt>
-    <dgm:pt modelId="{D9791905-7E5B-44A4-9707-744BBE0BE790}">
-      <dgm:prSet phldrT="[Text]"/>
-      <dgm:spPr>
-        <a:solidFill>
-          <a:srgbClr val="00B0F0"/>
-        </a:solidFill>
-      </dgm:spPr>
-      <dgm:t>
-        <a:bodyPr/>
-        <a:lstStyle/>
-        <a:p>
-          <a:r>
-            <a:rPr lang="de-DE" dirty="0"/>
-            <a:t>Recommender systems</a:t>
-          </a:r>
-        </a:p>
-      </dgm:t>
-    </dgm:pt>
-    <dgm:pt modelId="{0125860C-ADF5-4507-9E91-E6B213222FBD}" type="parTrans" cxnId="{0842B733-67D0-4E9B-9300-E6D3A3FF05F3}">
-      <dgm:prSet/>
-      <dgm:spPr/>
-      <dgm:t>
-        <a:bodyPr/>
-        <a:lstStyle/>
-        <a:p>
-          <a:endParaRPr lang="de-DE" dirty="0"/>
-        </a:p>
-      </dgm:t>
-    </dgm:pt>
-    <dgm:pt modelId="{D69C75A0-4A6F-4641-BCE2-BE7F62CAB97E}" type="sibTrans" cxnId="{0842B733-67D0-4E9B-9300-E6D3A3FF05F3}">
-      <dgm:prSet/>
-      <dgm:spPr/>
-      <dgm:t>
-        <a:bodyPr/>
-        <a:lstStyle/>
-        <a:p>
-          <a:endParaRPr lang="de-DE"/>
-        </a:p>
-      </dgm:t>
-    </dgm:pt>
-    <dgm:pt modelId="{F7151E8B-E478-4C5E-84AA-AE74B8C134C5}">
-      <dgm:prSet phldrT="[Text]"/>
-      <dgm:spPr>
-        <a:solidFill>
-          <a:srgbClr val="00B0F0"/>
-        </a:solidFill>
-      </dgm:spPr>
-      <dgm:t>
-        <a:bodyPr/>
-        <a:lstStyle/>
-        <a:p>
-          <a:r>
-            <a:rPr lang="de-DE" dirty="0"/>
-            <a:t>Big data visualization</a:t>
-          </a:r>
-        </a:p>
-      </dgm:t>
-    </dgm:pt>
-    <dgm:pt modelId="{36DDF947-F4FC-4D69-A4C2-B9B16ABC1A97}" type="parTrans" cxnId="{F8A52580-8340-45DA-ADDB-8EF6CE2974A3}">
-      <dgm:prSet/>
-      <dgm:spPr/>
-      <dgm:t>
-        <a:bodyPr/>
-        <a:lstStyle/>
-        <a:p>
-          <a:endParaRPr lang="de-DE" dirty="0"/>
-        </a:p>
-      </dgm:t>
-    </dgm:pt>
-    <dgm:pt modelId="{AC58476A-E6A5-40A0-A6E9-6D39F4BB3E43}" type="sibTrans" cxnId="{F8A52580-8340-45DA-ADDB-8EF6CE2974A3}">
-      <dgm:prSet/>
-      <dgm:spPr/>
-      <dgm:t>
-        <a:bodyPr/>
-        <a:lstStyle/>
-        <a:p>
-          <a:endParaRPr lang="de-DE"/>
-        </a:p>
-      </dgm:t>
-    </dgm:pt>
-    <dgm:pt modelId="{8E062392-DBC5-4F83-B669-FFB273E61BF3}">
-      <dgm:prSet phldrT="[Text]"/>
-      <dgm:spPr>
-        <a:solidFill>
-          <a:schemeClr val="accent6">
-            <a:lumMod val="20000"/>
-            <a:lumOff val="80000"/>
-          </a:schemeClr>
-        </a:solidFill>
-      </dgm:spPr>
-      <dgm:t>
-        <a:bodyPr/>
-        <a:lstStyle/>
-        <a:p>
-          <a:endParaRPr lang="de-DE" dirty="0"/>
-        </a:p>
-      </dgm:t>
-    </dgm:pt>
-    <dgm:pt modelId="{55FC5E96-2CD9-4A0A-AE6A-D15BB48E3B32}" type="sibTrans" cxnId="{D72CD16B-E895-469B-848D-49A2A8B99E4C}">
-      <dgm:prSet/>
-      <dgm:spPr/>
-      <dgm:t>
-        <a:bodyPr/>
-        <a:lstStyle/>
-        <a:p>
-          <a:endParaRPr lang="de-DE"/>
-        </a:p>
-      </dgm:t>
-    </dgm:pt>
-    <dgm:pt modelId="{DDF34B2D-38D6-4B91-913C-BE52DBDAC482}" type="parTrans" cxnId="{D72CD16B-E895-469B-848D-49A2A8B99E4C}">
-      <dgm:prSet/>
-      <dgm:spPr/>
-      <dgm:t>
-        <a:bodyPr/>
-        <a:lstStyle/>
-        <a:p>
-          <a:endParaRPr lang="de-DE"/>
-        </a:p>
-      </dgm:t>
-    </dgm:pt>
-    <dgm:pt modelId="{1F20165D-8991-434A-B462-3B65BA4389CC}">
-      <dgm:prSet phldrT="[Text]"/>
-      <dgm:spPr>
-        <a:solidFill>
-          <a:schemeClr val="accent6">
-            <a:lumMod val="20000"/>
-            <a:lumOff val="80000"/>
-          </a:schemeClr>
-        </a:solidFill>
-      </dgm:spPr>
-      <dgm:t>
-        <a:bodyPr/>
-        <a:lstStyle/>
-        <a:p>
-          <a:endParaRPr lang="de-DE" dirty="0"/>
-        </a:p>
-      </dgm:t>
-    </dgm:pt>
-    <dgm:pt modelId="{D49005F3-A956-4955-8B37-34BA83DDB3F8}" type="sibTrans" cxnId="{0805C228-3E02-4435-8A1D-7495310D5397}">
-      <dgm:prSet/>
-      <dgm:spPr/>
-      <dgm:t>
-        <a:bodyPr/>
-        <a:lstStyle/>
-        <a:p>
-          <a:endParaRPr lang="de-DE"/>
-        </a:p>
-      </dgm:t>
-    </dgm:pt>
-    <dgm:pt modelId="{E66FC05F-F99F-4391-9EEE-921D29EB72C3}" type="parTrans" cxnId="{0805C228-3E02-4435-8A1D-7495310D5397}">
-      <dgm:prSet/>
-      <dgm:spPr/>
-      <dgm:t>
-        <a:bodyPr/>
-        <a:lstStyle/>
-        <a:p>
-          <a:endParaRPr lang="de-DE"/>
-        </a:p>
-      </dgm:t>
-    </dgm:pt>
-    <dgm:pt modelId="{1108685B-70D8-44B0-95D9-7083FE4C3433}" type="pres">
-      <dgm:prSet presAssocID="{5B1398D1-F9D7-456E-8A69-BB62B77A6038}" presName="mainComposite" presStyleCnt="0">
-        <dgm:presLayoutVars>
-          <dgm:chPref val="1"/>
-          <dgm:dir/>
-          <dgm:animOne val="branch"/>
-          <dgm:animLvl val="lvl"/>
-          <dgm:resizeHandles val="exact"/>
-        </dgm:presLayoutVars>
-      </dgm:prSet>
-      <dgm:spPr/>
-    </dgm:pt>
-    <dgm:pt modelId="{E773116A-1258-4540-AF78-99F4F876709C}" type="pres">
-      <dgm:prSet presAssocID="{5B1398D1-F9D7-456E-8A69-BB62B77A6038}" presName="hierFlow" presStyleCnt="0"/>
-      <dgm:spPr/>
-    </dgm:pt>
-    <dgm:pt modelId="{16FE4B6B-F789-4A3F-BC2E-BA34FBD34BEC}" type="pres">
-      <dgm:prSet presAssocID="{5B1398D1-F9D7-456E-8A69-BB62B77A6038}" presName="firstBuf" presStyleCnt="0"/>
-      <dgm:spPr/>
-    </dgm:pt>
-    <dgm:pt modelId="{0BB7D903-EFE9-439D-92E1-DD05230D53C2}" type="pres">
-      <dgm:prSet presAssocID="{5B1398D1-F9D7-456E-8A69-BB62B77A6038}" presName="hierChild1" presStyleCnt="0">
-        <dgm:presLayoutVars>
-          <dgm:chPref val="1"/>
-          <dgm:animOne val="branch"/>
-          <dgm:animLvl val="lvl"/>
-        </dgm:presLayoutVars>
-      </dgm:prSet>
-      <dgm:spPr/>
-    </dgm:pt>
-    <dgm:pt modelId="{5E28B363-3B2F-44B5-A146-7908CCCBF973}" type="pres">
-      <dgm:prSet presAssocID="{83F39DF7-8A42-4324-9FC2-791373223FCF}" presName="Name17" presStyleCnt="0"/>
-      <dgm:spPr/>
-    </dgm:pt>
-    <dgm:pt modelId="{C05CF9FD-834C-4010-8E4B-6C84E514F5B1}" type="pres">
-      <dgm:prSet presAssocID="{83F39DF7-8A42-4324-9FC2-791373223FCF}" presName="level1Shape" presStyleLbl="node0" presStyleIdx="0" presStyleCnt="1">
-        <dgm:presLayoutVars>
-          <dgm:chPref val="3"/>
-        </dgm:presLayoutVars>
-      </dgm:prSet>
-      <dgm:spPr/>
-    </dgm:pt>
-    <dgm:pt modelId="{046F68D4-3E99-49F7-8945-A7756F423F23}" type="pres">
-      <dgm:prSet presAssocID="{83F39DF7-8A42-4324-9FC2-791373223FCF}" presName="hierChild2" presStyleCnt="0"/>
-      <dgm:spPr/>
-    </dgm:pt>
-    <dgm:pt modelId="{5039A2DA-D696-44B4-A26F-81551C726AB1}" type="pres">
-      <dgm:prSet presAssocID="{7167C49E-0229-4311-82EE-D34519290136}" presName="Name25" presStyleLbl="parChTrans1D2" presStyleIdx="0" presStyleCnt="3"/>
-      <dgm:spPr/>
-    </dgm:pt>
-    <dgm:pt modelId="{CD7EA59C-B731-4E91-A387-D58BF69C34C9}" type="pres">
-      <dgm:prSet presAssocID="{7167C49E-0229-4311-82EE-D34519290136}" presName="connTx" presStyleLbl="parChTrans1D2" presStyleIdx="0" presStyleCnt="3"/>
-      <dgm:spPr/>
-    </dgm:pt>
-    <dgm:pt modelId="{8B062844-4C3F-455F-ABFF-BF9BCF0B0B4E}" type="pres">
-      <dgm:prSet presAssocID="{6477D134-4842-47F1-80F3-BB13E33C4CD2}" presName="Name30" presStyleCnt="0"/>
-      <dgm:spPr/>
-    </dgm:pt>
-    <dgm:pt modelId="{1AF40B29-8683-46F4-A1A0-A6B46BE188D3}" type="pres">
-      <dgm:prSet presAssocID="{6477D134-4842-47F1-80F3-BB13E33C4CD2}" presName="level2Shape" presStyleLbl="node2" presStyleIdx="0" presStyleCnt="3"/>
-      <dgm:spPr>
-        <a:xfrm>
-          <a:off x="2547107" y="2040054"/>
-          <a:ext cx="1306410" cy="653205"/>
-        </a:xfrm>
-        <a:prstGeom prst="roundRect">
-          <a:avLst>
-            <a:gd name="adj" fmla="val 10000"/>
-          </a:avLst>
-        </a:prstGeom>
-      </dgm:spPr>
-    </dgm:pt>
-    <dgm:pt modelId="{6301F1B0-8707-43DE-9172-81FB41BA2417}" type="pres">
-      <dgm:prSet presAssocID="{6477D134-4842-47F1-80F3-BB13E33C4CD2}" presName="hierChild3" presStyleCnt="0"/>
-      <dgm:spPr/>
-    </dgm:pt>
-    <dgm:pt modelId="{58066134-D399-4C87-90CD-D25E3F5EF24C}" type="pres">
-      <dgm:prSet presAssocID="{115E780F-165F-4FC9-AC07-256B3B370291}" presName="Name25" presStyleLbl="parChTrans1D3" presStyleIdx="0" presStyleCnt="5"/>
-      <dgm:spPr/>
-    </dgm:pt>
-    <dgm:pt modelId="{93FD488F-2DA0-43CC-A9E0-70B88BAB858B}" type="pres">
-      <dgm:prSet presAssocID="{115E780F-165F-4FC9-AC07-256B3B370291}" presName="connTx" presStyleLbl="parChTrans1D3" presStyleIdx="0" presStyleCnt="5"/>
-      <dgm:spPr/>
-    </dgm:pt>
-    <dgm:pt modelId="{499FF2C4-5EB9-423D-AEC7-4C0B72C69648}" type="pres">
-      <dgm:prSet presAssocID="{DB1C4F2D-4FC2-4841-A491-D3381913A963}" presName="Name30" presStyleCnt="0"/>
-      <dgm:spPr/>
-    </dgm:pt>
-    <dgm:pt modelId="{4402911D-B060-4A3A-914A-4160AED1F542}" type="pres">
-      <dgm:prSet presAssocID="{DB1C4F2D-4FC2-4841-A491-D3381913A963}" presName="level2Shape" presStyleLbl="node3" presStyleIdx="0" presStyleCnt="5"/>
-      <dgm:spPr/>
-    </dgm:pt>
-    <dgm:pt modelId="{EE43ED56-6425-478F-845C-49ED1CC7C1EC}" type="pres">
-      <dgm:prSet presAssocID="{DB1C4F2D-4FC2-4841-A491-D3381913A963}" presName="hierChild3" presStyleCnt="0"/>
-      <dgm:spPr/>
-    </dgm:pt>
-    <dgm:pt modelId="{BEF72258-2226-405A-8F28-8F814125147C}" type="pres">
-      <dgm:prSet presAssocID="{53D60FB5-2449-48C4-B034-9BB4C80912D3}" presName="Name25" presStyleLbl="parChTrans1D4" presStyleIdx="0" presStyleCnt="5"/>
-      <dgm:spPr/>
-    </dgm:pt>
-    <dgm:pt modelId="{C4A60295-6B55-4B8D-8CA6-ED162AECFF9E}" type="pres">
-      <dgm:prSet presAssocID="{53D60FB5-2449-48C4-B034-9BB4C80912D3}" presName="connTx" presStyleLbl="parChTrans1D4" presStyleIdx="0" presStyleCnt="5"/>
-      <dgm:spPr/>
-    </dgm:pt>
-    <dgm:pt modelId="{524B9AE1-4633-4D9C-9479-D0403ABED1E4}" type="pres">
-      <dgm:prSet presAssocID="{F5D38118-7204-4D67-8318-7B330FF0B864}" presName="Name30" presStyleCnt="0"/>
-      <dgm:spPr/>
-    </dgm:pt>
-    <dgm:pt modelId="{B7C4A7E3-1258-4977-ADFC-042D9A33FABE}" type="pres">
-      <dgm:prSet presAssocID="{F5D38118-7204-4D67-8318-7B330FF0B864}" presName="level2Shape" presStyleLbl="node4" presStyleIdx="0" presStyleCnt="5"/>
-      <dgm:spPr/>
-    </dgm:pt>
-    <dgm:pt modelId="{9336F296-E6FA-4095-8EB5-A359B21D65ED}" type="pres">
-      <dgm:prSet presAssocID="{F5D38118-7204-4D67-8318-7B330FF0B864}" presName="hierChild3" presStyleCnt="0"/>
-      <dgm:spPr/>
-    </dgm:pt>
-    <dgm:pt modelId="{3433CC9D-B596-44DE-A7CD-B049FCC09347}" type="pres">
-      <dgm:prSet presAssocID="{882ADA10-DAB1-4F39-8E17-DD243AE79D37}" presName="Name25" presStyleLbl="parChTrans1D3" presStyleIdx="1" presStyleCnt="5"/>
-      <dgm:spPr/>
-    </dgm:pt>
-    <dgm:pt modelId="{488700FF-4B8B-4921-A50B-1E1F4C293078}" type="pres">
-      <dgm:prSet presAssocID="{882ADA10-DAB1-4F39-8E17-DD243AE79D37}" presName="connTx" presStyleLbl="parChTrans1D3" presStyleIdx="1" presStyleCnt="5"/>
-      <dgm:spPr/>
-    </dgm:pt>
-    <dgm:pt modelId="{A8CBFB62-286B-465F-BFA8-5242E82B07DF}" type="pres">
-      <dgm:prSet presAssocID="{48BEAE64-8C5F-4802-8FC2-35D136E9A4C3}" presName="Name30" presStyleCnt="0"/>
-      <dgm:spPr/>
-    </dgm:pt>
-    <dgm:pt modelId="{DB173FE0-7205-4C36-B7E8-E4C0B9C784EE}" type="pres">
-      <dgm:prSet presAssocID="{48BEAE64-8C5F-4802-8FC2-35D136E9A4C3}" presName="level2Shape" presStyleLbl="node3" presStyleIdx="1" presStyleCnt="5"/>
-      <dgm:spPr/>
-    </dgm:pt>
-    <dgm:pt modelId="{E6592A78-56FF-4E84-9220-D21AEC4EC589}" type="pres">
-      <dgm:prSet presAssocID="{48BEAE64-8C5F-4802-8FC2-35D136E9A4C3}" presName="hierChild3" presStyleCnt="0"/>
-      <dgm:spPr/>
-    </dgm:pt>
-    <dgm:pt modelId="{51B66081-F111-46F9-900D-3618A4819E7F}" type="pres">
-      <dgm:prSet presAssocID="{BBDF53C1-15C6-4343-902D-2AE94A796602}" presName="Name25" presStyleLbl="parChTrans1D4" presStyleIdx="1" presStyleCnt="5"/>
-      <dgm:spPr/>
-    </dgm:pt>
-    <dgm:pt modelId="{F678D089-6CAE-47E0-910B-BC1E9A1E2FC5}" type="pres">
-      <dgm:prSet presAssocID="{BBDF53C1-15C6-4343-902D-2AE94A796602}" presName="connTx" presStyleLbl="parChTrans1D4" presStyleIdx="1" presStyleCnt="5"/>
-      <dgm:spPr/>
-    </dgm:pt>
-    <dgm:pt modelId="{7679CC89-A9FE-4F97-943D-3B874D8EB9B8}" type="pres">
-      <dgm:prSet presAssocID="{FF39D4BD-4D82-45C4-9EE6-C9D27BF99D79}" presName="Name30" presStyleCnt="0"/>
-      <dgm:spPr/>
-    </dgm:pt>
-    <dgm:pt modelId="{26183012-51EF-454A-9E44-925F2E00F4CF}" type="pres">
-      <dgm:prSet presAssocID="{FF39D4BD-4D82-45C4-9EE6-C9D27BF99D79}" presName="level2Shape" presStyleLbl="node4" presStyleIdx="1" presStyleCnt="5"/>
-      <dgm:spPr/>
-    </dgm:pt>
-    <dgm:pt modelId="{A72A7415-012E-43B5-BA8F-125CF7323C64}" type="pres">
-      <dgm:prSet presAssocID="{FF39D4BD-4D82-45C4-9EE6-C9D27BF99D79}" presName="hierChild3" presStyleCnt="0"/>
-      <dgm:spPr/>
-    </dgm:pt>
-    <dgm:pt modelId="{6EAE7D78-86F7-41B0-85C9-00A5BF635B0C}" type="pres">
-      <dgm:prSet presAssocID="{95E94F2C-621C-44A6-AE26-C58CC35E4187}" presName="Name25" presStyleLbl="parChTrans1D2" presStyleIdx="1" presStyleCnt="3"/>
-      <dgm:spPr/>
-    </dgm:pt>
-    <dgm:pt modelId="{566D3251-BBDF-4FEE-9A1A-993949FDB8B0}" type="pres">
-      <dgm:prSet presAssocID="{95E94F2C-621C-44A6-AE26-C58CC35E4187}" presName="connTx" presStyleLbl="parChTrans1D2" presStyleIdx="1" presStyleCnt="3"/>
-      <dgm:spPr/>
-    </dgm:pt>
-    <dgm:pt modelId="{300A6187-D473-4647-A066-C8DF7FADC6B6}" type="pres">
-      <dgm:prSet presAssocID="{1B60B270-3BA1-44B3-852D-205B521747A3}" presName="Name30" presStyleCnt="0"/>
-      <dgm:spPr/>
-    </dgm:pt>
-    <dgm:pt modelId="{ED64E025-E7EA-48B1-9FD8-84C0642E5C4A}" type="pres">
-      <dgm:prSet presAssocID="{1B60B270-3BA1-44B3-852D-205B521747A3}" presName="level2Shape" presStyleLbl="node2" presStyleIdx="1" presStyleCnt="3"/>
-      <dgm:spPr/>
-    </dgm:pt>
-    <dgm:pt modelId="{A3AC83BE-EBE3-4DE0-B642-917C7085E25C}" type="pres">
-      <dgm:prSet presAssocID="{1B60B270-3BA1-44B3-852D-205B521747A3}" presName="hierChild3" presStyleCnt="0"/>
-      <dgm:spPr/>
-    </dgm:pt>
-    <dgm:pt modelId="{4AA9301C-40D0-417D-8883-2A709FD20646}" type="pres">
-      <dgm:prSet presAssocID="{95331837-7274-4D16-892B-E3B046E13FF8}" presName="Name25" presStyleLbl="parChTrans1D3" presStyleIdx="2" presStyleCnt="5"/>
-      <dgm:spPr/>
-    </dgm:pt>
-    <dgm:pt modelId="{55BA1AFD-527F-4414-82C5-C4F32A337F19}" type="pres">
-      <dgm:prSet presAssocID="{95331837-7274-4D16-892B-E3B046E13FF8}" presName="connTx" presStyleLbl="parChTrans1D3" presStyleIdx="2" presStyleCnt="5"/>
-      <dgm:spPr/>
-    </dgm:pt>
-    <dgm:pt modelId="{7F7CB1ED-DA93-4266-A675-194B8114655C}" type="pres">
-      <dgm:prSet presAssocID="{4D982B7E-A3DB-4202-B5AD-6120A9ACEAD3}" presName="Name30" presStyleCnt="0"/>
-      <dgm:spPr/>
-    </dgm:pt>
-    <dgm:pt modelId="{04D96044-C351-4B6D-A2FF-20C42C5EB70E}" type="pres">
-      <dgm:prSet presAssocID="{4D982B7E-A3DB-4202-B5AD-6120A9ACEAD3}" presName="level2Shape" presStyleLbl="node3" presStyleIdx="2" presStyleCnt="5"/>
-      <dgm:spPr/>
-    </dgm:pt>
-    <dgm:pt modelId="{EA8F93DF-C1C6-4632-9753-38DC937E0308}" type="pres">
-      <dgm:prSet presAssocID="{4D982B7E-A3DB-4202-B5AD-6120A9ACEAD3}" presName="hierChild3" presStyleCnt="0"/>
-      <dgm:spPr/>
-    </dgm:pt>
-    <dgm:pt modelId="{5C3C525B-25A3-4499-94BB-E6EA852815C2}" type="pres">
-      <dgm:prSet presAssocID="{0125860C-ADF5-4507-9E91-E6B213222FBD}" presName="Name25" presStyleLbl="parChTrans1D4" presStyleIdx="2" presStyleCnt="5"/>
-      <dgm:spPr/>
-    </dgm:pt>
-    <dgm:pt modelId="{3CE8CB85-8242-48A3-B66D-AA19D4E18139}" type="pres">
-      <dgm:prSet presAssocID="{0125860C-ADF5-4507-9E91-E6B213222FBD}" presName="connTx" presStyleLbl="parChTrans1D4" presStyleIdx="2" presStyleCnt="5"/>
-      <dgm:spPr/>
-    </dgm:pt>
-    <dgm:pt modelId="{347D7F84-E532-4645-8C78-3F1E7D0295AD}" type="pres">
-      <dgm:prSet presAssocID="{D9791905-7E5B-44A4-9707-744BBE0BE790}" presName="Name30" presStyleCnt="0"/>
-      <dgm:spPr/>
-    </dgm:pt>
-    <dgm:pt modelId="{763D910F-8C5A-4B83-8AB4-A86C0CD78A50}" type="pres">
-      <dgm:prSet presAssocID="{D9791905-7E5B-44A4-9707-744BBE0BE790}" presName="level2Shape" presStyleLbl="node4" presStyleIdx="2" presStyleCnt="5"/>
-      <dgm:spPr/>
-    </dgm:pt>
-    <dgm:pt modelId="{B04E96EF-43EB-4A8C-85AD-ABBFE8C61430}" type="pres">
-      <dgm:prSet presAssocID="{D9791905-7E5B-44A4-9707-744BBE0BE790}" presName="hierChild3" presStyleCnt="0"/>
-      <dgm:spPr/>
-    </dgm:pt>
-    <dgm:pt modelId="{A9F2E0C0-0F30-45E1-AFA7-AFA031BB9AB2}" type="pres">
-      <dgm:prSet presAssocID="{87A9F54D-F2A5-42DF-80DB-9827DA4236BE}" presName="Name25" presStyleLbl="parChTrans1D3" presStyleIdx="3" presStyleCnt="5"/>
-      <dgm:spPr/>
-    </dgm:pt>
-    <dgm:pt modelId="{A7F026DC-CB6F-4505-A2DF-C8071D384490}" type="pres">
-      <dgm:prSet presAssocID="{87A9F54D-F2A5-42DF-80DB-9827DA4236BE}" presName="connTx" presStyleLbl="parChTrans1D3" presStyleIdx="3" presStyleCnt="5"/>
-      <dgm:spPr/>
-    </dgm:pt>
-    <dgm:pt modelId="{95C9A72D-0451-4C0C-99F6-9B0AFA948817}" type="pres">
-      <dgm:prSet presAssocID="{1017F3F1-2791-4CEF-A98D-5B1CDF81753F}" presName="Name30" presStyleCnt="0"/>
-      <dgm:spPr/>
-    </dgm:pt>
-    <dgm:pt modelId="{BB08BC20-60E1-40B6-A89E-2986E06C062A}" type="pres">
-      <dgm:prSet presAssocID="{1017F3F1-2791-4CEF-A98D-5B1CDF81753F}" presName="level2Shape" presStyleLbl="node3" presStyleIdx="3" presStyleCnt="5"/>
-      <dgm:spPr/>
-    </dgm:pt>
-    <dgm:pt modelId="{5756BF8B-B245-4856-B213-398F03FC1A15}" type="pres">
-      <dgm:prSet presAssocID="{1017F3F1-2791-4CEF-A98D-5B1CDF81753F}" presName="hierChild3" presStyleCnt="0"/>
-      <dgm:spPr/>
-    </dgm:pt>
-    <dgm:pt modelId="{E64B2A5E-55BF-412B-8185-4EED93FD1D7B}" type="pres">
-      <dgm:prSet presAssocID="{36DDF947-F4FC-4D69-A4C2-B9B16ABC1A97}" presName="Name25" presStyleLbl="parChTrans1D4" presStyleIdx="3" presStyleCnt="5"/>
-      <dgm:spPr/>
-    </dgm:pt>
-    <dgm:pt modelId="{EF321AA7-1832-4F5E-9364-87B3DD63E38B}" type="pres">
-      <dgm:prSet presAssocID="{36DDF947-F4FC-4D69-A4C2-B9B16ABC1A97}" presName="connTx" presStyleLbl="parChTrans1D4" presStyleIdx="3" presStyleCnt="5"/>
-      <dgm:spPr/>
-    </dgm:pt>
-    <dgm:pt modelId="{F2782C3C-168C-441B-BE78-835A7399308F}" type="pres">
-      <dgm:prSet presAssocID="{F7151E8B-E478-4C5E-84AA-AE74B8C134C5}" presName="Name30" presStyleCnt="0"/>
-      <dgm:spPr/>
-    </dgm:pt>
-    <dgm:pt modelId="{50375E47-8C13-4EED-B3E7-CBB62A4FD084}" type="pres">
-      <dgm:prSet presAssocID="{F7151E8B-E478-4C5E-84AA-AE74B8C134C5}" presName="level2Shape" presStyleLbl="node4" presStyleIdx="3" presStyleCnt="5"/>
-      <dgm:spPr/>
-    </dgm:pt>
-    <dgm:pt modelId="{B07C74F8-93F2-44DD-822E-DC8A6F4FF9A3}" type="pres">
-      <dgm:prSet presAssocID="{F7151E8B-E478-4C5E-84AA-AE74B8C134C5}" presName="hierChild3" presStyleCnt="0"/>
-      <dgm:spPr/>
-    </dgm:pt>
-    <dgm:pt modelId="{AD2D6713-63DB-4245-B589-F25D6BE0D04B}" type="pres">
-      <dgm:prSet presAssocID="{CBBDD5C8-C8B3-4578-9496-290FCC88C43E}" presName="Name25" presStyleLbl="parChTrans1D2" presStyleIdx="2" presStyleCnt="3"/>
-      <dgm:spPr/>
-    </dgm:pt>
-    <dgm:pt modelId="{0A47DFC9-8163-431A-9F56-F6D05BCE5123}" type="pres">
-      <dgm:prSet presAssocID="{CBBDD5C8-C8B3-4578-9496-290FCC88C43E}" presName="connTx" presStyleLbl="parChTrans1D2" presStyleIdx="2" presStyleCnt="3"/>
-      <dgm:spPr/>
-    </dgm:pt>
-    <dgm:pt modelId="{EAC983C9-403E-4D39-BB7D-3EFB4FEC3FA7}" type="pres">
-      <dgm:prSet presAssocID="{369530F5-8BC0-4A61-B09F-8561680A74A2}" presName="Name30" presStyleCnt="0"/>
-      <dgm:spPr/>
-    </dgm:pt>
-    <dgm:pt modelId="{C53687B7-C83A-4695-9FF1-2D1B1EE51B93}" type="pres">
-      <dgm:prSet presAssocID="{369530F5-8BC0-4A61-B09F-8561680A74A2}" presName="level2Shape" presStyleLbl="node2" presStyleIdx="2" presStyleCnt="3"/>
-      <dgm:spPr/>
-    </dgm:pt>
-    <dgm:pt modelId="{0F68145F-05E3-4D20-BA3C-A26E2E90A9F4}" type="pres">
-      <dgm:prSet presAssocID="{369530F5-8BC0-4A61-B09F-8561680A74A2}" presName="hierChild3" presStyleCnt="0"/>
-      <dgm:spPr/>
-    </dgm:pt>
-    <dgm:pt modelId="{C212B8D0-3CD4-4C7E-80BB-2523971965E5}" type="pres">
-      <dgm:prSet presAssocID="{AC3BBF62-BD4E-4B6C-911A-A5E7E8577987}" presName="Name25" presStyleLbl="parChTrans1D3" presStyleIdx="4" presStyleCnt="5"/>
-      <dgm:spPr/>
-    </dgm:pt>
-    <dgm:pt modelId="{4DB31454-E403-42CB-8B0B-EF1C3E10190C}" type="pres">
-      <dgm:prSet presAssocID="{AC3BBF62-BD4E-4B6C-911A-A5E7E8577987}" presName="connTx" presStyleLbl="parChTrans1D3" presStyleIdx="4" presStyleCnt="5"/>
-      <dgm:spPr/>
-    </dgm:pt>
-    <dgm:pt modelId="{A8754E3C-0638-49A9-99C5-6E95425390E1}" type="pres">
-      <dgm:prSet presAssocID="{D759208D-FC1E-43DE-8A28-67C82E34E14F}" presName="Name30" presStyleCnt="0"/>
-      <dgm:spPr/>
-    </dgm:pt>
-    <dgm:pt modelId="{7382DC8D-5569-4AC8-AE25-8825A0C716CF}" type="pres">
-      <dgm:prSet presAssocID="{D759208D-FC1E-43DE-8A28-67C82E34E14F}" presName="level2Shape" presStyleLbl="node3" presStyleIdx="4" presStyleCnt="5"/>
-      <dgm:spPr/>
-    </dgm:pt>
-    <dgm:pt modelId="{A454E37E-E966-4F8B-8827-493912888E6B}" type="pres">
-      <dgm:prSet presAssocID="{D759208D-FC1E-43DE-8A28-67C82E34E14F}" presName="hierChild3" presStyleCnt="0"/>
-      <dgm:spPr/>
-    </dgm:pt>
-    <dgm:pt modelId="{AAFEB5D4-1415-4E81-B308-B6AD7EF5D208}" type="pres">
-      <dgm:prSet presAssocID="{0AD05306-B5BB-4478-80CD-135DA0B237D9}" presName="Name25" presStyleLbl="parChTrans1D4" presStyleIdx="4" presStyleCnt="5"/>
-      <dgm:spPr/>
-    </dgm:pt>
-    <dgm:pt modelId="{F825B0C4-20AE-4FE8-9E07-A69DD788412A}" type="pres">
-      <dgm:prSet presAssocID="{0AD05306-B5BB-4478-80CD-135DA0B237D9}" presName="connTx" presStyleLbl="parChTrans1D4" presStyleIdx="4" presStyleCnt="5"/>
-      <dgm:spPr/>
-    </dgm:pt>
-    <dgm:pt modelId="{0183F114-C53A-42C9-8F1C-E338A2119074}" type="pres">
-      <dgm:prSet presAssocID="{4D512081-058F-4D46-8ABA-CED69D7F05C9}" presName="Name30" presStyleCnt="0"/>
-      <dgm:spPr/>
-    </dgm:pt>
-    <dgm:pt modelId="{4E8DFD08-CD70-4CB3-B037-9E888FD70C7E}" type="pres">
-      <dgm:prSet presAssocID="{4D512081-058F-4D46-8ABA-CED69D7F05C9}" presName="level2Shape" presStyleLbl="node4" presStyleIdx="4" presStyleCnt="5"/>
-      <dgm:spPr/>
-    </dgm:pt>
-    <dgm:pt modelId="{F5DED28C-14CF-40DD-978F-27FAC5BFDDB5}" type="pres">
-      <dgm:prSet presAssocID="{4D512081-058F-4D46-8ABA-CED69D7F05C9}" presName="hierChild3" presStyleCnt="0"/>
-      <dgm:spPr/>
-    </dgm:pt>
-    <dgm:pt modelId="{4EED4CC2-2BB3-4D5C-9ECA-0E56745990DE}" type="pres">
-      <dgm:prSet presAssocID="{5B1398D1-F9D7-456E-8A69-BB62B77A6038}" presName="bgShapesFlow" presStyleCnt="0"/>
-      <dgm:spPr/>
-    </dgm:pt>
-    <dgm:pt modelId="{51B3AA0F-CA05-4EF1-8D9E-E18D3426C712}" type="pres">
-      <dgm:prSet presAssocID="{E89F0BDA-09D8-4B84-B782-90138067912E}" presName="rectComp" presStyleCnt="0"/>
-      <dgm:spPr/>
-    </dgm:pt>
-    <dgm:pt modelId="{26E2899E-56F3-4856-92D7-835E65F98EFB}" type="pres">
-      <dgm:prSet presAssocID="{E89F0BDA-09D8-4B84-B782-90138067912E}" presName="bgRect" presStyleLbl="bgShp" presStyleIdx="0" presStyleCnt="4"/>
-      <dgm:spPr/>
-    </dgm:pt>
-    <dgm:pt modelId="{9B2B079B-60E3-4CA0-9365-B95D9E009AFC}" type="pres">
-      <dgm:prSet presAssocID="{E89F0BDA-09D8-4B84-B782-90138067912E}" presName="bgRectTx" presStyleLbl="bgShp" presStyleIdx="0" presStyleCnt="4">
-        <dgm:presLayoutVars>
-          <dgm:bulletEnabled val="1"/>
-        </dgm:presLayoutVars>
-      </dgm:prSet>
-      <dgm:spPr/>
-    </dgm:pt>
-    <dgm:pt modelId="{50F05428-94CF-486D-88D9-0BFCAA083A18}" type="pres">
-      <dgm:prSet presAssocID="{E89F0BDA-09D8-4B84-B782-90138067912E}" presName="spComp" presStyleCnt="0"/>
-      <dgm:spPr/>
-    </dgm:pt>
-    <dgm:pt modelId="{63AF7366-0770-4CD5-918C-FEC187514447}" type="pres">
-      <dgm:prSet presAssocID="{E89F0BDA-09D8-4B84-B782-90138067912E}" presName="hSp" presStyleCnt="0"/>
-      <dgm:spPr/>
-    </dgm:pt>
-    <dgm:pt modelId="{FEE3C319-E662-40D8-96CE-AC34224F87A7}" type="pres">
-      <dgm:prSet presAssocID="{1F20165D-8991-434A-B462-3B65BA4389CC}" presName="rectComp" presStyleCnt="0"/>
-      <dgm:spPr/>
-    </dgm:pt>
-    <dgm:pt modelId="{95D32270-BC67-4DFC-9FA1-3A3114D23084}" type="pres">
-      <dgm:prSet presAssocID="{1F20165D-8991-434A-B462-3B65BA4389CC}" presName="bgRect" presStyleLbl="bgShp" presStyleIdx="1" presStyleCnt="4"/>
-      <dgm:spPr/>
-    </dgm:pt>
-    <dgm:pt modelId="{1A3C79F3-BC07-4DD6-B9A0-A73B9E6110FE}" type="pres">
-      <dgm:prSet presAssocID="{1F20165D-8991-434A-B462-3B65BA4389CC}" presName="bgRectTx" presStyleLbl="bgShp" presStyleIdx="1" presStyleCnt="4">
-        <dgm:presLayoutVars>
-          <dgm:bulletEnabled val="1"/>
-        </dgm:presLayoutVars>
-      </dgm:prSet>
-      <dgm:spPr/>
-    </dgm:pt>
-    <dgm:pt modelId="{D71152B0-ECE4-419D-B372-B9DA65833F94}" type="pres">
-      <dgm:prSet presAssocID="{1F20165D-8991-434A-B462-3B65BA4389CC}" presName="spComp" presStyleCnt="0"/>
-      <dgm:spPr/>
-    </dgm:pt>
-    <dgm:pt modelId="{4BB41B35-DC2A-47FD-89FF-0E1133207CB1}" type="pres">
-      <dgm:prSet presAssocID="{1F20165D-8991-434A-B462-3B65BA4389CC}" presName="hSp" presStyleCnt="0"/>
-      <dgm:spPr/>
-    </dgm:pt>
-    <dgm:pt modelId="{E03FE2EF-E814-4642-81FD-4A4FCD867629}" type="pres">
-      <dgm:prSet presAssocID="{8E062392-DBC5-4F83-B669-FFB273E61BF3}" presName="rectComp" presStyleCnt="0"/>
-      <dgm:spPr/>
-    </dgm:pt>
-    <dgm:pt modelId="{852590F5-C06F-4352-8D94-2E593F80C94B}" type="pres">
-      <dgm:prSet presAssocID="{8E062392-DBC5-4F83-B669-FFB273E61BF3}" presName="bgRect" presStyleLbl="bgShp" presStyleIdx="2" presStyleCnt="4"/>
-      <dgm:spPr/>
-    </dgm:pt>
-    <dgm:pt modelId="{5804F3D2-0275-4000-9911-F304FF8CD242}" type="pres">
-      <dgm:prSet presAssocID="{8E062392-DBC5-4F83-B669-FFB273E61BF3}" presName="bgRectTx" presStyleLbl="bgShp" presStyleIdx="2" presStyleCnt="4">
-        <dgm:presLayoutVars>
-          <dgm:bulletEnabled val="1"/>
-        </dgm:presLayoutVars>
-      </dgm:prSet>
-      <dgm:spPr/>
-    </dgm:pt>
-    <dgm:pt modelId="{578EDD80-8C8C-4C7F-9617-DF394B5824E0}" type="pres">
-      <dgm:prSet presAssocID="{8E062392-DBC5-4F83-B669-FFB273E61BF3}" presName="spComp" presStyleCnt="0"/>
-      <dgm:spPr/>
-    </dgm:pt>
-    <dgm:pt modelId="{E7E43FB6-38ED-4724-BCF7-E63B255AEB8D}" type="pres">
-      <dgm:prSet presAssocID="{8E062392-DBC5-4F83-B669-FFB273E61BF3}" presName="hSp" presStyleCnt="0"/>
-      <dgm:spPr/>
-    </dgm:pt>
-    <dgm:pt modelId="{52992700-C68B-4DEE-BD5A-52BB29107B08}" type="pres">
-      <dgm:prSet presAssocID="{D7C32EE2-E7D5-41A5-B04E-CF2DCF30194B}" presName="rectComp" presStyleCnt="0"/>
-      <dgm:spPr/>
-    </dgm:pt>
-    <dgm:pt modelId="{4B54D3A1-5107-40F4-A1DC-6DD364463AA3}" type="pres">
-      <dgm:prSet presAssocID="{D7C32EE2-E7D5-41A5-B04E-CF2DCF30194B}" presName="bgRect" presStyleLbl="bgShp" presStyleIdx="3" presStyleCnt="4"/>
-      <dgm:spPr/>
-    </dgm:pt>
-    <dgm:pt modelId="{C70A9ECC-B71A-4C08-AC7F-3E1AA179A579}" type="pres">
-      <dgm:prSet presAssocID="{D7C32EE2-E7D5-41A5-B04E-CF2DCF30194B}" presName="bgRectTx" presStyleLbl="bgShp" presStyleIdx="3" presStyleCnt="4">
-        <dgm:presLayoutVars>
-          <dgm:bulletEnabled val="1"/>
-        </dgm:presLayoutVars>
-      </dgm:prSet>
-      <dgm:spPr/>
-    </dgm:pt>
-  </dgm:ptLst>
-  <dgm:cxnLst>
-    <dgm:cxn modelId="{0C14FC00-0E62-40E1-B20A-61DBAD62139F}" type="presOf" srcId="{0125860C-ADF5-4507-9E91-E6B213222FBD}" destId="{5C3C525B-25A3-4499-94BB-E6EA852815C2}" srcOrd="0" destOrd="0" presId="urn:microsoft.com/office/officeart/2005/8/layout/hierarchy5"/>
-    <dgm:cxn modelId="{BB7ED704-845A-418F-8CA8-373D06F18611}" type="presOf" srcId="{D7C32EE2-E7D5-41A5-B04E-CF2DCF30194B}" destId="{C70A9ECC-B71A-4C08-AC7F-3E1AA179A579}" srcOrd="1" destOrd="0" presId="urn:microsoft.com/office/officeart/2005/8/layout/hierarchy5"/>
-    <dgm:cxn modelId="{BB4FA206-7F62-4D14-887B-1F31B8AD5522}" type="presOf" srcId="{115E780F-165F-4FC9-AC07-256B3B370291}" destId="{58066134-D399-4C87-90CD-D25E3F5EF24C}" srcOrd="0" destOrd="0" presId="urn:microsoft.com/office/officeart/2005/8/layout/hierarchy5"/>
-    <dgm:cxn modelId="{6A0C9507-440C-428B-A835-D730551A7CA0}" srcId="{6477D134-4842-47F1-80F3-BB13E33C4CD2}" destId="{DB1C4F2D-4FC2-4841-A491-D3381913A963}" srcOrd="0" destOrd="0" parTransId="{115E780F-165F-4FC9-AC07-256B3B370291}" sibTransId="{D94D1ABF-F52B-473B-B5B2-3DD969BB320B}"/>
-    <dgm:cxn modelId="{5F59F307-2272-4A00-ADDF-B5D8120C1366}" srcId="{83F39DF7-8A42-4324-9FC2-791373223FCF}" destId="{6477D134-4842-47F1-80F3-BB13E33C4CD2}" srcOrd="0" destOrd="0" parTransId="{7167C49E-0229-4311-82EE-D34519290136}" sibTransId="{FFCEA98E-65EC-45BD-B5DF-224160641D4B}"/>
-    <dgm:cxn modelId="{A884FE08-B0CB-4466-A13D-44B8FAF83091}" type="presOf" srcId="{87A9F54D-F2A5-42DF-80DB-9827DA4236BE}" destId="{A7F026DC-CB6F-4505-A2DF-C8071D384490}" srcOrd="1" destOrd="0" presId="urn:microsoft.com/office/officeart/2005/8/layout/hierarchy5"/>
-    <dgm:cxn modelId="{E212E40E-7D78-40F8-BBAE-845B30E6385B}" type="presOf" srcId="{7167C49E-0229-4311-82EE-D34519290136}" destId="{CD7EA59C-B731-4E91-A387-D58BF69C34C9}" srcOrd="1" destOrd="0" presId="urn:microsoft.com/office/officeart/2005/8/layout/hierarchy5"/>
-    <dgm:cxn modelId="{95F22617-2101-4694-985B-831A0163E099}" type="presOf" srcId="{E89F0BDA-09D8-4B84-B782-90138067912E}" destId="{26E2899E-56F3-4856-92D7-835E65F98EFB}" srcOrd="0" destOrd="0" presId="urn:microsoft.com/office/officeart/2005/8/layout/hierarchy5"/>
-    <dgm:cxn modelId="{D5992520-FBD3-45CF-8385-39267AB98D29}" type="presOf" srcId="{95331837-7274-4D16-892B-E3B046E13FF8}" destId="{4AA9301C-40D0-417D-8883-2A709FD20646}" srcOrd="0" destOrd="0" presId="urn:microsoft.com/office/officeart/2005/8/layout/hierarchy5"/>
-    <dgm:cxn modelId="{0805C228-3E02-4435-8A1D-7495310D5397}" srcId="{5B1398D1-F9D7-456E-8A69-BB62B77A6038}" destId="{1F20165D-8991-434A-B462-3B65BA4389CC}" srcOrd="2" destOrd="0" parTransId="{E66FC05F-F99F-4391-9EEE-921D29EB72C3}" sibTransId="{D49005F3-A956-4955-8B37-34BA83DDB3F8}"/>
-    <dgm:cxn modelId="{7C9ACF2B-A7F8-4DBD-81B6-2710DE1ABE97}" type="presOf" srcId="{83F39DF7-8A42-4324-9FC2-791373223FCF}" destId="{C05CF9FD-834C-4010-8E4B-6C84E514F5B1}" srcOrd="0" destOrd="0" presId="urn:microsoft.com/office/officeart/2005/8/layout/hierarchy5"/>
-    <dgm:cxn modelId="{1CFE2D31-D960-4A62-9D77-BE9256DE091D}" type="presOf" srcId="{4D982B7E-A3DB-4202-B5AD-6120A9ACEAD3}" destId="{04D96044-C351-4B6D-A2FF-20C42C5EB70E}" srcOrd="0" destOrd="0" presId="urn:microsoft.com/office/officeart/2005/8/layout/hierarchy5"/>
-    <dgm:cxn modelId="{0842B733-67D0-4E9B-9300-E6D3A3FF05F3}" srcId="{4D982B7E-A3DB-4202-B5AD-6120A9ACEAD3}" destId="{D9791905-7E5B-44A4-9707-744BBE0BE790}" srcOrd="0" destOrd="0" parTransId="{0125860C-ADF5-4507-9E91-E6B213222FBD}" sibTransId="{D69C75A0-4A6F-4641-BCE2-BE7F62CAB97E}"/>
-    <dgm:cxn modelId="{C1E1D833-CB91-4FF3-BEC0-E7ED1CAFDFFA}" type="presOf" srcId="{369530F5-8BC0-4A61-B09F-8561680A74A2}" destId="{C53687B7-C83A-4695-9FF1-2D1B1EE51B93}" srcOrd="0" destOrd="0" presId="urn:microsoft.com/office/officeart/2005/8/layout/hierarchy5"/>
-    <dgm:cxn modelId="{03CC6834-9D2C-4A71-9991-9ED654200B49}" type="presOf" srcId="{95E94F2C-621C-44A6-AE26-C58CC35E4187}" destId="{566D3251-BBDF-4FEE-9A1A-993949FDB8B0}" srcOrd="1" destOrd="0" presId="urn:microsoft.com/office/officeart/2005/8/layout/hierarchy5"/>
-    <dgm:cxn modelId="{C2DB0436-14E7-4669-92F8-B3D448225B8A}" type="presOf" srcId="{36DDF947-F4FC-4D69-A4C2-B9B16ABC1A97}" destId="{E64B2A5E-55BF-412B-8185-4EED93FD1D7B}" srcOrd="0" destOrd="0" presId="urn:microsoft.com/office/officeart/2005/8/layout/hierarchy5"/>
-    <dgm:cxn modelId="{535B785D-AC6F-4998-A815-C93EEBA36F22}" srcId="{83F39DF7-8A42-4324-9FC2-791373223FCF}" destId="{1B60B270-3BA1-44B3-852D-205B521747A3}" srcOrd="1" destOrd="0" parTransId="{95E94F2C-621C-44A6-AE26-C58CC35E4187}" sibTransId="{345BA073-ACAE-4687-ADC6-BF4A2F6BF835}"/>
-    <dgm:cxn modelId="{0520F941-8182-43CB-86DB-60FCE5150ABB}" type="presOf" srcId="{CBBDD5C8-C8B3-4578-9496-290FCC88C43E}" destId="{AD2D6713-63DB-4245-B589-F25D6BE0D04B}" srcOrd="0" destOrd="0" presId="urn:microsoft.com/office/officeart/2005/8/layout/hierarchy5"/>
-    <dgm:cxn modelId="{558E3564-152C-4F73-94C4-55A0E0D25B6F}" srcId="{369530F5-8BC0-4A61-B09F-8561680A74A2}" destId="{D759208D-FC1E-43DE-8A28-67C82E34E14F}" srcOrd="0" destOrd="0" parTransId="{AC3BBF62-BD4E-4B6C-911A-A5E7E8577987}" sibTransId="{7FBAD0E5-54E1-433E-BD85-909827120388}"/>
-    <dgm:cxn modelId="{269B9065-BFBB-4836-B112-8DA8DAFD6680}" type="presOf" srcId="{CBBDD5C8-C8B3-4578-9496-290FCC88C43E}" destId="{0A47DFC9-8163-431A-9F56-F6D05BCE5123}" srcOrd="1" destOrd="0" presId="urn:microsoft.com/office/officeart/2005/8/layout/hierarchy5"/>
-    <dgm:cxn modelId="{33559D45-DD6E-4DF6-9356-480DEC1FDFDA}" type="presOf" srcId="{95E94F2C-621C-44A6-AE26-C58CC35E4187}" destId="{6EAE7D78-86F7-41B0-85C9-00A5BF635B0C}" srcOrd="0" destOrd="0" presId="urn:microsoft.com/office/officeart/2005/8/layout/hierarchy5"/>
-    <dgm:cxn modelId="{ECC3C966-A445-46D7-A055-4B7DB23FE2C5}" type="presOf" srcId="{1F20165D-8991-434A-B462-3B65BA4389CC}" destId="{1A3C79F3-BC07-4DD6-B9A0-A73B9E6110FE}" srcOrd="1" destOrd="0" presId="urn:microsoft.com/office/officeart/2005/8/layout/hierarchy5"/>
-    <dgm:cxn modelId="{536A736A-4F59-4DDF-8A0A-12C0691EB31B}" type="presOf" srcId="{115E780F-165F-4FC9-AC07-256B3B370291}" destId="{93FD488F-2DA0-43CC-A9E0-70B88BAB858B}" srcOrd="1" destOrd="0" presId="urn:microsoft.com/office/officeart/2005/8/layout/hierarchy5"/>
-    <dgm:cxn modelId="{3EE7CB4B-9BE7-495A-9D23-5DD6C1FB0CDC}" srcId="{83F39DF7-8A42-4324-9FC2-791373223FCF}" destId="{369530F5-8BC0-4A61-B09F-8561680A74A2}" srcOrd="2" destOrd="0" parTransId="{CBBDD5C8-C8B3-4578-9496-290FCC88C43E}" sibTransId="{CD24ACF0-E5A9-4BD2-9612-C5FE7285EF1B}"/>
-    <dgm:cxn modelId="{D72CD16B-E895-469B-848D-49A2A8B99E4C}" srcId="{5B1398D1-F9D7-456E-8A69-BB62B77A6038}" destId="{8E062392-DBC5-4F83-B669-FFB273E61BF3}" srcOrd="3" destOrd="0" parTransId="{DDF34B2D-38D6-4B91-913C-BE52DBDAC482}" sibTransId="{55FC5E96-2CD9-4A0A-AE6A-D15BB48E3B32}"/>
-    <dgm:cxn modelId="{E74A6C4D-23E8-4687-A3A2-87C3852AC16E}" type="presOf" srcId="{DB1C4F2D-4FC2-4841-A491-D3381913A963}" destId="{4402911D-B060-4A3A-914A-4160AED1F542}" srcOrd="0" destOrd="0" presId="urn:microsoft.com/office/officeart/2005/8/layout/hierarchy5"/>
-    <dgm:cxn modelId="{128B5851-C667-44AC-89C8-F06E11105FDA}" type="presOf" srcId="{D7C32EE2-E7D5-41A5-B04E-CF2DCF30194B}" destId="{4B54D3A1-5107-40F4-A1DC-6DD364463AA3}" srcOrd="0" destOrd="0" presId="urn:microsoft.com/office/officeart/2005/8/layout/hierarchy5"/>
-    <dgm:cxn modelId="{E6FC0973-21C0-4E1B-9B4D-7861F9D7DA91}" type="presOf" srcId="{53D60FB5-2449-48C4-B034-9BB4C80912D3}" destId="{BEF72258-2226-405A-8F28-8F814125147C}" srcOrd="0" destOrd="0" presId="urn:microsoft.com/office/officeart/2005/8/layout/hierarchy5"/>
-    <dgm:cxn modelId="{AD772E76-2B92-4936-8C33-A3F741B120C9}" type="presOf" srcId="{8E062392-DBC5-4F83-B669-FFB273E61BF3}" destId="{5804F3D2-0275-4000-9911-F304FF8CD242}" srcOrd="1" destOrd="0" presId="urn:microsoft.com/office/officeart/2005/8/layout/hierarchy5"/>
-    <dgm:cxn modelId="{DAADC178-AEA9-4FFB-961F-ACDCA3BEEF53}" type="presOf" srcId="{D9791905-7E5B-44A4-9707-744BBE0BE790}" destId="{763D910F-8C5A-4B83-8AB4-A86C0CD78A50}" srcOrd="0" destOrd="0" presId="urn:microsoft.com/office/officeart/2005/8/layout/hierarchy5"/>
-    <dgm:cxn modelId="{F642347A-C667-4589-B0BE-8663BB5C262A}" type="presOf" srcId="{8E062392-DBC5-4F83-B669-FFB273E61BF3}" destId="{852590F5-C06F-4352-8D94-2E593F80C94B}" srcOrd="0" destOrd="0" presId="urn:microsoft.com/office/officeart/2005/8/layout/hierarchy5"/>
-    <dgm:cxn modelId="{C0EFBE7B-7C6B-463A-9A7A-FFC049BC171A}" type="presOf" srcId="{F5D38118-7204-4D67-8318-7B330FF0B864}" destId="{B7C4A7E3-1258-4977-ADFC-042D9A33FABE}" srcOrd="0" destOrd="0" presId="urn:microsoft.com/office/officeart/2005/8/layout/hierarchy5"/>
-    <dgm:cxn modelId="{F8A52580-8340-45DA-ADDB-8EF6CE2974A3}" srcId="{1017F3F1-2791-4CEF-A98D-5B1CDF81753F}" destId="{F7151E8B-E478-4C5E-84AA-AE74B8C134C5}" srcOrd="0" destOrd="0" parTransId="{36DDF947-F4FC-4D69-A4C2-B9B16ABC1A97}" sibTransId="{AC58476A-E6A5-40A0-A6E9-6D39F4BB3E43}"/>
-    <dgm:cxn modelId="{5CAF7F80-473D-47FE-9D7B-C78BE3EA93E7}" type="presOf" srcId="{882ADA10-DAB1-4F39-8E17-DD243AE79D37}" destId="{3433CC9D-B596-44DE-A7CD-B049FCC09347}" srcOrd="0" destOrd="0" presId="urn:microsoft.com/office/officeart/2005/8/layout/hierarchy5"/>
-    <dgm:cxn modelId="{C255A186-8D1B-4BD9-96E6-A9557E14020A}" type="presOf" srcId="{F7151E8B-E478-4C5E-84AA-AE74B8C134C5}" destId="{50375E47-8C13-4EED-B3E7-CBB62A4FD084}" srcOrd="0" destOrd="0" presId="urn:microsoft.com/office/officeart/2005/8/layout/hierarchy5"/>
-    <dgm:cxn modelId="{958C7288-5EB1-4C0A-B2F4-F542E2A5F1BA}" type="presOf" srcId="{AC3BBF62-BD4E-4B6C-911A-A5E7E8577987}" destId="{4DB31454-E403-42CB-8B0B-EF1C3E10190C}" srcOrd="1" destOrd="0" presId="urn:microsoft.com/office/officeart/2005/8/layout/hierarchy5"/>
-    <dgm:cxn modelId="{19FA388F-7C16-4156-B7F9-7071C6D42255}" type="presOf" srcId="{4D512081-058F-4D46-8ABA-CED69D7F05C9}" destId="{4E8DFD08-CD70-4CB3-B037-9E888FD70C7E}" srcOrd="0" destOrd="0" presId="urn:microsoft.com/office/officeart/2005/8/layout/hierarchy5"/>
-    <dgm:cxn modelId="{0ABFB392-D0B5-438C-9B29-BE48CC618585}" type="presOf" srcId="{95331837-7274-4D16-892B-E3B046E13FF8}" destId="{55BA1AFD-527F-4414-82C5-C4F32A337F19}" srcOrd="1" destOrd="0" presId="urn:microsoft.com/office/officeart/2005/8/layout/hierarchy5"/>
-    <dgm:cxn modelId="{351BF295-1D58-4166-B744-ABE2C47302EE}" type="presOf" srcId="{D759208D-FC1E-43DE-8A28-67C82E34E14F}" destId="{7382DC8D-5569-4AC8-AE25-8825A0C716CF}" srcOrd="0" destOrd="0" presId="urn:microsoft.com/office/officeart/2005/8/layout/hierarchy5"/>
-    <dgm:cxn modelId="{6404399B-9F6A-45DB-AE1C-4C4DCA92FB4B}" type="presOf" srcId="{1F20165D-8991-434A-B462-3B65BA4389CC}" destId="{95D32270-BC67-4DFC-9FA1-3A3114D23084}" srcOrd="0" destOrd="0" presId="urn:microsoft.com/office/officeart/2005/8/layout/hierarchy5"/>
-    <dgm:cxn modelId="{69AE4E9B-1900-479F-9652-18861D0E9542}" type="presOf" srcId="{48BEAE64-8C5F-4802-8FC2-35D136E9A4C3}" destId="{DB173FE0-7205-4C36-B7E8-E4C0B9C784EE}" srcOrd="0" destOrd="0" presId="urn:microsoft.com/office/officeart/2005/8/layout/hierarchy5"/>
-    <dgm:cxn modelId="{D2887DA6-272D-4287-A5C2-6510D5AB72C0}" srcId="{5B1398D1-F9D7-456E-8A69-BB62B77A6038}" destId="{83F39DF7-8A42-4324-9FC2-791373223FCF}" srcOrd="0" destOrd="0" parTransId="{FF13FD60-0DE0-440B-BA9C-2D55E207FDDF}" sibTransId="{9E029C43-8D7A-4EC5-901E-AE4EAB60199F}"/>
-    <dgm:cxn modelId="{9F8FC9AB-EA5A-4A95-8F28-88F4B0C7A68A}" srcId="{48BEAE64-8C5F-4802-8FC2-35D136E9A4C3}" destId="{FF39D4BD-4D82-45C4-9EE6-C9D27BF99D79}" srcOrd="0" destOrd="0" parTransId="{BBDF53C1-15C6-4343-902D-2AE94A796602}" sibTransId="{B7D6FFC1-BD87-4F41-A011-A8FF9B78D4AB}"/>
-    <dgm:cxn modelId="{06C338AE-67CE-4BB3-8BE8-8DA4F02042EA}" type="presOf" srcId="{53D60FB5-2449-48C4-B034-9BB4C80912D3}" destId="{C4A60295-6B55-4B8D-8CA6-ED162AECFF9E}" srcOrd="1" destOrd="0" presId="urn:microsoft.com/office/officeart/2005/8/layout/hierarchy5"/>
-    <dgm:cxn modelId="{B8AC38B1-A00B-49A6-9C21-27DBAE894062}" type="presOf" srcId="{E89F0BDA-09D8-4B84-B782-90138067912E}" destId="{9B2B079B-60E3-4CA0-9365-B95D9E009AFC}" srcOrd="1" destOrd="0" presId="urn:microsoft.com/office/officeart/2005/8/layout/hierarchy5"/>
-    <dgm:cxn modelId="{1D0EABBA-FAA1-4F26-8858-68655475B01B}" type="presOf" srcId="{BBDF53C1-15C6-4343-902D-2AE94A796602}" destId="{51B66081-F111-46F9-900D-3618A4819E7F}" srcOrd="0" destOrd="0" presId="urn:microsoft.com/office/officeart/2005/8/layout/hierarchy5"/>
-    <dgm:cxn modelId="{2D8138BC-732B-44F8-8B66-7CB436032C18}" type="presOf" srcId="{882ADA10-DAB1-4F39-8E17-DD243AE79D37}" destId="{488700FF-4B8B-4921-A50B-1E1F4C293078}" srcOrd="1" destOrd="0" presId="urn:microsoft.com/office/officeart/2005/8/layout/hierarchy5"/>
-    <dgm:cxn modelId="{8D966ABD-B120-4365-9705-0A91DF956D75}" type="presOf" srcId="{1B60B270-3BA1-44B3-852D-205B521747A3}" destId="{ED64E025-E7EA-48B1-9FD8-84C0642E5C4A}" srcOrd="0" destOrd="0" presId="urn:microsoft.com/office/officeart/2005/8/layout/hierarchy5"/>
-    <dgm:cxn modelId="{4E323BBE-4162-4348-A29D-EB3FBA4182F9}" type="presOf" srcId="{AC3BBF62-BD4E-4B6C-911A-A5E7E8577987}" destId="{C212B8D0-3CD4-4C7E-80BB-2523971965E5}" srcOrd="0" destOrd="0" presId="urn:microsoft.com/office/officeart/2005/8/layout/hierarchy5"/>
-    <dgm:cxn modelId="{3F1B5DBE-5825-47BC-B5D6-F3A1883DDFD3}" srcId="{DB1C4F2D-4FC2-4841-A491-D3381913A963}" destId="{F5D38118-7204-4D67-8318-7B330FF0B864}" srcOrd="0" destOrd="0" parTransId="{53D60FB5-2449-48C4-B034-9BB4C80912D3}" sibTransId="{6B9605E5-5A7C-4059-873F-574538336A99}"/>
-    <dgm:cxn modelId="{60AE41C0-DEE5-4FAE-ADDF-3A6B8B6607D3}" type="presOf" srcId="{7167C49E-0229-4311-82EE-D34519290136}" destId="{5039A2DA-D696-44B4-A26F-81551C726AB1}" srcOrd="0" destOrd="0" presId="urn:microsoft.com/office/officeart/2005/8/layout/hierarchy5"/>
-    <dgm:cxn modelId="{40A0BBC1-E568-468A-A33B-A6B40AAECAC0}" srcId="{1B60B270-3BA1-44B3-852D-205B521747A3}" destId="{1017F3F1-2791-4CEF-A98D-5B1CDF81753F}" srcOrd="1" destOrd="0" parTransId="{87A9F54D-F2A5-42DF-80DB-9827DA4236BE}" sibTransId="{C9D9BD7C-0561-429D-9424-BFDD2A64F63F}"/>
-    <dgm:cxn modelId="{F5C9B3C4-2905-4372-8F95-4057431807E6}" srcId="{1B60B270-3BA1-44B3-852D-205B521747A3}" destId="{4D982B7E-A3DB-4202-B5AD-6120A9ACEAD3}" srcOrd="0" destOrd="0" parTransId="{95331837-7274-4D16-892B-E3B046E13FF8}" sibTransId="{7B2058A5-6F82-43D2-8D59-F2778E1ECC09}"/>
-    <dgm:cxn modelId="{24C127C6-A262-4B46-A9B4-4C32AB9918FF}" type="presOf" srcId="{0AD05306-B5BB-4478-80CD-135DA0B237D9}" destId="{AAFEB5D4-1415-4E81-B308-B6AD7EF5D208}" srcOrd="0" destOrd="0" presId="urn:microsoft.com/office/officeart/2005/8/layout/hierarchy5"/>
-    <dgm:cxn modelId="{41ADCDC7-95BC-4350-8D41-793FBF62B50C}" srcId="{5B1398D1-F9D7-456E-8A69-BB62B77A6038}" destId="{D7C32EE2-E7D5-41A5-B04E-CF2DCF30194B}" srcOrd="4" destOrd="0" parTransId="{6ECA16ED-F0A4-495C-BC72-6B0128796137}" sibTransId="{2DC43780-419A-4CD9-92E7-864490846BF1}"/>
-    <dgm:cxn modelId="{61CE62C8-7A90-42AB-980D-218EF79DD25D}" type="presOf" srcId="{5B1398D1-F9D7-456E-8A69-BB62B77A6038}" destId="{1108685B-70D8-44B0-95D9-7083FE4C3433}" srcOrd="0" destOrd="0" presId="urn:microsoft.com/office/officeart/2005/8/layout/hierarchy5"/>
-    <dgm:cxn modelId="{B18022D0-9346-45DA-816C-A752BF5B9F0B}" type="presOf" srcId="{0AD05306-B5BB-4478-80CD-135DA0B237D9}" destId="{F825B0C4-20AE-4FE8-9E07-A69DD788412A}" srcOrd="1" destOrd="0" presId="urn:microsoft.com/office/officeart/2005/8/layout/hierarchy5"/>
-    <dgm:cxn modelId="{685983D0-82E4-4783-89EA-7681BDC6A8F6}" type="presOf" srcId="{6477D134-4842-47F1-80F3-BB13E33C4CD2}" destId="{1AF40B29-8683-46F4-A1A0-A6B46BE188D3}" srcOrd="0" destOrd="0" presId="urn:microsoft.com/office/officeart/2005/8/layout/hierarchy5"/>
-    <dgm:cxn modelId="{B2749ED1-9208-4586-8805-22C45A357138}" type="presOf" srcId="{87A9F54D-F2A5-42DF-80DB-9827DA4236BE}" destId="{A9F2E0C0-0F30-45E1-AFA7-AFA031BB9AB2}" srcOrd="0" destOrd="0" presId="urn:microsoft.com/office/officeart/2005/8/layout/hierarchy5"/>
-    <dgm:cxn modelId="{D16912D2-1267-4B98-A15F-67295CBF6DA6}" srcId="{D759208D-FC1E-43DE-8A28-67C82E34E14F}" destId="{4D512081-058F-4D46-8ABA-CED69D7F05C9}" srcOrd="0" destOrd="0" parTransId="{0AD05306-B5BB-4478-80CD-135DA0B237D9}" sibTransId="{D1BCB0AF-93BF-4629-96BE-380818073D01}"/>
-    <dgm:cxn modelId="{C13F95D4-FC34-4009-A5E5-690CC2387548}" type="presOf" srcId="{1017F3F1-2791-4CEF-A98D-5B1CDF81753F}" destId="{BB08BC20-60E1-40B6-A89E-2986E06C062A}" srcOrd="0" destOrd="0" presId="urn:microsoft.com/office/officeart/2005/8/layout/hierarchy5"/>
-    <dgm:cxn modelId="{22A605D6-AED7-4C50-9F74-4F96A3E1A76F}" srcId="{6477D134-4842-47F1-80F3-BB13E33C4CD2}" destId="{48BEAE64-8C5F-4802-8FC2-35D136E9A4C3}" srcOrd="1" destOrd="0" parTransId="{882ADA10-DAB1-4F39-8E17-DD243AE79D37}" sibTransId="{94A1EDF0-41A6-45EF-BDF8-A62465107A32}"/>
-    <dgm:cxn modelId="{C0E361ED-3470-401F-A33C-F80823D60169}" srcId="{5B1398D1-F9D7-456E-8A69-BB62B77A6038}" destId="{E89F0BDA-09D8-4B84-B782-90138067912E}" srcOrd="1" destOrd="0" parTransId="{5EE75350-B075-4AD3-8803-B77BED719D29}" sibTransId="{296D4F33-C665-4431-9AF3-06365D896F97}"/>
-    <dgm:cxn modelId="{F7BDA9ED-056C-4A3A-8020-3ACC18611A14}" type="presOf" srcId="{FF39D4BD-4D82-45C4-9EE6-C9D27BF99D79}" destId="{26183012-51EF-454A-9E44-925F2E00F4CF}" srcOrd="0" destOrd="0" presId="urn:microsoft.com/office/officeart/2005/8/layout/hierarchy5"/>
-    <dgm:cxn modelId="{5187E7F0-DB65-4478-B8D5-9062A6EABA1B}" type="presOf" srcId="{BBDF53C1-15C6-4343-902D-2AE94A796602}" destId="{F678D089-6CAE-47E0-910B-BC1E9A1E2FC5}" srcOrd="1" destOrd="0" presId="urn:microsoft.com/office/officeart/2005/8/layout/hierarchy5"/>
-    <dgm:cxn modelId="{6F35A7F7-CC1E-4EBB-A33F-8E43B4888E84}" type="presOf" srcId="{36DDF947-F4FC-4D69-A4C2-B9B16ABC1A97}" destId="{EF321AA7-1832-4F5E-9364-87B3DD63E38B}" srcOrd="1" destOrd="0" presId="urn:microsoft.com/office/officeart/2005/8/layout/hierarchy5"/>
-    <dgm:cxn modelId="{4BB095FE-C357-49F5-A652-FE09D16FBB90}" type="presOf" srcId="{0125860C-ADF5-4507-9E91-E6B213222FBD}" destId="{3CE8CB85-8242-48A3-B66D-AA19D4E18139}" srcOrd="1" destOrd="0" presId="urn:microsoft.com/office/officeart/2005/8/layout/hierarchy5"/>
-    <dgm:cxn modelId="{498FD8F0-F527-44A0-864A-33870F91156E}" type="presParOf" srcId="{1108685B-70D8-44B0-95D9-7083FE4C3433}" destId="{E773116A-1258-4540-AF78-99F4F876709C}" srcOrd="0" destOrd="0" presId="urn:microsoft.com/office/officeart/2005/8/layout/hierarchy5"/>
-    <dgm:cxn modelId="{059AB7C4-F4F2-4D8F-A0F7-C4010D8EB0C0}" type="presParOf" srcId="{E773116A-1258-4540-AF78-99F4F876709C}" destId="{16FE4B6B-F789-4A3F-BC2E-BA34FBD34BEC}" srcOrd="0" destOrd="0" presId="urn:microsoft.com/office/officeart/2005/8/layout/hierarchy5"/>
-    <dgm:cxn modelId="{5733C4BE-E32D-4C20-B042-8CA4E59EC663}" type="presParOf" srcId="{E773116A-1258-4540-AF78-99F4F876709C}" destId="{0BB7D903-EFE9-439D-92E1-DD05230D53C2}" srcOrd="1" destOrd="0" presId="urn:microsoft.com/office/officeart/2005/8/layout/hierarchy5"/>
-    <dgm:cxn modelId="{ADA74DD2-2D96-45ED-AC4B-69F6E819452D}" type="presParOf" srcId="{0BB7D903-EFE9-439D-92E1-DD05230D53C2}" destId="{5E28B363-3B2F-44B5-A146-7908CCCBF973}" srcOrd="0" destOrd="0" presId="urn:microsoft.com/office/officeart/2005/8/layout/hierarchy5"/>
-    <dgm:cxn modelId="{ADAADA89-F3AC-475C-9908-9157E7FCDF3F}" type="presParOf" srcId="{5E28B363-3B2F-44B5-A146-7908CCCBF973}" destId="{C05CF9FD-834C-4010-8E4B-6C84E514F5B1}" srcOrd="0" destOrd="0" presId="urn:microsoft.com/office/officeart/2005/8/layout/hierarchy5"/>
-    <dgm:cxn modelId="{DFE3D2A7-A9DF-4875-A292-2819319971E4}" type="presParOf" srcId="{5E28B363-3B2F-44B5-A146-7908CCCBF973}" destId="{046F68D4-3E99-49F7-8945-A7756F423F23}" srcOrd="1" destOrd="0" presId="urn:microsoft.com/office/officeart/2005/8/layout/hierarchy5"/>
-    <dgm:cxn modelId="{7EFBE961-BEB9-446B-B909-259B84A84055}" type="presParOf" srcId="{046F68D4-3E99-49F7-8945-A7756F423F23}" destId="{5039A2DA-D696-44B4-A26F-81551C726AB1}" srcOrd="0" destOrd="0" presId="urn:microsoft.com/office/officeart/2005/8/layout/hierarchy5"/>
-    <dgm:cxn modelId="{FCA015CB-A26F-4829-B122-ECA98B4499E6}" type="presParOf" srcId="{5039A2DA-D696-44B4-A26F-81551C726AB1}" destId="{CD7EA59C-B731-4E91-A387-D58BF69C34C9}" srcOrd="0" destOrd="0" presId="urn:microsoft.com/office/officeart/2005/8/layout/hierarchy5"/>
-    <dgm:cxn modelId="{4D8B2CBA-86BE-4FEA-B7CC-8B3BD23CBDCE}" type="presParOf" srcId="{046F68D4-3E99-49F7-8945-A7756F423F23}" destId="{8B062844-4C3F-455F-ABFF-BF9BCF0B0B4E}" srcOrd="1" destOrd="0" presId="urn:microsoft.com/office/officeart/2005/8/layout/hierarchy5"/>
-    <dgm:cxn modelId="{3C92B7D6-48C7-4204-A9DA-D4D3AC7FFD5D}" type="presParOf" srcId="{8B062844-4C3F-455F-ABFF-BF9BCF0B0B4E}" destId="{1AF40B29-8683-46F4-A1A0-A6B46BE188D3}" srcOrd="0" destOrd="0" presId="urn:microsoft.com/office/officeart/2005/8/layout/hierarchy5"/>
-    <dgm:cxn modelId="{40540128-D412-4F45-9ED3-8BD7F7260E54}" type="presParOf" srcId="{8B062844-4C3F-455F-ABFF-BF9BCF0B0B4E}" destId="{6301F1B0-8707-43DE-9172-81FB41BA2417}" srcOrd="1" destOrd="0" presId="urn:microsoft.com/office/officeart/2005/8/layout/hierarchy5"/>
-    <dgm:cxn modelId="{F83F52E4-243F-4735-861E-06D1F6A2C39E}" type="presParOf" srcId="{6301F1B0-8707-43DE-9172-81FB41BA2417}" destId="{58066134-D399-4C87-90CD-D25E3F5EF24C}" srcOrd="0" destOrd="0" presId="urn:microsoft.com/office/officeart/2005/8/layout/hierarchy5"/>
-    <dgm:cxn modelId="{1F039874-6221-4711-9127-C6D0117BEF0E}" type="presParOf" srcId="{58066134-D399-4C87-90CD-D25E3F5EF24C}" destId="{93FD488F-2DA0-43CC-A9E0-70B88BAB858B}" srcOrd="0" destOrd="0" presId="urn:microsoft.com/office/officeart/2005/8/layout/hierarchy5"/>
-    <dgm:cxn modelId="{82E5829A-80BE-4C66-9754-3DBBE6A5F9D6}" type="presParOf" srcId="{6301F1B0-8707-43DE-9172-81FB41BA2417}" destId="{499FF2C4-5EB9-423D-AEC7-4C0B72C69648}" srcOrd="1" destOrd="0" presId="urn:microsoft.com/office/officeart/2005/8/layout/hierarchy5"/>
-    <dgm:cxn modelId="{0F62D754-DF1C-46F3-8254-D9E0CECF8B97}" type="presParOf" srcId="{499FF2C4-5EB9-423D-AEC7-4C0B72C69648}" destId="{4402911D-B060-4A3A-914A-4160AED1F542}" srcOrd="0" destOrd="0" presId="urn:microsoft.com/office/officeart/2005/8/layout/hierarchy5"/>
-    <dgm:cxn modelId="{DF61CB12-78AD-4BB4-955B-03D4A0714467}" type="presParOf" srcId="{499FF2C4-5EB9-423D-AEC7-4C0B72C69648}" destId="{EE43ED56-6425-478F-845C-49ED1CC7C1EC}" srcOrd="1" destOrd="0" presId="urn:microsoft.com/office/officeart/2005/8/layout/hierarchy5"/>
-    <dgm:cxn modelId="{3318EBFE-799D-49A6-978D-47A8BE27D7A1}" type="presParOf" srcId="{EE43ED56-6425-478F-845C-49ED1CC7C1EC}" destId="{BEF72258-2226-405A-8F28-8F814125147C}" srcOrd="0" destOrd="0" presId="urn:microsoft.com/office/officeart/2005/8/layout/hierarchy5"/>
-    <dgm:cxn modelId="{6BC813B9-4F6A-4CD2-AF45-C1ED658D0493}" type="presParOf" srcId="{BEF72258-2226-405A-8F28-8F814125147C}" destId="{C4A60295-6B55-4B8D-8CA6-ED162AECFF9E}" srcOrd="0" destOrd="0" presId="urn:microsoft.com/office/officeart/2005/8/layout/hierarchy5"/>
-    <dgm:cxn modelId="{6CF03AB4-8698-4541-A921-8F5CAC156F82}" type="presParOf" srcId="{EE43ED56-6425-478F-845C-49ED1CC7C1EC}" destId="{524B9AE1-4633-4D9C-9479-D0403ABED1E4}" srcOrd="1" destOrd="0" presId="urn:microsoft.com/office/officeart/2005/8/layout/hierarchy5"/>
-    <dgm:cxn modelId="{4B8B3A5B-6224-4B9E-8B4A-62319867A265}" type="presParOf" srcId="{524B9AE1-4633-4D9C-9479-D0403ABED1E4}" destId="{B7C4A7E3-1258-4977-ADFC-042D9A33FABE}" srcOrd="0" destOrd="0" presId="urn:microsoft.com/office/officeart/2005/8/layout/hierarchy5"/>
-    <dgm:cxn modelId="{3CCF9657-E846-4517-B45F-BAF372A26503}" type="presParOf" srcId="{524B9AE1-4633-4D9C-9479-D0403ABED1E4}" destId="{9336F296-E6FA-4095-8EB5-A359B21D65ED}" srcOrd="1" destOrd="0" presId="urn:microsoft.com/office/officeart/2005/8/layout/hierarchy5"/>
-    <dgm:cxn modelId="{F8E00E32-22A8-4B4C-9502-8905604CC8B2}" type="presParOf" srcId="{6301F1B0-8707-43DE-9172-81FB41BA2417}" destId="{3433CC9D-B596-44DE-A7CD-B049FCC09347}" srcOrd="2" destOrd="0" presId="urn:microsoft.com/office/officeart/2005/8/layout/hierarchy5"/>
-    <dgm:cxn modelId="{D97A58AE-AFAA-4C22-A13A-BD336B14FED7}" type="presParOf" srcId="{3433CC9D-B596-44DE-A7CD-B049FCC09347}" destId="{488700FF-4B8B-4921-A50B-1E1F4C293078}" srcOrd="0" destOrd="0" presId="urn:microsoft.com/office/officeart/2005/8/layout/hierarchy5"/>
-    <dgm:cxn modelId="{B58112CD-9B8A-48B2-9D53-AA1D2C306B2F}" type="presParOf" srcId="{6301F1B0-8707-43DE-9172-81FB41BA2417}" destId="{A8CBFB62-286B-465F-BFA8-5242E82B07DF}" srcOrd="3" destOrd="0" presId="urn:microsoft.com/office/officeart/2005/8/layout/hierarchy5"/>
-    <dgm:cxn modelId="{9550DA00-DBA4-4276-A9F7-CAB4A44894A5}" type="presParOf" srcId="{A8CBFB62-286B-465F-BFA8-5242E82B07DF}" destId="{DB173FE0-7205-4C36-B7E8-E4C0B9C784EE}" srcOrd="0" destOrd="0" presId="urn:microsoft.com/office/officeart/2005/8/layout/hierarchy5"/>
-    <dgm:cxn modelId="{61BAC42C-AC59-477A-8A66-2ED7BB688199}" type="presParOf" srcId="{A8CBFB62-286B-465F-BFA8-5242E82B07DF}" destId="{E6592A78-56FF-4E84-9220-D21AEC4EC589}" srcOrd="1" destOrd="0" presId="urn:microsoft.com/office/officeart/2005/8/layout/hierarchy5"/>
-    <dgm:cxn modelId="{512B6362-EE61-40C1-861A-C8DE7DC8885A}" type="presParOf" srcId="{E6592A78-56FF-4E84-9220-D21AEC4EC589}" destId="{51B66081-F111-46F9-900D-3618A4819E7F}" srcOrd="0" destOrd="0" presId="urn:microsoft.com/office/officeart/2005/8/layout/hierarchy5"/>
-    <dgm:cxn modelId="{D74C0554-E62B-4164-905B-DC48ADB9B2DF}" type="presParOf" srcId="{51B66081-F111-46F9-900D-3618A4819E7F}" destId="{F678D089-6CAE-47E0-910B-BC1E9A1E2FC5}" srcOrd="0" destOrd="0" presId="urn:microsoft.com/office/officeart/2005/8/layout/hierarchy5"/>
-    <dgm:cxn modelId="{2EDB9492-77C2-4F51-A5A0-F91D1D3BF8A9}" type="presParOf" srcId="{E6592A78-56FF-4E84-9220-D21AEC4EC589}" destId="{7679CC89-A9FE-4F97-943D-3B874D8EB9B8}" srcOrd="1" destOrd="0" presId="urn:microsoft.com/office/officeart/2005/8/layout/hierarchy5"/>
-    <dgm:cxn modelId="{FF7EB690-2E60-48A1-9B79-64FA5273C8DC}" type="presParOf" srcId="{7679CC89-A9FE-4F97-943D-3B874D8EB9B8}" destId="{26183012-51EF-454A-9E44-925F2E00F4CF}" srcOrd="0" destOrd="0" presId="urn:microsoft.com/office/officeart/2005/8/layout/hierarchy5"/>
-    <dgm:cxn modelId="{4175DCE7-1E16-4783-9B6A-57119156FAF7}" type="presParOf" srcId="{7679CC89-A9FE-4F97-943D-3B874D8EB9B8}" destId="{A72A7415-012E-43B5-BA8F-125CF7323C64}" srcOrd="1" destOrd="0" presId="urn:microsoft.com/office/officeart/2005/8/layout/hierarchy5"/>
-    <dgm:cxn modelId="{504B6E91-56AC-482D-935C-800DFF4CFCBB}" type="presParOf" srcId="{046F68D4-3E99-49F7-8945-A7756F423F23}" destId="{6EAE7D78-86F7-41B0-85C9-00A5BF635B0C}" srcOrd="2" destOrd="0" presId="urn:microsoft.com/office/officeart/2005/8/layout/hierarchy5"/>
-    <dgm:cxn modelId="{3EADB867-D9E6-4748-BDC8-0D2B830F5C08}" type="presParOf" srcId="{6EAE7D78-86F7-41B0-85C9-00A5BF635B0C}" destId="{566D3251-BBDF-4FEE-9A1A-993949FDB8B0}" srcOrd="0" destOrd="0" presId="urn:microsoft.com/office/officeart/2005/8/layout/hierarchy5"/>
-    <dgm:cxn modelId="{6A62C689-F9DA-42C7-A318-E26CB4E4CDF0}" type="presParOf" srcId="{046F68D4-3E99-49F7-8945-A7756F423F23}" destId="{300A6187-D473-4647-A066-C8DF7FADC6B6}" srcOrd="3" destOrd="0" presId="urn:microsoft.com/office/officeart/2005/8/layout/hierarchy5"/>
-    <dgm:cxn modelId="{9B974791-2341-401E-BDD5-06681C22D85F}" type="presParOf" srcId="{300A6187-D473-4647-A066-C8DF7FADC6B6}" destId="{ED64E025-E7EA-48B1-9FD8-84C0642E5C4A}" srcOrd="0" destOrd="0" presId="urn:microsoft.com/office/officeart/2005/8/layout/hierarchy5"/>
-    <dgm:cxn modelId="{BE397CE5-319A-464A-9B2F-6DB66AA3C67B}" type="presParOf" srcId="{300A6187-D473-4647-A066-C8DF7FADC6B6}" destId="{A3AC83BE-EBE3-4DE0-B642-917C7085E25C}" srcOrd="1" destOrd="0" presId="urn:microsoft.com/office/officeart/2005/8/layout/hierarchy5"/>
-    <dgm:cxn modelId="{ED38F513-3FA6-4BCC-A822-C57C3D8AAA4B}" type="presParOf" srcId="{A3AC83BE-EBE3-4DE0-B642-917C7085E25C}" destId="{4AA9301C-40D0-417D-8883-2A709FD20646}" srcOrd="0" destOrd="0" presId="urn:microsoft.com/office/officeart/2005/8/layout/hierarchy5"/>
-    <dgm:cxn modelId="{B7DE8731-C5E4-4A34-8162-968D8B3E2EB9}" type="presParOf" srcId="{4AA9301C-40D0-417D-8883-2A709FD20646}" destId="{55BA1AFD-527F-4414-82C5-C4F32A337F19}" srcOrd="0" destOrd="0" presId="urn:microsoft.com/office/officeart/2005/8/layout/hierarchy5"/>
-    <dgm:cxn modelId="{12BE004D-C58A-4700-BBC3-FE7D09B435F7}" type="presParOf" srcId="{A3AC83BE-EBE3-4DE0-B642-917C7085E25C}" destId="{7F7CB1ED-DA93-4266-A675-194B8114655C}" srcOrd="1" destOrd="0" presId="urn:microsoft.com/office/officeart/2005/8/layout/hierarchy5"/>
-    <dgm:cxn modelId="{45588BFC-588C-4103-97C7-AD3E64F0CA1B}" type="presParOf" srcId="{7F7CB1ED-DA93-4266-A675-194B8114655C}" destId="{04D96044-C351-4B6D-A2FF-20C42C5EB70E}" srcOrd="0" destOrd="0" presId="urn:microsoft.com/office/officeart/2005/8/layout/hierarchy5"/>
-    <dgm:cxn modelId="{F038FF9B-9DDE-4AA9-A4EA-BFFA6BFC4C49}" type="presParOf" srcId="{7F7CB1ED-DA93-4266-A675-194B8114655C}" destId="{EA8F93DF-C1C6-4632-9753-38DC937E0308}" srcOrd="1" destOrd="0" presId="urn:microsoft.com/office/officeart/2005/8/layout/hierarchy5"/>
-    <dgm:cxn modelId="{7436ADA9-DBE2-4BE1-8C39-7946DDE1F49D}" type="presParOf" srcId="{EA8F93DF-C1C6-4632-9753-38DC937E0308}" destId="{5C3C525B-25A3-4499-94BB-E6EA852815C2}" srcOrd="0" destOrd="0" presId="urn:microsoft.com/office/officeart/2005/8/layout/hierarchy5"/>
-    <dgm:cxn modelId="{C5AC43E3-8BE8-428D-85D4-F55F6D0244C5}" type="presParOf" srcId="{5C3C525B-25A3-4499-94BB-E6EA852815C2}" destId="{3CE8CB85-8242-48A3-B66D-AA19D4E18139}" srcOrd="0" destOrd="0" presId="urn:microsoft.com/office/officeart/2005/8/layout/hierarchy5"/>
-    <dgm:cxn modelId="{3D7C1C5C-BCFC-4257-8A00-6F3ABE41860C}" type="presParOf" srcId="{EA8F93DF-C1C6-4632-9753-38DC937E0308}" destId="{347D7F84-E532-4645-8C78-3F1E7D0295AD}" srcOrd="1" destOrd="0" presId="urn:microsoft.com/office/officeart/2005/8/layout/hierarchy5"/>
-    <dgm:cxn modelId="{1E4611B1-CCC2-4F14-B7D5-F282133E7E6F}" type="presParOf" srcId="{347D7F84-E532-4645-8C78-3F1E7D0295AD}" destId="{763D910F-8C5A-4B83-8AB4-A86C0CD78A50}" srcOrd="0" destOrd="0" presId="urn:microsoft.com/office/officeart/2005/8/layout/hierarchy5"/>
-    <dgm:cxn modelId="{CCD30182-A9CB-4ACF-8166-63CB08D7B647}" type="presParOf" srcId="{347D7F84-E532-4645-8C78-3F1E7D0295AD}" destId="{B04E96EF-43EB-4A8C-85AD-ABBFE8C61430}" srcOrd="1" destOrd="0" presId="urn:microsoft.com/office/officeart/2005/8/layout/hierarchy5"/>
-    <dgm:cxn modelId="{C7FC6BBF-077E-4AC3-B993-AA4CFFA43F00}" type="presParOf" srcId="{A3AC83BE-EBE3-4DE0-B642-917C7085E25C}" destId="{A9F2E0C0-0F30-45E1-AFA7-AFA031BB9AB2}" srcOrd="2" destOrd="0" presId="urn:microsoft.com/office/officeart/2005/8/layout/hierarchy5"/>
-    <dgm:cxn modelId="{A41D162F-2262-4A41-8E55-9A8EAFEC34CD}" type="presParOf" srcId="{A9F2E0C0-0F30-45E1-AFA7-AFA031BB9AB2}" destId="{A7F026DC-CB6F-4505-A2DF-C8071D384490}" srcOrd="0" destOrd="0" presId="urn:microsoft.com/office/officeart/2005/8/layout/hierarchy5"/>
-    <dgm:cxn modelId="{EF9607E4-ABEF-4D56-8570-87FA968682C9}" type="presParOf" srcId="{A3AC83BE-EBE3-4DE0-B642-917C7085E25C}" destId="{95C9A72D-0451-4C0C-99F6-9B0AFA948817}" srcOrd="3" destOrd="0" presId="urn:microsoft.com/office/officeart/2005/8/layout/hierarchy5"/>
-    <dgm:cxn modelId="{7870A7D1-9C8C-4FE2-ADAF-617ED94B2954}" type="presParOf" srcId="{95C9A72D-0451-4C0C-99F6-9B0AFA948817}" destId="{BB08BC20-60E1-40B6-A89E-2986E06C062A}" srcOrd="0" destOrd="0" presId="urn:microsoft.com/office/officeart/2005/8/layout/hierarchy5"/>
-    <dgm:cxn modelId="{23291646-3A44-4B31-8B8E-4C7F98E9408C}" type="presParOf" srcId="{95C9A72D-0451-4C0C-99F6-9B0AFA948817}" destId="{5756BF8B-B245-4856-B213-398F03FC1A15}" srcOrd="1" destOrd="0" presId="urn:microsoft.com/office/officeart/2005/8/layout/hierarchy5"/>
-    <dgm:cxn modelId="{B716614D-FDD3-4644-AF66-3B192A941F9A}" type="presParOf" srcId="{5756BF8B-B245-4856-B213-398F03FC1A15}" destId="{E64B2A5E-55BF-412B-8185-4EED93FD1D7B}" srcOrd="0" destOrd="0" presId="urn:microsoft.com/office/officeart/2005/8/layout/hierarchy5"/>
-    <dgm:cxn modelId="{6E83D217-DD16-4327-9096-B5ABE2A6BFCC}" type="presParOf" srcId="{E64B2A5E-55BF-412B-8185-4EED93FD1D7B}" destId="{EF321AA7-1832-4F5E-9364-87B3DD63E38B}" srcOrd="0" destOrd="0" presId="urn:microsoft.com/office/officeart/2005/8/layout/hierarchy5"/>
-    <dgm:cxn modelId="{32221200-5777-4380-8718-E9D249E27D6B}" type="presParOf" srcId="{5756BF8B-B245-4856-B213-398F03FC1A15}" destId="{F2782C3C-168C-441B-BE78-835A7399308F}" srcOrd="1" destOrd="0" presId="urn:microsoft.com/office/officeart/2005/8/layout/hierarchy5"/>
-    <dgm:cxn modelId="{28580AB4-5C68-4560-A488-7763FAA3FDFF}" type="presParOf" srcId="{F2782C3C-168C-441B-BE78-835A7399308F}" destId="{50375E47-8C13-4EED-B3E7-CBB62A4FD084}" srcOrd="0" destOrd="0" presId="urn:microsoft.com/office/officeart/2005/8/layout/hierarchy5"/>
-    <dgm:cxn modelId="{66FC7AD6-9DCC-45A5-A030-A5079690663A}" type="presParOf" srcId="{F2782C3C-168C-441B-BE78-835A7399308F}" destId="{B07C74F8-93F2-44DD-822E-DC8A6F4FF9A3}" srcOrd="1" destOrd="0" presId="urn:microsoft.com/office/officeart/2005/8/layout/hierarchy5"/>
-    <dgm:cxn modelId="{A2016E6D-5A48-4A2B-B82F-AE85DEFCD3FF}" type="presParOf" srcId="{046F68D4-3E99-49F7-8945-A7756F423F23}" destId="{AD2D6713-63DB-4245-B589-F25D6BE0D04B}" srcOrd="4" destOrd="0" presId="urn:microsoft.com/office/officeart/2005/8/layout/hierarchy5"/>
-    <dgm:cxn modelId="{93A20FA6-ADF0-4F6E-B3BB-DD015239E9CE}" type="presParOf" srcId="{AD2D6713-63DB-4245-B589-F25D6BE0D04B}" destId="{0A47DFC9-8163-431A-9F56-F6D05BCE5123}" srcOrd="0" destOrd="0" presId="urn:microsoft.com/office/officeart/2005/8/layout/hierarchy5"/>
-    <dgm:cxn modelId="{8A886D3F-2B10-44DC-AF0F-2A79D8B4536F}" type="presParOf" srcId="{046F68D4-3E99-49F7-8945-A7756F423F23}" destId="{EAC983C9-403E-4D39-BB7D-3EFB4FEC3FA7}" srcOrd="5" destOrd="0" presId="urn:microsoft.com/office/officeart/2005/8/layout/hierarchy5"/>
-    <dgm:cxn modelId="{F4D8B806-E23A-49BA-A885-0E57B51C8B16}" type="presParOf" srcId="{EAC983C9-403E-4D39-BB7D-3EFB4FEC3FA7}" destId="{C53687B7-C83A-4695-9FF1-2D1B1EE51B93}" srcOrd="0" destOrd="0" presId="urn:microsoft.com/office/officeart/2005/8/layout/hierarchy5"/>
-    <dgm:cxn modelId="{E4AD4E41-0DE9-47E2-AED0-9DC91EA85B1E}" type="presParOf" srcId="{EAC983C9-403E-4D39-BB7D-3EFB4FEC3FA7}" destId="{0F68145F-05E3-4D20-BA3C-A26E2E90A9F4}" srcOrd="1" destOrd="0" presId="urn:microsoft.com/office/officeart/2005/8/layout/hierarchy5"/>
-    <dgm:cxn modelId="{B1152949-D0CE-4FF0-8A04-F569405A1463}" type="presParOf" srcId="{0F68145F-05E3-4D20-BA3C-A26E2E90A9F4}" destId="{C212B8D0-3CD4-4C7E-80BB-2523971965E5}" srcOrd="0" destOrd="0" presId="urn:microsoft.com/office/officeart/2005/8/layout/hierarchy5"/>
-    <dgm:cxn modelId="{E868680F-4460-458E-912F-2F693076D669}" type="presParOf" srcId="{C212B8D0-3CD4-4C7E-80BB-2523971965E5}" destId="{4DB31454-E403-42CB-8B0B-EF1C3E10190C}" srcOrd="0" destOrd="0" presId="urn:microsoft.com/office/officeart/2005/8/layout/hierarchy5"/>
-    <dgm:cxn modelId="{B784410F-A2F3-4773-8304-0AE1791A138F}" type="presParOf" srcId="{0F68145F-05E3-4D20-BA3C-A26E2E90A9F4}" destId="{A8754E3C-0638-49A9-99C5-6E95425390E1}" srcOrd="1" destOrd="0" presId="urn:microsoft.com/office/officeart/2005/8/layout/hierarchy5"/>
-    <dgm:cxn modelId="{7F4CC1FD-3427-442D-82AE-0C2B06F33DF5}" type="presParOf" srcId="{A8754E3C-0638-49A9-99C5-6E95425390E1}" destId="{7382DC8D-5569-4AC8-AE25-8825A0C716CF}" srcOrd="0" destOrd="0" presId="urn:microsoft.com/office/officeart/2005/8/layout/hierarchy5"/>
-    <dgm:cxn modelId="{60262044-5209-4060-95AC-A7D35152F0B0}" type="presParOf" srcId="{A8754E3C-0638-49A9-99C5-6E95425390E1}" destId="{A454E37E-E966-4F8B-8827-493912888E6B}" srcOrd="1" destOrd="0" presId="urn:microsoft.com/office/officeart/2005/8/layout/hierarchy5"/>
-    <dgm:cxn modelId="{71EFBD3B-78EE-4EC9-80BC-805608DA8A16}" type="presParOf" srcId="{A454E37E-E966-4F8B-8827-493912888E6B}" destId="{AAFEB5D4-1415-4E81-B308-B6AD7EF5D208}" srcOrd="0" destOrd="0" presId="urn:microsoft.com/office/officeart/2005/8/layout/hierarchy5"/>
-    <dgm:cxn modelId="{CEFF3F3E-AE6B-4B6A-86BF-EBF616D22704}" type="presParOf" srcId="{AAFEB5D4-1415-4E81-B308-B6AD7EF5D208}" destId="{F825B0C4-20AE-4FE8-9E07-A69DD788412A}" srcOrd="0" destOrd="0" presId="urn:microsoft.com/office/officeart/2005/8/layout/hierarchy5"/>
-    <dgm:cxn modelId="{6B3AFEAF-3CE0-41FD-85F0-D506CE125747}" type="presParOf" srcId="{A454E37E-E966-4F8B-8827-493912888E6B}" destId="{0183F114-C53A-42C9-8F1C-E338A2119074}" srcOrd="1" destOrd="0" presId="urn:microsoft.com/office/officeart/2005/8/layout/hierarchy5"/>
-    <dgm:cxn modelId="{8A1B039F-F6B6-4698-949D-9A422DABCB2D}" type="presParOf" srcId="{0183F114-C53A-42C9-8F1C-E338A2119074}" destId="{4E8DFD08-CD70-4CB3-B037-9E888FD70C7E}" srcOrd="0" destOrd="0" presId="urn:microsoft.com/office/officeart/2005/8/layout/hierarchy5"/>
-    <dgm:cxn modelId="{DBC1D37D-D9E4-4F71-BE89-C6083FADD4A6}" type="presParOf" srcId="{0183F114-C53A-42C9-8F1C-E338A2119074}" destId="{F5DED28C-14CF-40DD-978F-27FAC5BFDDB5}" srcOrd="1" destOrd="0" presId="urn:microsoft.com/office/officeart/2005/8/layout/hierarchy5"/>
-    <dgm:cxn modelId="{B755F0C6-5A1D-4DE3-B1BC-8EA7B3B94299}" type="presParOf" srcId="{1108685B-70D8-44B0-95D9-7083FE4C3433}" destId="{4EED4CC2-2BB3-4D5C-9ECA-0E56745990DE}" srcOrd="1" destOrd="0" presId="urn:microsoft.com/office/officeart/2005/8/layout/hierarchy5"/>
-    <dgm:cxn modelId="{C5CD7648-DA25-4586-A10E-D7C95293736B}" type="presParOf" srcId="{4EED4CC2-2BB3-4D5C-9ECA-0E56745990DE}" destId="{51B3AA0F-CA05-4EF1-8D9E-E18D3426C712}" srcOrd="0" destOrd="0" presId="urn:microsoft.com/office/officeart/2005/8/layout/hierarchy5"/>
-    <dgm:cxn modelId="{094417A1-379A-4723-8587-7587E9000CE7}" type="presParOf" srcId="{51B3AA0F-CA05-4EF1-8D9E-E18D3426C712}" destId="{26E2899E-56F3-4856-92D7-835E65F98EFB}" srcOrd="0" destOrd="0" presId="urn:microsoft.com/office/officeart/2005/8/layout/hierarchy5"/>
-    <dgm:cxn modelId="{E4EA6F79-18F2-46B4-A0D1-B0425E861527}" type="presParOf" srcId="{51B3AA0F-CA05-4EF1-8D9E-E18D3426C712}" destId="{9B2B079B-60E3-4CA0-9365-B95D9E009AFC}" srcOrd="1" destOrd="0" presId="urn:microsoft.com/office/officeart/2005/8/layout/hierarchy5"/>
-    <dgm:cxn modelId="{0EB3D340-83F1-444E-8391-475C360E68CA}" type="presParOf" srcId="{4EED4CC2-2BB3-4D5C-9ECA-0E56745990DE}" destId="{50F05428-94CF-486D-88D9-0BFCAA083A18}" srcOrd="1" destOrd="0" presId="urn:microsoft.com/office/officeart/2005/8/layout/hierarchy5"/>
-    <dgm:cxn modelId="{90DD08C8-EFCC-4E34-9A86-9B8922E29CCA}" type="presParOf" srcId="{50F05428-94CF-486D-88D9-0BFCAA083A18}" destId="{63AF7366-0770-4CD5-918C-FEC187514447}" srcOrd="0" destOrd="0" presId="urn:microsoft.com/office/officeart/2005/8/layout/hierarchy5"/>
-    <dgm:cxn modelId="{BBC49EF7-A48B-43A5-BC71-6D43162439E3}" type="presParOf" srcId="{4EED4CC2-2BB3-4D5C-9ECA-0E56745990DE}" destId="{FEE3C319-E662-40D8-96CE-AC34224F87A7}" srcOrd="2" destOrd="0" presId="urn:microsoft.com/office/officeart/2005/8/layout/hierarchy5"/>
-    <dgm:cxn modelId="{9817AD19-3E15-43AC-A4EC-960B8B505007}" type="presParOf" srcId="{FEE3C319-E662-40D8-96CE-AC34224F87A7}" destId="{95D32270-BC67-4DFC-9FA1-3A3114D23084}" srcOrd="0" destOrd="0" presId="urn:microsoft.com/office/officeart/2005/8/layout/hierarchy5"/>
-    <dgm:cxn modelId="{ADC84F57-6154-4B01-AB61-21E01F7A8B76}" type="presParOf" srcId="{FEE3C319-E662-40D8-96CE-AC34224F87A7}" destId="{1A3C79F3-BC07-4DD6-B9A0-A73B9E6110FE}" srcOrd="1" destOrd="0" presId="urn:microsoft.com/office/officeart/2005/8/layout/hierarchy5"/>
-    <dgm:cxn modelId="{722B8EA8-C8A2-4518-9EC0-37AAF976CD6E}" type="presParOf" srcId="{4EED4CC2-2BB3-4D5C-9ECA-0E56745990DE}" destId="{D71152B0-ECE4-419D-B372-B9DA65833F94}" srcOrd="3" destOrd="0" presId="urn:microsoft.com/office/officeart/2005/8/layout/hierarchy5"/>
-    <dgm:cxn modelId="{EBED27BB-7C55-4B1B-8AC6-0AC80CFE7BC3}" type="presParOf" srcId="{D71152B0-ECE4-419D-B372-B9DA65833F94}" destId="{4BB41B35-DC2A-47FD-89FF-0E1133207CB1}" srcOrd="0" destOrd="0" presId="urn:microsoft.com/office/officeart/2005/8/layout/hierarchy5"/>
-    <dgm:cxn modelId="{E27CCC4B-C91C-4462-907A-24C81B6A0CAF}" type="presParOf" srcId="{4EED4CC2-2BB3-4D5C-9ECA-0E56745990DE}" destId="{E03FE2EF-E814-4642-81FD-4A4FCD867629}" srcOrd="4" destOrd="0" presId="urn:microsoft.com/office/officeart/2005/8/layout/hierarchy5"/>
-    <dgm:cxn modelId="{E2E7DFCE-E9DA-4209-A19E-F1BEDB032B64}" type="presParOf" srcId="{E03FE2EF-E814-4642-81FD-4A4FCD867629}" destId="{852590F5-C06F-4352-8D94-2E593F80C94B}" srcOrd="0" destOrd="0" presId="urn:microsoft.com/office/officeart/2005/8/layout/hierarchy5"/>
-    <dgm:cxn modelId="{F50CFDCA-EA40-4633-BD2A-763585EA75D0}" type="presParOf" srcId="{E03FE2EF-E814-4642-81FD-4A4FCD867629}" destId="{5804F3D2-0275-4000-9911-F304FF8CD242}" srcOrd="1" destOrd="0" presId="urn:microsoft.com/office/officeart/2005/8/layout/hierarchy5"/>
-    <dgm:cxn modelId="{A8B4E94A-75A4-438C-94E5-8F69840CF91D}" type="presParOf" srcId="{4EED4CC2-2BB3-4D5C-9ECA-0E56745990DE}" destId="{578EDD80-8C8C-4C7F-9617-DF394B5824E0}" srcOrd="5" destOrd="0" presId="urn:microsoft.com/office/officeart/2005/8/layout/hierarchy5"/>
-    <dgm:cxn modelId="{5116201B-B83B-4CA5-BB16-91B0BC5B0C56}" type="presParOf" srcId="{578EDD80-8C8C-4C7F-9617-DF394B5824E0}" destId="{E7E43FB6-38ED-4724-BCF7-E63B255AEB8D}" srcOrd="0" destOrd="0" presId="urn:microsoft.com/office/officeart/2005/8/layout/hierarchy5"/>
-    <dgm:cxn modelId="{08CC8A42-FD33-4552-A201-18F2012B95FD}" type="presParOf" srcId="{4EED4CC2-2BB3-4D5C-9ECA-0E56745990DE}" destId="{52992700-C68B-4DEE-BD5A-52BB29107B08}" srcOrd="6" destOrd="0" presId="urn:microsoft.com/office/officeart/2005/8/layout/hierarchy5"/>
-    <dgm:cxn modelId="{F4289FF8-4D07-4FA6-9ECF-3A5792D9CB73}" type="presParOf" srcId="{52992700-C68B-4DEE-BD5A-52BB29107B08}" destId="{4B54D3A1-5107-40F4-A1DC-6DD364463AA3}" srcOrd="0" destOrd="0" presId="urn:microsoft.com/office/officeart/2005/8/layout/hierarchy5"/>
-    <dgm:cxn modelId="{5C4E9AC0-0E20-4999-8BB7-0A035426BA2C}" type="presParOf" srcId="{52992700-C68B-4DEE-BD5A-52BB29107B08}" destId="{C70A9ECC-B71A-4C08-AC7F-3E1AA179A579}" srcOrd="1" destOrd="0" presId="urn:microsoft.com/office/officeart/2005/8/layout/hierarchy5"/>
-  </dgm:cxnLst>
-  <dgm:bg>
-    <a:noFill/>
-  </dgm:bg>
-  <dgm:whole/>
-  <dgm:extLst>
-    <a:ext uri="http://schemas.microsoft.com/office/drawing/2008/diagram">
-      <dsp:dataModelExt xmlns:dsp="http://schemas.microsoft.com/office/drawing/2008/diagram" relId="rId6" minVer="http://schemas.openxmlformats.org/drawingml/2006/diagram"/>
-    </a:ext>
-  </dgm:extLst>
-</dgm:dataModel>
-</file>
-
-<file path=ppt/diagrams/drawing1.xml><?xml version="1.0" encoding="utf-8"?>
-<dsp:drawing xmlns:dgm="http://schemas.openxmlformats.org/drawingml/2006/diagram" xmlns:dsp="http://schemas.microsoft.com/office/drawing/2008/diagram" xmlns:a="http://schemas.openxmlformats.org/drawingml/2006/main">
-  <dsp:spTree>
-    <dsp:nvGrpSpPr>
-      <dsp:cNvPr id="0" name=""/>
-      <dsp:cNvGrpSpPr/>
-    </dsp:nvGrpSpPr>
-    <dsp:grpSpPr/>
-    <dsp:sp modelId="{4B54D3A1-5107-40F4-A1DC-6DD364463AA3}">
-      <dsp:nvSpPr>
-        <dsp:cNvPr id="0" name=""/>
-        <dsp:cNvSpPr/>
-      </dsp:nvSpPr>
-      <dsp:spPr>
-        <a:xfrm>
-          <a:off x="6074415" y="0"/>
-          <a:ext cx="1567692" cy="5545137"/>
-        </a:xfrm>
-        <a:prstGeom prst="roundRect">
-          <a:avLst>
-            <a:gd name="adj" fmla="val 10000"/>
-          </a:avLst>
-        </a:prstGeom>
-        <a:solidFill>
-          <a:schemeClr val="accent6">
-            <a:lumMod val="20000"/>
-            <a:lumOff val="80000"/>
-          </a:schemeClr>
-        </a:solidFill>
-        <a:ln>
-          <a:noFill/>
-        </a:ln>
-        <a:effectLst/>
-      </dsp:spPr>
-      <dsp:style>
-        <a:lnRef idx="0">
-          <a:scrgbClr r="0" g="0" b="0"/>
-        </a:lnRef>
-        <a:fillRef idx="1">
-          <a:scrgbClr r="0" g="0" b="0"/>
-        </a:fillRef>
-        <a:effectRef idx="0">
-          <a:scrgbClr r="0" g="0" b="0"/>
-        </a:effectRef>
-        <a:fontRef idx="minor"/>
-      </dsp:style>
-      <dsp:txBody>
-        <a:bodyPr spcFirstLastPara="0" vert="horz" wrap="square" lIns="142240" tIns="142240" rIns="142240" bIns="142240" numCol="1" spcCol="1270" anchor="ctr" anchorCtr="0">
-          <a:noAutofit/>
-        </a:bodyPr>
-        <a:lstStyle/>
-        <a:p>
-          <a:pPr marL="0" lvl="0" indent="0" algn="ctr" defTabSz="889000">
-            <a:lnSpc>
-              <a:spcPct val="90000"/>
-            </a:lnSpc>
-            <a:spcBef>
-              <a:spcPct val="0"/>
-            </a:spcBef>
-            <a:spcAft>
-              <a:spcPct val="35000"/>
-            </a:spcAft>
-            <a:buNone/>
-          </a:pPr>
-          <a:r>
-            <a:rPr lang="de-DE" sz="2000" kern="1200" dirty="0"/>
-            <a:t>Example applications</a:t>
-          </a:r>
-        </a:p>
-      </dsp:txBody>
-      <dsp:txXfrm>
-        <a:off x="6074415" y="0"/>
-        <a:ext cx="1567692" cy="1663541"/>
-      </dsp:txXfrm>
-    </dsp:sp>
-    <dsp:sp modelId="{852590F5-C06F-4352-8D94-2E593F80C94B}">
-      <dsp:nvSpPr>
-        <dsp:cNvPr id="0" name=""/>
-        <dsp:cNvSpPr/>
-      </dsp:nvSpPr>
-      <dsp:spPr>
-        <a:xfrm>
-          <a:off x="4245441" y="0"/>
-          <a:ext cx="1567692" cy="5545137"/>
-        </a:xfrm>
-        <a:prstGeom prst="roundRect">
-          <a:avLst>
-            <a:gd name="adj" fmla="val 10000"/>
-          </a:avLst>
-        </a:prstGeom>
-        <a:solidFill>
-          <a:schemeClr val="accent6">
-            <a:lumMod val="20000"/>
-            <a:lumOff val="80000"/>
-          </a:schemeClr>
-        </a:solidFill>
-        <a:ln>
-          <a:noFill/>
-        </a:ln>
-        <a:effectLst/>
-      </dsp:spPr>
-      <dsp:style>
-        <a:lnRef idx="0">
-          <a:scrgbClr r="0" g="0" b="0"/>
-        </a:lnRef>
-        <a:fillRef idx="1">
-          <a:scrgbClr r="0" g="0" b="0"/>
-        </a:fillRef>
-        <a:effectRef idx="0">
-          <a:scrgbClr r="0" g="0" b="0"/>
-        </a:effectRef>
-        <a:fontRef idx="minor"/>
-      </dsp:style>
-      <dsp:txBody>
-        <a:bodyPr spcFirstLastPara="0" vert="horz" wrap="square" lIns="142240" tIns="142240" rIns="142240" bIns="142240" numCol="1" spcCol="1270" anchor="ctr" anchorCtr="0">
-          <a:noAutofit/>
-        </a:bodyPr>
-        <a:lstStyle/>
-        <a:p>
-          <a:pPr marL="0" lvl="0" indent="0" algn="ctr" defTabSz="889000">
-            <a:lnSpc>
-              <a:spcPct val="90000"/>
-            </a:lnSpc>
-            <a:spcBef>
-              <a:spcPct val="0"/>
-            </a:spcBef>
-            <a:spcAft>
-              <a:spcPct val="35000"/>
-            </a:spcAft>
-            <a:buNone/>
-          </a:pPr>
-          <a:endParaRPr lang="de-DE" sz="2000" kern="1200" dirty="0"/>
-        </a:p>
-      </dsp:txBody>
-      <dsp:txXfrm>
-        <a:off x="4245441" y="0"/>
-        <a:ext cx="1567692" cy="1663541"/>
-      </dsp:txXfrm>
-    </dsp:sp>
-    <dsp:sp modelId="{95D32270-BC67-4DFC-9FA1-3A3114D23084}">
-      <dsp:nvSpPr>
-        <dsp:cNvPr id="0" name=""/>
-        <dsp:cNvSpPr/>
-      </dsp:nvSpPr>
-      <dsp:spPr>
-        <a:xfrm>
-          <a:off x="2416466" y="0"/>
-          <a:ext cx="1567692" cy="5545137"/>
-        </a:xfrm>
-        <a:prstGeom prst="roundRect">
-          <a:avLst>
-            <a:gd name="adj" fmla="val 10000"/>
-          </a:avLst>
-        </a:prstGeom>
-        <a:solidFill>
-          <a:schemeClr val="accent6">
-            <a:lumMod val="20000"/>
-            <a:lumOff val="80000"/>
-          </a:schemeClr>
-        </a:solidFill>
-        <a:ln>
-          <a:noFill/>
-        </a:ln>
-        <a:effectLst/>
-      </dsp:spPr>
-      <dsp:style>
-        <a:lnRef idx="0">
-          <a:scrgbClr r="0" g="0" b="0"/>
-        </a:lnRef>
-        <a:fillRef idx="1">
-          <a:scrgbClr r="0" g="0" b="0"/>
-        </a:fillRef>
-        <a:effectRef idx="0">
-          <a:scrgbClr r="0" g="0" b="0"/>
-        </a:effectRef>
-        <a:fontRef idx="minor"/>
-      </dsp:style>
-      <dsp:txBody>
-        <a:bodyPr spcFirstLastPara="0" vert="horz" wrap="square" lIns="142240" tIns="142240" rIns="142240" bIns="142240" numCol="1" spcCol="1270" anchor="ctr" anchorCtr="0">
-          <a:noAutofit/>
-        </a:bodyPr>
-        <a:lstStyle/>
-        <a:p>
-          <a:pPr marL="0" lvl="0" indent="0" algn="ctr" defTabSz="889000">
-            <a:lnSpc>
-              <a:spcPct val="90000"/>
-            </a:lnSpc>
-            <a:spcBef>
-              <a:spcPct val="0"/>
-            </a:spcBef>
-            <a:spcAft>
-              <a:spcPct val="35000"/>
-            </a:spcAft>
-            <a:buNone/>
-          </a:pPr>
-          <a:endParaRPr lang="de-DE" sz="2000" kern="1200" dirty="0"/>
-        </a:p>
-      </dsp:txBody>
-      <dsp:txXfrm>
-        <a:off x="2416466" y="0"/>
-        <a:ext cx="1567692" cy="1663541"/>
-      </dsp:txXfrm>
-    </dsp:sp>
-    <dsp:sp modelId="{26E2899E-56F3-4856-92D7-835E65F98EFB}">
-      <dsp:nvSpPr>
-        <dsp:cNvPr id="0" name=""/>
-        <dsp:cNvSpPr/>
-      </dsp:nvSpPr>
-      <dsp:spPr>
-        <a:xfrm>
-          <a:off x="587491" y="0"/>
-          <a:ext cx="1567692" cy="5545137"/>
-        </a:xfrm>
-        <a:prstGeom prst="roundRect">
-          <a:avLst>
-            <a:gd name="adj" fmla="val 10000"/>
-          </a:avLst>
-        </a:prstGeom>
-        <a:solidFill>
-          <a:schemeClr val="accent6">
-            <a:lumMod val="20000"/>
-            <a:lumOff val="80000"/>
-          </a:schemeClr>
-        </a:solidFill>
-        <a:ln>
-          <a:noFill/>
-        </a:ln>
-        <a:effectLst/>
-      </dsp:spPr>
-      <dsp:style>
-        <a:lnRef idx="0">
-          <a:scrgbClr r="0" g="0" b="0"/>
-        </a:lnRef>
-        <a:fillRef idx="1">
-          <a:scrgbClr r="0" g="0" b="0"/>
-        </a:fillRef>
-        <a:effectRef idx="0">
-          <a:scrgbClr r="0" g="0" b="0"/>
-        </a:effectRef>
-        <a:fontRef idx="minor"/>
-      </dsp:style>
-      <dsp:txBody>
-        <a:bodyPr spcFirstLastPara="0" vert="horz" wrap="square" lIns="142240" tIns="142240" rIns="142240" bIns="142240" numCol="1" spcCol="1270" anchor="ctr" anchorCtr="0">
-          <a:noAutofit/>
-        </a:bodyPr>
-        <a:lstStyle/>
-        <a:p>
-          <a:pPr marL="0" lvl="0" indent="0" algn="ctr" defTabSz="889000">
-            <a:lnSpc>
-              <a:spcPct val="90000"/>
-            </a:lnSpc>
-            <a:spcBef>
-              <a:spcPct val="0"/>
-            </a:spcBef>
-            <a:spcAft>
-              <a:spcPct val="35000"/>
-            </a:spcAft>
-            <a:buNone/>
-          </a:pPr>
-          <a:endParaRPr lang="de-DE" sz="2000" kern="1200" dirty="0"/>
-        </a:p>
-      </dsp:txBody>
-      <dsp:txXfrm>
-        <a:off x="587491" y="0"/>
-        <a:ext cx="1567692" cy="1663541"/>
-      </dsp:txXfrm>
-    </dsp:sp>
-    <dsp:sp modelId="{C05CF9FD-834C-4010-8E4B-6C84E514F5B1}">
-      <dsp:nvSpPr>
-        <dsp:cNvPr id="0" name=""/>
-        <dsp:cNvSpPr/>
-      </dsp:nvSpPr>
-      <dsp:spPr>
-        <a:xfrm>
-          <a:off x="718132" y="3354630"/>
-          <a:ext cx="1306410" cy="653205"/>
-        </a:xfrm>
-        <a:prstGeom prst="roundRect">
-          <a:avLst>
-            <a:gd name="adj" fmla="val 10000"/>
-          </a:avLst>
-        </a:prstGeom>
-        <a:solidFill>
-          <a:srgbClr val="00B0F0"/>
-        </a:solidFill>
-        <a:ln w="25400" cap="flat" cmpd="sng" algn="ctr">
-          <a:solidFill>
-            <a:schemeClr val="lt1">
-              <a:hueOff val="0"/>
-              <a:satOff val="0"/>
-              <a:lumOff val="0"/>
-              <a:alphaOff val="0"/>
-            </a:schemeClr>
-          </a:solidFill>
-          <a:prstDash val="solid"/>
-        </a:ln>
-        <a:effectLst/>
-      </dsp:spPr>
-      <dsp:style>
-        <a:lnRef idx="2">
-          <a:scrgbClr r="0" g="0" b="0"/>
-        </a:lnRef>
-        <a:fillRef idx="1">
-          <a:scrgbClr r="0" g="0" b="0"/>
-        </a:fillRef>
-        <a:effectRef idx="0">
-          <a:scrgbClr r="0" g="0" b="0"/>
-        </a:effectRef>
-        <a:fontRef idx="minor">
-          <a:schemeClr val="lt1"/>
-        </a:fontRef>
-      </dsp:style>
-      <dsp:txBody>
-        <a:bodyPr spcFirstLastPara="0" vert="horz" wrap="square" lIns="10160" tIns="10160" rIns="10160" bIns="10160" numCol="1" spcCol="1270" anchor="ctr" anchorCtr="0">
-          <a:noAutofit/>
-        </a:bodyPr>
-        <a:lstStyle/>
-        <a:p>
-          <a:pPr marL="0" lvl="0" indent="0" algn="ctr" defTabSz="711200">
-            <a:lnSpc>
-              <a:spcPct val="90000"/>
-            </a:lnSpc>
-            <a:spcBef>
-              <a:spcPct val="0"/>
-            </a:spcBef>
-            <a:spcAft>
-              <a:spcPct val="35000"/>
-            </a:spcAft>
-            <a:buNone/>
-          </a:pPr>
-          <a:r>
-            <a:rPr lang="de-DE" sz="1600" kern="1200" dirty="0"/>
-            <a:t>Machine learning</a:t>
-          </a:r>
-        </a:p>
-      </dsp:txBody>
-      <dsp:txXfrm>
-        <a:off x="737264" y="3373762"/>
-        <a:ext cx="1268146" cy="614941"/>
-      </dsp:txXfrm>
-    </dsp:sp>
-    <dsp:sp modelId="{5039A2DA-D696-44B4-A26F-81551C726AB1}">
-      <dsp:nvSpPr>
-        <dsp:cNvPr id="0" name=""/>
-        <dsp:cNvSpPr/>
-      </dsp:nvSpPr>
-      <dsp:spPr>
-        <a:xfrm rot="17500715">
-          <a:off x="1578509" y="3013343"/>
-          <a:ext cx="1414631" cy="21203"/>
-        </a:xfrm>
-        <a:custGeom>
-          <a:avLst/>
-          <a:gdLst/>
-          <a:ahLst/>
-          <a:cxnLst/>
-          <a:rect l="0" t="0" r="0" b="0"/>
-          <a:pathLst>
-            <a:path>
-              <a:moveTo>
-                <a:pt x="0" y="10601"/>
-              </a:moveTo>
-              <a:lnTo>
-                <a:pt x="1414631" y="10601"/>
-              </a:lnTo>
-            </a:path>
-          </a:pathLst>
-        </a:custGeom>
-        <a:noFill/>
-        <a:ln w="25400" cap="flat" cmpd="sng" algn="ctr">
-          <a:solidFill>
-            <a:schemeClr val="accent1">
-              <a:shade val="60000"/>
-              <a:hueOff val="0"/>
-              <a:satOff val="0"/>
-              <a:lumOff val="0"/>
-              <a:alphaOff val="0"/>
-            </a:schemeClr>
-          </a:solidFill>
-          <a:prstDash val="solid"/>
-        </a:ln>
-        <a:effectLst/>
-      </dsp:spPr>
-      <dsp:style>
-        <a:lnRef idx="2">
-          <a:scrgbClr r="0" g="0" b="0"/>
-        </a:lnRef>
-        <a:fillRef idx="0">
-          <a:scrgbClr r="0" g="0" b="0"/>
-        </a:fillRef>
-        <a:effectRef idx="0">
-          <a:scrgbClr r="0" g="0" b="0"/>
-        </a:effectRef>
-        <a:fontRef idx="minor"/>
-      </dsp:style>
-      <dsp:txBody>
-        <a:bodyPr spcFirstLastPara="0" vert="horz" wrap="square" lIns="12700" tIns="0" rIns="12700" bIns="0" numCol="1" spcCol="1270" anchor="ctr" anchorCtr="0">
-          <a:noAutofit/>
-        </a:bodyPr>
-        <a:lstStyle/>
-        <a:p>
-          <a:pPr marL="0" lvl="0" indent="0" algn="ctr" defTabSz="222250">
-            <a:lnSpc>
-              <a:spcPct val="90000"/>
-            </a:lnSpc>
-            <a:spcBef>
-              <a:spcPct val="0"/>
-            </a:spcBef>
-            <a:spcAft>
-              <a:spcPct val="35000"/>
-            </a:spcAft>
-            <a:buNone/>
-          </a:pPr>
-          <a:endParaRPr lang="de-DE" sz="500" kern="1200" dirty="0"/>
-        </a:p>
-      </dsp:txBody>
-      <dsp:txXfrm>
-        <a:off x="2250459" y="2988579"/>
-        <a:ext cx="70731" cy="70731"/>
-      </dsp:txXfrm>
-    </dsp:sp>
-    <dsp:sp modelId="{1AF40B29-8683-46F4-A1A0-A6B46BE188D3}">
-      <dsp:nvSpPr>
-        <dsp:cNvPr id="0" name=""/>
-        <dsp:cNvSpPr/>
-      </dsp:nvSpPr>
-      <dsp:spPr>
-        <a:xfrm>
-          <a:off x="2547107" y="2040054"/>
-          <a:ext cx="1306410" cy="653205"/>
-        </a:xfrm>
-        <a:prstGeom prst="roundRect">
-          <a:avLst>
-            <a:gd name="adj" fmla="val 10000"/>
-          </a:avLst>
-        </a:prstGeom>
-        <a:solidFill>
-          <a:srgbClr val="00B0F0"/>
-        </a:solidFill>
-        <a:ln w="25400" cap="flat" cmpd="sng" algn="ctr">
-          <a:solidFill>
-            <a:prstClr val="white">
-              <a:hueOff val="0"/>
-              <a:satOff val="0"/>
-              <a:lumOff val="0"/>
-              <a:alphaOff val="0"/>
-            </a:prstClr>
-          </a:solidFill>
-          <a:prstDash val="solid"/>
-        </a:ln>
-        <a:effectLst/>
-      </dsp:spPr>
-      <dsp:style>
-        <a:lnRef idx="2">
-          <a:scrgbClr r="0" g="0" b="0"/>
-        </a:lnRef>
-        <a:fillRef idx="1">
-          <a:scrgbClr r="0" g="0" b="0"/>
-        </a:fillRef>
-        <a:effectRef idx="0">
-          <a:scrgbClr r="0" g="0" b="0"/>
-        </a:effectRef>
-        <a:fontRef idx="minor">
-          <a:schemeClr val="lt1"/>
-        </a:fontRef>
-      </dsp:style>
-      <dsp:txBody>
-        <a:bodyPr spcFirstLastPara="0" vert="horz" wrap="square" lIns="10160" tIns="10160" rIns="10160" bIns="10160" numCol="1" spcCol="1270" anchor="ctr" anchorCtr="0">
-          <a:noAutofit/>
-        </a:bodyPr>
-        <a:lstStyle/>
-        <a:p>
-          <a:pPr marL="0" lvl="0" indent="0" algn="ctr" defTabSz="711200">
-            <a:lnSpc>
-              <a:spcPct val="90000"/>
-            </a:lnSpc>
-            <a:spcBef>
-              <a:spcPct val="0"/>
-            </a:spcBef>
-            <a:spcAft>
-              <a:spcPct val="35000"/>
-            </a:spcAft>
-            <a:buNone/>
-          </a:pPr>
-          <a:r>
-            <a:rPr lang="de-DE" sz="1600" kern="1200" dirty="0">
-              <a:solidFill>
-                <a:prstClr val="white"/>
-              </a:solidFill>
-              <a:latin typeface="Calibri"/>
-              <a:ea typeface="+mn-ea"/>
-              <a:cs typeface="+mn-cs"/>
-            </a:rPr>
-            <a:t>Supervised learning</a:t>
-          </a:r>
-        </a:p>
-      </dsp:txBody>
-      <dsp:txXfrm>
-        <a:off x="2566239" y="2059186"/>
-        <a:ext cx="1268146" cy="614941"/>
-      </dsp:txXfrm>
-    </dsp:sp>
-    <dsp:sp modelId="{58066134-D399-4C87-90CD-D25E3F5EF24C}">
-      <dsp:nvSpPr>
-        <dsp:cNvPr id="0" name=""/>
-        <dsp:cNvSpPr/>
-      </dsp:nvSpPr>
-      <dsp:spPr>
-        <a:xfrm rot="19457599">
-          <a:off x="3793030" y="2168258"/>
-          <a:ext cx="643539" cy="21203"/>
-        </a:xfrm>
-        <a:custGeom>
-          <a:avLst/>
-          <a:gdLst/>
-          <a:ahLst/>
-          <a:cxnLst/>
-          <a:rect l="0" t="0" r="0" b="0"/>
-          <a:pathLst>
-            <a:path>
-              <a:moveTo>
-                <a:pt x="0" y="10601"/>
-              </a:moveTo>
-              <a:lnTo>
-                <a:pt x="643539" y="10601"/>
-              </a:lnTo>
-            </a:path>
-          </a:pathLst>
-        </a:custGeom>
-        <a:noFill/>
-        <a:ln w="25400" cap="flat" cmpd="sng" algn="ctr">
-          <a:solidFill>
-            <a:schemeClr val="accent1">
-              <a:shade val="80000"/>
-              <a:hueOff val="0"/>
-              <a:satOff val="0"/>
-              <a:lumOff val="0"/>
-              <a:alphaOff val="0"/>
-            </a:schemeClr>
-          </a:solidFill>
-          <a:prstDash val="solid"/>
-        </a:ln>
-        <a:effectLst/>
-      </dsp:spPr>
-      <dsp:style>
-        <a:lnRef idx="2">
-          <a:scrgbClr r="0" g="0" b="0"/>
-        </a:lnRef>
-        <a:fillRef idx="0">
-          <a:scrgbClr r="0" g="0" b="0"/>
-        </a:fillRef>
-        <a:effectRef idx="0">
-          <a:scrgbClr r="0" g="0" b="0"/>
-        </a:effectRef>
-        <a:fontRef idx="minor"/>
-      </dsp:style>
-      <dsp:txBody>
-        <a:bodyPr spcFirstLastPara="0" vert="horz" wrap="square" lIns="12700" tIns="0" rIns="12700" bIns="0" numCol="1" spcCol="1270" anchor="ctr" anchorCtr="0">
-          <a:noAutofit/>
-        </a:bodyPr>
-        <a:lstStyle/>
-        <a:p>
-          <a:pPr marL="0" lvl="0" indent="0" algn="ctr" defTabSz="222250">
-            <a:lnSpc>
-              <a:spcPct val="90000"/>
-            </a:lnSpc>
-            <a:spcBef>
-              <a:spcPct val="0"/>
-            </a:spcBef>
-            <a:spcAft>
-              <a:spcPct val="35000"/>
-            </a:spcAft>
-            <a:buNone/>
-          </a:pPr>
-          <a:endParaRPr lang="de-DE" sz="500" kern="1200" dirty="0"/>
-        </a:p>
-      </dsp:txBody>
-      <dsp:txXfrm>
-        <a:off x="4098711" y="2162772"/>
-        <a:ext cx="32176" cy="32176"/>
-      </dsp:txXfrm>
-    </dsp:sp>
-    <dsp:sp modelId="{4402911D-B060-4A3A-914A-4160AED1F542}">
-      <dsp:nvSpPr>
-        <dsp:cNvPr id="0" name=""/>
-        <dsp:cNvSpPr/>
-      </dsp:nvSpPr>
-      <dsp:spPr>
-        <a:xfrm>
-          <a:off x="4376082" y="1664461"/>
-          <a:ext cx="1306410" cy="653205"/>
-        </a:xfrm>
-        <a:prstGeom prst="roundRect">
-          <a:avLst>
-            <a:gd name="adj" fmla="val 10000"/>
-          </a:avLst>
-        </a:prstGeom>
-        <a:solidFill>
-          <a:srgbClr val="00B0F0"/>
-        </a:solidFill>
-        <a:ln w="25400" cap="flat" cmpd="sng" algn="ctr">
-          <a:solidFill>
-            <a:schemeClr val="lt1">
-              <a:hueOff val="0"/>
-              <a:satOff val="0"/>
-              <a:lumOff val="0"/>
-              <a:alphaOff val="0"/>
-            </a:schemeClr>
-          </a:solidFill>
-          <a:prstDash val="solid"/>
-        </a:ln>
-        <a:effectLst/>
-      </dsp:spPr>
-      <dsp:style>
-        <a:lnRef idx="2">
-          <a:scrgbClr r="0" g="0" b="0"/>
-        </a:lnRef>
-        <a:fillRef idx="1">
-          <a:scrgbClr r="0" g="0" b="0"/>
-        </a:fillRef>
-        <a:effectRef idx="0">
-          <a:scrgbClr r="0" g="0" b="0"/>
-        </a:effectRef>
-        <a:fontRef idx="minor">
-          <a:schemeClr val="lt1"/>
-        </a:fontRef>
-      </dsp:style>
-      <dsp:txBody>
-        <a:bodyPr spcFirstLastPara="0" vert="horz" wrap="square" lIns="10160" tIns="10160" rIns="10160" bIns="10160" numCol="1" spcCol="1270" anchor="ctr" anchorCtr="0">
-          <a:noAutofit/>
-        </a:bodyPr>
-        <a:lstStyle/>
-        <a:p>
-          <a:pPr marL="0" lvl="0" indent="0" algn="ctr" defTabSz="711200">
-            <a:lnSpc>
-              <a:spcPct val="90000"/>
-            </a:lnSpc>
-            <a:spcBef>
-              <a:spcPct val="0"/>
-            </a:spcBef>
-            <a:spcAft>
-              <a:spcPct val="35000"/>
-            </a:spcAft>
-            <a:buNone/>
-          </a:pPr>
-          <a:r>
-            <a:rPr lang="de-DE" sz="1600" kern="1200" dirty="0"/>
-            <a:t>Regression</a:t>
-          </a:r>
-        </a:p>
-      </dsp:txBody>
-      <dsp:txXfrm>
-        <a:off x="4395214" y="1683593"/>
-        <a:ext cx="1268146" cy="614941"/>
-      </dsp:txXfrm>
-    </dsp:sp>
-    <dsp:sp modelId="{BEF72258-2226-405A-8F28-8F814125147C}">
-      <dsp:nvSpPr>
-        <dsp:cNvPr id="0" name=""/>
-        <dsp:cNvSpPr/>
-      </dsp:nvSpPr>
-      <dsp:spPr>
-        <a:xfrm>
-          <a:off x="5682492" y="1980462"/>
-          <a:ext cx="522564" cy="21203"/>
-        </a:xfrm>
-        <a:custGeom>
-          <a:avLst/>
-          <a:gdLst/>
-          <a:ahLst/>
-          <a:cxnLst/>
-          <a:rect l="0" t="0" r="0" b="0"/>
-          <a:pathLst>
-            <a:path>
-              <a:moveTo>
-                <a:pt x="0" y="10601"/>
-              </a:moveTo>
-              <a:lnTo>
-                <a:pt x="522564" y="10601"/>
-              </a:lnTo>
-            </a:path>
-          </a:pathLst>
-        </a:custGeom>
-        <a:noFill/>
-        <a:ln w="25400" cap="flat" cmpd="sng" algn="ctr">
-          <a:solidFill>
-            <a:schemeClr val="accent1">
-              <a:shade val="80000"/>
-              <a:hueOff val="0"/>
-              <a:satOff val="0"/>
-              <a:lumOff val="0"/>
-              <a:alphaOff val="0"/>
-            </a:schemeClr>
-          </a:solidFill>
-          <a:prstDash val="solid"/>
-        </a:ln>
-        <a:effectLst/>
-      </dsp:spPr>
-      <dsp:style>
-        <a:lnRef idx="2">
-          <a:scrgbClr r="0" g="0" b="0"/>
-        </a:lnRef>
-        <a:fillRef idx="0">
-          <a:scrgbClr r="0" g="0" b="0"/>
-        </a:fillRef>
-        <a:effectRef idx="0">
-          <a:scrgbClr r="0" g="0" b="0"/>
-        </a:effectRef>
-        <a:fontRef idx="minor"/>
-      </dsp:style>
-      <dsp:txBody>
-        <a:bodyPr spcFirstLastPara="0" vert="horz" wrap="square" lIns="12700" tIns="0" rIns="12700" bIns="0" numCol="1" spcCol="1270" anchor="ctr" anchorCtr="0">
-          <a:noAutofit/>
-        </a:bodyPr>
-        <a:lstStyle/>
-        <a:p>
-          <a:pPr marL="0" lvl="0" indent="0" algn="ctr" defTabSz="222250">
-            <a:lnSpc>
-              <a:spcPct val="90000"/>
-            </a:lnSpc>
-            <a:spcBef>
-              <a:spcPct val="0"/>
-            </a:spcBef>
-            <a:spcAft>
-              <a:spcPct val="35000"/>
-            </a:spcAft>
-            <a:buNone/>
-          </a:pPr>
-          <a:endParaRPr lang="de-DE" sz="500" kern="1200" dirty="0"/>
-        </a:p>
-      </dsp:txBody>
-      <dsp:txXfrm>
-        <a:off x="5930710" y="1978000"/>
-        <a:ext cx="26128" cy="26128"/>
-      </dsp:txXfrm>
-    </dsp:sp>
-    <dsp:sp modelId="{B7C4A7E3-1258-4977-ADFC-042D9A33FABE}">
-      <dsp:nvSpPr>
-        <dsp:cNvPr id="0" name=""/>
-        <dsp:cNvSpPr/>
-      </dsp:nvSpPr>
-      <dsp:spPr>
-        <a:xfrm>
-          <a:off x="6205056" y="1664461"/>
-          <a:ext cx="1306410" cy="653205"/>
-        </a:xfrm>
-        <a:prstGeom prst="roundRect">
-          <a:avLst>
-            <a:gd name="adj" fmla="val 10000"/>
-          </a:avLst>
-        </a:prstGeom>
-        <a:solidFill>
-          <a:srgbClr val="00B0F0"/>
-        </a:solidFill>
-        <a:ln w="25400" cap="flat" cmpd="sng" algn="ctr">
-          <a:solidFill>
-            <a:schemeClr val="lt1">
-              <a:hueOff val="0"/>
-              <a:satOff val="0"/>
-              <a:lumOff val="0"/>
-              <a:alphaOff val="0"/>
-            </a:schemeClr>
-          </a:solidFill>
-          <a:prstDash val="solid"/>
-        </a:ln>
-        <a:effectLst/>
-      </dsp:spPr>
-      <dsp:style>
-        <a:lnRef idx="2">
-          <a:scrgbClr r="0" g="0" b="0"/>
-        </a:lnRef>
-        <a:fillRef idx="1">
-          <a:scrgbClr r="0" g="0" b="0"/>
-        </a:fillRef>
-        <a:effectRef idx="0">
-          <a:scrgbClr r="0" g="0" b="0"/>
-        </a:effectRef>
-        <a:fontRef idx="minor">
-          <a:schemeClr val="lt1"/>
-        </a:fontRef>
-      </dsp:style>
-      <dsp:txBody>
-        <a:bodyPr spcFirstLastPara="0" vert="horz" wrap="square" lIns="10160" tIns="10160" rIns="10160" bIns="10160" numCol="1" spcCol="1270" anchor="ctr" anchorCtr="0">
-          <a:noAutofit/>
-        </a:bodyPr>
-        <a:lstStyle/>
-        <a:p>
-          <a:pPr marL="0" lvl="0" indent="0" algn="ctr" defTabSz="711200">
-            <a:lnSpc>
-              <a:spcPct val="90000"/>
-            </a:lnSpc>
-            <a:spcBef>
-              <a:spcPct val="0"/>
-            </a:spcBef>
-            <a:spcAft>
-              <a:spcPct val="35000"/>
-            </a:spcAft>
-            <a:buNone/>
-          </a:pPr>
-          <a:r>
-            <a:rPr lang="de-DE" sz="1600" kern="1200" dirty="0"/>
-            <a:t>Market forecasting</a:t>
-          </a:r>
-        </a:p>
-      </dsp:txBody>
-      <dsp:txXfrm>
-        <a:off x="6224188" y="1683593"/>
-        <a:ext cx="1268146" cy="614941"/>
-      </dsp:txXfrm>
-    </dsp:sp>
-    <dsp:sp modelId="{3433CC9D-B596-44DE-A7CD-B049FCC09347}">
-      <dsp:nvSpPr>
-        <dsp:cNvPr id="0" name=""/>
-        <dsp:cNvSpPr/>
-      </dsp:nvSpPr>
-      <dsp:spPr>
-        <a:xfrm rot="2142401">
-          <a:off x="3793030" y="2543851"/>
-          <a:ext cx="643539" cy="21203"/>
-        </a:xfrm>
-        <a:custGeom>
-          <a:avLst/>
-          <a:gdLst/>
-          <a:ahLst/>
-          <a:cxnLst/>
-          <a:rect l="0" t="0" r="0" b="0"/>
-          <a:pathLst>
-            <a:path>
-              <a:moveTo>
-                <a:pt x="0" y="10601"/>
-              </a:moveTo>
-              <a:lnTo>
-                <a:pt x="643539" y="10601"/>
-              </a:lnTo>
-            </a:path>
-          </a:pathLst>
-        </a:custGeom>
-        <a:noFill/>
-        <a:ln w="25400" cap="flat" cmpd="sng" algn="ctr">
-          <a:solidFill>
-            <a:schemeClr val="accent1">
-              <a:shade val="80000"/>
-              <a:hueOff val="0"/>
-              <a:satOff val="0"/>
-              <a:lumOff val="0"/>
-              <a:alphaOff val="0"/>
-            </a:schemeClr>
-          </a:solidFill>
-          <a:prstDash val="solid"/>
-        </a:ln>
-        <a:effectLst/>
-      </dsp:spPr>
-      <dsp:style>
-        <a:lnRef idx="2">
-          <a:scrgbClr r="0" g="0" b="0"/>
-        </a:lnRef>
-        <a:fillRef idx="0">
-          <a:scrgbClr r="0" g="0" b="0"/>
-        </a:fillRef>
-        <a:effectRef idx="0">
-          <a:scrgbClr r="0" g="0" b="0"/>
-        </a:effectRef>
-        <a:fontRef idx="minor"/>
-      </dsp:style>
-      <dsp:txBody>
-        <a:bodyPr spcFirstLastPara="0" vert="horz" wrap="square" lIns="12700" tIns="0" rIns="12700" bIns="0" numCol="1" spcCol="1270" anchor="ctr" anchorCtr="0">
-          <a:noAutofit/>
-        </a:bodyPr>
-        <a:lstStyle/>
-        <a:p>
-          <a:pPr marL="0" lvl="0" indent="0" algn="ctr" defTabSz="222250">
-            <a:lnSpc>
-              <a:spcPct val="90000"/>
-            </a:lnSpc>
-            <a:spcBef>
-              <a:spcPct val="0"/>
-            </a:spcBef>
-            <a:spcAft>
-              <a:spcPct val="35000"/>
-            </a:spcAft>
-            <a:buNone/>
-          </a:pPr>
-          <a:endParaRPr lang="de-DE" sz="500" kern="1200" dirty="0"/>
-        </a:p>
-      </dsp:txBody>
-      <dsp:txXfrm>
-        <a:off x="4098711" y="2538365"/>
-        <a:ext cx="32176" cy="32176"/>
-      </dsp:txXfrm>
-    </dsp:sp>
-    <dsp:sp modelId="{DB173FE0-7205-4C36-B7E8-E4C0B9C784EE}">
-      <dsp:nvSpPr>
-        <dsp:cNvPr id="0" name=""/>
-        <dsp:cNvSpPr/>
-      </dsp:nvSpPr>
-      <dsp:spPr>
-        <a:xfrm>
-          <a:off x="4376082" y="2415647"/>
-          <a:ext cx="1306410" cy="653205"/>
-        </a:xfrm>
-        <a:prstGeom prst="roundRect">
-          <a:avLst>
-            <a:gd name="adj" fmla="val 10000"/>
-          </a:avLst>
-        </a:prstGeom>
-        <a:solidFill>
-          <a:srgbClr val="00B0F0"/>
-        </a:solidFill>
-        <a:ln w="25400" cap="flat" cmpd="sng" algn="ctr">
-          <a:solidFill>
-            <a:schemeClr val="lt1">
-              <a:hueOff val="0"/>
-              <a:satOff val="0"/>
-              <a:lumOff val="0"/>
-              <a:alphaOff val="0"/>
-            </a:schemeClr>
-          </a:solidFill>
-          <a:prstDash val="solid"/>
-        </a:ln>
-        <a:effectLst/>
-      </dsp:spPr>
-      <dsp:style>
-        <a:lnRef idx="2">
-          <a:scrgbClr r="0" g="0" b="0"/>
-        </a:lnRef>
-        <a:fillRef idx="1">
-          <a:scrgbClr r="0" g="0" b="0"/>
-        </a:fillRef>
-        <a:effectRef idx="0">
-          <a:scrgbClr r="0" g="0" b="0"/>
-        </a:effectRef>
-        <a:fontRef idx="minor">
-          <a:schemeClr val="lt1"/>
-        </a:fontRef>
-      </dsp:style>
-      <dsp:txBody>
-        <a:bodyPr spcFirstLastPara="0" vert="horz" wrap="square" lIns="10160" tIns="10160" rIns="10160" bIns="10160" numCol="1" spcCol="1270" anchor="ctr" anchorCtr="0">
-          <a:noAutofit/>
-        </a:bodyPr>
-        <a:lstStyle/>
-        <a:p>
-          <a:pPr marL="0" lvl="0" indent="0" algn="ctr" defTabSz="711200">
-            <a:lnSpc>
-              <a:spcPct val="90000"/>
-            </a:lnSpc>
-            <a:spcBef>
-              <a:spcPct val="0"/>
-            </a:spcBef>
-            <a:spcAft>
-              <a:spcPct val="35000"/>
-            </a:spcAft>
-            <a:buNone/>
-          </a:pPr>
-          <a:r>
-            <a:rPr lang="de-DE" sz="1600" kern="1200" dirty="0"/>
-            <a:t>Classification</a:t>
-          </a:r>
-        </a:p>
-      </dsp:txBody>
-      <dsp:txXfrm>
-        <a:off x="4395214" y="2434779"/>
-        <a:ext cx="1268146" cy="614941"/>
-      </dsp:txXfrm>
-    </dsp:sp>
-    <dsp:sp modelId="{51B66081-F111-46F9-900D-3618A4819E7F}">
-      <dsp:nvSpPr>
-        <dsp:cNvPr id="0" name=""/>
-        <dsp:cNvSpPr/>
-      </dsp:nvSpPr>
-      <dsp:spPr>
-        <a:xfrm>
-          <a:off x="5682492" y="2731648"/>
-          <a:ext cx="522564" cy="21203"/>
-        </a:xfrm>
-        <a:custGeom>
-          <a:avLst/>
-          <a:gdLst/>
-          <a:ahLst/>
-          <a:cxnLst/>
-          <a:rect l="0" t="0" r="0" b="0"/>
-          <a:pathLst>
-            <a:path>
-              <a:moveTo>
-                <a:pt x="0" y="10601"/>
-              </a:moveTo>
-              <a:lnTo>
-                <a:pt x="522564" y="10601"/>
-              </a:lnTo>
-            </a:path>
-          </a:pathLst>
-        </a:custGeom>
-        <a:noFill/>
-        <a:ln w="25400" cap="flat" cmpd="sng" algn="ctr">
-          <a:solidFill>
-            <a:schemeClr val="accent1">
-              <a:shade val="80000"/>
-              <a:hueOff val="0"/>
-              <a:satOff val="0"/>
-              <a:lumOff val="0"/>
-              <a:alphaOff val="0"/>
-            </a:schemeClr>
-          </a:solidFill>
-          <a:prstDash val="solid"/>
-        </a:ln>
-        <a:effectLst/>
-      </dsp:spPr>
-      <dsp:style>
-        <a:lnRef idx="2">
-          <a:scrgbClr r="0" g="0" b="0"/>
-        </a:lnRef>
-        <a:fillRef idx="0">
-          <a:scrgbClr r="0" g="0" b="0"/>
-        </a:fillRef>
-        <a:effectRef idx="0">
-          <a:scrgbClr r="0" g="0" b="0"/>
-        </a:effectRef>
-        <a:fontRef idx="minor"/>
-      </dsp:style>
-      <dsp:txBody>
-        <a:bodyPr spcFirstLastPara="0" vert="horz" wrap="square" lIns="12700" tIns="0" rIns="12700" bIns="0" numCol="1" spcCol="1270" anchor="ctr" anchorCtr="0">
-          <a:noAutofit/>
-        </a:bodyPr>
-        <a:lstStyle/>
-        <a:p>
-          <a:pPr marL="0" lvl="0" indent="0" algn="ctr" defTabSz="222250">
-            <a:lnSpc>
-              <a:spcPct val="90000"/>
-            </a:lnSpc>
-            <a:spcBef>
-              <a:spcPct val="0"/>
-            </a:spcBef>
-            <a:spcAft>
-              <a:spcPct val="35000"/>
-            </a:spcAft>
-            <a:buNone/>
-          </a:pPr>
-          <a:endParaRPr lang="de-DE" sz="500" kern="1200" dirty="0"/>
-        </a:p>
-      </dsp:txBody>
-      <dsp:txXfrm>
-        <a:off x="5930710" y="2729186"/>
-        <a:ext cx="26128" cy="26128"/>
-      </dsp:txXfrm>
-    </dsp:sp>
-    <dsp:sp modelId="{26183012-51EF-454A-9E44-925F2E00F4CF}">
-      <dsp:nvSpPr>
-        <dsp:cNvPr id="0" name=""/>
-        <dsp:cNvSpPr/>
-      </dsp:nvSpPr>
-      <dsp:spPr>
-        <a:xfrm>
-          <a:off x="6205056" y="2415647"/>
-          <a:ext cx="1306410" cy="653205"/>
-        </a:xfrm>
-        <a:prstGeom prst="roundRect">
-          <a:avLst>
-            <a:gd name="adj" fmla="val 10000"/>
-          </a:avLst>
-        </a:prstGeom>
-        <a:solidFill>
-          <a:srgbClr val="00B0F0"/>
-        </a:solidFill>
-        <a:ln w="25400" cap="flat" cmpd="sng" algn="ctr">
-          <a:solidFill>
-            <a:schemeClr val="lt1">
-              <a:hueOff val="0"/>
-              <a:satOff val="0"/>
-              <a:lumOff val="0"/>
-              <a:alphaOff val="0"/>
-            </a:schemeClr>
-          </a:solidFill>
-          <a:prstDash val="solid"/>
-        </a:ln>
-        <a:effectLst/>
-      </dsp:spPr>
-      <dsp:style>
-        <a:lnRef idx="2">
-          <a:scrgbClr r="0" g="0" b="0"/>
-        </a:lnRef>
-        <a:fillRef idx="1">
-          <a:scrgbClr r="0" g="0" b="0"/>
-        </a:fillRef>
-        <a:effectRef idx="0">
-          <a:scrgbClr r="0" g="0" b="0"/>
-        </a:effectRef>
-        <a:fontRef idx="minor">
-          <a:schemeClr val="lt1"/>
-        </a:fontRef>
-      </dsp:style>
-      <dsp:txBody>
-        <a:bodyPr spcFirstLastPara="0" vert="horz" wrap="square" lIns="10160" tIns="10160" rIns="10160" bIns="10160" numCol="1" spcCol="1270" anchor="ctr" anchorCtr="0">
-          <a:noAutofit/>
-        </a:bodyPr>
-        <a:lstStyle/>
-        <a:p>
-          <a:pPr marL="0" lvl="0" indent="0" algn="ctr" defTabSz="711200">
-            <a:lnSpc>
-              <a:spcPct val="90000"/>
-            </a:lnSpc>
-            <a:spcBef>
-              <a:spcPct val="0"/>
-            </a:spcBef>
-            <a:spcAft>
-              <a:spcPct val="35000"/>
-            </a:spcAft>
-            <a:buNone/>
-          </a:pPr>
-          <a:r>
-            <a:rPr lang="de-DE" sz="1600" kern="1200" dirty="0"/>
-            <a:t>Image classification</a:t>
-          </a:r>
-        </a:p>
-      </dsp:txBody>
-      <dsp:txXfrm>
-        <a:off x="6224188" y="2434779"/>
-        <a:ext cx="1268146" cy="614941"/>
-      </dsp:txXfrm>
-    </dsp:sp>
-    <dsp:sp modelId="{6EAE7D78-86F7-41B0-85C9-00A5BF635B0C}">
-      <dsp:nvSpPr>
-        <dsp:cNvPr id="0" name=""/>
-        <dsp:cNvSpPr/>
-      </dsp:nvSpPr>
-      <dsp:spPr>
-        <a:xfrm rot="1186030">
-          <a:off x="2008183" y="3764529"/>
-          <a:ext cx="555284" cy="21203"/>
-        </a:xfrm>
-        <a:custGeom>
-          <a:avLst/>
-          <a:gdLst/>
-          <a:ahLst/>
-          <a:cxnLst/>
-          <a:rect l="0" t="0" r="0" b="0"/>
-          <a:pathLst>
-            <a:path>
-              <a:moveTo>
-                <a:pt x="0" y="10601"/>
-              </a:moveTo>
-              <a:lnTo>
-                <a:pt x="555284" y="10601"/>
-              </a:lnTo>
-            </a:path>
-          </a:pathLst>
-        </a:custGeom>
-        <a:noFill/>
-        <a:ln w="25400" cap="flat" cmpd="sng" algn="ctr">
-          <a:solidFill>
-            <a:schemeClr val="accent1">
-              <a:shade val="60000"/>
-              <a:hueOff val="0"/>
-              <a:satOff val="0"/>
-              <a:lumOff val="0"/>
-              <a:alphaOff val="0"/>
-            </a:schemeClr>
-          </a:solidFill>
-          <a:prstDash val="solid"/>
-        </a:ln>
-        <a:effectLst/>
-      </dsp:spPr>
-      <dsp:style>
-        <a:lnRef idx="2">
-          <a:scrgbClr r="0" g="0" b="0"/>
-        </a:lnRef>
-        <a:fillRef idx="0">
-          <a:scrgbClr r="0" g="0" b="0"/>
-        </a:fillRef>
-        <a:effectRef idx="0">
-          <a:scrgbClr r="0" g="0" b="0"/>
-        </a:effectRef>
-        <a:fontRef idx="minor"/>
-      </dsp:style>
-      <dsp:txBody>
-        <a:bodyPr spcFirstLastPara="0" vert="horz" wrap="square" lIns="12700" tIns="0" rIns="12700" bIns="0" numCol="1" spcCol="1270" anchor="ctr" anchorCtr="0">
-          <a:noAutofit/>
-        </a:bodyPr>
-        <a:lstStyle/>
-        <a:p>
-          <a:pPr marL="0" lvl="0" indent="0" algn="ctr" defTabSz="222250">
-            <a:lnSpc>
-              <a:spcPct val="90000"/>
-            </a:lnSpc>
-            <a:spcBef>
-              <a:spcPct val="0"/>
-            </a:spcBef>
-            <a:spcAft>
-              <a:spcPct val="35000"/>
-            </a:spcAft>
-            <a:buNone/>
-          </a:pPr>
-          <a:endParaRPr lang="de-DE" sz="500" kern="1200" dirty="0"/>
-        </a:p>
-      </dsp:txBody>
-      <dsp:txXfrm>
-        <a:off x="2271943" y="3761248"/>
-        <a:ext cx="27764" cy="27764"/>
-      </dsp:txXfrm>
-    </dsp:sp>
-    <dsp:sp modelId="{ED64E025-E7EA-48B1-9FD8-84C0642E5C4A}">
-      <dsp:nvSpPr>
-        <dsp:cNvPr id="0" name=""/>
-        <dsp:cNvSpPr/>
-      </dsp:nvSpPr>
-      <dsp:spPr>
-        <a:xfrm>
-          <a:off x="2547107" y="3542426"/>
-          <a:ext cx="1306410" cy="653205"/>
-        </a:xfrm>
-        <a:prstGeom prst="roundRect">
-          <a:avLst>
-            <a:gd name="adj" fmla="val 10000"/>
-          </a:avLst>
-        </a:prstGeom>
-        <a:solidFill>
-          <a:srgbClr val="00B0F0"/>
-        </a:solidFill>
-        <a:ln w="25400" cap="flat" cmpd="sng" algn="ctr">
-          <a:solidFill>
-            <a:schemeClr val="lt1">
-              <a:hueOff val="0"/>
-              <a:satOff val="0"/>
-              <a:lumOff val="0"/>
-              <a:alphaOff val="0"/>
-            </a:schemeClr>
-          </a:solidFill>
-          <a:prstDash val="solid"/>
-        </a:ln>
-        <a:effectLst/>
-      </dsp:spPr>
-      <dsp:style>
-        <a:lnRef idx="2">
-          <a:scrgbClr r="0" g="0" b="0"/>
-        </a:lnRef>
-        <a:fillRef idx="1">
-          <a:scrgbClr r="0" g="0" b="0"/>
-        </a:fillRef>
-        <a:effectRef idx="0">
-          <a:scrgbClr r="0" g="0" b="0"/>
-        </a:effectRef>
-        <a:fontRef idx="minor">
-          <a:schemeClr val="lt1"/>
-        </a:fontRef>
-      </dsp:style>
-      <dsp:txBody>
-        <a:bodyPr spcFirstLastPara="0" vert="horz" wrap="square" lIns="10160" tIns="10160" rIns="10160" bIns="10160" numCol="1" spcCol="1270" anchor="ctr" anchorCtr="0">
-          <a:noAutofit/>
-        </a:bodyPr>
-        <a:lstStyle/>
-        <a:p>
-          <a:pPr marL="0" lvl="0" indent="0" algn="ctr" defTabSz="711200">
-            <a:lnSpc>
-              <a:spcPct val="90000"/>
-            </a:lnSpc>
-            <a:spcBef>
-              <a:spcPct val="0"/>
-            </a:spcBef>
-            <a:spcAft>
-              <a:spcPct val="35000"/>
-            </a:spcAft>
-            <a:buNone/>
-          </a:pPr>
-          <a:r>
-            <a:rPr lang="de-DE" sz="1600" kern="1200" dirty="0"/>
-            <a:t>Unsupervised learning</a:t>
-          </a:r>
-        </a:p>
-      </dsp:txBody>
-      <dsp:txXfrm>
-        <a:off x="2566239" y="3561558"/>
-        <a:ext cx="1268146" cy="614941"/>
-      </dsp:txXfrm>
-    </dsp:sp>
-    <dsp:sp modelId="{4AA9301C-40D0-417D-8883-2A709FD20646}">
-      <dsp:nvSpPr>
-        <dsp:cNvPr id="0" name=""/>
-        <dsp:cNvSpPr/>
-      </dsp:nvSpPr>
-      <dsp:spPr>
-        <a:xfrm rot="19457599">
-          <a:off x="3793030" y="3670631"/>
-          <a:ext cx="643539" cy="21203"/>
-        </a:xfrm>
-        <a:custGeom>
-          <a:avLst/>
-          <a:gdLst/>
-          <a:ahLst/>
-          <a:cxnLst/>
-          <a:rect l="0" t="0" r="0" b="0"/>
-          <a:pathLst>
-            <a:path>
-              <a:moveTo>
-                <a:pt x="0" y="10601"/>
-              </a:moveTo>
-              <a:lnTo>
-                <a:pt x="643539" y="10601"/>
-              </a:lnTo>
-            </a:path>
-          </a:pathLst>
-        </a:custGeom>
-        <a:noFill/>
-        <a:ln w="25400" cap="flat" cmpd="sng" algn="ctr">
-          <a:solidFill>
-            <a:schemeClr val="accent1">
-              <a:shade val="80000"/>
-              <a:hueOff val="0"/>
-              <a:satOff val="0"/>
-              <a:lumOff val="0"/>
-              <a:alphaOff val="0"/>
-            </a:schemeClr>
-          </a:solidFill>
-          <a:prstDash val="solid"/>
-        </a:ln>
-        <a:effectLst/>
-      </dsp:spPr>
-      <dsp:style>
-        <a:lnRef idx="2">
-          <a:scrgbClr r="0" g="0" b="0"/>
-        </a:lnRef>
-        <a:fillRef idx="0">
-          <a:scrgbClr r="0" g="0" b="0"/>
-        </a:fillRef>
-        <a:effectRef idx="0">
-          <a:scrgbClr r="0" g="0" b="0"/>
-        </a:effectRef>
-        <a:fontRef idx="minor"/>
-      </dsp:style>
-      <dsp:txBody>
-        <a:bodyPr spcFirstLastPara="0" vert="horz" wrap="square" lIns="12700" tIns="0" rIns="12700" bIns="0" numCol="1" spcCol="1270" anchor="ctr" anchorCtr="0">
-          <a:noAutofit/>
-        </a:bodyPr>
-        <a:lstStyle/>
-        <a:p>
-          <a:pPr marL="0" lvl="0" indent="0" algn="ctr" defTabSz="222250">
-            <a:lnSpc>
-              <a:spcPct val="90000"/>
-            </a:lnSpc>
-            <a:spcBef>
-              <a:spcPct val="0"/>
-            </a:spcBef>
-            <a:spcAft>
-              <a:spcPct val="35000"/>
-            </a:spcAft>
-            <a:buNone/>
-          </a:pPr>
-          <a:endParaRPr lang="de-DE" sz="500" kern="1200" dirty="0"/>
-        </a:p>
-      </dsp:txBody>
-      <dsp:txXfrm>
-        <a:off x="4098711" y="3665144"/>
-        <a:ext cx="32176" cy="32176"/>
-      </dsp:txXfrm>
-    </dsp:sp>
-    <dsp:sp modelId="{04D96044-C351-4B6D-A2FF-20C42C5EB70E}">
-      <dsp:nvSpPr>
-        <dsp:cNvPr id="0" name=""/>
-        <dsp:cNvSpPr/>
-      </dsp:nvSpPr>
-      <dsp:spPr>
-        <a:xfrm>
-          <a:off x="4376082" y="3166833"/>
-          <a:ext cx="1306410" cy="653205"/>
-        </a:xfrm>
-        <a:prstGeom prst="roundRect">
-          <a:avLst>
-            <a:gd name="adj" fmla="val 10000"/>
-          </a:avLst>
-        </a:prstGeom>
-        <a:solidFill>
-          <a:srgbClr val="00B0F0"/>
-        </a:solidFill>
-        <a:ln w="25400" cap="flat" cmpd="sng" algn="ctr">
-          <a:solidFill>
-            <a:schemeClr val="lt1">
-              <a:hueOff val="0"/>
-              <a:satOff val="0"/>
-              <a:lumOff val="0"/>
-              <a:alphaOff val="0"/>
-            </a:schemeClr>
-          </a:solidFill>
-          <a:prstDash val="solid"/>
-        </a:ln>
-        <a:effectLst/>
-      </dsp:spPr>
-      <dsp:style>
-        <a:lnRef idx="2">
-          <a:scrgbClr r="0" g="0" b="0"/>
-        </a:lnRef>
-        <a:fillRef idx="1">
-          <a:scrgbClr r="0" g="0" b="0"/>
-        </a:fillRef>
-        <a:effectRef idx="0">
-          <a:scrgbClr r="0" g="0" b="0"/>
-        </a:effectRef>
-        <a:fontRef idx="minor">
-          <a:schemeClr val="lt1"/>
-        </a:fontRef>
-      </dsp:style>
-      <dsp:txBody>
-        <a:bodyPr spcFirstLastPara="0" vert="horz" wrap="square" lIns="10160" tIns="10160" rIns="10160" bIns="10160" numCol="1" spcCol="1270" anchor="ctr" anchorCtr="0">
-          <a:noAutofit/>
-        </a:bodyPr>
-        <a:lstStyle/>
-        <a:p>
-          <a:pPr marL="0" lvl="0" indent="0" algn="ctr" defTabSz="711200">
-            <a:lnSpc>
-              <a:spcPct val="90000"/>
-            </a:lnSpc>
-            <a:spcBef>
-              <a:spcPct val="0"/>
-            </a:spcBef>
-            <a:spcAft>
-              <a:spcPct val="35000"/>
-            </a:spcAft>
-            <a:buNone/>
-          </a:pPr>
-          <a:r>
-            <a:rPr lang="de-DE" sz="1600" kern="1200" dirty="0"/>
-            <a:t>Clustering</a:t>
-          </a:r>
-        </a:p>
-      </dsp:txBody>
-      <dsp:txXfrm>
-        <a:off x="4395214" y="3185965"/>
-        <a:ext cx="1268146" cy="614941"/>
-      </dsp:txXfrm>
-    </dsp:sp>
-    <dsp:sp modelId="{5C3C525B-25A3-4499-94BB-E6EA852815C2}">
-      <dsp:nvSpPr>
-        <dsp:cNvPr id="0" name=""/>
-        <dsp:cNvSpPr/>
-      </dsp:nvSpPr>
-      <dsp:spPr>
-        <a:xfrm>
-          <a:off x="5682492" y="3482834"/>
-          <a:ext cx="522564" cy="21203"/>
-        </a:xfrm>
-        <a:custGeom>
-          <a:avLst/>
-          <a:gdLst/>
-          <a:ahLst/>
-          <a:cxnLst/>
-          <a:rect l="0" t="0" r="0" b="0"/>
-          <a:pathLst>
-            <a:path>
-              <a:moveTo>
-                <a:pt x="0" y="10601"/>
-              </a:moveTo>
-              <a:lnTo>
-                <a:pt x="522564" y="10601"/>
-              </a:lnTo>
-            </a:path>
-          </a:pathLst>
-        </a:custGeom>
-        <a:noFill/>
-        <a:ln w="25400" cap="flat" cmpd="sng" algn="ctr">
-          <a:solidFill>
-            <a:schemeClr val="accent1">
-              <a:shade val="80000"/>
-              <a:hueOff val="0"/>
-              <a:satOff val="0"/>
-              <a:lumOff val="0"/>
-              <a:alphaOff val="0"/>
-            </a:schemeClr>
-          </a:solidFill>
-          <a:prstDash val="solid"/>
-        </a:ln>
-        <a:effectLst/>
-      </dsp:spPr>
-      <dsp:style>
-        <a:lnRef idx="2">
-          <a:scrgbClr r="0" g="0" b="0"/>
-        </a:lnRef>
-        <a:fillRef idx="0">
-          <a:scrgbClr r="0" g="0" b="0"/>
-        </a:fillRef>
-        <a:effectRef idx="0">
-          <a:scrgbClr r="0" g="0" b="0"/>
-        </a:effectRef>
-        <a:fontRef idx="minor"/>
-      </dsp:style>
-      <dsp:txBody>
-        <a:bodyPr spcFirstLastPara="0" vert="horz" wrap="square" lIns="12700" tIns="0" rIns="12700" bIns="0" numCol="1" spcCol="1270" anchor="ctr" anchorCtr="0">
-          <a:noAutofit/>
-        </a:bodyPr>
-        <a:lstStyle/>
-        <a:p>
-          <a:pPr marL="0" lvl="0" indent="0" algn="ctr" defTabSz="222250">
-            <a:lnSpc>
-              <a:spcPct val="90000"/>
-            </a:lnSpc>
-            <a:spcBef>
-              <a:spcPct val="0"/>
-            </a:spcBef>
-            <a:spcAft>
-              <a:spcPct val="35000"/>
-            </a:spcAft>
-            <a:buNone/>
-          </a:pPr>
-          <a:endParaRPr lang="de-DE" sz="500" kern="1200" dirty="0"/>
-        </a:p>
-      </dsp:txBody>
-      <dsp:txXfrm>
-        <a:off x="5930710" y="3480372"/>
-        <a:ext cx="26128" cy="26128"/>
-      </dsp:txXfrm>
-    </dsp:sp>
-    <dsp:sp modelId="{763D910F-8C5A-4B83-8AB4-A86C0CD78A50}">
-      <dsp:nvSpPr>
-        <dsp:cNvPr id="0" name=""/>
-        <dsp:cNvSpPr/>
-      </dsp:nvSpPr>
-      <dsp:spPr>
-        <a:xfrm>
-          <a:off x="6205056" y="3166833"/>
-          <a:ext cx="1306410" cy="653205"/>
-        </a:xfrm>
-        <a:prstGeom prst="roundRect">
-          <a:avLst>
-            <a:gd name="adj" fmla="val 10000"/>
-          </a:avLst>
-        </a:prstGeom>
-        <a:solidFill>
-          <a:srgbClr val="00B0F0"/>
-        </a:solidFill>
-        <a:ln w="25400" cap="flat" cmpd="sng" algn="ctr">
-          <a:solidFill>
-            <a:schemeClr val="lt1">
-              <a:hueOff val="0"/>
-              <a:satOff val="0"/>
-              <a:lumOff val="0"/>
-              <a:alphaOff val="0"/>
-            </a:schemeClr>
-          </a:solidFill>
-          <a:prstDash val="solid"/>
-        </a:ln>
-        <a:effectLst/>
-      </dsp:spPr>
-      <dsp:style>
-        <a:lnRef idx="2">
-          <a:scrgbClr r="0" g="0" b="0"/>
-        </a:lnRef>
-        <a:fillRef idx="1">
-          <a:scrgbClr r="0" g="0" b="0"/>
-        </a:fillRef>
-        <a:effectRef idx="0">
-          <a:scrgbClr r="0" g="0" b="0"/>
-        </a:effectRef>
-        <a:fontRef idx="minor">
-          <a:schemeClr val="lt1"/>
-        </a:fontRef>
-      </dsp:style>
-      <dsp:txBody>
-        <a:bodyPr spcFirstLastPara="0" vert="horz" wrap="square" lIns="10160" tIns="10160" rIns="10160" bIns="10160" numCol="1" spcCol="1270" anchor="ctr" anchorCtr="0">
-          <a:noAutofit/>
-        </a:bodyPr>
-        <a:lstStyle/>
-        <a:p>
-          <a:pPr marL="0" lvl="0" indent="0" algn="ctr" defTabSz="711200">
-            <a:lnSpc>
-              <a:spcPct val="90000"/>
-            </a:lnSpc>
-            <a:spcBef>
-              <a:spcPct val="0"/>
-            </a:spcBef>
-            <a:spcAft>
-              <a:spcPct val="35000"/>
-            </a:spcAft>
-            <a:buNone/>
-          </a:pPr>
-          <a:r>
-            <a:rPr lang="de-DE" sz="1600" kern="1200" dirty="0"/>
-            <a:t>Recommender systems</a:t>
-          </a:r>
-        </a:p>
-      </dsp:txBody>
-      <dsp:txXfrm>
-        <a:off x="6224188" y="3185965"/>
-        <a:ext cx="1268146" cy="614941"/>
-      </dsp:txXfrm>
-    </dsp:sp>
-    <dsp:sp modelId="{A9F2E0C0-0F30-45E1-AFA7-AFA031BB9AB2}">
-      <dsp:nvSpPr>
-        <dsp:cNvPr id="0" name=""/>
-        <dsp:cNvSpPr/>
-      </dsp:nvSpPr>
-      <dsp:spPr>
-        <a:xfrm rot="2142401">
-          <a:off x="3793030" y="4046224"/>
-          <a:ext cx="643539" cy="21203"/>
-        </a:xfrm>
-        <a:custGeom>
-          <a:avLst/>
-          <a:gdLst/>
-          <a:ahLst/>
-          <a:cxnLst/>
-          <a:rect l="0" t="0" r="0" b="0"/>
-          <a:pathLst>
-            <a:path>
-              <a:moveTo>
-                <a:pt x="0" y="10601"/>
-              </a:moveTo>
-              <a:lnTo>
-                <a:pt x="643539" y="10601"/>
-              </a:lnTo>
-            </a:path>
-          </a:pathLst>
-        </a:custGeom>
-        <a:noFill/>
-        <a:ln w="25400" cap="flat" cmpd="sng" algn="ctr">
-          <a:solidFill>
-            <a:schemeClr val="accent1">
-              <a:shade val="80000"/>
-              <a:hueOff val="0"/>
-              <a:satOff val="0"/>
-              <a:lumOff val="0"/>
-              <a:alphaOff val="0"/>
-            </a:schemeClr>
-          </a:solidFill>
-          <a:prstDash val="solid"/>
-        </a:ln>
-        <a:effectLst/>
-      </dsp:spPr>
-      <dsp:style>
-        <a:lnRef idx="2">
-          <a:scrgbClr r="0" g="0" b="0"/>
-        </a:lnRef>
-        <a:fillRef idx="0">
-          <a:scrgbClr r="0" g="0" b="0"/>
-        </a:fillRef>
-        <a:effectRef idx="0">
-          <a:scrgbClr r="0" g="0" b="0"/>
-        </a:effectRef>
-        <a:fontRef idx="minor"/>
-      </dsp:style>
-      <dsp:txBody>
-        <a:bodyPr spcFirstLastPara="0" vert="horz" wrap="square" lIns="12700" tIns="0" rIns="12700" bIns="0" numCol="1" spcCol="1270" anchor="ctr" anchorCtr="0">
-          <a:noAutofit/>
-        </a:bodyPr>
-        <a:lstStyle/>
-        <a:p>
-          <a:pPr marL="0" lvl="0" indent="0" algn="ctr" defTabSz="222250">
-            <a:lnSpc>
-              <a:spcPct val="90000"/>
-            </a:lnSpc>
-            <a:spcBef>
-              <a:spcPct val="0"/>
-            </a:spcBef>
-            <a:spcAft>
-              <a:spcPct val="35000"/>
-            </a:spcAft>
-            <a:buNone/>
-          </a:pPr>
-          <a:endParaRPr lang="de-DE" sz="500" kern="1200" dirty="0"/>
-        </a:p>
-      </dsp:txBody>
-      <dsp:txXfrm>
-        <a:off x="4098711" y="4040737"/>
-        <a:ext cx="32176" cy="32176"/>
-      </dsp:txXfrm>
-    </dsp:sp>
-    <dsp:sp modelId="{BB08BC20-60E1-40B6-A89E-2986E06C062A}">
-      <dsp:nvSpPr>
-        <dsp:cNvPr id="0" name=""/>
-        <dsp:cNvSpPr/>
-      </dsp:nvSpPr>
-      <dsp:spPr>
-        <a:xfrm>
-          <a:off x="4376082" y="3918019"/>
-          <a:ext cx="1306410" cy="653205"/>
-        </a:xfrm>
-        <a:prstGeom prst="roundRect">
-          <a:avLst>
-            <a:gd name="adj" fmla="val 10000"/>
-          </a:avLst>
-        </a:prstGeom>
-        <a:solidFill>
-          <a:srgbClr val="00B0F0"/>
-        </a:solidFill>
-        <a:ln w="25400" cap="flat" cmpd="sng" algn="ctr">
-          <a:solidFill>
-            <a:schemeClr val="lt1">
-              <a:hueOff val="0"/>
-              <a:satOff val="0"/>
-              <a:lumOff val="0"/>
-              <a:alphaOff val="0"/>
-            </a:schemeClr>
-          </a:solidFill>
-          <a:prstDash val="solid"/>
-        </a:ln>
-        <a:effectLst/>
-      </dsp:spPr>
-      <dsp:style>
-        <a:lnRef idx="2">
-          <a:scrgbClr r="0" g="0" b="0"/>
-        </a:lnRef>
-        <a:fillRef idx="1">
-          <a:scrgbClr r="0" g="0" b="0"/>
-        </a:fillRef>
-        <a:effectRef idx="0">
-          <a:scrgbClr r="0" g="0" b="0"/>
-        </a:effectRef>
-        <a:fontRef idx="minor">
-          <a:schemeClr val="lt1"/>
-        </a:fontRef>
-      </dsp:style>
-      <dsp:txBody>
-        <a:bodyPr spcFirstLastPara="0" vert="horz" wrap="square" lIns="10160" tIns="10160" rIns="10160" bIns="10160" numCol="1" spcCol="1270" anchor="ctr" anchorCtr="0">
-          <a:noAutofit/>
-        </a:bodyPr>
-        <a:lstStyle/>
-        <a:p>
-          <a:pPr marL="0" lvl="0" indent="0" algn="ctr" defTabSz="711200">
-            <a:lnSpc>
-              <a:spcPct val="90000"/>
-            </a:lnSpc>
-            <a:spcBef>
-              <a:spcPct val="0"/>
-            </a:spcBef>
-            <a:spcAft>
-              <a:spcPct val="35000"/>
-            </a:spcAft>
-            <a:buNone/>
-          </a:pPr>
-          <a:r>
-            <a:rPr lang="de-DE" sz="1600" kern="1200" dirty="0"/>
-            <a:t>Dimensionality reduction</a:t>
-          </a:r>
-        </a:p>
-      </dsp:txBody>
-      <dsp:txXfrm>
-        <a:off x="4395214" y="3937151"/>
-        <a:ext cx="1268146" cy="614941"/>
-      </dsp:txXfrm>
-    </dsp:sp>
-    <dsp:sp modelId="{E64B2A5E-55BF-412B-8185-4EED93FD1D7B}">
-      <dsp:nvSpPr>
-        <dsp:cNvPr id="0" name=""/>
-        <dsp:cNvSpPr/>
-      </dsp:nvSpPr>
-      <dsp:spPr>
-        <a:xfrm>
-          <a:off x="5682492" y="4234020"/>
-          <a:ext cx="522564" cy="21203"/>
-        </a:xfrm>
-        <a:custGeom>
-          <a:avLst/>
-          <a:gdLst/>
-          <a:ahLst/>
-          <a:cxnLst/>
-          <a:rect l="0" t="0" r="0" b="0"/>
-          <a:pathLst>
-            <a:path>
-              <a:moveTo>
-                <a:pt x="0" y="10601"/>
-              </a:moveTo>
-              <a:lnTo>
-                <a:pt x="522564" y="10601"/>
-              </a:lnTo>
-            </a:path>
-          </a:pathLst>
-        </a:custGeom>
-        <a:noFill/>
-        <a:ln w="25400" cap="flat" cmpd="sng" algn="ctr">
-          <a:solidFill>
-            <a:schemeClr val="accent1">
-              <a:shade val="80000"/>
-              <a:hueOff val="0"/>
-              <a:satOff val="0"/>
-              <a:lumOff val="0"/>
-              <a:alphaOff val="0"/>
-            </a:schemeClr>
-          </a:solidFill>
-          <a:prstDash val="solid"/>
-        </a:ln>
-        <a:effectLst/>
-      </dsp:spPr>
-      <dsp:style>
-        <a:lnRef idx="2">
-          <a:scrgbClr r="0" g="0" b="0"/>
-        </a:lnRef>
-        <a:fillRef idx="0">
-          <a:scrgbClr r="0" g="0" b="0"/>
-        </a:fillRef>
-        <a:effectRef idx="0">
-          <a:scrgbClr r="0" g="0" b="0"/>
-        </a:effectRef>
-        <a:fontRef idx="minor"/>
-      </dsp:style>
-      <dsp:txBody>
-        <a:bodyPr spcFirstLastPara="0" vert="horz" wrap="square" lIns="12700" tIns="0" rIns="12700" bIns="0" numCol="1" spcCol="1270" anchor="ctr" anchorCtr="0">
-          <a:noAutofit/>
-        </a:bodyPr>
-        <a:lstStyle/>
-        <a:p>
-          <a:pPr marL="0" lvl="0" indent="0" algn="ctr" defTabSz="222250">
-            <a:lnSpc>
-              <a:spcPct val="90000"/>
-            </a:lnSpc>
-            <a:spcBef>
-              <a:spcPct val="0"/>
-            </a:spcBef>
-            <a:spcAft>
-              <a:spcPct val="35000"/>
-            </a:spcAft>
-            <a:buNone/>
-          </a:pPr>
-          <a:endParaRPr lang="de-DE" sz="500" kern="1200" dirty="0"/>
-        </a:p>
-      </dsp:txBody>
-      <dsp:txXfrm>
-        <a:off x="5930710" y="4231558"/>
-        <a:ext cx="26128" cy="26128"/>
-      </dsp:txXfrm>
-    </dsp:sp>
-    <dsp:sp modelId="{50375E47-8C13-4EED-B3E7-CBB62A4FD084}">
-      <dsp:nvSpPr>
-        <dsp:cNvPr id="0" name=""/>
-        <dsp:cNvSpPr/>
-      </dsp:nvSpPr>
-      <dsp:spPr>
-        <a:xfrm>
-          <a:off x="6205056" y="3918019"/>
-          <a:ext cx="1306410" cy="653205"/>
-        </a:xfrm>
-        <a:prstGeom prst="roundRect">
-          <a:avLst>
-            <a:gd name="adj" fmla="val 10000"/>
-          </a:avLst>
-        </a:prstGeom>
-        <a:solidFill>
-          <a:srgbClr val="00B0F0"/>
-        </a:solidFill>
-        <a:ln w="25400" cap="flat" cmpd="sng" algn="ctr">
-          <a:solidFill>
-            <a:schemeClr val="lt1">
-              <a:hueOff val="0"/>
-              <a:satOff val="0"/>
-              <a:lumOff val="0"/>
-              <a:alphaOff val="0"/>
-            </a:schemeClr>
-          </a:solidFill>
-          <a:prstDash val="solid"/>
-        </a:ln>
-        <a:effectLst/>
-      </dsp:spPr>
-      <dsp:style>
-        <a:lnRef idx="2">
-          <a:scrgbClr r="0" g="0" b="0"/>
-        </a:lnRef>
-        <a:fillRef idx="1">
-          <a:scrgbClr r="0" g="0" b="0"/>
-        </a:fillRef>
-        <a:effectRef idx="0">
-          <a:scrgbClr r="0" g="0" b="0"/>
-        </a:effectRef>
-        <a:fontRef idx="minor">
-          <a:schemeClr val="lt1"/>
-        </a:fontRef>
-      </dsp:style>
-      <dsp:txBody>
-        <a:bodyPr spcFirstLastPara="0" vert="horz" wrap="square" lIns="10160" tIns="10160" rIns="10160" bIns="10160" numCol="1" spcCol="1270" anchor="ctr" anchorCtr="0">
-          <a:noAutofit/>
-        </a:bodyPr>
-        <a:lstStyle/>
-        <a:p>
-          <a:pPr marL="0" lvl="0" indent="0" algn="ctr" defTabSz="711200">
-            <a:lnSpc>
-              <a:spcPct val="90000"/>
-            </a:lnSpc>
-            <a:spcBef>
-              <a:spcPct val="0"/>
-            </a:spcBef>
-            <a:spcAft>
-              <a:spcPct val="35000"/>
-            </a:spcAft>
-            <a:buNone/>
-          </a:pPr>
-          <a:r>
-            <a:rPr lang="de-DE" sz="1600" kern="1200" dirty="0"/>
-            <a:t>Big data visualization</a:t>
-          </a:r>
-        </a:p>
-      </dsp:txBody>
-      <dsp:txXfrm>
-        <a:off x="6224188" y="3937151"/>
-        <a:ext cx="1268146" cy="614941"/>
-      </dsp:txXfrm>
-    </dsp:sp>
-    <dsp:sp modelId="{AD2D6713-63DB-4245-B589-F25D6BE0D04B}">
-      <dsp:nvSpPr>
-        <dsp:cNvPr id="0" name=""/>
-        <dsp:cNvSpPr/>
-      </dsp:nvSpPr>
-      <dsp:spPr>
-        <a:xfrm rot="4099285">
-          <a:off x="1578509" y="4327918"/>
-          <a:ext cx="1414631" cy="21203"/>
-        </a:xfrm>
-        <a:custGeom>
-          <a:avLst/>
-          <a:gdLst/>
-          <a:ahLst/>
-          <a:cxnLst/>
-          <a:rect l="0" t="0" r="0" b="0"/>
-          <a:pathLst>
-            <a:path>
-              <a:moveTo>
-                <a:pt x="0" y="10601"/>
-              </a:moveTo>
-              <a:lnTo>
-                <a:pt x="1414631" y="10601"/>
-              </a:lnTo>
-            </a:path>
-          </a:pathLst>
-        </a:custGeom>
-        <a:noFill/>
-        <a:ln w="25400" cap="flat" cmpd="sng" algn="ctr">
-          <a:solidFill>
-            <a:schemeClr val="accent1">
-              <a:shade val="60000"/>
-              <a:hueOff val="0"/>
-              <a:satOff val="0"/>
-              <a:lumOff val="0"/>
-              <a:alphaOff val="0"/>
-            </a:schemeClr>
-          </a:solidFill>
-          <a:prstDash val="solid"/>
-        </a:ln>
-        <a:effectLst/>
-      </dsp:spPr>
-      <dsp:style>
-        <a:lnRef idx="2">
-          <a:scrgbClr r="0" g="0" b="0"/>
-        </a:lnRef>
-        <a:fillRef idx="0">
-          <a:scrgbClr r="0" g="0" b="0"/>
-        </a:fillRef>
-        <a:effectRef idx="0">
-          <a:scrgbClr r="0" g="0" b="0"/>
-        </a:effectRef>
-        <a:fontRef idx="minor"/>
-      </dsp:style>
-      <dsp:txBody>
-        <a:bodyPr spcFirstLastPara="0" vert="horz" wrap="square" lIns="12700" tIns="0" rIns="12700" bIns="0" numCol="1" spcCol="1270" anchor="ctr" anchorCtr="0">
-          <a:noAutofit/>
-        </a:bodyPr>
-        <a:lstStyle/>
-        <a:p>
-          <a:pPr marL="0" lvl="0" indent="0" algn="ctr" defTabSz="222250">
-            <a:lnSpc>
-              <a:spcPct val="90000"/>
-            </a:lnSpc>
-            <a:spcBef>
-              <a:spcPct val="0"/>
-            </a:spcBef>
-            <a:spcAft>
-              <a:spcPct val="35000"/>
-            </a:spcAft>
-            <a:buNone/>
-          </a:pPr>
-          <a:endParaRPr lang="de-DE" sz="500" kern="1200" dirty="0"/>
-        </a:p>
-      </dsp:txBody>
-      <dsp:txXfrm>
-        <a:off x="2250459" y="4303154"/>
-        <a:ext cx="70731" cy="70731"/>
-      </dsp:txXfrm>
-    </dsp:sp>
-    <dsp:sp modelId="{C53687B7-C83A-4695-9FF1-2D1B1EE51B93}">
-      <dsp:nvSpPr>
-        <dsp:cNvPr id="0" name=""/>
-        <dsp:cNvSpPr/>
-      </dsp:nvSpPr>
-      <dsp:spPr>
-        <a:xfrm>
-          <a:off x="2547107" y="4669205"/>
-          <a:ext cx="1306410" cy="653205"/>
-        </a:xfrm>
-        <a:prstGeom prst="roundRect">
-          <a:avLst>
-            <a:gd name="adj" fmla="val 10000"/>
-          </a:avLst>
-        </a:prstGeom>
-        <a:solidFill>
-          <a:srgbClr val="00B0F0"/>
-        </a:solidFill>
-        <a:ln w="25400" cap="flat" cmpd="sng" algn="ctr">
-          <a:solidFill>
-            <a:schemeClr val="lt1">
-              <a:hueOff val="0"/>
-              <a:satOff val="0"/>
-              <a:lumOff val="0"/>
-              <a:alphaOff val="0"/>
-            </a:schemeClr>
-          </a:solidFill>
-          <a:prstDash val="solid"/>
-        </a:ln>
-        <a:effectLst/>
-      </dsp:spPr>
-      <dsp:style>
-        <a:lnRef idx="2">
-          <a:scrgbClr r="0" g="0" b="0"/>
-        </a:lnRef>
-        <a:fillRef idx="1">
-          <a:scrgbClr r="0" g="0" b="0"/>
-        </a:fillRef>
-        <a:effectRef idx="0">
-          <a:scrgbClr r="0" g="0" b="0"/>
-        </a:effectRef>
-        <a:fontRef idx="minor">
-          <a:schemeClr val="lt1"/>
-        </a:fontRef>
-      </dsp:style>
-      <dsp:txBody>
-        <a:bodyPr spcFirstLastPara="0" vert="horz" wrap="square" lIns="10160" tIns="10160" rIns="10160" bIns="10160" numCol="1" spcCol="1270" anchor="ctr" anchorCtr="0">
-          <a:noAutofit/>
-        </a:bodyPr>
-        <a:lstStyle/>
-        <a:p>
-          <a:pPr marL="0" lvl="0" indent="0" algn="ctr" defTabSz="711200">
-            <a:lnSpc>
-              <a:spcPct val="90000"/>
-            </a:lnSpc>
-            <a:spcBef>
-              <a:spcPct val="0"/>
-            </a:spcBef>
-            <a:spcAft>
-              <a:spcPct val="35000"/>
-            </a:spcAft>
-            <a:buNone/>
-          </a:pPr>
-          <a:r>
-            <a:rPr lang="de-DE" sz="1600" kern="1200" dirty="0"/>
-            <a:t>Reinforcement learning</a:t>
-          </a:r>
-        </a:p>
-      </dsp:txBody>
-      <dsp:txXfrm>
-        <a:off x="2566239" y="4688337"/>
-        <a:ext cx="1268146" cy="614941"/>
-      </dsp:txXfrm>
-    </dsp:sp>
-    <dsp:sp modelId="{C212B8D0-3CD4-4C7E-80BB-2523971965E5}">
-      <dsp:nvSpPr>
-        <dsp:cNvPr id="0" name=""/>
-        <dsp:cNvSpPr/>
-      </dsp:nvSpPr>
-      <dsp:spPr>
-        <a:xfrm>
-          <a:off x="3853517" y="4985206"/>
-          <a:ext cx="522564" cy="21203"/>
-        </a:xfrm>
-        <a:custGeom>
-          <a:avLst/>
-          <a:gdLst/>
-          <a:ahLst/>
-          <a:cxnLst/>
-          <a:rect l="0" t="0" r="0" b="0"/>
-          <a:pathLst>
-            <a:path>
-              <a:moveTo>
-                <a:pt x="0" y="10601"/>
-              </a:moveTo>
-              <a:lnTo>
-                <a:pt x="522564" y="10601"/>
-              </a:lnTo>
-            </a:path>
-          </a:pathLst>
-        </a:custGeom>
-        <a:noFill/>
-        <a:ln w="25400" cap="flat" cmpd="sng" algn="ctr">
-          <a:solidFill>
-            <a:schemeClr val="accent1">
-              <a:shade val="80000"/>
-              <a:hueOff val="0"/>
-              <a:satOff val="0"/>
-              <a:lumOff val="0"/>
-              <a:alphaOff val="0"/>
-            </a:schemeClr>
-          </a:solidFill>
-          <a:prstDash val="solid"/>
-        </a:ln>
-        <a:effectLst/>
-      </dsp:spPr>
-      <dsp:style>
-        <a:lnRef idx="2">
-          <a:scrgbClr r="0" g="0" b="0"/>
-        </a:lnRef>
-        <a:fillRef idx="0">
-          <a:scrgbClr r="0" g="0" b="0"/>
-        </a:fillRef>
-        <a:effectRef idx="0">
-          <a:scrgbClr r="0" g="0" b="0"/>
-        </a:effectRef>
-        <a:fontRef idx="minor"/>
-      </dsp:style>
-      <dsp:txBody>
-        <a:bodyPr spcFirstLastPara="0" vert="horz" wrap="square" lIns="12700" tIns="0" rIns="12700" bIns="0" numCol="1" spcCol="1270" anchor="ctr" anchorCtr="0">
-          <a:noAutofit/>
-        </a:bodyPr>
-        <a:lstStyle/>
-        <a:p>
-          <a:pPr marL="0" lvl="0" indent="0" algn="ctr" defTabSz="222250">
-            <a:lnSpc>
-              <a:spcPct val="90000"/>
-            </a:lnSpc>
-            <a:spcBef>
-              <a:spcPct val="0"/>
-            </a:spcBef>
-            <a:spcAft>
-              <a:spcPct val="35000"/>
-            </a:spcAft>
-            <a:buNone/>
-          </a:pPr>
-          <a:endParaRPr lang="de-DE" sz="500" kern="1200" dirty="0"/>
-        </a:p>
-      </dsp:txBody>
-      <dsp:txXfrm>
-        <a:off x="4101735" y="4982744"/>
-        <a:ext cx="26128" cy="26128"/>
-      </dsp:txXfrm>
-    </dsp:sp>
-    <dsp:sp modelId="{7382DC8D-5569-4AC8-AE25-8825A0C716CF}">
-      <dsp:nvSpPr>
-        <dsp:cNvPr id="0" name=""/>
-        <dsp:cNvSpPr/>
-      </dsp:nvSpPr>
-      <dsp:spPr>
-        <a:xfrm>
-          <a:off x="4376082" y="4669205"/>
-          <a:ext cx="1306410" cy="653205"/>
-        </a:xfrm>
-        <a:prstGeom prst="roundRect">
-          <a:avLst>
-            <a:gd name="adj" fmla="val 10000"/>
-          </a:avLst>
-        </a:prstGeom>
-        <a:solidFill>
-          <a:srgbClr val="00B0F0"/>
-        </a:solidFill>
-        <a:ln w="25400" cap="flat" cmpd="sng" algn="ctr">
-          <a:solidFill>
-            <a:schemeClr val="lt1">
-              <a:hueOff val="0"/>
-              <a:satOff val="0"/>
-              <a:lumOff val="0"/>
-              <a:alphaOff val="0"/>
-            </a:schemeClr>
-          </a:solidFill>
-          <a:prstDash val="solid"/>
-        </a:ln>
-        <a:effectLst/>
-      </dsp:spPr>
-      <dsp:style>
-        <a:lnRef idx="2">
-          <a:scrgbClr r="0" g="0" b="0"/>
-        </a:lnRef>
-        <a:fillRef idx="1">
-          <a:scrgbClr r="0" g="0" b="0"/>
-        </a:fillRef>
-        <a:effectRef idx="0">
-          <a:scrgbClr r="0" g="0" b="0"/>
-        </a:effectRef>
-        <a:fontRef idx="minor">
-          <a:schemeClr val="lt1"/>
-        </a:fontRef>
-      </dsp:style>
-      <dsp:txBody>
-        <a:bodyPr spcFirstLastPara="0" vert="horz" wrap="square" lIns="10160" tIns="10160" rIns="10160" bIns="10160" numCol="1" spcCol="1270" anchor="ctr" anchorCtr="0">
-          <a:noAutofit/>
-        </a:bodyPr>
-        <a:lstStyle/>
-        <a:p>
-          <a:pPr marL="0" lvl="0" indent="0" algn="ctr" defTabSz="711200">
-            <a:lnSpc>
-              <a:spcPct val="90000"/>
-            </a:lnSpc>
-            <a:spcBef>
-              <a:spcPct val="0"/>
-            </a:spcBef>
-            <a:spcAft>
-              <a:spcPct val="35000"/>
-            </a:spcAft>
-            <a:buNone/>
-          </a:pPr>
-          <a:r>
-            <a:rPr lang="de-DE" sz="1600" kern="1200" dirty="0"/>
-            <a:t>Explore &amp; Learn</a:t>
-          </a:r>
-        </a:p>
-      </dsp:txBody>
-      <dsp:txXfrm>
-        <a:off x="4395214" y="4688337"/>
-        <a:ext cx="1268146" cy="614941"/>
-      </dsp:txXfrm>
-    </dsp:sp>
-    <dsp:sp modelId="{AAFEB5D4-1415-4E81-B308-B6AD7EF5D208}">
-      <dsp:nvSpPr>
-        <dsp:cNvPr id="0" name=""/>
-        <dsp:cNvSpPr/>
-      </dsp:nvSpPr>
-      <dsp:spPr>
-        <a:xfrm>
-          <a:off x="5682492" y="4985206"/>
-          <a:ext cx="522564" cy="21203"/>
-        </a:xfrm>
-        <a:custGeom>
-          <a:avLst/>
-          <a:gdLst/>
-          <a:ahLst/>
-          <a:cxnLst/>
-          <a:rect l="0" t="0" r="0" b="0"/>
-          <a:pathLst>
-            <a:path>
-              <a:moveTo>
-                <a:pt x="0" y="10601"/>
-              </a:moveTo>
-              <a:lnTo>
-                <a:pt x="522564" y="10601"/>
-              </a:lnTo>
-            </a:path>
-          </a:pathLst>
-        </a:custGeom>
-        <a:noFill/>
-        <a:ln w="25400" cap="flat" cmpd="sng" algn="ctr">
-          <a:solidFill>
-            <a:schemeClr val="accent1">
-              <a:shade val="80000"/>
-              <a:hueOff val="0"/>
-              <a:satOff val="0"/>
-              <a:lumOff val="0"/>
-              <a:alphaOff val="0"/>
-            </a:schemeClr>
-          </a:solidFill>
-          <a:prstDash val="solid"/>
-        </a:ln>
-        <a:effectLst/>
-      </dsp:spPr>
-      <dsp:style>
-        <a:lnRef idx="2">
-          <a:scrgbClr r="0" g="0" b="0"/>
-        </a:lnRef>
-        <a:fillRef idx="0">
-          <a:scrgbClr r="0" g="0" b="0"/>
-        </a:fillRef>
-        <a:effectRef idx="0">
-          <a:scrgbClr r="0" g="0" b="0"/>
-        </a:effectRef>
-        <a:fontRef idx="minor"/>
-      </dsp:style>
-      <dsp:txBody>
-        <a:bodyPr spcFirstLastPara="0" vert="horz" wrap="square" lIns="12700" tIns="0" rIns="12700" bIns="0" numCol="1" spcCol="1270" anchor="ctr" anchorCtr="0">
-          <a:noAutofit/>
-        </a:bodyPr>
-        <a:lstStyle/>
-        <a:p>
-          <a:pPr marL="0" lvl="0" indent="0" algn="ctr" defTabSz="222250">
-            <a:lnSpc>
-              <a:spcPct val="90000"/>
-            </a:lnSpc>
-            <a:spcBef>
-              <a:spcPct val="0"/>
-            </a:spcBef>
-            <a:spcAft>
-              <a:spcPct val="35000"/>
-            </a:spcAft>
-            <a:buNone/>
-          </a:pPr>
-          <a:endParaRPr lang="de-DE" sz="500" kern="1200" dirty="0"/>
-        </a:p>
-      </dsp:txBody>
-      <dsp:txXfrm>
-        <a:off x="5930710" y="4982744"/>
-        <a:ext cx="26128" cy="26128"/>
-      </dsp:txXfrm>
-    </dsp:sp>
-    <dsp:sp modelId="{4E8DFD08-CD70-4CB3-B037-9E888FD70C7E}">
-      <dsp:nvSpPr>
-        <dsp:cNvPr id="0" name=""/>
-        <dsp:cNvSpPr/>
-      </dsp:nvSpPr>
-      <dsp:spPr>
-        <a:xfrm>
-          <a:off x="6205056" y="4669205"/>
-          <a:ext cx="1306410" cy="653205"/>
-        </a:xfrm>
-        <a:prstGeom prst="roundRect">
-          <a:avLst>
-            <a:gd name="adj" fmla="val 10000"/>
-          </a:avLst>
-        </a:prstGeom>
-        <a:solidFill>
-          <a:srgbClr val="00B0F0"/>
-        </a:solidFill>
-        <a:ln w="25400" cap="flat" cmpd="sng" algn="ctr">
-          <a:solidFill>
-            <a:schemeClr val="lt1">
-              <a:hueOff val="0"/>
-              <a:satOff val="0"/>
-              <a:lumOff val="0"/>
-              <a:alphaOff val="0"/>
-            </a:schemeClr>
-          </a:solidFill>
-          <a:prstDash val="solid"/>
-        </a:ln>
-        <a:effectLst/>
-      </dsp:spPr>
-      <dsp:style>
-        <a:lnRef idx="2">
-          <a:scrgbClr r="0" g="0" b="0"/>
-        </a:lnRef>
-        <a:fillRef idx="1">
-          <a:scrgbClr r="0" g="0" b="0"/>
-        </a:fillRef>
-        <a:effectRef idx="0">
-          <a:scrgbClr r="0" g="0" b="0"/>
-        </a:effectRef>
-        <a:fontRef idx="minor">
-          <a:schemeClr val="lt1"/>
-        </a:fontRef>
-      </dsp:style>
-      <dsp:txBody>
-        <a:bodyPr spcFirstLastPara="0" vert="horz" wrap="square" lIns="10160" tIns="10160" rIns="10160" bIns="10160" numCol="1" spcCol="1270" anchor="ctr" anchorCtr="0">
-          <a:noAutofit/>
-        </a:bodyPr>
-        <a:lstStyle/>
-        <a:p>
-          <a:pPr marL="0" lvl="0" indent="0" algn="ctr" defTabSz="711200">
-            <a:lnSpc>
-              <a:spcPct val="90000"/>
-            </a:lnSpc>
-            <a:spcBef>
-              <a:spcPct val="0"/>
-            </a:spcBef>
-            <a:spcAft>
-              <a:spcPct val="35000"/>
-            </a:spcAft>
-            <a:buNone/>
-          </a:pPr>
-          <a:r>
-            <a:rPr lang="de-DE" sz="1600" kern="1200" dirty="0"/>
-            <a:t>Robot navigation</a:t>
-          </a:r>
-        </a:p>
-      </dsp:txBody>
-      <dsp:txXfrm>
-        <a:off x="6224188" y="4688337"/>
-        <a:ext cx="1268146" cy="614941"/>
-      </dsp:txXfrm>
-    </dsp:sp>
-  </dsp:spTree>
-</dsp:drawing>
-</file>
-
-<file path=ppt/diagrams/layout1.xml><?xml version="1.0" encoding="utf-8"?>
-<dgm:layoutDef xmlns:dgm="http://schemas.openxmlformats.org/drawingml/2006/diagram" xmlns:a="http://schemas.openxmlformats.org/drawingml/2006/main" uniqueId="urn:microsoft.com/office/officeart/2005/8/layout/hierarchy5">
-  <dgm:title val=""/>
-  <dgm:desc val=""/>
-  <dgm:catLst>
-    <dgm:cat type="hierarchy" pri="6000"/>
-  </dgm:catLst>
-  <dgm:sampData>
-    <dgm:dataModel>
-      <dgm:ptLst>
-        <dgm:pt modelId="0" type="doc"/>
-        <dgm:pt modelId="1">
-          <dgm:prSet phldr="1"/>
-        </dgm:pt>
-        <dgm:pt modelId="2">
-          <dgm:prSet phldr="1"/>
-        </dgm:pt>
-        <dgm:pt modelId="21">
-          <dgm:prSet phldr="1"/>
-        </dgm:pt>
-        <dgm:pt modelId="22">
-          <dgm:prSet phldr="1"/>
-        </dgm:pt>
-        <dgm:pt modelId="3">
-          <dgm:prSet phldr="1"/>
-        </dgm:pt>
-        <dgm:pt modelId="31">
-          <dgm:prSet phldr="1"/>
-        </dgm:pt>
-        <dgm:pt modelId="4">
-          <dgm:prSet phldr="1"/>
-        </dgm:pt>
-        <dgm:pt modelId="5">
-          <dgm:prSet phldr="1"/>
-        </dgm:pt>
-        <dgm:pt modelId="6">
-          <dgm:prSet phldr="1"/>
-        </dgm:pt>
-      </dgm:ptLst>
-      <dgm:cxnLst>
-        <dgm:cxn modelId="7" srcId="0" destId="1" srcOrd="0" destOrd="0"/>
-        <dgm:cxn modelId="8" srcId="1" destId="2" srcOrd="0" destOrd="0"/>
-        <dgm:cxn modelId="9" srcId="1" destId="3" srcOrd="1" destOrd="0"/>
-        <dgm:cxn modelId="23" srcId="2" destId="21" srcOrd="0" destOrd="0"/>
-        <dgm:cxn modelId="24" srcId="2" destId="22" srcOrd="1" destOrd="0"/>
-        <dgm:cxn modelId="33" srcId="3" destId="31" srcOrd="0" destOrd="0"/>
-        <dgm:cxn modelId="10" srcId="0" destId="4" srcOrd="1" destOrd="0"/>
-        <dgm:cxn modelId="11" srcId="0" destId="5" srcOrd="2" destOrd="0"/>
-        <dgm:cxn modelId="12" srcId="0" destId="6" srcOrd="3" destOrd="0"/>
-      </dgm:cxnLst>
-      <dgm:bg/>
-      <dgm:whole/>
-    </dgm:dataModel>
-  </dgm:sampData>
-  <dgm:styleData>
-    <dgm:dataModel>
-      <dgm:ptLst>
-        <dgm:pt modelId="0" type="doc"/>
-        <dgm:pt modelId="1"/>
-        <dgm:pt modelId="11"/>
-        <dgm:pt modelId="12"/>
-        <dgm:pt modelId="2"/>
-        <dgm:pt modelId="3"/>
-      </dgm:ptLst>
-      <dgm:cxnLst>
-        <dgm:cxn modelId="4" srcId="0" destId="1" srcOrd="0" destOrd="0"/>
-        <dgm:cxn modelId="13" srcId="1" destId="11" srcOrd="0" destOrd="0"/>
-        <dgm:cxn modelId="14" srcId="1" destId="12" srcOrd="1" destOrd="0"/>
-        <dgm:cxn modelId="5" srcId="0" destId="2" srcOrd="1" destOrd="0"/>
-        <dgm:cxn modelId="6" srcId="0" destId="3" srcOrd="2" destOrd="0"/>
-      </dgm:cxnLst>
-      <dgm:bg/>
-      <dgm:whole/>
-    </dgm:dataModel>
-  </dgm:styleData>
-  <dgm:clrData>
-    <dgm:dataModel>
-      <dgm:ptLst>
-        <dgm:pt modelId="0" type="doc"/>
-        <dgm:pt modelId="1"/>
-        <dgm:pt modelId="2"/>
-        <dgm:pt modelId="21"/>
-        <dgm:pt modelId="211"/>
-        <dgm:pt modelId="3"/>
-        <dgm:pt modelId="31"/>
-        <dgm:pt modelId="311"/>
-        <dgm:pt modelId="4"/>
-        <dgm:pt modelId="5"/>
-        <dgm:pt modelId="6"/>
-        <dgm:pt modelId="7"/>
-      </dgm:ptLst>
-      <dgm:cxnLst>
-        <dgm:cxn modelId="8" srcId="0" destId="1" srcOrd="0" destOrd="0"/>
-        <dgm:cxn modelId="9" srcId="1" destId="2" srcOrd="0" destOrd="0"/>
-        <dgm:cxn modelId="10" srcId="1" destId="3" srcOrd="1" destOrd="0"/>
-        <dgm:cxn modelId="23" srcId="2" destId="21" srcOrd="0" destOrd="0"/>
-        <dgm:cxn modelId="24" srcId="21" destId="211" srcOrd="0" destOrd="0"/>
-        <dgm:cxn modelId="33" srcId="3" destId="31" srcOrd="0" destOrd="0"/>
-        <dgm:cxn modelId="34" srcId="31" destId="311" srcOrd="0" destOrd="0"/>
-        <dgm:cxn modelId="11" srcId="0" destId="4" srcOrd="1" destOrd="0"/>
-        <dgm:cxn modelId="12" srcId="0" destId="5" srcOrd="2" destOrd="0"/>
-        <dgm:cxn modelId="13" srcId="0" destId="6" srcOrd="3" destOrd="0"/>
-        <dgm:cxn modelId="14" srcId="0" destId="7" srcOrd="4" destOrd="0"/>
-      </dgm:cxnLst>
-      <dgm:bg/>
-      <dgm:whole/>
-    </dgm:dataModel>
-  </dgm:clrData>
-  <dgm:layoutNode name="mainComposite">
-    <dgm:varLst>
-      <dgm:chPref val="1"/>
-      <dgm:dir/>
-      <dgm:animOne val="branch"/>
-      <dgm:animLvl val="lvl"/>
-      <dgm:resizeHandles val="exact"/>
-    </dgm:varLst>
-    <dgm:alg type="composite"/>
-    <dgm:presOf/>
-    <dgm:shape xmlns:r="http://schemas.openxmlformats.org/officeDocument/2006/relationships" r:blip="">
-      <dgm:adjLst/>
-    </dgm:shape>
-    <dgm:choose name="Name0">
-      <dgm:if name="Name1" axis="ch" ptType="node" func="cnt" op="gte" val="2">
-        <dgm:choose name="Name2">
-          <dgm:if name="Name3" func="var" arg="dir" op="equ" val="norm">
-            <dgm:constrLst>
-              <dgm:constr type="l" for="ch" forName="hierFlow"/>
-              <dgm:constr type="t" for="ch" forName="hierFlow" refType="h" fact="0.3"/>
-              <dgm:constr type="r" for="ch" forName="hierFlow" refType="w" fact="0.98"/>
-              <dgm:constr type="b" for="ch" forName="hierFlow" refType="h" fact="0.96"/>
-              <dgm:constr type="l" for="ch" forName="bgShapesFlow"/>
-              <dgm:constr type="t" for="ch" forName="bgShapesFlow"/>
-              <dgm:constr type="r" for="ch" forName="bgShapesFlow" refType="w"/>
-              <dgm:constr type="b" for="ch" forName="bgShapesFlow" refType="h"/>
-              <dgm:constr type="h" for="des" forName="level1Shape" refType="h"/>
-              <dgm:constr type="w" for="des" forName="level1Shape" refType="h" refFor="des" refForName="level1Shape" fact="2"/>
-              <dgm:constr type="w" for="des" forName="level2Shape" refType="w" refFor="des" refForName="level1Shape" op="equ"/>
-              <dgm:constr type="h" for="des" forName="level2Shape" refType="h" refFor="des" refForName="level1Shape" op="equ"/>
-              <dgm:constr type="sp" for="des" refType="w" refFor="des" refForName="level1Shape" op="equ" fact="0.4"/>
-              <dgm:constr type="sibSp" for="des" forName="hierChild1" refType="h" refFor="des" refForName="level1Shape" op="equ" fact="0.15"/>
-              <dgm:constr type="sibSp" for="des" forName="hierChild2" refType="sibSp" refFor="des" refForName="hierChild1" op="equ"/>
-              <dgm:constr type="sibSp" for="des" forName="hierChild3" refType="sibSp" refFor="des" refForName="hierChild1" op="equ"/>
-              <dgm:constr type="userA" for="des" refType="w" refFor="des" refForName="level1Shape" op="equ"/>
-              <dgm:constr type="userB" for="des" refType="sp" refFor="des" op="equ"/>
-              <dgm:constr type="w" for="des" forName="firstBuf" refType="w" refFor="des" refForName="level1Shape" fact="0.1"/>
-            </dgm:constrLst>
-          </dgm:if>
-          <dgm:else name="Name4">
-            <dgm:constrLst>
-              <dgm:constr type="l" for="ch" forName="hierFlow" refType="w" fact="0.02"/>
-              <dgm:constr type="t" for="ch" forName="hierFlow" refType="h" fact="0.3"/>
-              <dgm:constr type="r" for="ch" forName="hierFlow" refType="w"/>
-              <dgm:constr type="b" for="ch" forName="hierFlow" refType="h" fact="0.96"/>
-              <dgm:constr type="l" for="ch" forName="bgShapesFlow"/>
-              <dgm:constr type="t" for="ch" forName="bgShapesFlow"/>
-              <dgm:constr type="r" for="ch" forName="bgShapesFlow" refType="w"/>
-              <dgm:constr type="b" for="ch" forName="bgShapesFlow" refType="h"/>
-              <dgm:constr type="h" for="des" forName="level1Shape" refType="h"/>
-              <dgm:constr type="w" for="des" forName="level1Shape" refType="h" refFor="des" refForName="level1Shape" fact="2"/>
-              <dgm:constr type="w" for="des" forName="level2Shape" refType="w" refFor="des" refForName="level1Shape" op="equ"/>
-              <dgm:constr type="h" for="des" forName="level2Shape" refType="h" refFor="des" refForName="level1Shape" op="equ"/>
-              <dgm:constr type="sp" for="des" refType="w" refFor="des" refForName="level1Shape" op="equ" fact="0.4"/>
-              <dgm:constr type="sibSp" for="des" forName="hierChild1" refType="h" refFor="des" refForName="level1Shape" op="equ" fact="0.15"/>
-              <dgm:constr type="sibSp" for="des" forName="hierChild2" refType="sibSp" refFor="des" refForName="hierChild1" op="equ"/>
-              <dgm:constr type="sibSp" for="des" forName="hierChild3" refType="sibSp" refFor="des" refForName="hierChild1" op="equ"/>
-              <dgm:constr type="userA" for="des" refType="w" refFor="des" refForName="level1Shape" op="equ"/>
-              <dgm:constr type="userB" for="des" refType="sp" refFor="des" op="equ"/>
-              <dgm:constr type="w" for="des" forName="firstBuf" refType="w" refFor="des" refForName="level1Shape" fact="0.1"/>
-            </dgm:constrLst>
-          </dgm:else>
-        </dgm:choose>
-      </dgm:if>
-      <dgm:else name="Name5">
-        <dgm:constrLst>
-          <dgm:constr type="l" for="ch" forName="hierFlow"/>
-          <dgm:constr type="t" for="ch" forName="hierFlow"/>
-          <dgm:constr type="r" for="ch" forName="hierFlow" refType="w"/>
-          <dgm:constr type="b" for="ch" forName="hierFlow" refType="h"/>
-          <dgm:constr type="l" for="ch" forName="bgShapesFlow"/>
-          <dgm:constr type="t" for="ch" forName="bgShapesFlow"/>
-          <dgm:constr type="r" for="ch" forName="bgShapesFlow" refType="w"/>
-          <dgm:constr type="b" for="ch" forName="bgShapesFlow" refType="h"/>
-          <dgm:constr type="h" for="des" forName="level1Shape" refType="h"/>
-          <dgm:constr type="w" for="des" forName="level1Shape" refType="h" refFor="des" refForName="level1Shape" fact="2"/>
-          <dgm:constr type="w" for="des" forName="level2Shape" refType="w" refFor="des" refForName="level1Shape" op="equ"/>
-          <dgm:constr type="h" for="des" forName="level2Shape" refType="h" refFor="des" refForName="level1Shape" op="equ"/>
-          <dgm:constr type="sp" for="des" refType="w" refFor="des" refForName="level1Shape" op="equ" fact="0.4"/>
-          <dgm:constr type="sibSp" for="des" forName="hierChild1" refType="h" refFor="des" refForName="level1Shape" op="equ" fact="0.15"/>
-          <dgm:constr type="sibSp" for="des" forName="hierChild2" refType="sibSp" refFor="des" refForName="hierChild1" op="equ"/>
-          <dgm:constr type="sibSp" for="des" forName="hierChild3" refType="sibSp" refFor="des" refForName="hierChild1" op="equ"/>
-          <dgm:constr type="userA" for="des" refType="w" refFor="des" refForName="level1Shape" op="equ"/>
-          <dgm:constr type="userB" for="des" refType="sp" refFor="des" op="equ"/>
-          <dgm:constr type="w" for="des" forName="firstBuf" refType="w" refFor="des" refForName="level1Shape" fact="0.1"/>
-        </dgm:constrLst>
-      </dgm:else>
-    </dgm:choose>
-    <dgm:ruleLst/>
-    <dgm:layoutNode name="hierFlow">
-      <dgm:choose name="Name6">
-        <dgm:if name="Name7" func="var" arg="dir" op="equ" val="norm">
-          <dgm:alg type="lin">
-            <dgm:param type="linDir" val="fromL"/>
-            <dgm:param type="nodeVertAlign" val="mid"/>
-            <dgm:param type="vertAlign" val="mid"/>
-            <dgm:param type="nodeHorzAlign" val="l"/>
-            <dgm:param type="horzAlign" val="l"/>
-            <dgm:param type="fallback" val="2D"/>
-          </dgm:alg>
-        </dgm:if>
-        <dgm:else name="Name8">
-          <dgm:alg type="lin">
-            <dgm:param type="linDir" val="fromR"/>
-            <dgm:param type="nodeVertAlign" val="mid"/>
-            <dgm:param type="vertAlign" val="mid"/>
-            <dgm:param type="nodeHorzAlign" val="r"/>
-            <dgm:param type="horzAlign" val="r"/>
-            <dgm:param type="fallback" val="2D"/>
-          </dgm:alg>
-        </dgm:else>
-      </dgm:choose>
-      <dgm:shape xmlns:r="http://schemas.openxmlformats.org/officeDocument/2006/relationships" r:blip="">
-        <dgm:adjLst/>
-      </dgm:shape>
-      <dgm:presOf/>
-      <dgm:constrLst>
-        <dgm:constr type="primFontSz" for="des" ptType="node" op="equ" val="65"/>
-        <dgm:constr type="primFontSz" for="des" forName="connTx" op="equ" val="55"/>
-        <dgm:constr type="primFontSz" for="des" forName="connTx" refType="primFontSz" refFor="des" refPtType="node" op="lte" fact="0.8"/>
-      </dgm:constrLst>
-      <dgm:ruleLst/>
-      <dgm:choose name="Name9">
-        <dgm:if name="Name10" axis="ch" ptType="node" func="cnt" op="gte" val="2">
-          <dgm:layoutNode name="firstBuf">
-            <dgm:alg type="sp"/>
-            <dgm:shape xmlns:r="http://schemas.openxmlformats.org/officeDocument/2006/relationships" r:blip="">
-              <dgm:adjLst/>
-            </dgm:shape>
-            <dgm:presOf/>
-            <dgm:constrLst/>
-            <dgm:ruleLst/>
-          </dgm:layoutNode>
-        </dgm:if>
-        <dgm:else name="Name11"/>
-      </dgm:choose>
-      <dgm:layoutNode name="hierChild1">
-        <dgm:varLst>
-          <dgm:chPref val="1"/>
-          <dgm:animOne val="branch"/>
-          <dgm:animLvl val="lvl"/>
-        </dgm:varLst>
-        <dgm:choose name="Name12">
-          <dgm:if name="Name13" func="var" arg="dir" op="equ" val="norm">
-            <dgm:alg type="hierChild">
-              <dgm:param type="linDir" val="fromT"/>
-              <dgm:param type="chAlign" val="l"/>
-            </dgm:alg>
-          </dgm:if>
-          <dgm:else name="Name14">
-            <dgm:alg type="hierChild">
-              <dgm:param type="linDir" val="fromT"/>
-              <dgm:param type="chAlign" val="r"/>
-            </dgm:alg>
-          </dgm:else>
-        </dgm:choose>
-        <dgm:shape xmlns:r="http://schemas.openxmlformats.org/officeDocument/2006/relationships" r:blip="">
-          <dgm:adjLst/>
-        </dgm:shape>
-        <dgm:presOf/>
-        <dgm:constrLst/>
-        <dgm:ruleLst/>
-        <dgm:forEach name="Name15" axis="ch" cnt="3">
-          <dgm:forEach name="Name16" axis="self" ptType="node">
-            <dgm:layoutNode name="Name17">
-              <dgm:choose name="Name18">
-                <dgm:if name="Name19" func="var" arg="dir" op="equ" val="norm">
-                  <dgm:alg type="hierRoot">
-                    <dgm:param type="hierAlign" val="lCtrCh"/>
-                  </dgm:alg>
-                </dgm:if>
-                <dgm:else name="Name20">
-                  <dgm:alg type="hierRoot">
-                    <dgm:param type="hierAlign" val="rCtrCh"/>
-                  </dgm:alg>
-                </dgm:else>
-              </dgm:choose>
-              <dgm:shape xmlns:r="http://schemas.openxmlformats.org/officeDocument/2006/relationships" r:blip="">
-                <dgm:adjLst/>
-              </dgm:shape>
-              <dgm:presOf/>
-              <dgm:constrLst/>
-              <dgm:ruleLst/>
-              <dgm:layoutNode name="level1Shape" styleLbl="node0">
-                <dgm:varLst>
-                  <dgm:chPref val="3"/>
-                </dgm:varLst>
-                <dgm:alg type="tx"/>
-                <dgm:shape xmlns:r="http://schemas.openxmlformats.org/officeDocument/2006/relationships" type="roundRect" r:blip="">
-                  <dgm:adjLst>
-                    <dgm:adj idx="1" val="0.1"/>
-                  </dgm:adjLst>
-                </dgm:shape>
-                <dgm:presOf axis="self"/>
-                <dgm:constrLst>
-                  <dgm:constr type="tMarg" refType="primFontSz" fact="0.05"/>
-                  <dgm:constr type="bMarg" refType="primFontSz" fact="0.05"/>
-                  <dgm:constr type="lMarg" refType="primFontSz" fact="0.05"/>
-                  <dgm:constr type="rMarg" refType="primFontSz" fact="0.05"/>
-                </dgm:constrLst>
-                <dgm:ruleLst>
-                  <dgm:rule type="primFontSz" val="5" fact="NaN" max="NaN"/>
-                </dgm:ruleLst>
-              </dgm:layoutNode>
-              <dgm:layoutNode name="hierChild2">
-                <dgm:choose name="Name21">
-                  <dgm:if name="Name22" func="var" arg="dir" op="equ" val="norm">
-                    <dgm:alg type="hierChild">
-                      <dgm:param type="linDir" val="fromT"/>
-                      <dgm:param type="chAlign" val="l"/>
-                    </dgm:alg>
-                  </dgm:if>
-                  <dgm:else name="Name23">
-                    <dgm:alg type="hierChild">
-                      <dgm:param type="linDir" val="fromT"/>
-                      <dgm:param type="chAlign" val="r"/>
-                    </dgm:alg>
-                  </dgm:else>
-                </dgm:choose>
-                <dgm:shape xmlns:r="http://schemas.openxmlformats.org/officeDocument/2006/relationships" r:blip="">
-                  <dgm:adjLst/>
-                </dgm:shape>
-                <dgm:presOf/>
-                <dgm:constrLst/>
-                <dgm:ruleLst/>
-                <dgm:forEach name="repeat" axis="ch">
-                  <dgm:forEach name="Name24" axis="self" ptType="parTrans" cnt="1">
-                    <dgm:layoutNode name="Name25">
-                      <dgm:choose name="Name26">
-                        <dgm:if name="Name27" func="var" arg="dir" op="equ" val="norm">
-                          <dgm:alg type="conn">
-                            <dgm:param type="dim" val="1D"/>
-                            <dgm:param type="begPts" val="midR"/>
-                            <dgm:param type="endPts" val="midL"/>
-                            <dgm:param type="endSty" val="noArr"/>
-                          </dgm:alg>
-                        </dgm:if>
-                        <dgm:else name="Name28">
-                          <dgm:alg type="conn">
-                            <dgm:param type="dim" val="1D"/>
-                            <dgm:param type="begPts" val="midL"/>
-                            <dgm:param type="endPts" val="midR"/>
-                            <dgm:param type="endSty" val="noArr"/>
-                          </dgm:alg>
-                        </dgm:else>
-                      </dgm:choose>
-                      <dgm:shape xmlns:r="http://schemas.openxmlformats.org/officeDocument/2006/relationships" type="conn" r:blip="">
-                        <dgm:adjLst/>
-                      </dgm:shape>
-                      <dgm:presOf axis="self"/>
-                      <dgm:constrLst>
-                        <dgm:constr type="w" val="1"/>
-                        <dgm:constr type="h" val="5"/>
-                        <dgm:constr type="connDist"/>
-                        <dgm:constr type="begPad"/>
-                        <dgm:constr type="endPad"/>
-                        <dgm:constr type="userA" for="ch" refType="connDist"/>
-                      </dgm:constrLst>
-                      <dgm:ruleLst/>
-                      <dgm:layoutNode name="connTx">
-                        <dgm:alg type="tx">
-                          <dgm:param type="autoTxRot" val="grav"/>
-                        </dgm:alg>
-                        <dgm:shape xmlns:r="http://schemas.openxmlformats.org/officeDocument/2006/relationships" type="rect" r:blip="" hideGeom="1">
-                          <dgm:adjLst/>
-                        </dgm:shape>
-                        <dgm:presOf axis="self"/>
-                        <dgm:constrLst>
-                          <dgm:constr type="userA"/>
-                          <dgm:constr type="w" refType="userA" fact="0.05"/>
-                          <dgm:constr type="h" refType="userA" fact="0.05"/>
-                          <dgm:constr type="lMarg" val="1"/>
-                          <dgm:constr type="rMarg" val="1"/>
-                          <dgm:constr type="tMarg"/>
-                          <dgm:constr type="bMarg"/>
-                        </dgm:constrLst>
-                        <dgm:ruleLst>
-                          <dgm:rule type="h" val="NaN" fact="0.25" max="NaN"/>
-                          <dgm:rule type="w" val="NaN" fact="0.8" max="NaN"/>
-                          <dgm:rule type="primFontSz" val="5" fact="NaN" max="NaN"/>
-                        </dgm:ruleLst>
-                      </dgm:layoutNode>
-                    </dgm:layoutNode>
-                  </dgm:forEach>
-                  <dgm:forEach name="Name29" axis="self" ptType="node">
-                    <dgm:layoutNode name="Name30">
-                      <dgm:choose name="Name31">
-                        <dgm:if name="Name32" func="var" arg="dir" op="equ" val="norm">
-                          <dgm:alg type="hierRoot">
-                            <dgm:param type="hierAlign" val="lCtrCh"/>
-                          </dgm:alg>
-                        </dgm:if>
-                        <dgm:else name="Name33">
-                          <dgm:alg type="hierRoot">
-                            <dgm:param type="hierAlign" val="rCtrCh"/>
-                          </dgm:alg>
-                        </dgm:else>
-                      </dgm:choose>
-                      <dgm:shape xmlns:r="http://schemas.openxmlformats.org/officeDocument/2006/relationships" r:blip="">
-                        <dgm:adjLst/>
-                      </dgm:shape>
-                      <dgm:presOf/>
-                      <dgm:constrLst/>
-                      <dgm:ruleLst/>
-                      <dgm:layoutNode name="level2Shape">
-                        <dgm:alg type="tx"/>
-                        <dgm:shape xmlns:r="http://schemas.openxmlformats.org/officeDocument/2006/relationships" type="roundRect" r:blip="">
-                          <dgm:adjLst>
-                            <dgm:adj idx="1" val="0.1"/>
-                          </dgm:adjLst>
-                        </dgm:shape>
-                        <dgm:presOf axis="self"/>
-                        <dgm:constrLst>
-                          <dgm:constr type="tMarg" refType="primFontSz" fact="0.05"/>
-                          <dgm:constr type="bMarg" refType="primFontSz" fact="0.05"/>
-                          <dgm:constr type="lMarg" refType="primFontSz" fact="0.05"/>
-                          <dgm:constr type="rMarg" refType="primFontSz" fact="0.05"/>
-                        </dgm:constrLst>
-                        <dgm:ruleLst>
-                          <dgm:rule type="primFontSz" val="5" fact="NaN" max="NaN"/>
-                        </dgm:ruleLst>
-                      </dgm:layoutNode>
-                      <dgm:layoutNode name="hierChild3">
-                        <dgm:choose name="Name34">
-                          <dgm:if name="Name35" func="var" arg="dir" op="equ" val="norm">
-                            <dgm:alg type="hierChild">
-                              <dgm:param type="linDir" val="fromT"/>
-                              <dgm:param type="chAlign" val="l"/>
-                            </dgm:alg>
-                          </dgm:if>
-                          <dgm:else name="Name36">
-                            <dgm:alg type="hierChild">
-                              <dgm:param type="linDir" val="fromT"/>
-                              <dgm:param type="chAlign" val="r"/>
-                            </dgm:alg>
-                          </dgm:else>
-                        </dgm:choose>
-                        <dgm:shape xmlns:r="http://schemas.openxmlformats.org/officeDocument/2006/relationships" r:blip="">
-                          <dgm:adjLst/>
-                        </dgm:shape>
-                        <dgm:presOf/>
-                        <dgm:constrLst/>
-                        <dgm:ruleLst/>
-                        <dgm:forEach name="Name37" ref="repeat"/>
-                      </dgm:layoutNode>
-                    </dgm:layoutNode>
-                  </dgm:forEach>
-                </dgm:forEach>
-              </dgm:layoutNode>
-            </dgm:layoutNode>
-          </dgm:forEach>
-        </dgm:forEach>
-      </dgm:layoutNode>
-    </dgm:layoutNode>
-    <dgm:layoutNode name="bgShapesFlow">
-      <dgm:choose name="Name38">
-        <dgm:if name="Name39" func="var" arg="dir" op="equ" val="norm">
-          <dgm:alg type="lin">
-            <dgm:param type="linDir" val="fromL"/>
-            <dgm:param type="nodeVertAlign" val="mid"/>
-            <dgm:param type="vertAlign" val="mid"/>
-            <dgm:param type="nodeHorzAlign" val="l"/>
-            <dgm:param type="horzAlign" val="l"/>
-          </dgm:alg>
-        </dgm:if>
-        <dgm:else name="Name40">
-          <dgm:alg type="lin">
-            <dgm:param type="linDir" val="fromR"/>
-            <dgm:param type="nodeVertAlign" val="mid"/>
-            <dgm:param type="vertAlign" val="mid"/>
-            <dgm:param type="nodeHorzAlign" val="r"/>
-            <dgm:param type="horzAlign" val="r"/>
-          </dgm:alg>
-        </dgm:else>
-      </dgm:choose>
-      <dgm:shape xmlns:r="http://schemas.openxmlformats.org/officeDocument/2006/relationships" r:blip="">
-        <dgm:adjLst/>
-      </dgm:shape>
-      <dgm:presOf/>
-      <dgm:constrLst>
-        <dgm:constr type="w" for="ch" forName="rectComp" refType="w"/>
-        <dgm:constr type="h" for="ch" forName="rectComp" refType="h"/>
-        <dgm:constr type="h" for="des" forName="bgRect" refType="h"/>
-        <dgm:constr type="primFontSz" for="des" forName="bgRectTx" op="equ" val="65"/>
-      </dgm:constrLst>
-      <dgm:ruleLst/>
-      <dgm:forEach name="Name41" axis="ch" ptType="node" st="2">
-        <dgm:layoutNode name="rectComp">
-          <dgm:alg type="composite"/>
-          <dgm:shape xmlns:r="http://schemas.openxmlformats.org/officeDocument/2006/relationships" r:blip="">
-            <dgm:adjLst/>
-          </dgm:shape>
-          <dgm:presOf/>
-          <dgm:constrLst>
-            <dgm:constr type="userA"/>
-            <dgm:constr type="l" for="ch" forName="bgRect"/>
-            <dgm:constr type="t" for="ch" forName="bgRect"/>
-            <dgm:constr type="w" for="ch" forName="bgRect" refType="userA" fact="1.2"/>
-            <dgm:constr type="l" for="ch" forName="bgRectTx"/>
-            <dgm:constr type="t" for="ch" forName="bgRectTx"/>
-            <dgm:constr type="h" for="ch" forName="bgRectTx" refType="h" refFor="ch" refForName="bgRect" fact="0.3"/>
-            <dgm:constr type="w" for="ch" forName="bgRectTx" refType="w" refFor="ch" refForName="bgRect" op="equ"/>
-          </dgm:constrLst>
-          <dgm:ruleLst/>
-          <dgm:layoutNode name="bgRect" styleLbl="bgShp">
-            <dgm:alg type="sp"/>
-            <dgm:shape xmlns:r="http://schemas.openxmlformats.org/officeDocument/2006/relationships" type="roundRect" r:blip="" zOrderOff="-999">
-              <dgm:adjLst>
-                <dgm:adj idx="1" val="0.1"/>
-              </dgm:adjLst>
-            </dgm:shape>
-            <dgm:presOf axis="desOrSelf" ptType="node"/>
-            <dgm:constrLst/>
-            <dgm:ruleLst/>
-          </dgm:layoutNode>
-          <dgm:layoutNode name="bgRectTx" styleLbl="bgShp">
-            <dgm:varLst>
-              <dgm:bulletEnabled val="1"/>
-            </dgm:varLst>
-            <dgm:alg type="tx"/>
-            <dgm:shape xmlns:r="http://schemas.openxmlformats.org/officeDocument/2006/relationships" type="rect" r:blip="" zOrderOff="-999" hideGeom="1">
-              <dgm:adjLst/>
-            </dgm:shape>
-            <dgm:presOf axis="desOrSelf" ptType="node"/>
-            <dgm:constrLst/>
-            <dgm:ruleLst>
-              <dgm:rule type="primFontSz" val="5" fact="NaN" max="NaN"/>
-            </dgm:ruleLst>
-          </dgm:layoutNode>
-        </dgm:layoutNode>
-        <dgm:choose name="Name42">
-          <dgm:if name="Name43" axis="self" ptType="node" func="revPos" op="gte" val="2">
-            <dgm:layoutNode name="spComp">
-              <dgm:alg type="composite"/>
-              <dgm:shape xmlns:r="http://schemas.openxmlformats.org/officeDocument/2006/relationships" r:blip="">
-                <dgm:adjLst/>
-              </dgm:shape>
-              <dgm:presOf/>
-              <dgm:constrLst>
-                <dgm:constr type="userA"/>
-                <dgm:constr type="userB"/>
-                <dgm:constr type="l" for="ch" forName="hSp"/>
-                <dgm:constr type="t" for="ch" forName="hSp"/>
-                <dgm:constr type="w" for="ch" forName="hSp" refType="userB"/>
-                <dgm:constr type="wOff" for="ch" forName="hSp" refType="userA" fact="-0.2"/>
-              </dgm:constrLst>
-              <dgm:ruleLst/>
-              <dgm:layoutNode name="hSp">
-                <dgm:alg type="sp"/>
-                <dgm:shape xmlns:r="http://schemas.openxmlformats.org/officeDocument/2006/relationships" r:blip="">
-                  <dgm:adjLst/>
-                </dgm:shape>
-                <dgm:presOf/>
-                <dgm:constrLst/>
-                <dgm:ruleLst/>
-              </dgm:layoutNode>
-            </dgm:layoutNode>
-          </dgm:if>
-          <dgm:else name="Name44"/>
-        </dgm:choose>
-      </dgm:forEach>
-    </dgm:layoutNode>
-  </dgm:layoutNode>
-</dgm:layoutDef>
-</file>
-
-<file path=ppt/diagrams/quickStyle1.xml><?xml version="1.0" encoding="utf-8"?>
-<dgm:styleDef xmlns:dgm="http://schemas.openxmlformats.org/drawingml/2006/diagram" xmlns:a="http://schemas.openxmlformats.org/drawingml/2006/main" uniqueId="urn:microsoft.com/office/officeart/2005/8/quickstyle/simple1">
-  <dgm:title val=""/>
-  <dgm:desc val=""/>
-  <dgm:catLst>
-    <dgm:cat type="simple" pri="10100"/>
-  </dgm:catLst>
-  <dgm:scene3d>
-    <a:camera prst="orthographicFront"/>
-    <a:lightRig rig="threePt" dir="t"/>
-  </dgm:scene3d>
-  <dgm:styleLbl name="node0">
-    <dgm:scene3d>
-      <a:camera prst="orthographicFront"/>
-      <a:lightRig rig="threePt" dir="t"/>
-    </dgm:scene3d>
-    <dgm:sp3d/>
-    <dgm:txPr/>
-    <dgm:style>
-      <a:lnRef idx="2">
-        <a:scrgbClr r="0" g="0" b="0"/>
-      </a:lnRef>
-      <a:fillRef idx="1">
-        <a:scrgbClr r="0" g="0" b="0"/>
-      </a:fillRef>
-      <a:effectRef idx="0">
-        <a:scrgbClr r="0" g="0" b="0"/>
-      </a:effectRef>
-      <a:fontRef idx="minor">
-        <a:schemeClr val="lt1"/>
-      </a:fontRef>
-    </dgm:style>
-  </dgm:styleLbl>
-  <dgm:styleLbl name="lnNode1">
-    <dgm:scene3d>
-      <a:camera prst="orthographicFront"/>
-      <a:lightRig rig="threePt" dir="t"/>
-    </dgm:scene3d>
-    <dgm:sp3d/>
-    <dgm:txPr/>
-    <dgm:style>
-      <a:lnRef idx="2">
-        <a:scrgbClr r="0" g="0" b="0"/>
-      </a:lnRef>
-      <a:fillRef idx="1">
-        <a:scrgbClr r="0" g="0" b="0"/>
-      </a:fillRef>
-      <a:effectRef idx="0">
-        <a:scrgbClr r="0" g="0" b="0"/>
-      </a:effectRef>
-      <a:fontRef idx="minor">
-        <a:schemeClr val="lt1"/>
-      </a:fontRef>
-    </dgm:style>
-  </dgm:styleLbl>
-  <dgm:styleLbl name="vennNode1">
-    <dgm:scene3d>
-      <a:camera prst="orthographicFront"/>
-      <a:lightRig rig="threePt" dir="t"/>
-    </dgm:scene3d>
-    <dgm:sp3d/>
-    <dgm:txPr/>
-    <dgm:style>
-      <a:lnRef idx="2">
-        <a:scrgbClr r="0" g="0" b="0"/>
-      </a:lnRef>
-      <a:fillRef idx="1">
-        <a:scrgbClr r="0" g="0" b="0"/>
-      </a:fillRef>
-      <a:effectRef idx="0">
-        <a:scrgbClr r="0" g="0" b="0"/>
-      </a:effectRef>
-      <a:fontRef idx="minor">
-        <a:schemeClr val="tx1"/>
-      </a:fontRef>
-    </dgm:style>
-  </dgm:styleLbl>
-  <dgm:styleLbl name="alignNode1">
-    <dgm:scene3d>
-      <a:camera prst="orthographicFront"/>
-      <a:lightRig rig="threePt" dir="t"/>
-    </dgm:scene3d>
-    <dgm:sp3d/>
-    <dgm:txPr/>
-    <dgm:style>
-      <a:lnRef idx="2">
-        <a:scrgbClr r="0" g="0" b="0"/>
-      </a:lnRef>
-      <a:fillRef idx="1">
-        <a:scrgbClr r="0" g="0" b="0"/>
-      </a:fillRef>
-      <a:effectRef idx="0">
-        <a:scrgbClr r="0" g="0" b="0"/>
-      </a:effectRef>
-      <a:fontRef idx="minor">
-        <a:schemeClr val="lt1"/>
-      </a:fontRef>
-    </dgm:style>
-  </dgm:styleLbl>
-  <dgm:styleLbl name="node1">
-    <dgm:scene3d>
-      <a:camera prst="orthographicFront"/>
-      <a:lightRig rig="threePt" dir="t"/>
-    </dgm:scene3d>
-    <dgm:sp3d/>
-    <dgm:txPr/>
-    <dgm:style>
-      <a:lnRef idx="2">
-        <a:scrgbClr r="0" g="0" b="0"/>
-      </a:lnRef>
-      <a:fillRef idx="1">
-        <a:scrgbClr r="0" g="0" b="0"/>
-      </a:fillRef>
-      <a:effectRef idx="0">
-        <a:scrgbClr r="0" g="0" b="0"/>
-      </a:effectRef>
-      <a:fontRef idx="minor">
-        <a:schemeClr val="lt1"/>
-      </a:fontRef>
-    </dgm:style>
-  </dgm:styleLbl>
-  <dgm:styleLbl name="node2">
-    <dgm:scene3d>
-      <a:camera prst="orthographicFront"/>
-      <a:lightRig rig="threePt" dir="t"/>
-    </dgm:scene3d>
-    <dgm:sp3d/>
-    <dgm:txPr/>
-    <dgm:style>
-      <a:lnRef idx="2">
-        <a:scrgbClr r="0" g="0" b="0"/>
-      </a:lnRef>
-      <a:fillRef idx="1">
-        <a:scrgbClr r="0" g="0" b="0"/>
-      </a:fillRef>
-      <a:effectRef idx="0">
-        <a:scrgbClr r="0" g="0" b="0"/>
-      </a:effectRef>
-      <a:fontRef idx="minor">
-        <a:schemeClr val="lt1"/>
-      </a:fontRef>
-    </dgm:style>
-  </dgm:styleLbl>
-  <dgm:styleLbl name="node3">
-    <dgm:scene3d>
-      <a:camera prst="orthographicFront"/>
-      <a:lightRig rig="threePt" dir="t"/>
-    </dgm:scene3d>
-    <dgm:sp3d/>
-    <dgm:txPr/>
-    <dgm:style>
-      <a:lnRef idx="2">
-        <a:scrgbClr r="0" g="0" b="0"/>
-      </a:lnRef>
-      <a:fillRef idx="1">
-        <a:scrgbClr r="0" g="0" b="0"/>
-      </a:fillRef>
-      <a:effectRef idx="0">
-        <a:scrgbClr r="0" g="0" b="0"/>
-      </a:effectRef>
-      <a:fontRef idx="minor">
-        <a:schemeClr val="lt1"/>
-      </a:fontRef>
-    </dgm:style>
-  </dgm:styleLbl>
-  <dgm:styleLbl name="node4">
-    <dgm:scene3d>
-      <a:camera prst="orthographicFront"/>
-      <a:lightRig rig="threePt" dir="t"/>
-    </dgm:scene3d>
-    <dgm:sp3d/>
-    <dgm:txPr/>
-    <dgm:style>
-      <a:lnRef idx="2">
-        <a:scrgbClr r="0" g="0" b="0"/>
-      </a:lnRef>
-      <a:fillRef idx="1">
-        <a:scrgbClr r="0" g="0" b="0"/>
-      </a:fillRef>
-      <a:effectRef idx="0">
-        <a:scrgbClr r="0" g="0" b="0"/>
-      </a:effectRef>
-      <a:fontRef idx="minor">
-        <a:schemeClr val="lt1"/>
-      </a:fontRef>
-    </dgm:style>
-  </dgm:styleLbl>
-  <dgm:styleLbl name="fgImgPlace1">
-    <dgm:scene3d>
-      <a:camera prst="orthographicFront"/>
-      <a:lightRig rig="threePt" dir="t"/>
-    </dgm:scene3d>
-    <dgm:sp3d/>
-    <dgm:txPr/>
-    <dgm:style>
-      <a:lnRef idx="2">
-        <a:scrgbClr r="0" g="0" b="0"/>
-      </a:lnRef>
-      <a:fillRef idx="1">
-        <a:scrgbClr r="0" g="0" b="0"/>
-      </a:fillRef>
-      <a:effectRef idx="0">
-        <a:scrgbClr r="0" g="0" b="0"/>
-      </a:effectRef>
-      <a:fontRef idx="minor"/>
-    </dgm:style>
-  </dgm:styleLbl>
-  <dgm:styleLbl name="alignImgPlace1">
-    <dgm:scene3d>
-      <a:camera prst="orthographicFront"/>
-      <a:lightRig rig="threePt" dir="t"/>
-    </dgm:scene3d>
-    <dgm:sp3d/>
-    <dgm:txPr/>
-    <dgm:style>
-      <a:lnRef idx="2">
-        <a:scrgbClr r="0" g="0" b="0"/>
-      </a:lnRef>
-      <a:fillRef idx="1">
-        <a:scrgbClr r="0" g="0" b="0"/>
-      </a:fillRef>
-      <a:effectRef idx="0">
-        <a:scrgbClr r="0" g="0" b="0"/>
-      </a:effectRef>
-      <a:fontRef idx="minor"/>
-    </dgm:style>
-  </dgm:styleLbl>
-  <dgm:styleLbl name="bgImgPlace1">
-    <dgm:scene3d>
-      <a:camera prst="orthographicFront"/>
-      <a:lightRig rig="threePt" dir="t"/>
-    </dgm:scene3d>
-    <dgm:sp3d/>
-    <dgm:txPr/>
-    <dgm:style>
-      <a:lnRef idx="2">
-        <a:scrgbClr r="0" g="0" b="0"/>
-      </a:lnRef>
-      <a:fillRef idx="1">
-        <a:scrgbClr r="0" g="0" b="0"/>
-      </a:fillRef>
-      <a:effectRef idx="0">
-        <a:scrgbClr r="0" g="0" b="0"/>
-      </a:effectRef>
-      <a:fontRef idx="minor"/>
-    </dgm:style>
-  </dgm:styleLbl>
-  <dgm:styleLbl name="sibTrans2D1">
-    <dgm:scene3d>
-      <a:camera prst="orthographicFront"/>
-      <a:lightRig rig="threePt" dir="t"/>
-    </dgm:scene3d>
-    <dgm:sp3d/>
-    <dgm:txPr/>
-    <dgm:style>
-      <a:lnRef idx="0">
-        <a:scrgbClr r="0" g="0" b="0"/>
-      </a:lnRef>
-      <a:fillRef idx="1">
-        <a:scrgbClr r="0" g="0" b="0"/>
-      </a:fillRef>
-      <a:effectRef idx="0">
-        <a:scrgbClr r="0" g="0" b="0"/>
-      </a:effectRef>
-      <a:fontRef idx="minor">
-        <a:schemeClr val="lt1"/>
-      </a:fontRef>
-    </dgm:style>
-  </dgm:styleLbl>
-  <dgm:styleLbl name="fgSibTrans2D1">
-    <dgm:scene3d>
-      <a:camera prst="orthographicFront"/>
-      <a:lightRig rig="threePt" dir="t"/>
-    </dgm:scene3d>
-    <dgm:sp3d/>
-    <dgm:txPr/>
-    <dgm:style>
-      <a:lnRef idx="0">
-        <a:scrgbClr r="0" g="0" b="0"/>
-      </a:lnRef>
-      <a:fillRef idx="1">
-        <a:scrgbClr r="0" g="0" b="0"/>
-      </a:fillRef>
-      <a:effectRef idx="0">
-        <a:scrgbClr r="0" g="0" b="0"/>
-      </a:effectRef>
-      <a:fontRef idx="minor">
-        <a:schemeClr val="lt1"/>
-      </a:fontRef>
-    </dgm:style>
-  </dgm:styleLbl>
-  <dgm:styleLbl name="bgSibTrans2D1">
-    <dgm:scene3d>
-      <a:camera prst="orthographicFront"/>
-      <a:lightRig rig="threePt" dir="t"/>
-    </dgm:scene3d>
-    <dgm:sp3d/>
-    <dgm:txPr/>
-    <dgm:style>
-      <a:lnRef idx="0">
-        <a:scrgbClr r="0" g="0" b="0"/>
-      </a:lnRef>
-      <a:fillRef idx="1">
-        <a:scrgbClr r="0" g="0" b="0"/>
-      </a:fillRef>
-      <a:effectRef idx="0">
-        <a:scrgbClr r="0" g="0" b="0"/>
-      </a:effectRef>
-      <a:fontRef idx="minor">
-        <a:schemeClr val="lt1"/>
-      </a:fontRef>
-    </dgm:style>
-  </dgm:styleLbl>
-  <dgm:styleLbl name="sibTrans1D1">
-    <dgm:scene3d>
-      <a:camera prst="orthographicFront"/>
-      <a:lightRig rig="threePt" dir="t"/>
-    </dgm:scene3d>
-    <dgm:sp3d/>
-    <dgm:txPr/>
-    <dgm:style>
-      <a:lnRef idx="1">
-        <a:scrgbClr r="0" g="0" b="0"/>
-      </a:lnRef>
-      <a:fillRef idx="0">
-        <a:scrgbClr r="0" g="0" b="0"/>
-      </a:fillRef>
-      <a:effectRef idx="0">
-        <a:scrgbClr r="0" g="0" b="0"/>
-      </a:effectRef>
-      <a:fontRef idx="minor"/>
-    </dgm:style>
-  </dgm:styleLbl>
-  <dgm:styleLbl name="callout">
-    <dgm:scene3d>
-      <a:camera prst="orthographicFront"/>
-      <a:lightRig rig="threePt" dir="t"/>
-    </dgm:scene3d>
-    <dgm:sp3d/>
-    <dgm:txPr/>
-    <dgm:style>
-      <a:lnRef idx="2">
-        <a:scrgbClr r="0" g="0" b="0"/>
-      </a:lnRef>
-      <a:fillRef idx="1">
-        <a:scrgbClr r="0" g="0" b="0"/>
-      </a:fillRef>
-      <a:effectRef idx="0">
-        <a:scrgbClr r="0" g="0" b="0"/>
-      </a:effectRef>
-      <a:fontRef idx="minor"/>
-    </dgm:style>
-  </dgm:styleLbl>
-  <dgm:styleLbl name="asst0">
-    <dgm:scene3d>
-      <a:camera prst="orthographicFront"/>
-      <a:lightRig rig="threePt" dir="t"/>
-    </dgm:scene3d>
-    <dgm:sp3d/>
-    <dgm:txPr/>
-    <dgm:style>
-      <a:lnRef idx="2">
-        <a:scrgbClr r="0" g="0" b="0"/>
-      </a:lnRef>
-      <a:fillRef idx="1">
-        <a:scrgbClr r="0" g="0" b="0"/>
-      </a:fillRef>
-      <a:effectRef idx="0">
-        <a:scrgbClr r="0" g="0" b="0"/>
-      </a:effectRef>
-      <a:fontRef idx="minor">
-        <a:schemeClr val="lt1"/>
-      </a:fontRef>
-    </dgm:style>
-  </dgm:styleLbl>
-  <dgm:styleLbl name="asst1">
-    <dgm:scene3d>
-      <a:camera prst="orthographicFront"/>
-      <a:lightRig rig="threePt" dir="t"/>
-    </dgm:scene3d>
-    <dgm:sp3d/>
-    <dgm:txPr/>
-    <dgm:style>
-      <a:lnRef idx="2">
-        <a:scrgbClr r="0" g="0" b="0"/>
-      </a:lnRef>
-      <a:fillRef idx="1">
-        <a:scrgbClr r="0" g="0" b="0"/>
-      </a:fillRef>
-      <a:effectRef idx="0">
-        <a:scrgbClr r="0" g="0" b="0"/>
-      </a:effectRef>
-      <a:fontRef idx="minor">
-        <a:schemeClr val="lt1"/>
-      </a:fontRef>
-    </dgm:style>
-  </dgm:styleLbl>
-  <dgm:styleLbl name="asst2">
-    <dgm:scene3d>
-      <a:camera prst="orthographicFront"/>
-      <a:lightRig rig="threePt" dir="t"/>
-    </dgm:scene3d>
-    <dgm:sp3d/>
-    <dgm:txPr/>
-    <dgm:style>
-      <a:lnRef idx="2">
-        <a:scrgbClr r="0" g="0" b="0"/>
-      </a:lnRef>
-      <a:fillRef idx="1">
-        <a:scrgbClr r="0" g="0" b="0"/>
-      </a:fillRef>
-      <a:effectRef idx="0">
-        <a:scrgbClr r="0" g="0" b="0"/>
-      </a:effectRef>
-      <a:fontRef idx="minor">
-        <a:schemeClr val="lt1"/>
-      </a:fontRef>
-    </dgm:style>
-  </dgm:styleLbl>
-  <dgm:styleLbl name="asst3">
-    <dgm:scene3d>
-      <a:camera prst="orthographicFront"/>
-      <a:lightRig rig="threePt" dir="t"/>
-    </dgm:scene3d>
-    <dgm:sp3d/>
-    <dgm:txPr/>
-    <dgm:style>
-      <a:lnRef idx="2">
-        <a:scrgbClr r="0" g="0" b="0"/>
-      </a:lnRef>
-      <a:fillRef idx="1">
-        <a:scrgbClr r="0" g="0" b="0"/>
-      </a:fillRef>
-      <a:effectRef idx="0">
-        <a:scrgbClr r="0" g="0" b="0"/>
-      </a:effectRef>
-      <a:fontRef idx="minor">
-        <a:schemeClr val="lt1"/>
-      </a:fontRef>
-    </dgm:style>
-  </dgm:styleLbl>
-  <dgm:styleLbl name="asst4">
-    <dgm:scene3d>
-      <a:camera prst="orthographicFront"/>
-      <a:lightRig rig="threePt" dir="t"/>
-    </dgm:scene3d>
-    <dgm:sp3d/>
-    <dgm:txPr/>
-    <dgm:style>
-      <a:lnRef idx="2">
-        <a:scrgbClr r="0" g="0" b="0"/>
-      </a:lnRef>
-      <a:fillRef idx="1">
-        <a:scrgbClr r="0" g="0" b="0"/>
-      </a:fillRef>
-      <a:effectRef idx="0">
-        <a:scrgbClr r="0" g="0" b="0"/>
-      </a:effectRef>
-      <a:fontRef idx="minor">
-        <a:schemeClr val="lt1"/>
-      </a:fontRef>
-    </dgm:style>
-  </dgm:styleLbl>
-  <dgm:styleLbl name="parChTrans2D1">
-    <dgm:scene3d>
-      <a:camera prst="orthographicFront"/>
-      <a:lightRig rig="threePt" dir="t"/>
-    </dgm:scene3d>
-    <dgm:sp3d/>
-    <dgm:txPr/>
-    <dgm:style>
-      <a:lnRef idx="2">
-        <a:scrgbClr r="0" g="0" b="0"/>
-      </a:lnRef>
-      <a:fillRef idx="1">
-        <a:scrgbClr r="0" g="0" b="0"/>
-      </a:fillRef>
-      <a:effectRef idx="0">
-        <a:scrgbClr r="0" g="0" b="0"/>
-      </a:effectRef>
-      <a:fontRef idx="minor">
-        <a:schemeClr val="lt1"/>
-      </a:fontRef>
-    </dgm:style>
-  </dgm:styleLbl>
-  <dgm:styleLbl name="parChTrans2D2">
-    <dgm:scene3d>
-      <a:camera prst="orthographicFront"/>
-      <a:lightRig rig="threePt" dir="t"/>
-    </dgm:scene3d>
-    <dgm:sp3d/>
-    <dgm:txPr/>
-    <dgm:style>
-      <a:lnRef idx="2">
-        <a:scrgbClr r="0" g="0" b="0"/>
-      </a:lnRef>
-      <a:fillRef idx="1">
-        <a:scrgbClr r="0" g="0" b="0"/>
-      </a:fillRef>
-      <a:effectRef idx="0">
-        <a:scrgbClr r="0" g="0" b="0"/>
-      </a:effectRef>
-      <a:fontRef idx="minor">
-        <a:schemeClr val="lt1"/>
-      </a:fontRef>
-    </dgm:style>
-  </dgm:styleLbl>
-  <dgm:styleLbl name="parChTrans2D3">
-    <dgm:scene3d>
-      <a:camera prst="orthographicFront"/>
-      <a:lightRig rig="threePt" dir="t"/>
-    </dgm:scene3d>
-    <dgm:sp3d/>
-    <dgm:txPr/>
-    <dgm:style>
-      <a:lnRef idx="2">
-        <a:scrgbClr r="0" g="0" b="0"/>
-      </a:lnRef>
-      <a:fillRef idx="1">
-        <a:scrgbClr r="0" g="0" b="0"/>
-      </a:fillRef>
-      <a:effectRef idx="0">
-        <a:scrgbClr r="0" g="0" b="0"/>
-      </a:effectRef>
-      <a:fontRef idx="minor">
-        <a:schemeClr val="lt1"/>
-      </a:fontRef>
-    </dgm:style>
-  </dgm:styleLbl>
-  <dgm:styleLbl name="parChTrans2D4">
-    <dgm:scene3d>
-      <a:camera prst="orthographicFront"/>
-      <a:lightRig rig="threePt" dir="t"/>
-    </dgm:scene3d>
-    <dgm:sp3d/>
-    <dgm:txPr/>
-    <dgm:style>
-      <a:lnRef idx="2">
-        <a:scrgbClr r="0" g="0" b="0"/>
-      </a:lnRef>
-      <a:fillRef idx="1">
-        <a:scrgbClr r="0" g="0" b="0"/>
-      </a:fillRef>
-      <a:effectRef idx="0">
-        <a:scrgbClr r="0" g="0" b="0"/>
-      </a:effectRef>
-      <a:fontRef idx="minor">
-        <a:schemeClr val="lt1"/>
-      </a:fontRef>
-    </dgm:style>
-  </dgm:styleLbl>
-  <dgm:styleLbl name="parChTrans1D1">
-    <dgm:scene3d>
-      <a:camera prst="orthographicFront"/>
-      <a:lightRig rig="threePt" dir="t"/>
-    </dgm:scene3d>
-    <dgm:sp3d/>
-    <dgm:txPr/>
-    <dgm:style>
-      <a:lnRef idx="2">
-        <a:scrgbClr r="0" g="0" b="0"/>
-      </a:lnRef>
-      <a:fillRef idx="0">
-        <a:scrgbClr r="0" g="0" b="0"/>
-      </a:fillRef>
-      <a:effectRef idx="0">
-        <a:scrgbClr r="0" g="0" b="0"/>
-      </a:effectRef>
-      <a:fontRef idx="minor"/>
-    </dgm:style>
-  </dgm:styleLbl>
-  <dgm:styleLbl name="parChTrans1D2">
-    <dgm:scene3d>
-      <a:camera prst="orthographicFront"/>
-      <a:lightRig rig="threePt" dir="t"/>
-    </dgm:scene3d>
-    <dgm:sp3d/>
-    <dgm:txPr/>
-    <dgm:style>
-      <a:lnRef idx="2">
-        <a:scrgbClr r="0" g="0" b="0"/>
-      </a:lnRef>
-      <a:fillRef idx="0">
-        <a:scrgbClr r="0" g="0" b="0"/>
-      </a:fillRef>
-      <a:effectRef idx="0">
-        <a:scrgbClr r="0" g="0" b="0"/>
-      </a:effectRef>
-      <a:fontRef idx="minor"/>
-    </dgm:style>
-  </dgm:styleLbl>
-  <dgm:styleLbl name="parChTrans1D3">
-    <dgm:scene3d>
-      <a:camera prst="orthographicFront"/>
-      <a:lightRig rig="threePt" dir="t"/>
-    </dgm:scene3d>
-    <dgm:sp3d/>
-    <dgm:txPr/>
-    <dgm:style>
-      <a:lnRef idx="2">
-        <a:scrgbClr r="0" g="0" b="0"/>
-      </a:lnRef>
-      <a:fillRef idx="0">
-        <a:scrgbClr r="0" g="0" b="0"/>
-      </a:fillRef>
-      <a:effectRef idx="0">
-        <a:scrgbClr r="0" g="0" b="0"/>
-      </a:effectRef>
-      <a:fontRef idx="minor"/>
-    </dgm:style>
-  </dgm:styleLbl>
-  <dgm:styleLbl name="parChTrans1D4">
-    <dgm:scene3d>
-      <a:camera prst="orthographicFront"/>
-      <a:lightRig rig="threePt" dir="t"/>
-    </dgm:scene3d>
-    <dgm:sp3d/>
-    <dgm:txPr/>
-    <dgm:style>
-      <a:lnRef idx="2">
-        <a:scrgbClr r="0" g="0" b="0"/>
-      </a:lnRef>
-      <a:fillRef idx="0">
-        <a:scrgbClr r="0" g="0" b="0"/>
-      </a:fillRef>
-      <a:effectRef idx="0">
-        <a:scrgbClr r="0" g="0" b="0"/>
-      </a:effectRef>
-      <a:fontRef idx="minor"/>
-    </dgm:style>
-  </dgm:styleLbl>
-  <dgm:styleLbl name="fgAcc1">
-    <dgm:scene3d>
-      <a:camera prst="orthographicFront"/>
-      <a:lightRig rig="threePt" dir="t"/>
-    </dgm:scene3d>
-    <dgm:sp3d/>
-    <dgm:txPr/>
-    <dgm:style>
-      <a:lnRef idx="2">
-        <a:scrgbClr r="0" g="0" b="0"/>
-      </a:lnRef>
-      <a:fillRef idx="1">
-        <a:scrgbClr r="0" g="0" b="0"/>
-      </a:fillRef>
-      <a:effectRef idx="0">
-        <a:scrgbClr r="0" g="0" b="0"/>
-      </a:effectRef>
-      <a:fontRef idx="minor"/>
-    </dgm:style>
-  </dgm:styleLbl>
-  <dgm:styleLbl name="conFgAcc1">
-    <dgm:scene3d>
-      <a:camera prst="orthographicFront"/>
-      <a:lightRig rig="threePt" dir="t"/>
-    </dgm:scene3d>
-    <dgm:sp3d/>
-    <dgm:txPr/>
-    <dgm:style>
-      <a:lnRef idx="2">
-        <a:scrgbClr r="0" g="0" b="0"/>
-      </a:lnRef>
-      <a:fillRef idx="1">
-        <a:scrgbClr r="0" g="0" b="0"/>
-      </a:fillRef>
-      <a:effectRef idx="0">
-        <a:scrgbClr r="0" g="0" b="0"/>
-      </a:effectRef>
-      <a:fontRef idx="minor"/>
-    </dgm:style>
-  </dgm:styleLbl>
-  <dgm:styleLbl name="alignAcc1">
-    <dgm:scene3d>
-      <a:camera prst="orthographicFront"/>
-      <a:lightRig rig="threePt" dir="t"/>
-    </dgm:scene3d>
-    <dgm:sp3d/>
-    <dgm:txPr/>
-    <dgm:style>
-      <a:lnRef idx="2">
-        <a:scrgbClr r="0" g="0" b="0"/>
-      </a:lnRef>
-      <a:fillRef idx="1">
-        <a:scrgbClr r="0" g="0" b="0"/>
-      </a:fillRef>
-      <a:effectRef idx="0">
-        <a:scrgbClr r="0" g="0" b="0"/>
-      </a:effectRef>
-      <a:fontRef idx="minor"/>
-    </dgm:style>
-  </dgm:styleLbl>
-  <dgm:styleLbl name="trAlignAcc1">
-    <dgm:scene3d>
-      <a:camera prst="orthographicFront"/>
-      <a:lightRig rig="threePt" dir="t"/>
-    </dgm:scene3d>
-    <dgm:sp3d/>
-    <dgm:txPr/>
-    <dgm:style>
-      <a:lnRef idx="1">
-        <a:scrgbClr r="0" g="0" b="0"/>
-      </a:lnRef>
-      <a:fillRef idx="1">
-        <a:scrgbClr r="0" g="0" b="0"/>
-      </a:fillRef>
-      <a:effectRef idx="0">
-        <a:scrgbClr r="0" g="0" b="0"/>
-      </a:effectRef>
-      <a:fontRef idx="minor"/>
-    </dgm:style>
-  </dgm:styleLbl>
-  <dgm:styleLbl name="bgAcc1">
-    <dgm:scene3d>
-      <a:camera prst="orthographicFront"/>
-      <a:lightRig rig="threePt" dir="t"/>
-    </dgm:scene3d>
-    <dgm:sp3d/>
-    <dgm:txPr/>
-    <dgm:style>
-      <a:lnRef idx="2">
-        <a:scrgbClr r="0" g="0" b="0"/>
-      </a:lnRef>
-      <a:fillRef idx="1">
-        <a:scrgbClr r="0" g="0" b="0"/>
-      </a:fillRef>
-      <a:effectRef idx="0">
-        <a:scrgbClr r="0" g="0" b="0"/>
-      </a:effectRef>
-      <a:fontRef idx="minor"/>
-    </dgm:style>
-  </dgm:styleLbl>
-  <dgm:styleLbl name="solidFgAcc1">
-    <dgm:scene3d>
-      <a:camera prst="orthographicFront"/>
-      <a:lightRig rig="threePt" dir="t"/>
-    </dgm:scene3d>
-    <dgm:sp3d/>
-    <dgm:txPr/>
-    <dgm:style>
-      <a:lnRef idx="2">
-        <a:scrgbClr r="0" g="0" b="0"/>
-      </a:lnRef>
-      <a:fillRef idx="1">
-        <a:scrgbClr r="0" g="0" b="0"/>
-      </a:fillRef>
-      <a:effectRef idx="0">
-        <a:scrgbClr r="0" g="0" b="0"/>
-      </a:effectRef>
-      <a:fontRef idx="minor"/>
-    </dgm:style>
-  </dgm:styleLbl>
-  <dgm:styleLbl name="solidAlignAcc1">
-    <dgm:scene3d>
-      <a:camera prst="orthographicFront"/>
-      <a:lightRig rig="threePt" dir="t"/>
-    </dgm:scene3d>
-    <dgm:sp3d/>
-    <dgm:txPr/>
-    <dgm:style>
-      <a:lnRef idx="2">
-        <a:scrgbClr r="0" g="0" b="0"/>
-      </a:lnRef>
-      <a:fillRef idx="1">
-        <a:scrgbClr r="0" g="0" b="0"/>
-      </a:fillRef>
-      <a:effectRef idx="0">
-        <a:scrgbClr r="0" g="0" b="0"/>
-      </a:effectRef>
-      <a:fontRef idx="minor"/>
-    </dgm:style>
-  </dgm:styleLbl>
-  <dgm:styleLbl name="solidBgAcc1">
-    <dgm:scene3d>
-      <a:camera prst="orthographicFront"/>
-      <a:lightRig rig="threePt" dir="t"/>
-    </dgm:scene3d>
-    <dgm:sp3d/>
-    <dgm:txPr/>
-    <dgm:style>
-      <a:lnRef idx="2">
-        <a:scrgbClr r="0" g="0" b="0"/>
-      </a:lnRef>
-      <a:fillRef idx="1">
-        <a:scrgbClr r="0" g="0" b="0"/>
-      </a:fillRef>
-      <a:effectRef idx="0">
-        <a:scrgbClr r="0" g="0" b="0"/>
-      </a:effectRef>
-      <a:fontRef idx="minor"/>
-    </dgm:style>
-  </dgm:styleLbl>
-  <dgm:styleLbl name="fgAccFollowNode1">
-    <dgm:scene3d>
-      <a:camera prst="orthographicFront"/>
-      <a:lightRig rig="threePt" dir="t"/>
-    </dgm:scene3d>
-    <dgm:sp3d/>
-    <dgm:txPr/>
-    <dgm:style>
-      <a:lnRef idx="2">
-        <a:scrgbClr r="0" g="0" b="0"/>
-      </a:lnRef>
-      <a:fillRef idx="1">
-        <a:scrgbClr r="0" g="0" b="0"/>
-      </a:fillRef>
-      <a:effectRef idx="0">
-        <a:scrgbClr r="0" g="0" b="0"/>
-      </a:effectRef>
-      <a:fontRef idx="minor"/>
-    </dgm:style>
-  </dgm:styleLbl>
-  <dgm:styleLbl name="alignAccFollowNode1">
-    <dgm:scene3d>
-      <a:camera prst="orthographicFront"/>
-      <a:lightRig rig="threePt" dir="t"/>
-    </dgm:scene3d>
-    <dgm:sp3d/>
-    <dgm:txPr/>
-    <dgm:style>
-      <a:lnRef idx="2">
-        <a:scrgbClr r="0" g="0" b="0"/>
-      </a:lnRef>
-      <a:fillRef idx="1">
-        <a:scrgbClr r="0" g="0" b="0"/>
-      </a:fillRef>
-      <a:effectRef idx="0">
-        <a:scrgbClr r="0" g="0" b="0"/>
-      </a:effectRef>
-      <a:fontRef idx="minor"/>
-    </dgm:style>
-  </dgm:styleLbl>
-  <dgm:styleLbl name="bgAccFollowNode1">
-    <dgm:scene3d>
-      <a:camera prst="orthographicFront"/>
-      <a:lightRig rig="threePt" dir="t"/>
-    </dgm:scene3d>
-    <dgm:sp3d/>
-    <dgm:txPr/>
-    <dgm:style>
-      <a:lnRef idx="2">
-        <a:scrgbClr r="0" g="0" b="0"/>
-      </a:lnRef>
-      <a:fillRef idx="1">
-        <a:scrgbClr r="0" g="0" b="0"/>
-      </a:fillRef>
-      <a:effectRef idx="0">
-        <a:scrgbClr r="0" g="0" b="0"/>
-      </a:effectRef>
-      <a:fontRef idx="minor"/>
-    </dgm:style>
-  </dgm:styleLbl>
-  <dgm:styleLbl name="fgAcc0">
-    <dgm:scene3d>
-      <a:camera prst="orthographicFront"/>
-      <a:lightRig rig="threePt" dir="t"/>
-    </dgm:scene3d>
-    <dgm:sp3d/>
-    <dgm:txPr/>
-    <dgm:style>
-      <a:lnRef idx="2">
-        <a:scrgbClr r="0" g="0" b="0"/>
-      </a:lnRef>
-      <a:fillRef idx="1">
-        <a:scrgbClr r="0" g="0" b="0"/>
-      </a:fillRef>
-      <a:effectRef idx="0">
-        <a:scrgbClr r="0" g="0" b="0"/>
-      </a:effectRef>
-      <a:fontRef idx="minor"/>
-    </dgm:style>
-  </dgm:styleLbl>
-  <dgm:styleLbl name="fgAcc2">
-    <dgm:scene3d>
-      <a:camera prst="orthographicFront"/>
-      <a:lightRig rig="threePt" dir="t"/>
-    </dgm:scene3d>
-    <dgm:sp3d/>
-    <dgm:txPr/>
-    <dgm:style>
-      <a:lnRef idx="2">
-        <a:scrgbClr r="0" g="0" b="0"/>
-      </a:lnRef>
-      <a:fillRef idx="1">
-        <a:scrgbClr r="0" g="0" b="0"/>
-      </a:fillRef>
-      <a:effectRef idx="0">
-        <a:scrgbClr r="0" g="0" b="0"/>
-      </a:effectRef>
-      <a:fontRef idx="minor"/>
-    </dgm:style>
-  </dgm:styleLbl>
-  <dgm:styleLbl name="fgAcc3">
-    <dgm:scene3d>
-      <a:camera prst="orthographicFront"/>
-      <a:lightRig rig="threePt" dir="t"/>
-    </dgm:scene3d>
-    <dgm:sp3d/>
-    <dgm:txPr/>
-    <dgm:style>
-      <a:lnRef idx="2">
-        <a:scrgbClr r="0" g="0" b="0"/>
-      </a:lnRef>
-      <a:fillRef idx="1">
-        <a:scrgbClr r="0" g="0" b="0"/>
-      </a:fillRef>
-      <a:effectRef idx="0">
-        <a:scrgbClr r="0" g="0" b="0"/>
-      </a:effectRef>
-      <a:fontRef idx="minor"/>
-    </dgm:style>
-  </dgm:styleLbl>
-  <dgm:styleLbl name="fgAcc4">
-    <dgm:scene3d>
-      <a:camera prst="orthographicFront"/>
-      <a:lightRig rig="threePt" dir="t"/>
-    </dgm:scene3d>
-    <dgm:sp3d/>
-    <dgm:txPr/>
-    <dgm:style>
-      <a:lnRef idx="2">
-        <a:scrgbClr r="0" g="0" b="0"/>
-      </a:lnRef>
-      <a:fillRef idx="1">
-        <a:scrgbClr r="0" g="0" b="0"/>
-      </a:fillRef>
-      <a:effectRef idx="0">
-        <a:scrgbClr r="0" g="0" b="0"/>
-      </a:effectRef>
-      <a:fontRef idx="minor"/>
-    </dgm:style>
-  </dgm:styleLbl>
-  <dgm:styleLbl name="bgShp">
-    <dgm:scene3d>
-      <a:camera prst="orthographicFront"/>
-      <a:lightRig rig="threePt" dir="t"/>
-    </dgm:scene3d>
-    <dgm:sp3d/>
-    <dgm:txPr/>
-    <dgm:style>
-      <a:lnRef idx="0">
-        <a:scrgbClr r="0" g="0" b="0"/>
-      </a:lnRef>
-      <a:fillRef idx="1">
-        <a:scrgbClr r="0" g="0" b="0"/>
-      </a:fillRef>
-      <a:effectRef idx="0">
-        <a:scrgbClr r="0" g="0" b="0"/>
-      </a:effectRef>
-      <a:fontRef idx="minor"/>
-    </dgm:style>
-  </dgm:styleLbl>
-  <dgm:styleLbl name="dkBgShp">
-    <dgm:scene3d>
-      <a:camera prst="orthographicFront"/>
-      <a:lightRig rig="threePt" dir="t"/>
-    </dgm:scene3d>
-    <dgm:sp3d/>
-    <dgm:txPr/>
-    <dgm:style>
-      <a:lnRef idx="0">
-        <a:scrgbClr r="0" g="0" b="0"/>
-      </a:lnRef>
-      <a:fillRef idx="1">
-        <a:scrgbClr r="0" g="0" b="0"/>
-      </a:fillRef>
-      <a:effectRef idx="0">
-        <a:scrgbClr r="0" g="0" b="0"/>
-      </a:effectRef>
-      <a:fontRef idx="minor"/>
-    </dgm:style>
-  </dgm:styleLbl>
-  <dgm:styleLbl name="trBgShp">
-    <dgm:scene3d>
-      <a:camera prst="orthographicFront"/>
-      <a:lightRig rig="threePt" dir="t"/>
-    </dgm:scene3d>
-    <dgm:sp3d/>
-    <dgm:txPr/>
-    <dgm:style>
-      <a:lnRef idx="0">
-        <a:scrgbClr r="0" g="0" b="0"/>
-      </a:lnRef>
-      <a:fillRef idx="1">
-        <a:scrgbClr r="0" g="0" b="0"/>
-      </a:fillRef>
-      <a:effectRef idx="0">
-        <a:scrgbClr r="0" g="0" b="0"/>
-      </a:effectRef>
-      <a:fontRef idx="minor"/>
-    </dgm:style>
-  </dgm:styleLbl>
-  <dgm:styleLbl name="fgShp">
-    <dgm:scene3d>
-      <a:camera prst="orthographicFront"/>
-      <a:lightRig rig="threePt" dir="t"/>
-    </dgm:scene3d>
-    <dgm:sp3d/>
-    <dgm:txPr/>
-    <dgm:style>
-      <a:lnRef idx="2">
-        <a:scrgbClr r="0" g="0" b="0"/>
-      </a:lnRef>
-      <a:fillRef idx="1">
-        <a:scrgbClr r="0" g="0" b="0"/>
-      </a:fillRef>
-      <a:effectRef idx="0">
-        <a:scrgbClr r="0" g="0" b="0"/>
-      </a:effectRef>
-      <a:fontRef idx="minor"/>
-    </dgm:style>
-  </dgm:styleLbl>
-  <dgm:styleLbl name="revTx">
-    <dgm:scene3d>
-      <a:camera prst="orthographicFront"/>
-      <a:lightRig rig="threePt" dir="t"/>
-    </dgm:scene3d>
-    <dgm:sp3d/>
-    <dgm:txPr/>
-    <dgm:style>
-      <a:lnRef idx="0">
-        <a:scrgbClr r="0" g="0" b="0"/>
-      </a:lnRef>
-      <a:fillRef idx="0">
-        <a:scrgbClr r="0" g="0" b="0"/>
-      </a:fillRef>
-      <a:effectRef idx="0">
-        <a:scrgbClr r="0" g="0" b="0"/>
-      </a:effectRef>
-      <a:fontRef idx="minor"/>
-    </dgm:style>
-  </dgm:styleLbl>
-</dgm:styleDef>
-</file>
-
 <file path=ppt/handoutMasters/handoutMaster1.xml><?xml version="1.0" encoding="utf-8"?>
 <p:handoutMaster xmlns:a="http://schemas.openxmlformats.org/drawingml/2006/main" xmlns:r="http://schemas.openxmlformats.org/officeDocument/2006/relationships" xmlns:p="http://schemas.openxmlformats.org/presentationml/2006/main">
   <p:cSld>
@@ -6296,7 +237,7 @@
           <a:p>
             <a:fld id="{89239DE2-7BD6-4DB3-8E72-E0075091CE8D}" type="datetimeFigureOut">
               <a:rPr lang="de-DE" smtClean="0"/>
-              <a:t>06.05.2021</a:t>
+              <a:t>09.05.2021</a:t>
             </a:fld>
             <a:endParaRPr lang="de-DE"/>
           </a:p>
@@ -6461,7 +402,7 @@
           <a:p>
             <a:fld id="{31627992-0BBF-4E46-9509-BDA39CE6BFA3}" type="datetimeFigureOut">
               <a:rPr lang="de-DE" smtClean="0"/>
-              <a:t>06.05.2021</a:t>
+              <a:t>09.05.2021</a:t>
             </a:fld>
             <a:endParaRPr lang="de-DE"/>
           </a:p>
@@ -6895,7 +836,7 @@
           <a:p>
             <a:fld id="{3596FB46-8D23-4E00-A853-5C49DB286728}" type="slidenum">
               <a:rPr lang="de-DE" smtClean="0"/>
-              <a:t>7</a:t>
+              <a:t>5</a:t>
             </a:fld>
             <a:endParaRPr lang="de-DE" dirty="0"/>
           </a:p>
@@ -7075,7 +1016,7 @@
           <a:p>
             <a:fld id="{3596FB46-8D23-4E00-A853-5C49DB286728}" type="slidenum">
               <a:rPr lang="de-DE" smtClean="0"/>
-              <a:t>8</a:t>
+              <a:t>6</a:t>
             </a:fld>
             <a:endParaRPr lang="de-DE"/>
           </a:p>
@@ -7168,7 +1109,7 @@
           <a:p>
             <a:fld id="{3596FB46-8D23-4E00-A853-5C49DB286728}" type="slidenum">
               <a:rPr lang="de-DE" smtClean="0"/>
-              <a:t>11</a:t>
+              <a:t>9</a:t>
             </a:fld>
             <a:endParaRPr lang="de-DE" dirty="0"/>
           </a:p>
@@ -7307,7 +1248,7 @@
           <a:p>
             <a:fld id="{3596FB46-8D23-4E00-A853-5C49DB286728}" type="slidenum">
               <a:rPr lang="de-DE" smtClean="0"/>
-              <a:t>12</a:t>
+              <a:t>10</a:t>
             </a:fld>
             <a:endParaRPr lang="de-DE"/>
           </a:p>
@@ -7400,7 +1341,7 @@
           <a:p>
             <a:fld id="{3596FB46-8D23-4E00-A853-5C49DB286728}" type="slidenum">
               <a:rPr lang="de-DE" smtClean="0"/>
-              <a:t>14</a:t>
+              <a:t>12</a:t>
             </a:fld>
             <a:endParaRPr lang="de-DE" dirty="0"/>
           </a:p>
@@ -8580,306 +2521,6 @@
           <p:cNvPr id="2" name="Titel 1">
             <a:extLst>
               <a:ext uri="{FF2B5EF4-FFF2-40B4-BE49-F238E27FC236}">
-                <a16:creationId xmlns:a16="http://schemas.microsoft.com/office/drawing/2014/main" id="{29979F07-BDC3-46AE-9547-33BE2CF3BD68}"/>
-              </a:ext>
-            </a:extLst>
-          </p:cNvPr>
-          <p:cNvSpPr>
-            <a:spLocks noGrp="1"/>
-          </p:cNvSpPr>
-          <p:nvPr>
-            <p:ph type="title"/>
-          </p:nvPr>
-        </p:nvSpPr>
-        <p:spPr/>
-        <p:txBody>
-          <a:bodyPr/>
-          <a:lstStyle/>
-          <a:p>
-            <a:r>
-              <a:rPr lang="de-DE" dirty="0"/>
-              <a:t>Backpropagation </a:t>
-            </a:r>
-            <a:r>
-              <a:rPr lang="de-DE" dirty="0" err="1"/>
-              <a:t>animation</a:t>
-            </a:r>
-            <a:endParaRPr lang="de-DE" dirty="0"/>
-          </a:p>
-        </p:txBody>
-      </p:sp>
-      <p:pic>
-        <p:nvPicPr>
-          <p:cNvPr id="8" name="Inhaltsplatzhalter 7">
-            <a:extLst>
-              <a:ext uri="{FF2B5EF4-FFF2-40B4-BE49-F238E27FC236}">
-                <a16:creationId xmlns:a16="http://schemas.microsoft.com/office/drawing/2014/main" id="{DC42E80E-2CA0-43A3-99FA-8369462E3A38}"/>
-              </a:ext>
-            </a:extLst>
-          </p:cNvPr>
-          <p:cNvPicPr>
-            <a:picLocks noGrp="1" noChangeAspect="1"/>
-          </p:cNvPicPr>
-          <p:nvPr>
-            <p:ph idx="1"/>
-          </p:nvPr>
-        </p:nvPicPr>
-        <p:blipFill>
-          <a:blip r:embed="rId2">
-            <a:extLst>
-              <a:ext uri="{28A0092B-C50C-407E-A947-70E740481C1C}">
-                <a14:useLocalDpi xmlns:a14="http://schemas.microsoft.com/office/drawing/2010/main" val="0"/>
-              </a:ext>
-            </a:extLst>
-          </a:blip>
-          <a:stretch>
-            <a:fillRect/>
-          </a:stretch>
-        </p:blipFill>
-        <p:spPr>
-          <a:xfrm>
-            <a:off x="1982732" y="983680"/>
-            <a:ext cx="8229600" cy="4890640"/>
-          </a:xfrm>
-        </p:spPr>
-      </p:pic>
-      <p:sp>
-        <p:nvSpPr>
-          <p:cNvPr id="4" name="Fußzeilenplatzhalter 3">
-            <a:extLst>
-              <a:ext uri="{FF2B5EF4-FFF2-40B4-BE49-F238E27FC236}">
-                <a16:creationId xmlns:a16="http://schemas.microsoft.com/office/drawing/2014/main" id="{8568E6B4-DA4C-4215-B539-489E893E32DF}"/>
-              </a:ext>
-            </a:extLst>
-          </p:cNvPr>
-          <p:cNvSpPr>
-            <a:spLocks noGrp="1"/>
-          </p:cNvSpPr>
-          <p:nvPr>
-            <p:ph type="ftr" sz="quarter" idx="11"/>
-          </p:nvPr>
-        </p:nvSpPr>
-        <p:spPr/>
-        <p:txBody>
-          <a:bodyPr/>
-          <a:lstStyle/>
-          <a:p>
-            <a:pPr>
-              <a:spcBef>
-                <a:spcPct val="0"/>
-              </a:spcBef>
-            </a:pPr>
-            <a:r>
-              <a:rPr lang="en-US" dirty="0"/>
-              <a:t>Machine Learning with Python</a:t>
-            </a:r>
-          </a:p>
-        </p:txBody>
-      </p:sp>
-      <p:sp>
-        <p:nvSpPr>
-          <p:cNvPr id="5" name="Foliennummernplatzhalter 4">
-            <a:extLst>
-              <a:ext uri="{FF2B5EF4-FFF2-40B4-BE49-F238E27FC236}">
-                <a16:creationId xmlns:a16="http://schemas.microsoft.com/office/drawing/2014/main" id="{9760891A-6438-4834-945F-BBC0C8023D3E}"/>
-              </a:ext>
-            </a:extLst>
-          </p:cNvPr>
-          <p:cNvSpPr>
-            <a:spLocks noGrp="1"/>
-          </p:cNvSpPr>
-          <p:nvPr>
-            <p:ph type="sldNum" sz="quarter" idx="12"/>
-          </p:nvPr>
-        </p:nvSpPr>
-        <p:spPr/>
-        <p:txBody>
-          <a:bodyPr/>
-          <a:lstStyle/>
-          <a:p>
-            <a:pPr algn="ctr">
-              <a:spcBef>
-                <a:spcPct val="0"/>
-              </a:spcBef>
-            </a:pPr>
-            <a:fld id="{A2E5ADE3-320B-4A5C-9C2E-27C2E367B8B2}" type="slidenum">
-              <a:rPr lang="de-DE" smtClean="0"/>
-              <a:pPr algn="ctr">
-                <a:spcBef>
-                  <a:spcPct val="0"/>
-                </a:spcBef>
-              </a:pPr>
-              <a:t>10</a:t>
-            </a:fld>
-            <a:endParaRPr lang="de-DE"/>
-          </a:p>
-        </p:txBody>
-      </p:sp>
-      <p:sp>
-        <p:nvSpPr>
-          <p:cNvPr id="6" name="Datumsplatzhalter 5">
-            <a:extLst>
-              <a:ext uri="{FF2B5EF4-FFF2-40B4-BE49-F238E27FC236}">
-                <a16:creationId xmlns:a16="http://schemas.microsoft.com/office/drawing/2014/main" id="{4DF8F4A6-9819-424E-9D9F-A7F8A5FC0C04}"/>
-              </a:ext>
-            </a:extLst>
-          </p:cNvPr>
-          <p:cNvSpPr>
-            <a:spLocks noGrp="1"/>
-          </p:cNvSpPr>
-          <p:nvPr>
-            <p:ph type="dt" sz="half" idx="10"/>
-          </p:nvPr>
-        </p:nvSpPr>
-        <p:spPr/>
-        <p:txBody>
-          <a:bodyPr/>
-          <a:lstStyle/>
-          <a:p>
-            <a:pPr>
-              <a:spcBef>
-                <a:spcPct val="0"/>
-              </a:spcBef>
-            </a:pPr>
-            <a:r>
-              <a:rPr lang="de-DE" dirty="0"/>
-              <a:t>MLPy2021</a:t>
-            </a:r>
-          </a:p>
-        </p:txBody>
-      </p:sp>
-      <p:sp>
-        <p:nvSpPr>
-          <p:cNvPr id="10" name="Textfeld 9">
-            <a:extLst>
-              <a:ext uri="{FF2B5EF4-FFF2-40B4-BE49-F238E27FC236}">
-                <a16:creationId xmlns:a16="http://schemas.microsoft.com/office/drawing/2014/main" id="{688A2819-0062-430F-B90B-4D6B0DB0C633}"/>
-              </a:ext>
-            </a:extLst>
-          </p:cNvPr>
-          <p:cNvSpPr txBox="1"/>
-          <p:nvPr/>
-        </p:nvSpPr>
-        <p:spPr>
-          <a:xfrm>
-            <a:off x="1906048" y="6151405"/>
-            <a:ext cx="8372420" cy="307777"/>
-          </a:xfrm>
-          <a:prstGeom prst="rect">
-            <a:avLst/>
-          </a:prstGeom>
-          <a:noFill/>
-        </p:spPr>
-        <p:txBody>
-          <a:bodyPr wrap="none" rtlCol="0">
-            <a:spAutoFit/>
-          </a:bodyPr>
-          <a:lstStyle/>
-          <a:p>
-            <a:r>
-              <a:rPr lang="de-DE" sz="1400" dirty="0"/>
-              <a:t>Source: </a:t>
-            </a:r>
-            <a:r>
-              <a:rPr lang="de-DE" sz="1400" dirty="0">
-                <a:hlinkClick r:id="rId3"/>
-              </a:rPr>
-              <a:t>https://towardsdatascience.com/lets-code-convolutional-neural-network-in-plain-numpy-ce48e732f5d5</a:t>
-            </a:r>
-            <a:endParaRPr lang="de-DE" sz="1400" dirty="0"/>
-          </a:p>
-        </p:txBody>
-      </p:sp>
-    </p:spTree>
-    <p:extLst>
-      <p:ext uri="{BB962C8B-B14F-4D97-AF65-F5344CB8AC3E}">
-        <p14:creationId xmlns:p14="http://schemas.microsoft.com/office/powerpoint/2010/main" val="1878301849"/>
-      </p:ext>
-    </p:extLst>
-  </p:cSld>
-  <p:clrMapOvr>
-    <a:masterClrMapping/>
-  </p:clrMapOvr>
-</p:sld>
-</file>
-
-<file path=ppt/slides/slide11.xml><?xml version="1.0" encoding="utf-8"?>
-<p:sld xmlns:a="http://schemas.openxmlformats.org/drawingml/2006/main" xmlns:r="http://schemas.openxmlformats.org/officeDocument/2006/relationships" xmlns:p="http://schemas.openxmlformats.org/presentationml/2006/main">
-  <p:cSld>
-    <p:spTree>
-      <p:nvGrpSpPr>
-        <p:cNvPr id="1" name=""/>
-        <p:cNvGrpSpPr/>
-        <p:nvPr/>
-      </p:nvGrpSpPr>
-      <p:grpSpPr>
-        <a:xfrm>
-          <a:off x="0" y="0"/>
-          <a:ext cx="0" cy="0"/>
-          <a:chOff x="0" y="0"/>
-          <a:chExt cx="0" cy="0"/>
-        </a:xfrm>
-      </p:grpSpPr>
-      <p:sp>
-        <p:nvSpPr>
-          <p:cNvPr id="2" name="Titel 1"/>
-          <p:cNvSpPr>
-            <a:spLocks noGrp="1"/>
-          </p:cNvSpPr>
-          <p:nvPr>
-            <p:ph type="ctrTitle"/>
-          </p:nvPr>
-        </p:nvSpPr>
-        <p:spPr/>
-        <p:txBody>
-          <a:bodyPr>
-            <a:normAutofit/>
-          </a:bodyPr>
-          <a:lstStyle/>
-          <a:p>
-            <a:r>
-              <a:rPr lang="en-US" dirty="0"/>
-              <a:t>Convolutional Neural Networks</a:t>
-            </a:r>
-            <a:endParaRPr lang="de-DE" dirty="0"/>
-          </a:p>
-        </p:txBody>
-      </p:sp>
-    </p:spTree>
-    <p:extLst>
-      <p:ext uri="{BB962C8B-B14F-4D97-AF65-F5344CB8AC3E}">
-        <p14:creationId xmlns:p14="http://schemas.microsoft.com/office/powerpoint/2010/main" val="2318108342"/>
-      </p:ext>
-    </p:extLst>
-  </p:cSld>
-  <p:clrMapOvr>
-    <a:masterClrMapping/>
-  </p:clrMapOvr>
-</p:sld>
-</file>
-
-<file path=ppt/slides/slide12.xml><?xml version="1.0" encoding="utf-8"?>
-<p:sld xmlns:a="http://schemas.openxmlformats.org/drawingml/2006/main" xmlns:r="http://schemas.openxmlformats.org/officeDocument/2006/relationships" xmlns:p="http://schemas.openxmlformats.org/presentationml/2006/main">
-  <p:cSld>
-    <p:spTree>
-      <p:nvGrpSpPr>
-        <p:cNvPr id="1" name=""/>
-        <p:cNvGrpSpPr/>
-        <p:nvPr/>
-      </p:nvGrpSpPr>
-      <p:grpSpPr>
-        <a:xfrm>
-          <a:off x="0" y="0"/>
-          <a:ext cx="0" cy="0"/>
-          <a:chOff x="0" y="0"/>
-          <a:chExt cx="0" cy="0"/>
-        </a:xfrm>
-      </p:grpSpPr>
-      <p:sp>
-        <p:nvSpPr>
-          <p:cNvPr id="2" name="Titel 1">
-            <a:extLst>
-              <a:ext uri="{FF2B5EF4-FFF2-40B4-BE49-F238E27FC236}">
                 <a16:creationId xmlns:a16="http://schemas.microsoft.com/office/drawing/2014/main" id="{3088766F-1E1C-424D-9209-E11DB798BDE0}"/>
               </a:ext>
             </a:extLst>
@@ -9723,7 +3364,7 @@
                   <a:spcPct val="0"/>
                 </a:spcBef>
               </a:pPr>
-              <a:t>12</a:t>
+              <a:t>10</a:t>
             </a:fld>
             <a:endParaRPr lang="de-DE"/>
           </a:p>
@@ -9873,7 +3514,7 @@
 </p:sld>
 </file>
 
-<file path=ppt/slides/slide13.xml><?xml version="1.0" encoding="utf-8"?>
+<file path=ppt/slides/slide11.xml><?xml version="1.0" encoding="utf-8"?>
 <p:sld xmlns:a="http://schemas.openxmlformats.org/drawingml/2006/main" xmlns:r="http://schemas.openxmlformats.org/officeDocument/2006/relationships" xmlns:p="http://schemas.openxmlformats.org/presentationml/2006/main">
   <p:cSld>
     <p:spTree>
@@ -10052,7 +3693,7 @@
                   <a:spcPct val="0"/>
                 </a:spcBef>
               </a:pPr>
-              <a:t>13</a:t>
+              <a:t>11</a:t>
             </a:fld>
             <a:endParaRPr lang="de-DE"/>
           </a:p>
@@ -10350,7 +3991,7 @@
 </p:sld>
 </file>
 
-<file path=ppt/slides/slide14.xml><?xml version="1.0" encoding="utf-8"?>
+<file path=ppt/slides/slide12.xml><?xml version="1.0" encoding="utf-8"?>
 <p:sld xmlns:a="http://schemas.openxmlformats.org/drawingml/2006/main" xmlns:r="http://schemas.openxmlformats.org/officeDocument/2006/relationships" xmlns:p="http://schemas.openxmlformats.org/presentationml/2006/main">
   <p:cSld>
     <p:spTree>
@@ -10405,7 +4046,7 @@
 </p:sld>
 </file>
 
-<file path=ppt/slides/slide15.xml><?xml version="1.0" encoding="utf-8"?>
+<file path=ppt/slides/slide13.xml><?xml version="1.0" encoding="utf-8"?>
 <p:sld xmlns:a="http://schemas.openxmlformats.org/drawingml/2006/main" xmlns:r="http://schemas.openxmlformats.org/officeDocument/2006/relationships" xmlns:p="http://schemas.openxmlformats.org/presentationml/2006/main">
   <p:cSld>
     <p:spTree>
@@ -10499,7 +4140,7 @@
           <a:p>
             <a:fld id="{A2E5ADE3-320B-4A5C-9C2E-27C2E367B8B2}" type="slidenum">
               <a:rPr lang="de-DE" smtClean="0"/>
-              <a:t>15</a:t>
+              <a:t>13</a:t>
             </a:fld>
             <a:endParaRPr lang="de-DE"/>
           </a:p>
@@ -14276,466 +7917,6 @@
       </p:grpSpPr>
       <p:sp>
         <p:nvSpPr>
-          <p:cNvPr id="2" name="Titel 1">
-            <a:extLst>
-              <a:ext uri="{FF2B5EF4-FFF2-40B4-BE49-F238E27FC236}">
-                <a16:creationId xmlns:a16="http://schemas.microsoft.com/office/drawing/2014/main" id="{91161B3F-909D-4728-A368-95B389C10476}"/>
-              </a:ext>
-            </a:extLst>
-          </p:cNvPr>
-          <p:cNvSpPr>
-            <a:spLocks noGrp="1"/>
-          </p:cNvSpPr>
-          <p:nvPr>
-            <p:ph type="title"/>
-          </p:nvPr>
-        </p:nvSpPr>
-        <p:spPr/>
-        <p:txBody>
-          <a:bodyPr/>
-          <a:lstStyle/>
-          <a:p>
-            <a:r>
-              <a:rPr lang="de-DE" dirty="0"/>
-              <a:t>Machine learning </a:t>
-            </a:r>
-          </a:p>
-        </p:txBody>
-      </p:sp>
-      <p:sp>
-        <p:nvSpPr>
-          <p:cNvPr id="4" name="Fußzeilenplatzhalter 3">
-            <a:extLst>
-              <a:ext uri="{FF2B5EF4-FFF2-40B4-BE49-F238E27FC236}">
-                <a16:creationId xmlns:a16="http://schemas.microsoft.com/office/drawing/2014/main" id="{A38C8B46-1FC0-4CF2-B3F0-CCB9B9508B36}"/>
-              </a:ext>
-            </a:extLst>
-          </p:cNvPr>
-          <p:cNvSpPr>
-            <a:spLocks noGrp="1"/>
-          </p:cNvSpPr>
-          <p:nvPr>
-            <p:ph type="ftr" sz="quarter" idx="11"/>
-          </p:nvPr>
-        </p:nvSpPr>
-        <p:spPr/>
-        <p:txBody>
-          <a:bodyPr/>
-          <a:lstStyle/>
-          <a:p>
-            <a:r>
-              <a:rPr lang="en-US" dirty="0"/>
-              <a:t>Machine Learning with Python</a:t>
-            </a:r>
-            <a:endParaRPr lang="de-DE" dirty="0"/>
-          </a:p>
-        </p:txBody>
-      </p:sp>
-      <p:sp>
-        <p:nvSpPr>
-          <p:cNvPr id="5" name="Foliennummernplatzhalter 4">
-            <a:extLst>
-              <a:ext uri="{FF2B5EF4-FFF2-40B4-BE49-F238E27FC236}">
-                <a16:creationId xmlns:a16="http://schemas.microsoft.com/office/drawing/2014/main" id="{F098B03B-F1B5-4EC6-B2D5-CBD796460B3A}"/>
-              </a:ext>
-            </a:extLst>
-          </p:cNvPr>
-          <p:cNvSpPr>
-            <a:spLocks noGrp="1"/>
-          </p:cNvSpPr>
-          <p:nvPr>
-            <p:ph type="sldNum" sz="quarter" idx="12"/>
-          </p:nvPr>
-        </p:nvSpPr>
-        <p:spPr/>
-        <p:txBody>
-          <a:bodyPr/>
-          <a:lstStyle/>
-          <a:p>
-            <a:fld id="{A2E5ADE3-320B-4A5C-9C2E-27C2E367B8B2}" type="slidenum">
-              <a:rPr lang="de-DE" smtClean="0"/>
-              <a:t>5</a:t>
-            </a:fld>
-            <a:endParaRPr lang="de-DE" dirty="0"/>
-          </a:p>
-        </p:txBody>
-      </p:sp>
-      <p:sp>
-        <p:nvSpPr>
-          <p:cNvPr id="6" name="Datumsplatzhalter 5">
-            <a:extLst>
-              <a:ext uri="{FF2B5EF4-FFF2-40B4-BE49-F238E27FC236}">
-                <a16:creationId xmlns:a16="http://schemas.microsoft.com/office/drawing/2014/main" id="{CA2A78F5-8AB1-4E24-95E6-955638443EB5}"/>
-              </a:ext>
-            </a:extLst>
-          </p:cNvPr>
-          <p:cNvSpPr>
-            <a:spLocks noGrp="1"/>
-          </p:cNvSpPr>
-          <p:nvPr>
-            <p:ph type="dt" sz="half" idx="10"/>
-          </p:nvPr>
-        </p:nvSpPr>
-        <p:spPr/>
-        <p:txBody>
-          <a:bodyPr>
-            <a:normAutofit fontScale="92500" lnSpcReduction="20000"/>
-          </a:bodyPr>
-          <a:lstStyle/>
-          <a:p>
-            <a:r>
-              <a:rPr lang="de-DE" dirty="0"/>
-              <a:t>MLPy2021</a:t>
-            </a:r>
-          </a:p>
-        </p:txBody>
-      </p:sp>
-      <p:graphicFrame>
-        <p:nvGraphicFramePr>
-          <p:cNvPr id="16" name="Inhaltsplatzhalter 15">
-            <a:extLst>
-              <a:ext uri="{FF2B5EF4-FFF2-40B4-BE49-F238E27FC236}">
-                <a16:creationId xmlns:a16="http://schemas.microsoft.com/office/drawing/2014/main" id="{988FF8B3-6B22-4D4D-9E46-BDA54D80BAA8}"/>
-              </a:ext>
-            </a:extLst>
-          </p:cNvPr>
-          <p:cNvGraphicFramePr>
-            <a:graphicFrameLocks noGrp="1"/>
-          </p:cNvGraphicFramePr>
-          <p:nvPr>
-            <p:ph idx="1"/>
-            <p:extLst>
-              <p:ext uri="{D42A27DB-BD31-4B8C-83A1-F6EECF244321}">
-                <p14:modId xmlns:p14="http://schemas.microsoft.com/office/powerpoint/2010/main" val="3780917306"/>
-              </p:ext>
-            </p:extLst>
-          </p:nvPr>
-        </p:nvGraphicFramePr>
-        <p:xfrm>
-          <a:off x="1981200" y="836614"/>
-          <a:ext cx="8229600" cy="5545137"/>
-        </p:xfrm>
-        <a:graphic>
-          <a:graphicData uri="http://schemas.openxmlformats.org/drawingml/2006/diagram">
-            <dgm:relIds xmlns:dgm="http://schemas.openxmlformats.org/drawingml/2006/diagram" xmlns:r="http://schemas.openxmlformats.org/officeDocument/2006/relationships" r:dm="rId2" r:lo="rId3" r:qs="rId4" r:cs="rId5"/>
-          </a:graphicData>
-        </a:graphic>
-      </p:graphicFrame>
-    </p:spTree>
-    <p:extLst>
-      <p:ext uri="{BB962C8B-B14F-4D97-AF65-F5344CB8AC3E}">
-        <p14:creationId xmlns:p14="http://schemas.microsoft.com/office/powerpoint/2010/main" val="1658842224"/>
-      </p:ext>
-    </p:extLst>
-  </p:cSld>
-  <p:clrMapOvr>
-    <a:masterClrMapping/>
-  </p:clrMapOvr>
-</p:sld>
-</file>
-
-<file path=ppt/slides/slide6.xml><?xml version="1.0" encoding="utf-8"?>
-<p:sld xmlns:a="http://schemas.openxmlformats.org/drawingml/2006/main" xmlns:r="http://schemas.openxmlformats.org/officeDocument/2006/relationships" xmlns:p="http://schemas.openxmlformats.org/presentationml/2006/main">
-  <p:cSld>
-    <p:spTree>
-      <p:nvGrpSpPr>
-        <p:cNvPr id="1" name=""/>
-        <p:cNvGrpSpPr/>
-        <p:nvPr/>
-      </p:nvGrpSpPr>
-      <p:grpSpPr>
-        <a:xfrm>
-          <a:off x="0" y="0"/>
-          <a:ext cx="0" cy="0"/>
-          <a:chOff x="0" y="0"/>
-          <a:chExt cx="0" cy="0"/>
-        </a:xfrm>
-      </p:grpSpPr>
-      <p:sp>
-        <p:nvSpPr>
-          <p:cNvPr id="2" name="Titel 1">
-            <a:extLst>
-              <a:ext uri="{FF2B5EF4-FFF2-40B4-BE49-F238E27FC236}">
-                <a16:creationId xmlns:a16="http://schemas.microsoft.com/office/drawing/2014/main" id="{F75621D9-29E1-4BE8-A6DD-BB7710A2C548}"/>
-              </a:ext>
-            </a:extLst>
-          </p:cNvPr>
-          <p:cNvSpPr>
-            <a:spLocks noGrp="1"/>
-          </p:cNvSpPr>
-          <p:nvPr>
-            <p:ph type="title"/>
-          </p:nvPr>
-        </p:nvSpPr>
-        <p:spPr/>
-        <p:txBody>
-          <a:bodyPr/>
-          <a:lstStyle/>
-          <a:p>
-            <a:r>
-              <a:rPr lang="de-DE" dirty="0" err="1"/>
-              <a:t>Choosing</a:t>
-            </a:r>
-            <a:r>
-              <a:rPr lang="de-DE" dirty="0"/>
-              <a:t> </a:t>
-            </a:r>
-            <a:r>
-              <a:rPr lang="de-DE" dirty="0" err="1"/>
-              <a:t>the</a:t>
-            </a:r>
-            <a:r>
-              <a:rPr lang="de-DE" dirty="0"/>
-              <a:t> </a:t>
-            </a:r>
-            <a:r>
-              <a:rPr lang="de-DE" dirty="0" err="1"/>
-              <a:t>right</a:t>
-            </a:r>
-            <a:r>
-              <a:rPr lang="de-DE" dirty="0"/>
-              <a:t> </a:t>
-            </a:r>
-            <a:r>
-              <a:rPr lang="de-DE" dirty="0" err="1"/>
-              <a:t>estimator</a:t>
-            </a:r>
-            <a:endParaRPr lang="de-DE" dirty="0"/>
-          </a:p>
-        </p:txBody>
-      </p:sp>
-      <p:sp>
-        <p:nvSpPr>
-          <p:cNvPr id="3" name="Inhaltsplatzhalter 2">
-            <a:extLst>
-              <a:ext uri="{FF2B5EF4-FFF2-40B4-BE49-F238E27FC236}">
-                <a16:creationId xmlns:a16="http://schemas.microsoft.com/office/drawing/2014/main" id="{ABB97E9F-F82A-463E-94F8-30EE53876601}"/>
-              </a:ext>
-            </a:extLst>
-          </p:cNvPr>
-          <p:cNvSpPr>
-            <a:spLocks noGrp="1"/>
-          </p:cNvSpPr>
-          <p:nvPr>
-            <p:ph idx="1"/>
-          </p:nvPr>
-        </p:nvSpPr>
-        <p:spPr/>
-        <p:txBody>
-          <a:bodyPr/>
-          <a:lstStyle/>
-          <a:p>
-            <a:endParaRPr lang="de-DE"/>
-          </a:p>
-        </p:txBody>
-      </p:sp>
-      <p:sp>
-        <p:nvSpPr>
-          <p:cNvPr id="4" name="Fußzeilenplatzhalter 3">
-            <a:extLst>
-              <a:ext uri="{FF2B5EF4-FFF2-40B4-BE49-F238E27FC236}">
-                <a16:creationId xmlns:a16="http://schemas.microsoft.com/office/drawing/2014/main" id="{432BB9B1-25F7-455A-92DA-134D013E8FFC}"/>
-              </a:ext>
-            </a:extLst>
-          </p:cNvPr>
-          <p:cNvSpPr>
-            <a:spLocks noGrp="1"/>
-          </p:cNvSpPr>
-          <p:nvPr>
-            <p:ph type="ftr" sz="quarter" idx="11"/>
-          </p:nvPr>
-        </p:nvSpPr>
-        <p:spPr/>
-        <p:txBody>
-          <a:bodyPr/>
-          <a:lstStyle/>
-          <a:p>
-            <a:r>
-              <a:rPr lang="en-US" dirty="0"/>
-              <a:t>Machine Learning with Python</a:t>
-            </a:r>
-            <a:endParaRPr lang="de-DE" dirty="0"/>
-          </a:p>
-        </p:txBody>
-      </p:sp>
-      <p:sp>
-        <p:nvSpPr>
-          <p:cNvPr id="5" name="Foliennummernplatzhalter 4">
-            <a:extLst>
-              <a:ext uri="{FF2B5EF4-FFF2-40B4-BE49-F238E27FC236}">
-                <a16:creationId xmlns:a16="http://schemas.microsoft.com/office/drawing/2014/main" id="{44BD7661-C95A-47BC-9B64-1A1BFFF03E96}"/>
-              </a:ext>
-            </a:extLst>
-          </p:cNvPr>
-          <p:cNvSpPr>
-            <a:spLocks noGrp="1"/>
-          </p:cNvSpPr>
-          <p:nvPr>
-            <p:ph type="sldNum" sz="quarter" idx="12"/>
-          </p:nvPr>
-        </p:nvSpPr>
-        <p:spPr/>
-        <p:txBody>
-          <a:bodyPr/>
-          <a:lstStyle/>
-          <a:p>
-            <a:fld id="{A2E5ADE3-320B-4A5C-9C2E-27C2E367B8B2}" type="slidenum">
-              <a:rPr lang="de-DE" smtClean="0"/>
-              <a:t>6</a:t>
-            </a:fld>
-            <a:endParaRPr lang="de-DE"/>
-          </a:p>
-        </p:txBody>
-      </p:sp>
-      <p:sp>
-        <p:nvSpPr>
-          <p:cNvPr id="6" name="Datumsplatzhalter 5">
-            <a:extLst>
-              <a:ext uri="{FF2B5EF4-FFF2-40B4-BE49-F238E27FC236}">
-                <a16:creationId xmlns:a16="http://schemas.microsoft.com/office/drawing/2014/main" id="{6416EF14-F9CF-4638-8935-0BCC7BEAF255}"/>
-              </a:ext>
-            </a:extLst>
-          </p:cNvPr>
-          <p:cNvSpPr>
-            <a:spLocks noGrp="1"/>
-          </p:cNvSpPr>
-          <p:nvPr>
-            <p:ph type="dt" sz="half" idx="10"/>
-          </p:nvPr>
-        </p:nvSpPr>
-        <p:spPr/>
-        <p:txBody>
-          <a:bodyPr>
-            <a:normAutofit fontScale="92500" lnSpcReduction="20000"/>
-          </a:bodyPr>
-          <a:lstStyle/>
-          <a:p>
-            <a:r>
-              <a:rPr lang="de-DE" dirty="0"/>
-              <a:t>MLPy2021</a:t>
-            </a:r>
-          </a:p>
-        </p:txBody>
-      </p:sp>
-      <p:pic>
-        <p:nvPicPr>
-          <p:cNvPr id="19458" name="Picture 2" descr="Move mouse over image">
-            <a:extLst>
-              <a:ext uri="{FF2B5EF4-FFF2-40B4-BE49-F238E27FC236}">
-                <a16:creationId xmlns:a16="http://schemas.microsoft.com/office/drawing/2014/main" id="{771DDB56-3FBB-4D0A-B203-7582134FE8BD}"/>
-              </a:ext>
-            </a:extLst>
-          </p:cNvPr>
-          <p:cNvPicPr>
-            <a:picLocks noChangeAspect="1" noChangeArrowheads="1"/>
-          </p:cNvPicPr>
-          <p:nvPr/>
-        </p:nvPicPr>
-        <p:blipFill rotWithShape="1">
-          <a:blip r:embed="rId2">
-            <a:extLst>
-              <a:ext uri="{28A0092B-C50C-407E-A947-70E740481C1C}">
-                <a14:useLocalDpi xmlns:a14="http://schemas.microsoft.com/office/drawing/2010/main" val="0"/>
-              </a:ext>
-            </a:extLst>
-          </a:blip>
-          <a:srcRect/>
-          <a:stretch/>
-        </p:blipFill>
-        <p:spPr bwMode="auto">
-          <a:xfrm>
-            <a:off x="1649191" y="836712"/>
-            <a:ext cx="8893619" cy="5544616"/>
-          </a:xfrm>
-          <a:prstGeom prst="rect">
-            <a:avLst/>
-          </a:prstGeom>
-          <a:noFill/>
-          <a:extLst>
-            <a:ext uri="{909E8E84-426E-40DD-AFC4-6F175D3DCCD1}">
-              <a14:hiddenFill xmlns:a14="http://schemas.microsoft.com/office/drawing/2010/main">
-                <a:solidFill>
-                  <a:srgbClr val="FFFFFF"/>
-                </a:solidFill>
-              </a14:hiddenFill>
-            </a:ext>
-          </a:extLst>
-        </p:spPr>
-      </p:pic>
-      <p:sp>
-        <p:nvSpPr>
-          <p:cNvPr id="8" name="Textfeld 7">
-            <a:extLst>
-              <a:ext uri="{FF2B5EF4-FFF2-40B4-BE49-F238E27FC236}">
-                <a16:creationId xmlns:a16="http://schemas.microsoft.com/office/drawing/2014/main" id="{9FF37B86-4D06-4B8E-942D-1F5C2FD4613C}"/>
-              </a:ext>
-            </a:extLst>
-          </p:cNvPr>
-          <p:cNvSpPr txBox="1"/>
-          <p:nvPr/>
-        </p:nvSpPr>
-        <p:spPr>
-          <a:xfrm>
-            <a:off x="3251685" y="6011996"/>
-            <a:ext cx="8072869" cy="369332"/>
-          </a:xfrm>
-          <a:prstGeom prst="rect">
-            <a:avLst/>
-          </a:prstGeom>
-          <a:noFill/>
-        </p:spPr>
-        <p:txBody>
-          <a:bodyPr wrap="square" rtlCol="0">
-            <a:spAutoFit/>
-          </a:bodyPr>
-          <a:lstStyle/>
-          <a:p>
-            <a:r>
-              <a:rPr lang="de-DE" dirty="0"/>
-              <a:t>Source: </a:t>
-            </a:r>
-            <a:r>
-              <a:rPr lang="de-DE" sz="1600" dirty="0">
-                <a:hlinkClick r:id="rId3"/>
-              </a:rPr>
-              <a:t>https://scikit-learn.org/stable/tutorial/machine_learning_map/index.html</a:t>
-            </a:r>
-            <a:endParaRPr lang="de-DE" dirty="0"/>
-          </a:p>
-        </p:txBody>
-      </p:sp>
-    </p:spTree>
-    <p:extLst>
-      <p:ext uri="{BB962C8B-B14F-4D97-AF65-F5344CB8AC3E}">
-        <p14:creationId xmlns:p14="http://schemas.microsoft.com/office/powerpoint/2010/main" val="4214656318"/>
-      </p:ext>
-    </p:extLst>
-  </p:cSld>
-  <p:clrMapOvr>
-    <a:masterClrMapping/>
-  </p:clrMapOvr>
-</p:sld>
-</file>
-
-<file path=ppt/slides/slide7.xml><?xml version="1.0" encoding="utf-8"?>
-<p:sld xmlns:a="http://schemas.openxmlformats.org/drawingml/2006/main" xmlns:r="http://schemas.openxmlformats.org/officeDocument/2006/relationships" xmlns:p="http://schemas.openxmlformats.org/presentationml/2006/main">
-  <p:cSld>
-    <p:spTree>
-      <p:nvGrpSpPr>
-        <p:cNvPr id="1" name=""/>
-        <p:cNvGrpSpPr/>
-        <p:nvPr/>
-      </p:nvGrpSpPr>
-      <p:grpSpPr>
-        <a:xfrm>
-          <a:off x="0" y="0"/>
-          <a:ext cx="0" cy="0"/>
-          <a:chOff x="0" y="0"/>
-          <a:chExt cx="0" cy="0"/>
-        </a:xfrm>
-      </p:grpSpPr>
-      <p:sp>
-        <p:nvSpPr>
           <p:cNvPr id="2" name="Titel 1"/>
           <p:cNvSpPr>
             <a:spLocks noGrp="1"/>
@@ -14779,7 +7960,7 @@
 </p:sld>
 </file>
 
-<file path=ppt/slides/slide8.xml><?xml version="1.0" encoding="utf-8"?>
+<file path=ppt/slides/slide6.xml><?xml version="1.0" encoding="utf-8"?>
 <p:sld xmlns:a="http://schemas.openxmlformats.org/drawingml/2006/main" xmlns:r="http://schemas.openxmlformats.org/officeDocument/2006/relationships" xmlns:p="http://schemas.openxmlformats.org/presentationml/2006/main">
   <p:cSld>
     <p:spTree>
@@ -15076,7 +8257,7 @@
                   <a:spcPct val="0"/>
                 </a:spcBef>
               </a:pPr>
-              <a:t>8</a:t>
+              <a:t>6</a:t>
             </a:fld>
             <a:endParaRPr lang="de-DE"/>
           </a:p>
@@ -19823,7 +13004,7 @@
 </p:sld>
 </file>
 
-<file path=ppt/slides/slide9.xml><?xml version="1.0" encoding="utf-8"?>
+<file path=ppt/slides/slide7.xml><?xml version="1.0" encoding="utf-8"?>
 <p:sld xmlns:a="http://schemas.openxmlformats.org/drawingml/2006/main" xmlns:r="http://schemas.openxmlformats.org/officeDocument/2006/relationships" xmlns:p="http://schemas.openxmlformats.org/presentationml/2006/main">
   <p:cSld>
     <p:spTree>
@@ -20406,7 +13587,7 @@
                   <a:spcPct val="0"/>
                 </a:spcBef>
               </a:pPr>
-              <a:t>9</a:t>
+              <a:t>7</a:t>
             </a:fld>
             <a:endParaRPr lang="de-DE"/>
           </a:p>
@@ -21755,6 +14936,306 @@
       <p:bldP spid="11" grpId="0"/>
     </p:bldLst>
   </p:timing>
+</p:sld>
+</file>
+
+<file path=ppt/slides/slide8.xml><?xml version="1.0" encoding="utf-8"?>
+<p:sld xmlns:a="http://schemas.openxmlformats.org/drawingml/2006/main" xmlns:r="http://schemas.openxmlformats.org/officeDocument/2006/relationships" xmlns:p="http://schemas.openxmlformats.org/presentationml/2006/main">
+  <p:cSld>
+    <p:spTree>
+      <p:nvGrpSpPr>
+        <p:cNvPr id="1" name=""/>
+        <p:cNvGrpSpPr/>
+        <p:nvPr/>
+      </p:nvGrpSpPr>
+      <p:grpSpPr>
+        <a:xfrm>
+          <a:off x="0" y="0"/>
+          <a:ext cx="0" cy="0"/>
+          <a:chOff x="0" y="0"/>
+          <a:chExt cx="0" cy="0"/>
+        </a:xfrm>
+      </p:grpSpPr>
+      <p:sp>
+        <p:nvSpPr>
+          <p:cNvPr id="2" name="Titel 1">
+            <a:extLst>
+              <a:ext uri="{FF2B5EF4-FFF2-40B4-BE49-F238E27FC236}">
+                <a16:creationId xmlns:a16="http://schemas.microsoft.com/office/drawing/2014/main" id="{29979F07-BDC3-46AE-9547-33BE2CF3BD68}"/>
+              </a:ext>
+            </a:extLst>
+          </p:cNvPr>
+          <p:cNvSpPr>
+            <a:spLocks noGrp="1"/>
+          </p:cNvSpPr>
+          <p:nvPr>
+            <p:ph type="title"/>
+          </p:nvPr>
+        </p:nvSpPr>
+        <p:spPr/>
+        <p:txBody>
+          <a:bodyPr/>
+          <a:lstStyle/>
+          <a:p>
+            <a:r>
+              <a:rPr lang="de-DE" dirty="0"/>
+              <a:t>Backpropagation </a:t>
+            </a:r>
+            <a:r>
+              <a:rPr lang="de-DE" dirty="0" err="1"/>
+              <a:t>animation</a:t>
+            </a:r>
+            <a:endParaRPr lang="de-DE" dirty="0"/>
+          </a:p>
+        </p:txBody>
+      </p:sp>
+      <p:pic>
+        <p:nvPicPr>
+          <p:cNvPr id="8" name="Inhaltsplatzhalter 7">
+            <a:extLst>
+              <a:ext uri="{FF2B5EF4-FFF2-40B4-BE49-F238E27FC236}">
+                <a16:creationId xmlns:a16="http://schemas.microsoft.com/office/drawing/2014/main" id="{DC42E80E-2CA0-43A3-99FA-8369462E3A38}"/>
+              </a:ext>
+            </a:extLst>
+          </p:cNvPr>
+          <p:cNvPicPr>
+            <a:picLocks noGrp="1" noChangeAspect="1"/>
+          </p:cNvPicPr>
+          <p:nvPr>
+            <p:ph idx="1"/>
+          </p:nvPr>
+        </p:nvPicPr>
+        <p:blipFill>
+          <a:blip r:embed="rId2">
+            <a:extLst>
+              <a:ext uri="{28A0092B-C50C-407E-A947-70E740481C1C}">
+                <a14:useLocalDpi xmlns:a14="http://schemas.microsoft.com/office/drawing/2010/main" val="0"/>
+              </a:ext>
+            </a:extLst>
+          </a:blip>
+          <a:stretch>
+            <a:fillRect/>
+          </a:stretch>
+        </p:blipFill>
+        <p:spPr>
+          <a:xfrm>
+            <a:off x="1982732" y="983680"/>
+            <a:ext cx="8229600" cy="4890640"/>
+          </a:xfrm>
+        </p:spPr>
+      </p:pic>
+      <p:sp>
+        <p:nvSpPr>
+          <p:cNvPr id="4" name="Fußzeilenplatzhalter 3">
+            <a:extLst>
+              <a:ext uri="{FF2B5EF4-FFF2-40B4-BE49-F238E27FC236}">
+                <a16:creationId xmlns:a16="http://schemas.microsoft.com/office/drawing/2014/main" id="{8568E6B4-DA4C-4215-B539-489E893E32DF}"/>
+              </a:ext>
+            </a:extLst>
+          </p:cNvPr>
+          <p:cNvSpPr>
+            <a:spLocks noGrp="1"/>
+          </p:cNvSpPr>
+          <p:nvPr>
+            <p:ph type="ftr" sz="quarter" idx="11"/>
+          </p:nvPr>
+        </p:nvSpPr>
+        <p:spPr/>
+        <p:txBody>
+          <a:bodyPr/>
+          <a:lstStyle/>
+          <a:p>
+            <a:pPr>
+              <a:spcBef>
+                <a:spcPct val="0"/>
+              </a:spcBef>
+            </a:pPr>
+            <a:r>
+              <a:rPr lang="en-US" dirty="0"/>
+              <a:t>Machine Learning with Python</a:t>
+            </a:r>
+          </a:p>
+        </p:txBody>
+      </p:sp>
+      <p:sp>
+        <p:nvSpPr>
+          <p:cNvPr id="5" name="Foliennummernplatzhalter 4">
+            <a:extLst>
+              <a:ext uri="{FF2B5EF4-FFF2-40B4-BE49-F238E27FC236}">
+                <a16:creationId xmlns:a16="http://schemas.microsoft.com/office/drawing/2014/main" id="{9760891A-6438-4834-945F-BBC0C8023D3E}"/>
+              </a:ext>
+            </a:extLst>
+          </p:cNvPr>
+          <p:cNvSpPr>
+            <a:spLocks noGrp="1"/>
+          </p:cNvSpPr>
+          <p:nvPr>
+            <p:ph type="sldNum" sz="quarter" idx="12"/>
+          </p:nvPr>
+        </p:nvSpPr>
+        <p:spPr/>
+        <p:txBody>
+          <a:bodyPr/>
+          <a:lstStyle/>
+          <a:p>
+            <a:pPr algn="ctr">
+              <a:spcBef>
+                <a:spcPct val="0"/>
+              </a:spcBef>
+            </a:pPr>
+            <a:fld id="{A2E5ADE3-320B-4A5C-9C2E-27C2E367B8B2}" type="slidenum">
+              <a:rPr lang="de-DE" smtClean="0"/>
+              <a:pPr algn="ctr">
+                <a:spcBef>
+                  <a:spcPct val="0"/>
+                </a:spcBef>
+              </a:pPr>
+              <a:t>8</a:t>
+            </a:fld>
+            <a:endParaRPr lang="de-DE"/>
+          </a:p>
+        </p:txBody>
+      </p:sp>
+      <p:sp>
+        <p:nvSpPr>
+          <p:cNvPr id="6" name="Datumsplatzhalter 5">
+            <a:extLst>
+              <a:ext uri="{FF2B5EF4-FFF2-40B4-BE49-F238E27FC236}">
+                <a16:creationId xmlns:a16="http://schemas.microsoft.com/office/drawing/2014/main" id="{4DF8F4A6-9819-424E-9D9F-A7F8A5FC0C04}"/>
+              </a:ext>
+            </a:extLst>
+          </p:cNvPr>
+          <p:cNvSpPr>
+            <a:spLocks noGrp="1"/>
+          </p:cNvSpPr>
+          <p:nvPr>
+            <p:ph type="dt" sz="half" idx="10"/>
+          </p:nvPr>
+        </p:nvSpPr>
+        <p:spPr/>
+        <p:txBody>
+          <a:bodyPr/>
+          <a:lstStyle/>
+          <a:p>
+            <a:pPr>
+              <a:spcBef>
+                <a:spcPct val="0"/>
+              </a:spcBef>
+            </a:pPr>
+            <a:r>
+              <a:rPr lang="de-DE" dirty="0"/>
+              <a:t>MLPy2021</a:t>
+            </a:r>
+          </a:p>
+        </p:txBody>
+      </p:sp>
+      <p:sp>
+        <p:nvSpPr>
+          <p:cNvPr id="10" name="Textfeld 9">
+            <a:extLst>
+              <a:ext uri="{FF2B5EF4-FFF2-40B4-BE49-F238E27FC236}">
+                <a16:creationId xmlns:a16="http://schemas.microsoft.com/office/drawing/2014/main" id="{688A2819-0062-430F-B90B-4D6B0DB0C633}"/>
+              </a:ext>
+            </a:extLst>
+          </p:cNvPr>
+          <p:cNvSpPr txBox="1"/>
+          <p:nvPr/>
+        </p:nvSpPr>
+        <p:spPr>
+          <a:xfrm>
+            <a:off x="1906048" y="6151405"/>
+            <a:ext cx="8372420" cy="307777"/>
+          </a:xfrm>
+          <a:prstGeom prst="rect">
+            <a:avLst/>
+          </a:prstGeom>
+          <a:noFill/>
+        </p:spPr>
+        <p:txBody>
+          <a:bodyPr wrap="none" rtlCol="0">
+            <a:spAutoFit/>
+          </a:bodyPr>
+          <a:lstStyle/>
+          <a:p>
+            <a:r>
+              <a:rPr lang="de-DE" sz="1400" dirty="0"/>
+              <a:t>Source: </a:t>
+            </a:r>
+            <a:r>
+              <a:rPr lang="de-DE" sz="1400" dirty="0">
+                <a:hlinkClick r:id="rId3"/>
+              </a:rPr>
+              <a:t>https://towardsdatascience.com/lets-code-convolutional-neural-network-in-plain-numpy-ce48e732f5d5</a:t>
+            </a:r>
+            <a:endParaRPr lang="de-DE" sz="1400" dirty="0"/>
+          </a:p>
+        </p:txBody>
+      </p:sp>
+    </p:spTree>
+    <p:extLst>
+      <p:ext uri="{BB962C8B-B14F-4D97-AF65-F5344CB8AC3E}">
+        <p14:creationId xmlns:p14="http://schemas.microsoft.com/office/powerpoint/2010/main" val="1878301849"/>
+      </p:ext>
+    </p:extLst>
+  </p:cSld>
+  <p:clrMapOvr>
+    <a:masterClrMapping/>
+  </p:clrMapOvr>
+</p:sld>
+</file>
+
+<file path=ppt/slides/slide9.xml><?xml version="1.0" encoding="utf-8"?>
+<p:sld xmlns:a="http://schemas.openxmlformats.org/drawingml/2006/main" xmlns:r="http://schemas.openxmlformats.org/officeDocument/2006/relationships" xmlns:p="http://schemas.openxmlformats.org/presentationml/2006/main">
+  <p:cSld>
+    <p:spTree>
+      <p:nvGrpSpPr>
+        <p:cNvPr id="1" name=""/>
+        <p:cNvGrpSpPr/>
+        <p:nvPr/>
+      </p:nvGrpSpPr>
+      <p:grpSpPr>
+        <a:xfrm>
+          <a:off x="0" y="0"/>
+          <a:ext cx="0" cy="0"/>
+          <a:chOff x="0" y="0"/>
+          <a:chExt cx="0" cy="0"/>
+        </a:xfrm>
+      </p:grpSpPr>
+      <p:sp>
+        <p:nvSpPr>
+          <p:cNvPr id="2" name="Titel 1"/>
+          <p:cNvSpPr>
+            <a:spLocks noGrp="1"/>
+          </p:cNvSpPr>
+          <p:nvPr>
+            <p:ph type="ctrTitle"/>
+          </p:nvPr>
+        </p:nvSpPr>
+        <p:spPr/>
+        <p:txBody>
+          <a:bodyPr>
+            <a:normAutofit/>
+          </a:bodyPr>
+          <a:lstStyle/>
+          <a:p>
+            <a:r>
+              <a:rPr lang="en-US" dirty="0"/>
+              <a:t>Convolutional Neural Networks</a:t>
+            </a:r>
+            <a:endParaRPr lang="de-DE" dirty="0"/>
+          </a:p>
+        </p:txBody>
+      </p:sp>
+    </p:spTree>
+    <p:extLst>
+      <p:ext uri="{BB962C8B-B14F-4D97-AF65-F5344CB8AC3E}">
+        <p14:creationId xmlns:p14="http://schemas.microsoft.com/office/powerpoint/2010/main" val="2318108342"/>
+      </p:ext>
+    </p:extLst>
+  </p:cSld>
+  <p:clrMapOvr>
+    <a:masterClrMapping/>
+  </p:clrMapOvr>
 </p:sld>
 </file>
 

--- a/MLPy2021_slides.pptx
+++ b/MLPy2021_slides.pptx
@@ -237,7 +237,7 @@
           <a:p>
             <a:fld id="{89239DE2-7BD6-4DB3-8E72-E0075091CE8D}" type="datetimeFigureOut">
               <a:rPr lang="de-DE" smtClean="0"/>
-              <a:t>09.05.2021</a:t>
+              <a:t>13.05.2021</a:t>
             </a:fld>
             <a:endParaRPr lang="de-DE"/>
           </a:p>
@@ -402,7 +402,7 @@
           <a:p>
             <a:fld id="{31627992-0BBF-4E46-9509-BDA39CE6BFA3}" type="datetimeFigureOut">
               <a:rPr lang="de-DE" smtClean="0"/>
-              <a:t>09.05.2021</a:t>
+              <a:t>13.05.2021</a:t>
             </a:fld>
             <a:endParaRPr lang="de-DE"/>
           </a:p>

--- a/MLPy2021_slides.pptx
+++ b/MLPy2021_slides.pptx
@@ -237,7 +237,7 @@
           <a:p>
             <a:fld id="{89239DE2-7BD6-4DB3-8E72-E0075091CE8D}" type="datetimeFigureOut">
               <a:rPr lang="de-DE" smtClean="0"/>
-              <a:t>13.05.2021</a:t>
+              <a:t>27.05.2021</a:t>
             </a:fld>
             <a:endParaRPr lang="de-DE"/>
           </a:p>
@@ -402,7 +402,7 @@
           <a:p>
             <a:fld id="{31627992-0BBF-4E46-9509-BDA39CE6BFA3}" type="datetimeFigureOut">
               <a:rPr lang="de-DE" smtClean="0"/>
-              <a:t>13.05.2021</a:t>
+              <a:t>26.05.2021</a:t>
             </a:fld>
             <a:endParaRPr lang="de-DE"/>
           </a:p>
@@ -7438,7 +7438,7 @@
             <p:ph idx="1"/>
             <p:extLst>
               <p:ext uri="{D42A27DB-BD31-4B8C-83A1-F6EECF244321}">
-                <p14:modId xmlns:p14="http://schemas.microsoft.com/office/powerpoint/2010/main" val="4272608622"/>
+                <p14:modId xmlns:p14="http://schemas.microsoft.com/office/powerpoint/2010/main" val="495863100"/>
               </p:ext>
             </p:extLst>
           </p:nvPr>
@@ -13754,7 +13754,7 @@
         </p:spPr>
         <p:txBody>
           <a:bodyPr vert="horz" lIns="91440" tIns="45720" rIns="91440" bIns="45720" rtlCol="0">
-            <a:normAutofit/>
+            <a:normAutofit fontScale="92500"/>
           </a:bodyPr>
           <a:lstStyle>
             <a:lvl1pPr marL="180000" indent="-180000" algn="l" defTabSz="914400" rtl="0" eaLnBrk="1" latinLnBrk="0" hangingPunct="1">
@@ -13995,7 +13995,7 @@
             </a:r>
             <a:r>
               <a:rPr lang="de-DE" dirty="0" err="1"/>
-              <a:t>minmize</a:t>
+              <a:t>minimize</a:t>
             </a:r>
             <a:r>
               <a:rPr lang="de-DE" dirty="0"/>

--- a/MLPy2021_slides.pptx
+++ b/MLPy2021_slides.pptx
@@ -237,7 +237,7 @@
           <a:p>
             <a:fld id="{89239DE2-7BD6-4DB3-8E72-E0075091CE8D}" type="datetimeFigureOut">
               <a:rPr lang="de-DE" smtClean="0"/>
-              <a:t>27.05.2021</a:t>
+              <a:t>09.06.2021</a:t>
             </a:fld>
             <a:endParaRPr lang="de-DE"/>
           </a:p>
@@ -402,7 +402,7 @@
           <a:p>
             <a:fld id="{31627992-0BBF-4E46-9509-BDA39CE6BFA3}" type="datetimeFigureOut">
               <a:rPr lang="de-DE" smtClean="0"/>
-              <a:t>26.05.2021</a:t>
+              <a:t>08.06.2021</a:t>
             </a:fld>
             <a:endParaRPr lang="de-DE"/>
           </a:p>
@@ -3511,6 +3511,369 @@
   <p:clrMapOvr>
     <a:masterClrMapping/>
   </p:clrMapOvr>
+  <p:timing>
+    <p:tnLst>
+      <p:par>
+        <p:cTn id="1" dur="indefinite" restart="never" nodeType="tmRoot">
+          <p:childTnLst>
+            <p:seq concurrent="1" nextAc="seek">
+              <p:cTn id="2" dur="indefinite" nodeType="mainSeq">
+                <p:childTnLst>
+                  <p:par>
+                    <p:cTn id="3" fill="hold">
+                      <p:stCondLst>
+                        <p:cond delay="indefinite"/>
+                      </p:stCondLst>
+                      <p:childTnLst>
+                        <p:par>
+                          <p:cTn id="4" fill="hold">
+                            <p:stCondLst>
+                              <p:cond delay="0"/>
+                            </p:stCondLst>
+                            <p:childTnLst>
+                              <p:par>
+                                <p:cTn id="5" presetID="1" presetClass="entr" presetSubtype="0" fill="hold" nodeType="clickEffect">
+                                  <p:stCondLst>
+                                    <p:cond delay="0"/>
+                                  </p:stCondLst>
+                                  <p:childTnLst>
+                                    <p:set>
+                                      <p:cBhvr>
+                                        <p:cTn id="6" dur="1" fill="hold">
+                                          <p:stCondLst>
+                                            <p:cond delay="0"/>
+                                          </p:stCondLst>
+                                        </p:cTn>
+                                        <p:tgtEl>
+                                          <p:spTgt spid="3">
+                                            <p:txEl>
+                                              <p:pRg st="4" end="4"/>
+                                            </p:txEl>
+                                          </p:spTgt>
+                                        </p:tgtEl>
+                                        <p:attrNameLst>
+                                          <p:attrName>style.visibility</p:attrName>
+                                        </p:attrNameLst>
+                                      </p:cBhvr>
+                                      <p:to>
+                                        <p:strVal val="visible"/>
+                                      </p:to>
+                                    </p:set>
+                                  </p:childTnLst>
+                                </p:cTn>
+                              </p:par>
+                              <p:par>
+                                <p:cTn id="7" presetID="1" presetClass="entr" presetSubtype="0" fill="hold" nodeType="withEffect">
+                                  <p:stCondLst>
+                                    <p:cond delay="0"/>
+                                  </p:stCondLst>
+                                  <p:childTnLst>
+                                    <p:set>
+                                      <p:cBhvr>
+                                        <p:cTn id="8" dur="1" fill="hold">
+                                          <p:stCondLst>
+                                            <p:cond delay="0"/>
+                                          </p:stCondLst>
+                                        </p:cTn>
+                                        <p:tgtEl>
+                                          <p:spTgt spid="3">
+                                            <p:txEl>
+                                              <p:pRg st="5" end="5"/>
+                                            </p:txEl>
+                                          </p:spTgt>
+                                        </p:tgtEl>
+                                        <p:attrNameLst>
+                                          <p:attrName>style.visibility</p:attrName>
+                                        </p:attrNameLst>
+                                      </p:cBhvr>
+                                      <p:to>
+                                        <p:strVal val="visible"/>
+                                      </p:to>
+                                    </p:set>
+                                  </p:childTnLst>
+                                </p:cTn>
+                              </p:par>
+                              <p:par>
+                                <p:cTn id="9" presetID="1" presetClass="entr" presetSubtype="0" fill="hold" nodeType="withEffect">
+                                  <p:stCondLst>
+                                    <p:cond delay="0"/>
+                                  </p:stCondLst>
+                                  <p:childTnLst>
+                                    <p:set>
+                                      <p:cBhvr>
+                                        <p:cTn id="10" dur="1" fill="hold">
+                                          <p:stCondLst>
+                                            <p:cond delay="0"/>
+                                          </p:stCondLst>
+                                        </p:cTn>
+                                        <p:tgtEl>
+                                          <p:spTgt spid="3">
+                                            <p:txEl>
+                                              <p:pRg st="6" end="6"/>
+                                            </p:txEl>
+                                          </p:spTgt>
+                                        </p:tgtEl>
+                                        <p:attrNameLst>
+                                          <p:attrName>style.visibility</p:attrName>
+                                        </p:attrNameLst>
+                                      </p:cBhvr>
+                                      <p:to>
+                                        <p:strVal val="visible"/>
+                                      </p:to>
+                                    </p:set>
+                                  </p:childTnLst>
+                                </p:cTn>
+                              </p:par>
+                              <p:par>
+                                <p:cTn id="11" presetID="1" presetClass="entr" presetSubtype="0" fill="hold" nodeType="withEffect">
+                                  <p:stCondLst>
+                                    <p:cond delay="0"/>
+                                  </p:stCondLst>
+                                  <p:childTnLst>
+                                    <p:set>
+                                      <p:cBhvr>
+                                        <p:cTn id="12" dur="1" fill="hold">
+                                          <p:stCondLst>
+                                            <p:cond delay="0"/>
+                                          </p:stCondLst>
+                                        </p:cTn>
+                                        <p:tgtEl>
+                                          <p:spTgt spid="3">
+                                            <p:txEl>
+                                              <p:pRg st="7" end="7"/>
+                                            </p:txEl>
+                                          </p:spTgt>
+                                        </p:tgtEl>
+                                        <p:attrNameLst>
+                                          <p:attrName>style.visibility</p:attrName>
+                                        </p:attrNameLst>
+                                      </p:cBhvr>
+                                      <p:to>
+                                        <p:strVal val="visible"/>
+                                      </p:to>
+                                    </p:set>
+                                  </p:childTnLst>
+                                </p:cTn>
+                              </p:par>
+                              <p:par>
+                                <p:cTn id="13" presetID="1" presetClass="entr" presetSubtype="0" fill="hold" nodeType="withEffect">
+                                  <p:stCondLst>
+                                    <p:cond delay="0"/>
+                                  </p:stCondLst>
+                                  <p:childTnLst>
+                                    <p:set>
+                                      <p:cBhvr>
+                                        <p:cTn id="14" dur="1" fill="hold">
+                                          <p:stCondLst>
+                                            <p:cond delay="0"/>
+                                          </p:stCondLst>
+                                        </p:cTn>
+                                        <p:tgtEl>
+                                          <p:spTgt spid="3">
+                                            <p:txEl>
+                                              <p:pRg st="8" end="8"/>
+                                            </p:txEl>
+                                          </p:spTgt>
+                                        </p:tgtEl>
+                                        <p:attrNameLst>
+                                          <p:attrName>style.visibility</p:attrName>
+                                        </p:attrNameLst>
+                                      </p:cBhvr>
+                                      <p:to>
+                                        <p:strVal val="visible"/>
+                                      </p:to>
+                                    </p:set>
+                                  </p:childTnLst>
+                                </p:cTn>
+                              </p:par>
+                              <p:par>
+                                <p:cTn id="15" presetID="1" presetClass="entr" presetSubtype="0" fill="hold" nodeType="withEffect">
+                                  <p:stCondLst>
+                                    <p:cond delay="0"/>
+                                  </p:stCondLst>
+                                  <p:childTnLst>
+                                    <p:set>
+                                      <p:cBhvr>
+                                        <p:cTn id="16" dur="1" fill="hold">
+                                          <p:stCondLst>
+                                            <p:cond delay="0"/>
+                                          </p:stCondLst>
+                                        </p:cTn>
+                                        <p:tgtEl>
+                                          <p:spTgt spid="3">
+                                            <p:txEl>
+                                              <p:pRg st="9" end="9"/>
+                                            </p:txEl>
+                                          </p:spTgt>
+                                        </p:tgtEl>
+                                        <p:attrNameLst>
+                                          <p:attrName>style.visibility</p:attrName>
+                                        </p:attrNameLst>
+                                      </p:cBhvr>
+                                      <p:to>
+                                        <p:strVal val="visible"/>
+                                      </p:to>
+                                    </p:set>
+                                  </p:childTnLst>
+                                </p:cTn>
+                              </p:par>
+                              <p:par>
+                                <p:cTn id="17" presetID="1" presetClass="entr" presetSubtype="0" fill="hold" nodeType="withEffect">
+                                  <p:stCondLst>
+                                    <p:cond delay="0"/>
+                                  </p:stCondLst>
+                                  <p:childTnLst>
+                                    <p:set>
+                                      <p:cBhvr>
+                                        <p:cTn id="18" dur="1" fill="hold">
+                                          <p:stCondLst>
+                                            <p:cond delay="0"/>
+                                          </p:stCondLst>
+                                        </p:cTn>
+                                        <p:tgtEl>
+                                          <p:spTgt spid="3">
+                                            <p:txEl>
+                                              <p:pRg st="10" end="10"/>
+                                            </p:txEl>
+                                          </p:spTgt>
+                                        </p:tgtEl>
+                                        <p:attrNameLst>
+                                          <p:attrName>style.visibility</p:attrName>
+                                        </p:attrNameLst>
+                                      </p:cBhvr>
+                                      <p:to>
+                                        <p:strVal val="visible"/>
+                                      </p:to>
+                                    </p:set>
+                                  </p:childTnLst>
+                                </p:cTn>
+                              </p:par>
+                              <p:par>
+                                <p:cTn id="19" presetID="1" presetClass="entr" presetSubtype="0" fill="hold" nodeType="withEffect">
+                                  <p:stCondLst>
+                                    <p:cond delay="0"/>
+                                  </p:stCondLst>
+                                  <p:childTnLst>
+                                    <p:set>
+                                      <p:cBhvr>
+                                        <p:cTn id="20" dur="1" fill="hold">
+                                          <p:stCondLst>
+                                            <p:cond delay="0"/>
+                                          </p:stCondLst>
+                                        </p:cTn>
+                                        <p:tgtEl>
+                                          <p:spTgt spid="3">
+                                            <p:txEl>
+                                              <p:pRg st="11" end="11"/>
+                                            </p:txEl>
+                                          </p:spTgt>
+                                        </p:tgtEl>
+                                        <p:attrNameLst>
+                                          <p:attrName>style.visibility</p:attrName>
+                                        </p:attrNameLst>
+                                      </p:cBhvr>
+                                      <p:to>
+                                        <p:strVal val="visible"/>
+                                      </p:to>
+                                    </p:set>
+                                  </p:childTnLst>
+                                </p:cTn>
+                              </p:par>
+                              <p:par>
+                                <p:cTn id="21" presetID="1" presetClass="entr" presetSubtype="0" fill="hold" nodeType="withEffect">
+                                  <p:stCondLst>
+                                    <p:cond delay="0"/>
+                                  </p:stCondLst>
+                                  <p:childTnLst>
+                                    <p:set>
+                                      <p:cBhvr>
+                                        <p:cTn id="22" dur="1" fill="hold">
+                                          <p:stCondLst>
+                                            <p:cond delay="0"/>
+                                          </p:stCondLst>
+                                        </p:cTn>
+                                        <p:tgtEl>
+                                          <p:spTgt spid="3">
+                                            <p:txEl>
+                                              <p:pRg st="12" end="12"/>
+                                            </p:txEl>
+                                          </p:spTgt>
+                                        </p:tgtEl>
+                                        <p:attrNameLst>
+                                          <p:attrName>style.visibility</p:attrName>
+                                        </p:attrNameLst>
+                                      </p:cBhvr>
+                                      <p:to>
+                                        <p:strVal val="visible"/>
+                                      </p:to>
+                                    </p:set>
+                                  </p:childTnLst>
+                                </p:cTn>
+                              </p:par>
+                            </p:childTnLst>
+                          </p:cTn>
+                        </p:par>
+                        <p:par>
+                          <p:cTn id="23" fill="hold">
+                            <p:stCondLst>
+                              <p:cond delay="0"/>
+                            </p:stCondLst>
+                            <p:childTnLst>
+                              <p:par>
+                                <p:cTn id="24" presetID="1" presetClass="entr" presetSubtype="0" fill="hold" nodeType="afterEffect">
+                                  <p:stCondLst>
+                                    <p:cond delay="0"/>
+                                  </p:stCondLst>
+                                  <p:childTnLst>
+                                    <p:set>
+                                      <p:cBhvr>
+                                        <p:cTn id="25" dur="1" fill="hold">
+                                          <p:stCondLst>
+                                            <p:cond delay="0"/>
+                                          </p:stCondLst>
+                                        </p:cTn>
+                                        <p:tgtEl>
+                                          <p:spTgt spid="8196"/>
+                                        </p:tgtEl>
+                                        <p:attrNameLst>
+                                          <p:attrName>style.visibility</p:attrName>
+                                        </p:attrNameLst>
+                                      </p:cBhvr>
+                                      <p:to>
+                                        <p:strVal val="visible"/>
+                                      </p:to>
+                                    </p:set>
+                                  </p:childTnLst>
+                                </p:cTn>
+                              </p:par>
+                            </p:childTnLst>
+                          </p:cTn>
+                        </p:par>
+                      </p:childTnLst>
+                    </p:cTn>
+                  </p:par>
+                </p:childTnLst>
+              </p:cTn>
+              <p:prevCondLst>
+                <p:cond evt="onPrev" delay="0">
+                  <p:tgtEl>
+                    <p:sldTgt/>
+                  </p:tgtEl>
+                </p:cond>
+              </p:prevCondLst>
+              <p:nextCondLst>
+                <p:cond evt="onNext" delay="0">
+                  <p:tgtEl>
+                    <p:sldTgt/>
+                  </p:tgtEl>
+                </p:cond>
+              </p:nextCondLst>
+            </p:seq>
+          </p:childTnLst>
+        </p:cTn>
+      </p:par>
+    </p:tnLst>
+  </p:timing>
 </p:sld>
 </file>
 
